--- a/Научно-исследовательская практика/Презентация отчета.pptx
+++ b/Научно-исследовательская практика/Презентация отчета.pptx
@@ -13,8 +13,9 @@
     <p:sldId id="261" r:id="rId7"/>
     <p:sldId id="262" r:id="rId8"/>
     <p:sldId id="273" r:id="rId9"/>
-    <p:sldId id="269" r:id="rId10"/>
-    <p:sldId id="264" r:id="rId11"/>
+    <p:sldId id="266" r:id="rId10"/>
+    <p:sldId id="269" r:id="rId11"/>
+    <p:sldId id="264" r:id="rId12"/>
   </p:sldIdLst>
   <p:sldSz cx="9144000" cy="6858000" type="screen4x3"/>
   <p:notesSz cx="6797675" cy="9926638"/>
@@ -1329,7 +1330,7 @@
             <a:fld id="{D3F45E69-51FF-4017-B855-FA6AEE2AB1D5}" type="datetimeFigureOut">
               <a:rPr lang="ru-RU" smtClean="0"/>
               <a:pPr/>
-              <a:t>20.04.2022</a:t>
+              <a:t>25.04.2022</a:t>
             </a:fld>
             <a:endParaRPr lang="ru-RU"/>
           </a:p>
@@ -1494,7 +1495,7 @@
             <a:fld id="{D3F45E69-51FF-4017-B855-FA6AEE2AB1D5}" type="datetimeFigureOut">
               <a:rPr lang="ru-RU" smtClean="0"/>
               <a:pPr/>
-              <a:t>20.04.2022</a:t>
+              <a:t>25.04.2022</a:t>
             </a:fld>
             <a:endParaRPr lang="ru-RU"/>
           </a:p>
@@ -1669,7 +1670,7 @@
             <a:fld id="{D3F45E69-51FF-4017-B855-FA6AEE2AB1D5}" type="datetimeFigureOut">
               <a:rPr lang="ru-RU" smtClean="0"/>
               <a:pPr/>
-              <a:t>20.04.2022</a:t>
+              <a:t>25.04.2022</a:t>
             </a:fld>
             <a:endParaRPr lang="ru-RU"/>
           </a:p>
@@ -1834,7 +1835,7 @@
             <a:fld id="{D3F45E69-51FF-4017-B855-FA6AEE2AB1D5}" type="datetimeFigureOut">
               <a:rPr lang="ru-RU" smtClean="0"/>
               <a:pPr/>
-              <a:t>20.04.2022</a:t>
+              <a:t>25.04.2022</a:t>
             </a:fld>
             <a:endParaRPr lang="ru-RU"/>
           </a:p>
@@ -2076,7 +2077,7 @@
             <a:fld id="{D3F45E69-51FF-4017-B855-FA6AEE2AB1D5}" type="datetimeFigureOut">
               <a:rPr lang="ru-RU" smtClean="0"/>
               <a:pPr/>
-              <a:t>20.04.2022</a:t>
+              <a:t>25.04.2022</a:t>
             </a:fld>
             <a:endParaRPr lang="ru-RU"/>
           </a:p>
@@ -2358,7 +2359,7 @@
             <a:fld id="{D3F45E69-51FF-4017-B855-FA6AEE2AB1D5}" type="datetimeFigureOut">
               <a:rPr lang="ru-RU" smtClean="0"/>
               <a:pPr/>
-              <a:t>20.04.2022</a:t>
+              <a:t>25.04.2022</a:t>
             </a:fld>
             <a:endParaRPr lang="ru-RU"/>
           </a:p>
@@ -2774,7 +2775,7 @@
             <a:fld id="{D3F45E69-51FF-4017-B855-FA6AEE2AB1D5}" type="datetimeFigureOut">
               <a:rPr lang="ru-RU" smtClean="0"/>
               <a:pPr/>
-              <a:t>20.04.2022</a:t>
+              <a:t>25.04.2022</a:t>
             </a:fld>
             <a:endParaRPr lang="ru-RU"/>
           </a:p>
@@ -2888,7 +2889,7 @@
             <a:fld id="{D3F45E69-51FF-4017-B855-FA6AEE2AB1D5}" type="datetimeFigureOut">
               <a:rPr lang="ru-RU" smtClean="0"/>
               <a:pPr/>
-              <a:t>20.04.2022</a:t>
+              <a:t>25.04.2022</a:t>
             </a:fld>
             <a:endParaRPr lang="ru-RU"/>
           </a:p>
@@ -2980,7 +2981,7 @@
             <a:fld id="{D3F45E69-51FF-4017-B855-FA6AEE2AB1D5}" type="datetimeFigureOut">
               <a:rPr lang="ru-RU" smtClean="0"/>
               <a:pPr/>
-              <a:t>20.04.2022</a:t>
+              <a:t>25.04.2022</a:t>
             </a:fld>
             <a:endParaRPr lang="ru-RU"/>
           </a:p>
@@ -3252,7 +3253,7 @@
             <a:fld id="{D3F45E69-51FF-4017-B855-FA6AEE2AB1D5}" type="datetimeFigureOut">
               <a:rPr lang="ru-RU" smtClean="0"/>
               <a:pPr/>
-              <a:t>20.04.2022</a:t>
+              <a:t>25.04.2022</a:t>
             </a:fld>
             <a:endParaRPr lang="ru-RU"/>
           </a:p>
@@ -3501,7 +3502,7 @@
             <a:fld id="{D3F45E69-51FF-4017-B855-FA6AEE2AB1D5}" type="datetimeFigureOut">
               <a:rPr lang="ru-RU" smtClean="0"/>
               <a:pPr/>
-              <a:t>20.04.2022</a:t>
+              <a:t>25.04.2022</a:t>
             </a:fld>
             <a:endParaRPr lang="ru-RU"/>
           </a:p>
@@ -3709,7 +3710,7 @@
             <a:fld id="{D3F45E69-51FF-4017-B855-FA6AEE2AB1D5}" type="datetimeFigureOut">
               <a:rPr lang="ru-RU" smtClean="0"/>
               <a:pPr/>
-              <a:t>20.04.2022</a:t>
+              <a:t>25.04.2022</a:t>
             </a:fld>
             <a:endParaRPr lang="ru-RU"/>
           </a:p>
@@ -5089,7 +5090,7 @@
         <p:spPr bwMode="auto">
           <a:xfrm>
             <a:off x="539552" y="2852936"/>
-            <a:ext cx="8105911" cy="3954929"/>
+            <a:ext cx="8105911" cy="4262705"/>
           </a:xfrm>
           <a:prstGeom prst="rect">
             <a:avLst/>
@@ -5201,7 +5202,7 @@
             </a:pPr>
             <a:r>
               <a:rPr lang="ru-RU" sz="2000" dirty="0"/>
-              <a:t>программная реализация ВС ДЭП</a:t>
+              <a:t>программная реализация ВС ДЭП;</a:t>
             </a:r>
           </a:p>
           <a:p>
@@ -5214,7 +5215,20 @@
             </a:pPr>
             <a:r>
               <a:rPr lang="ru-RU" sz="2000" dirty="0"/>
-              <a:t>разработка пользовательского интерфейса ВС ДЭП.</a:t>
+              <a:t>разработка пользовательского интерфейса ВС ДЭП;</a:t>
+            </a:r>
+          </a:p>
+          <a:p>
+            <a:pPr marL="266700" indent="-266700">
+              <a:buFont typeface="Times New Roman" pitchFamily="18" charset="0"/>
+              <a:buChar char="•"/>
+              <a:tabLst>
+                <a:tab pos="266700" algn="l"/>
+              </a:tabLst>
+            </a:pPr>
+            <a:r>
+              <a:rPr lang="ru-RU" sz="2000" dirty="0"/>
+              <a:t>отладка и тестирование ВС ДЭП.</a:t>
             </a:r>
           </a:p>
           <a:p>
@@ -5246,6 +5260,1188 @@
 </file>
 
 <file path=ppt/slides/slide10.xml><?xml version="1.0" encoding="utf-8"?>
+<p:sld xmlns:a="http://schemas.openxmlformats.org/drawingml/2006/main" xmlns:r="http://schemas.openxmlformats.org/officeDocument/2006/relationships" xmlns:p="http://schemas.openxmlformats.org/presentationml/2006/main">
+  <p:cSld>
+    <p:spTree>
+      <p:nvGrpSpPr>
+        <p:cNvPr id="1" name=""/>
+        <p:cNvGrpSpPr/>
+        <p:nvPr/>
+      </p:nvGrpSpPr>
+      <p:grpSpPr>
+        <a:xfrm>
+          <a:off x="0" y="0"/>
+          <a:ext cx="0" cy="0"/>
+          <a:chOff x="0" y="0"/>
+          <a:chExt cx="0" cy="0"/>
+        </a:xfrm>
+      </p:grpSpPr>
+      <p:sp>
+        <p:nvSpPr>
+          <p:cNvPr id="4" name="Line 137"/>
+          <p:cNvSpPr>
+            <a:spLocks noChangeShapeType="1"/>
+          </p:cNvSpPr>
+          <p:nvPr/>
+        </p:nvSpPr>
+        <p:spPr bwMode="auto">
+          <a:xfrm>
+            <a:off x="193675" y="188913"/>
+            <a:ext cx="0" cy="6480175"/>
+          </a:xfrm>
+          <a:prstGeom prst="line">
+            <a:avLst/>
+          </a:prstGeom>
+          <a:noFill/>
+          <a:ln w="12700" cap="sq">
+            <a:solidFill>
+              <a:schemeClr val="tx1"/>
+            </a:solidFill>
+            <a:round/>
+            <a:headEnd/>
+            <a:tailEnd/>
+          </a:ln>
+        </p:spPr>
+        <p:txBody>
+          <a:bodyPr/>
+          <a:lstStyle/>
+          <a:p>
+            <a:endParaRPr lang="ru-RU"/>
+          </a:p>
+        </p:txBody>
+      </p:sp>
+      <p:sp>
+        <p:nvSpPr>
+          <p:cNvPr id="5" name="Line 138"/>
+          <p:cNvSpPr>
+            <a:spLocks noChangeShapeType="1"/>
+          </p:cNvSpPr>
+          <p:nvPr/>
+        </p:nvSpPr>
+        <p:spPr bwMode="auto">
+          <a:xfrm>
+            <a:off x="8978900" y="188913"/>
+            <a:ext cx="0" cy="6480175"/>
+          </a:xfrm>
+          <a:prstGeom prst="line">
+            <a:avLst/>
+          </a:prstGeom>
+          <a:noFill/>
+          <a:ln w="12700" cap="sq">
+            <a:solidFill>
+              <a:schemeClr val="tx1"/>
+            </a:solidFill>
+            <a:round/>
+            <a:headEnd/>
+            <a:tailEnd/>
+          </a:ln>
+        </p:spPr>
+        <p:txBody>
+          <a:bodyPr/>
+          <a:lstStyle/>
+          <a:p>
+            <a:endParaRPr lang="ru-RU"/>
+          </a:p>
+        </p:txBody>
+      </p:sp>
+      <p:sp>
+        <p:nvSpPr>
+          <p:cNvPr id="7" name="Line 158"/>
+          <p:cNvSpPr>
+            <a:spLocks noChangeShapeType="1"/>
+          </p:cNvSpPr>
+          <p:nvPr/>
+        </p:nvSpPr>
+        <p:spPr bwMode="auto">
+          <a:xfrm>
+            <a:off x="193675" y="188913"/>
+            <a:ext cx="8785225" cy="0"/>
+          </a:xfrm>
+          <a:prstGeom prst="line">
+            <a:avLst/>
+          </a:prstGeom>
+          <a:noFill/>
+          <a:ln w="12700" cap="sq">
+            <a:solidFill>
+              <a:schemeClr val="tx1"/>
+            </a:solidFill>
+            <a:round/>
+            <a:headEnd/>
+            <a:tailEnd/>
+          </a:ln>
+        </p:spPr>
+        <p:txBody>
+          <a:bodyPr/>
+          <a:lstStyle/>
+          <a:p>
+            <a:endParaRPr lang="ru-RU"/>
+          </a:p>
+        </p:txBody>
+      </p:sp>
+      <p:sp>
+        <p:nvSpPr>
+          <p:cNvPr id="8" name="Line 159"/>
+          <p:cNvSpPr>
+            <a:spLocks noChangeShapeType="1"/>
+          </p:cNvSpPr>
+          <p:nvPr/>
+        </p:nvSpPr>
+        <p:spPr bwMode="auto">
+          <a:xfrm>
+            <a:off x="193675" y="6669088"/>
+            <a:ext cx="8785225" cy="0"/>
+          </a:xfrm>
+          <a:prstGeom prst="line">
+            <a:avLst/>
+          </a:prstGeom>
+          <a:noFill/>
+          <a:ln w="12700" cap="sq">
+            <a:solidFill>
+              <a:schemeClr val="tx1"/>
+            </a:solidFill>
+            <a:round/>
+            <a:headEnd/>
+            <a:tailEnd/>
+          </a:ln>
+        </p:spPr>
+        <p:txBody>
+          <a:bodyPr/>
+          <a:lstStyle/>
+          <a:p>
+            <a:endParaRPr lang="ru-RU"/>
+          </a:p>
+        </p:txBody>
+      </p:sp>
+      <p:sp>
+        <p:nvSpPr>
+          <p:cNvPr id="9" name="TextBox 8"/>
+          <p:cNvSpPr txBox="1"/>
+          <p:nvPr/>
+        </p:nvSpPr>
+        <p:spPr>
+          <a:xfrm>
+            <a:off x="323528" y="1340769"/>
+            <a:ext cx="8424936" cy="3477875"/>
+          </a:xfrm>
+          <a:prstGeom prst="rect">
+            <a:avLst/>
+          </a:prstGeom>
+          <a:noFill/>
+        </p:spPr>
+        <p:txBody>
+          <a:bodyPr wrap="square" rtlCol="0">
+            <a:spAutoFit/>
+          </a:bodyPr>
+          <a:lstStyle/>
+          <a:p>
+            <a:pPr marL="177800" indent="-177800">
+              <a:spcAft>
+                <a:spcPts val="1200"/>
+              </a:spcAft>
+              <a:buFont typeface="Arial" pitchFamily="34" charset="0"/>
+              <a:buChar char="•"/>
+            </a:pPr>
+            <a:r>
+              <a:rPr lang="ru-RU" dirty="0"/>
+              <a:t>«Московский студенческий </a:t>
+            </a:r>
+            <a:r>
+              <a:rPr lang="en-US" dirty="0"/>
+              <a:t>DATA-</a:t>
+            </a:r>
+            <a:r>
+              <a:rPr lang="ru-RU" dirty="0" err="1"/>
+              <a:t>хакатон</a:t>
+            </a:r>
+            <a:r>
+              <a:rPr lang="ru-RU" dirty="0"/>
+              <a:t>» по задачам Счетной палаты РФ 25-26 февраля 2022 года. Диплом</a:t>
+            </a:r>
+            <a:r>
+              <a:rPr lang="en-US" dirty="0"/>
+              <a:t> </a:t>
+            </a:r>
+            <a:r>
+              <a:rPr lang="ru-RU" dirty="0"/>
+              <a:t>3 степени;</a:t>
+            </a:r>
+          </a:p>
+          <a:p>
+            <a:pPr marL="177800" indent="-177800">
+              <a:spcAft>
+                <a:spcPts val="1200"/>
+              </a:spcAft>
+              <a:buFont typeface="Arial" pitchFamily="34" charset="0"/>
+              <a:buChar char="•"/>
+            </a:pPr>
+            <a:r>
+              <a:rPr lang="ru-RU" dirty="0"/>
+              <a:t>конкурс инновационных проектов «ТРАНСФОРМАЦИЯ» 8-9 апреля 2022 года. Диплом призера 3 степени;</a:t>
+            </a:r>
+          </a:p>
+          <a:p>
+            <a:pPr marL="177800" indent="-177800">
+              <a:spcAft>
+                <a:spcPts val="1200"/>
+              </a:spcAft>
+              <a:buFont typeface="Arial" pitchFamily="34" charset="0"/>
+              <a:buChar char="•"/>
+            </a:pPr>
+            <a:r>
+              <a:rPr lang="ru-RU" sz="1800" dirty="0">
+                <a:solidFill>
+                  <a:srgbClr val="000000"/>
+                </a:solidFill>
+                <a:effectLst/>
+                <a:latin typeface="Times New Roman" panose="02020603050405020304" pitchFamily="18" charset="0"/>
+                <a:ea typeface="Times New Roman" panose="02020603050405020304" pitchFamily="18" charset="0"/>
+              </a:rPr>
+              <a:t>Мясников М.А. Разработка веб-службы для доступа к электронной почте на основе двухфакторной аутентификации. Микроэлектроника и информатика – 2022. 29-я Всероссийская межвузовская научно-техническая конференция студентов и аспирантов: тезисы докладов. – М.: МИЭТ, 2022. – 75 с.</a:t>
+            </a:r>
+            <a:endParaRPr lang="ru-RU" sz="1800" dirty="0">
+              <a:effectLst/>
+              <a:latin typeface="Times New Roman" panose="02020603050405020304" pitchFamily="18" charset="0"/>
+              <a:ea typeface="Times New Roman" panose="02020603050405020304" pitchFamily="18" charset="0"/>
+            </a:endParaRPr>
+          </a:p>
+          <a:p>
+            <a:pPr marL="177800" indent="-177800">
+              <a:spcAft>
+                <a:spcPts val="1200"/>
+              </a:spcAft>
+              <a:buFont typeface="Arial" pitchFamily="34" charset="0"/>
+              <a:buChar char="•"/>
+            </a:pPr>
+            <a:endParaRPr lang="ru-RU" dirty="0"/>
+          </a:p>
+          <a:p>
+            <a:pPr marL="177800" indent="-177800">
+              <a:spcAft>
+                <a:spcPts val="1200"/>
+              </a:spcAft>
+              <a:buFont typeface="Arial" pitchFamily="34" charset="0"/>
+              <a:buChar char="•"/>
+            </a:pPr>
+            <a:endParaRPr lang="ru-RU" dirty="0"/>
+          </a:p>
+        </p:txBody>
+      </p:sp>
+      <p:sp>
+        <p:nvSpPr>
+          <p:cNvPr id="10" name="Rectangle 23"/>
+          <p:cNvSpPr>
+            <a:spLocks noChangeArrowheads="1"/>
+          </p:cNvSpPr>
+          <p:nvPr/>
+        </p:nvSpPr>
+        <p:spPr bwMode="auto">
+          <a:xfrm>
+            <a:off x="251520" y="476672"/>
+            <a:ext cx="8642350" cy="430887"/>
+          </a:xfrm>
+          <a:prstGeom prst="rect">
+            <a:avLst/>
+          </a:prstGeom>
+          <a:noFill/>
+          <a:ln w="9525">
+            <a:noFill/>
+            <a:miter lim="800000"/>
+            <a:headEnd/>
+            <a:tailEnd/>
+          </a:ln>
+        </p:spPr>
+        <p:txBody>
+          <a:bodyPr wrap="square">
+            <a:spAutoFit/>
+          </a:bodyPr>
+          <a:lstStyle/>
+          <a:p>
+            <a:pPr algn="ctr"/>
+            <a:r>
+              <a:rPr lang="ru-RU" sz="2200" b="1" dirty="0"/>
+              <a:t>Апробация</a:t>
+            </a:r>
+          </a:p>
+        </p:txBody>
+      </p:sp>
+      <p:graphicFrame>
+        <p:nvGraphicFramePr>
+          <p:cNvPr id="11" name="Group 10">
+            <a:extLst>
+              <a:ext uri="{FF2B5EF4-FFF2-40B4-BE49-F238E27FC236}">
+                <a16:creationId xmlns:a16="http://schemas.microsoft.com/office/drawing/2014/main" id="{169E4C55-C614-4CA8-A26B-599625D9BA50}"/>
+              </a:ext>
+            </a:extLst>
+          </p:cNvPr>
+          <p:cNvGraphicFramePr>
+            <a:graphicFrameLocks noGrp="1"/>
+          </p:cNvGraphicFramePr>
+          <p:nvPr>
+            <p:extLst>
+              <p:ext uri="{D42A27DB-BD31-4B8C-83A1-F6EECF244321}">
+                <p14:modId xmlns:p14="http://schemas.microsoft.com/office/powerpoint/2010/main" val="1142896707"/>
+              </p:ext>
+            </p:extLst>
+          </p:nvPr>
+        </p:nvGraphicFramePr>
+        <p:xfrm>
+          <a:off x="6156325" y="6254750"/>
+          <a:ext cx="2822575" cy="412740"/>
+        </p:xfrm>
+        <a:graphic>
+          <a:graphicData uri="http://schemas.openxmlformats.org/drawingml/2006/table">
+            <a:tbl>
+              <a:tblPr/>
+              <a:tblGrid>
+                <a:gridCol w="792163">
+                  <a:extLst>
+                    <a:ext uri="{9D8B030D-6E8A-4147-A177-3AD203B41FA5}">
+                      <a16:colId xmlns:a16="http://schemas.microsoft.com/office/drawing/2014/main" val="20000"/>
+                    </a:ext>
+                  </a:extLst>
+                </a:gridCol>
+                <a:gridCol w="1008062">
+                  <a:extLst>
+                    <a:ext uri="{9D8B030D-6E8A-4147-A177-3AD203B41FA5}">
+                      <a16:colId xmlns:a16="http://schemas.microsoft.com/office/drawing/2014/main" val="20001"/>
+                    </a:ext>
+                  </a:extLst>
+                </a:gridCol>
+                <a:gridCol w="649288">
+                  <a:extLst>
+                    <a:ext uri="{9D8B030D-6E8A-4147-A177-3AD203B41FA5}">
+                      <a16:colId xmlns:a16="http://schemas.microsoft.com/office/drawing/2014/main" val="20002"/>
+                    </a:ext>
+                  </a:extLst>
+                </a:gridCol>
+                <a:gridCol w="373062">
+                  <a:extLst>
+                    <a:ext uri="{9D8B030D-6E8A-4147-A177-3AD203B41FA5}">
+                      <a16:colId xmlns:a16="http://schemas.microsoft.com/office/drawing/2014/main" val="20003"/>
+                    </a:ext>
+                  </a:extLst>
+                </a:gridCol>
+              </a:tblGrid>
+              <a:tr h="0">
+                <a:tc>
+                  <a:txBody>
+                    <a:bodyPr/>
+                    <a:lstStyle/>
+                    <a:p>
+                      <a:pPr marL="0" marR="0" lvl="0" indent="0" algn="l" defTabSz="914400" rtl="0" eaLnBrk="1" fontAlgn="base" latinLnBrk="0" hangingPunct="1">
+                        <a:lnSpc>
+                          <a:spcPct val="100000"/>
+                        </a:lnSpc>
+                        <a:spcBef>
+                          <a:spcPct val="0"/>
+                        </a:spcBef>
+                        <a:spcAft>
+                          <a:spcPct val="0"/>
+                        </a:spcAft>
+                        <a:buClrTx/>
+                        <a:buSzTx/>
+                        <a:buFontTx/>
+                        <a:buNone/>
+                        <a:tabLst/>
+                      </a:pPr>
+                      <a:r>
+                        <a:rPr kumimoji="0" lang="ru-RU" sz="1000" b="0" i="0" u="none" strike="noStrike" cap="none" normalizeH="0" baseline="0" dirty="0">
+                          <a:ln>
+                            <a:noFill/>
+                          </a:ln>
+                          <a:solidFill>
+                            <a:schemeClr val="tx1"/>
+                          </a:solidFill>
+                          <a:effectLst/>
+                          <a:latin typeface="Times New Roman" pitchFamily="18" charset="0"/>
+                          <a:cs typeface="Times New Roman" pitchFamily="18" charset="0"/>
+                        </a:rPr>
+                        <a:t>Разработал</a:t>
+                      </a:r>
+                      <a:endParaRPr kumimoji="0" lang="ru-RU" sz="1000" b="0" i="0" u="none" strike="noStrike" cap="none" normalizeH="0" baseline="0" dirty="0">
+                        <a:ln>
+                          <a:noFill/>
+                        </a:ln>
+                        <a:solidFill>
+                          <a:schemeClr val="tx1"/>
+                        </a:solidFill>
+                        <a:effectLst/>
+                        <a:latin typeface="Arial" charset="0"/>
+                      </a:endParaRPr>
+                    </a:p>
+                  </a:txBody>
+                  <a:tcPr marL="71962" marR="71962" marT="17991" marB="35979" horzOverflow="overflow">
+                    <a:lnL w="12700" cap="flat" cmpd="sng" algn="ctr">
+                      <a:solidFill>
+                        <a:srgbClr val="000000"/>
+                      </a:solidFill>
+                      <a:prstDash val="solid"/>
+                      <a:round/>
+                      <a:headEnd type="none" w="med" len="med"/>
+                      <a:tailEnd type="none" w="med" len="med"/>
+                    </a:lnL>
+                    <a:lnR w="12700" cap="flat" cmpd="sng" algn="ctr">
+                      <a:solidFill>
+                        <a:srgbClr val="000000"/>
+                      </a:solidFill>
+                      <a:prstDash val="solid"/>
+                      <a:round/>
+                      <a:headEnd type="none" w="med" len="med"/>
+                      <a:tailEnd type="none" w="med" len="med"/>
+                    </a:lnR>
+                    <a:lnT w="12700" cap="flat" cmpd="sng" algn="ctr">
+                      <a:solidFill>
+                        <a:srgbClr val="000000"/>
+                      </a:solidFill>
+                      <a:prstDash val="solid"/>
+                      <a:round/>
+                      <a:headEnd type="none" w="med" len="med"/>
+                      <a:tailEnd type="none" w="med" len="med"/>
+                    </a:lnT>
+                    <a:lnB w="12700" cap="flat" cmpd="sng" algn="ctr">
+                      <a:solidFill>
+                        <a:srgbClr val="000000"/>
+                      </a:solidFill>
+                      <a:prstDash val="solid"/>
+                      <a:round/>
+                      <a:headEnd type="none" w="med" len="med"/>
+                      <a:tailEnd type="none" w="med" len="med"/>
+                    </a:lnB>
+                    <a:lnTlToBr>
+                      <a:noFill/>
+                    </a:lnTlToBr>
+                    <a:lnBlToTr>
+                      <a:noFill/>
+                    </a:lnBlToTr>
+                    <a:noFill/>
+                  </a:tcPr>
+                </a:tc>
+                <a:tc>
+                  <a:txBody>
+                    <a:bodyPr/>
+                    <a:lstStyle/>
+                    <a:p>
+                      <a:pPr marL="0" marR="0" lvl="0" indent="0" algn="l" defTabSz="914400" rtl="0" eaLnBrk="1" fontAlgn="base" latinLnBrk="0" hangingPunct="1">
+                        <a:lnSpc>
+                          <a:spcPct val="100000"/>
+                        </a:lnSpc>
+                        <a:spcBef>
+                          <a:spcPct val="0"/>
+                        </a:spcBef>
+                        <a:spcAft>
+                          <a:spcPct val="0"/>
+                        </a:spcAft>
+                        <a:buClrTx/>
+                        <a:buSzTx/>
+                        <a:buFontTx/>
+                        <a:buNone/>
+                        <a:tabLst/>
+                      </a:pPr>
+                      <a:r>
+                        <a:rPr kumimoji="0" lang="ru-RU" sz="1000" b="0" i="0" u="none" strike="noStrike" cap="none" normalizeH="0" baseline="0" dirty="0">
+                          <a:ln>
+                            <a:noFill/>
+                          </a:ln>
+                          <a:solidFill>
+                            <a:schemeClr val="tx1"/>
+                          </a:solidFill>
+                          <a:effectLst/>
+                          <a:latin typeface="Times New Roman" pitchFamily="18" charset="0"/>
+                          <a:cs typeface="Times New Roman" pitchFamily="18" charset="0"/>
+                        </a:rPr>
+                        <a:t>Мясников М.А.</a:t>
+                      </a:r>
+                    </a:p>
+                  </a:txBody>
+                  <a:tcPr marL="71962" marR="71962" marT="17991" marB="35979" horzOverflow="overflow">
+                    <a:lnL w="12700" cap="flat" cmpd="sng" algn="ctr">
+                      <a:solidFill>
+                        <a:srgbClr val="000000"/>
+                      </a:solidFill>
+                      <a:prstDash val="solid"/>
+                      <a:round/>
+                      <a:headEnd type="none" w="med" len="med"/>
+                      <a:tailEnd type="none" w="med" len="med"/>
+                    </a:lnL>
+                    <a:lnR w="12700" cap="flat" cmpd="sng" algn="ctr">
+                      <a:solidFill>
+                        <a:srgbClr val="000000"/>
+                      </a:solidFill>
+                      <a:prstDash val="solid"/>
+                      <a:round/>
+                      <a:headEnd type="none" w="med" len="med"/>
+                      <a:tailEnd type="none" w="med" len="med"/>
+                    </a:lnR>
+                    <a:lnT w="12700" cap="flat" cmpd="sng" algn="ctr">
+                      <a:solidFill>
+                        <a:srgbClr val="000000"/>
+                      </a:solidFill>
+                      <a:prstDash val="solid"/>
+                      <a:round/>
+                      <a:headEnd type="none" w="med" len="med"/>
+                      <a:tailEnd type="none" w="med" len="med"/>
+                    </a:lnT>
+                    <a:lnB w="12700" cap="flat" cmpd="sng" algn="ctr">
+                      <a:solidFill>
+                        <a:srgbClr val="000000"/>
+                      </a:solidFill>
+                      <a:prstDash val="solid"/>
+                      <a:round/>
+                      <a:headEnd type="none" w="med" len="med"/>
+                      <a:tailEnd type="none" w="med" len="med"/>
+                    </a:lnB>
+                    <a:lnTlToBr>
+                      <a:noFill/>
+                    </a:lnTlToBr>
+                    <a:lnBlToTr>
+                      <a:noFill/>
+                    </a:lnBlToTr>
+                    <a:noFill/>
+                  </a:tcPr>
+                </a:tc>
+                <a:tc>
+                  <a:txBody>
+                    <a:bodyPr/>
+                    <a:lstStyle/>
+                    <a:p>
+                      <a:pPr marL="0" marR="0" lvl="0" indent="0" algn="l" defTabSz="914400" rtl="0" eaLnBrk="1" fontAlgn="base" latinLnBrk="0" hangingPunct="1">
+                        <a:lnSpc>
+                          <a:spcPct val="100000"/>
+                        </a:lnSpc>
+                        <a:spcBef>
+                          <a:spcPct val="20000"/>
+                        </a:spcBef>
+                        <a:spcAft>
+                          <a:spcPct val="0"/>
+                        </a:spcAft>
+                        <a:buClrTx/>
+                        <a:buSzTx/>
+                        <a:buFontTx/>
+                        <a:buNone/>
+                        <a:tabLst/>
+                      </a:pPr>
+                      <a:endParaRPr kumimoji="0" lang="ru-RU" sz="1000" b="0" i="0" u="none" strike="noStrike" cap="none" normalizeH="0" baseline="0">
+                        <a:ln>
+                          <a:noFill/>
+                        </a:ln>
+                        <a:solidFill>
+                          <a:schemeClr val="tx1"/>
+                        </a:solidFill>
+                        <a:effectLst/>
+                        <a:latin typeface="Arial" charset="0"/>
+                      </a:endParaRPr>
+                    </a:p>
+                  </a:txBody>
+                  <a:tcPr marL="71962" marR="71962" marT="17991" marB="35979" horzOverflow="overflow">
+                    <a:lnL w="12700" cap="flat" cmpd="sng" algn="ctr">
+                      <a:solidFill>
+                        <a:srgbClr val="000000"/>
+                      </a:solidFill>
+                      <a:prstDash val="solid"/>
+                      <a:round/>
+                      <a:headEnd type="none" w="med" len="med"/>
+                      <a:tailEnd type="none" w="med" len="med"/>
+                    </a:lnL>
+                    <a:lnR w="12700" cap="flat" cmpd="sng" algn="ctr">
+                      <a:solidFill>
+                        <a:srgbClr val="000000"/>
+                      </a:solidFill>
+                      <a:prstDash val="solid"/>
+                      <a:round/>
+                      <a:headEnd type="none" w="med" len="med"/>
+                      <a:tailEnd type="none" w="med" len="med"/>
+                    </a:lnR>
+                    <a:lnT w="12700" cap="flat" cmpd="sng" algn="ctr">
+                      <a:solidFill>
+                        <a:srgbClr val="000000"/>
+                      </a:solidFill>
+                      <a:prstDash val="solid"/>
+                      <a:round/>
+                      <a:headEnd type="none" w="med" len="med"/>
+                      <a:tailEnd type="none" w="med" len="med"/>
+                    </a:lnT>
+                    <a:lnB w="12700" cap="flat" cmpd="sng" algn="ctr">
+                      <a:solidFill>
+                        <a:srgbClr val="000000"/>
+                      </a:solidFill>
+                      <a:prstDash val="solid"/>
+                      <a:round/>
+                      <a:headEnd type="none" w="med" len="med"/>
+                      <a:tailEnd type="none" w="med" len="med"/>
+                    </a:lnB>
+                    <a:lnTlToBr>
+                      <a:noFill/>
+                    </a:lnTlToBr>
+                    <a:lnBlToTr>
+                      <a:noFill/>
+                    </a:lnBlToTr>
+                    <a:noFill/>
+                  </a:tcPr>
+                </a:tc>
+                <a:tc>
+                  <a:txBody>
+                    <a:bodyPr/>
+                    <a:lstStyle/>
+                    <a:p>
+                      <a:pPr marL="0" marR="0" lvl="0" indent="0" algn="l" defTabSz="914400" rtl="0" eaLnBrk="1" fontAlgn="base" latinLnBrk="0" hangingPunct="1">
+                        <a:lnSpc>
+                          <a:spcPct val="100000"/>
+                        </a:lnSpc>
+                        <a:spcBef>
+                          <a:spcPct val="20000"/>
+                        </a:spcBef>
+                        <a:spcAft>
+                          <a:spcPct val="0"/>
+                        </a:spcAft>
+                        <a:buClrTx/>
+                        <a:buSzTx/>
+                        <a:buFontTx/>
+                        <a:buNone/>
+                        <a:tabLst/>
+                      </a:pPr>
+                      <a:r>
+                        <a:rPr kumimoji="0" lang="ru-RU" sz="1000" b="0" i="0" u="none" strike="noStrike" cap="none" normalizeH="0" baseline="0" dirty="0">
+                          <a:ln>
+                            <a:noFill/>
+                          </a:ln>
+                          <a:solidFill>
+                            <a:schemeClr val="tx1"/>
+                          </a:solidFill>
+                          <a:effectLst/>
+                          <a:latin typeface="Times New Roman" pitchFamily="18" charset="0"/>
+                        </a:rPr>
+                        <a:t>10</a:t>
+                      </a:r>
+                    </a:p>
+                  </a:txBody>
+                  <a:tcPr marL="71962" marR="71962" marT="17991" marB="35979" horzOverflow="overflow">
+                    <a:lnL w="12700" cap="flat" cmpd="sng" algn="ctr">
+                      <a:solidFill>
+                        <a:srgbClr val="000000"/>
+                      </a:solidFill>
+                      <a:prstDash val="solid"/>
+                      <a:round/>
+                      <a:headEnd type="none" w="med" len="med"/>
+                      <a:tailEnd type="none" w="med" len="med"/>
+                    </a:lnL>
+                    <a:lnR w="12700" cap="flat" cmpd="sng" algn="ctr">
+                      <a:solidFill>
+                        <a:srgbClr val="000000"/>
+                      </a:solidFill>
+                      <a:prstDash val="solid"/>
+                      <a:round/>
+                      <a:headEnd type="none" w="med" len="med"/>
+                      <a:tailEnd type="none" w="med" len="med"/>
+                    </a:lnR>
+                    <a:lnT w="12700" cap="flat" cmpd="sng" algn="ctr">
+                      <a:solidFill>
+                        <a:srgbClr val="000000"/>
+                      </a:solidFill>
+                      <a:prstDash val="solid"/>
+                      <a:round/>
+                      <a:headEnd type="none" w="med" len="med"/>
+                      <a:tailEnd type="none" w="med" len="med"/>
+                    </a:lnT>
+                    <a:lnB w="12700" cap="flat" cmpd="sng" algn="ctr">
+                      <a:solidFill>
+                        <a:srgbClr val="000000"/>
+                      </a:solidFill>
+                      <a:prstDash val="solid"/>
+                      <a:round/>
+                      <a:headEnd type="none" w="med" len="med"/>
+                      <a:tailEnd type="none" w="med" len="med"/>
+                    </a:lnB>
+                    <a:lnTlToBr>
+                      <a:noFill/>
+                    </a:lnTlToBr>
+                    <a:lnBlToTr>
+                      <a:noFill/>
+                    </a:lnBlToTr>
+                    <a:noFill/>
+                  </a:tcPr>
+                </a:tc>
+                <a:extLst>
+                  <a:ext uri="{0D108BD9-81ED-4DB2-BD59-A6C34878D82A}">
+                    <a16:rowId xmlns:a16="http://schemas.microsoft.com/office/drawing/2014/main" val="10000"/>
+                  </a:ext>
+                </a:extLst>
+              </a:tr>
+              <a:tr h="0">
+                <a:tc>
+                  <a:txBody>
+                    <a:bodyPr/>
+                    <a:lstStyle/>
+                    <a:p>
+                      <a:pPr marL="0" marR="0" lvl="0" indent="0" algn="l" defTabSz="914400" rtl="0" eaLnBrk="1" fontAlgn="base" latinLnBrk="0" hangingPunct="1">
+                        <a:lnSpc>
+                          <a:spcPct val="100000"/>
+                        </a:lnSpc>
+                        <a:spcBef>
+                          <a:spcPct val="0"/>
+                        </a:spcBef>
+                        <a:spcAft>
+                          <a:spcPct val="0"/>
+                        </a:spcAft>
+                        <a:buClrTx/>
+                        <a:buSzTx/>
+                        <a:buFontTx/>
+                        <a:buNone/>
+                        <a:tabLst/>
+                      </a:pPr>
+                      <a:r>
+                        <a:rPr kumimoji="0" lang="ru-RU" sz="1000" b="0" i="0" u="none" strike="noStrike" cap="none" normalizeH="0" baseline="0">
+                          <a:ln>
+                            <a:noFill/>
+                          </a:ln>
+                          <a:solidFill>
+                            <a:schemeClr val="tx1"/>
+                          </a:solidFill>
+                          <a:effectLst/>
+                          <a:latin typeface="Times New Roman" pitchFamily="18" charset="0"/>
+                          <a:cs typeface="Times New Roman" pitchFamily="18" charset="0"/>
+                        </a:rPr>
+                        <a:t>Утвердил</a:t>
+                      </a:r>
+                      <a:endParaRPr kumimoji="0" lang="ru-RU" sz="1000" b="0" i="0" u="none" strike="noStrike" cap="none" normalizeH="0" baseline="0">
+                        <a:ln>
+                          <a:noFill/>
+                        </a:ln>
+                        <a:solidFill>
+                          <a:schemeClr val="tx1"/>
+                        </a:solidFill>
+                        <a:effectLst/>
+                        <a:latin typeface="Arial" charset="0"/>
+                      </a:endParaRPr>
+                    </a:p>
+                  </a:txBody>
+                  <a:tcPr marL="71962" marR="71962" marT="17991" marB="35979" horzOverflow="overflow">
+                    <a:lnL w="12700" cap="flat" cmpd="sng" algn="ctr">
+                      <a:solidFill>
+                        <a:srgbClr val="000000"/>
+                      </a:solidFill>
+                      <a:prstDash val="solid"/>
+                      <a:round/>
+                      <a:headEnd type="none" w="med" len="med"/>
+                      <a:tailEnd type="none" w="med" len="med"/>
+                    </a:lnL>
+                    <a:lnR w="12700" cap="flat" cmpd="sng" algn="ctr">
+                      <a:solidFill>
+                        <a:srgbClr val="000000"/>
+                      </a:solidFill>
+                      <a:prstDash val="solid"/>
+                      <a:round/>
+                      <a:headEnd type="none" w="med" len="med"/>
+                      <a:tailEnd type="none" w="med" len="med"/>
+                    </a:lnR>
+                    <a:lnT w="12700" cap="flat" cmpd="sng" algn="ctr">
+                      <a:solidFill>
+                        <a:srgbClr val="000000"/>
+                      </a:solidFill>
+                      <a:prstDash val="solid"/>
+                      <a:round/>
+                      <a:headEnd type="none" w="med" len="med"/>
+                      <a:tailEnd type="none" w="med" len="med"/>
+                    </a:lnT>
+                    <a:lnB w="12700" cap="flat" cmpd="sng" algn="ctr">
+                      <a:solidFill>
+                        <a:srgbClr val="000000"/>
+                      </a:solidFill>
+                      <a:prstDash val="solid"/>
+                      <a:round/>
+                      <a:headEnd type="none" w="med" len="med"/>
+                      <a:tailEnd type="none" w="med" len="med"/>
+                    </a:lnB>
+                    <a:lnTlToBr>
+                      <a:noFill/>
+                    </a:lnTlToBr>
+                    <a:lnBlToTr>
+                      <a:noFill/>
+                    </a:lnBlToTr>
+                    <a:noFill/>
+                  </a:tcPr>
+                </a:tc>
+                <a:tc>
+                  <a:txBody>
+                    <a:bodyPr/>
+                    <a:lstStyle/>
+                    <a:p>
+                      <a:pPr marL="0" marR="0" lvl="0" indent="0" algn="l" defTabSz="914400" rtl="0" eaLnBrk="1" fontAlgn="base" latinLnBrk="0" hangingPunct="1">
+                        <a:lnSpc>
+                          <a:spcPct val="100000"/>
+                        </a:lnSpc>
+                        <a:spcBef>
+                          <a:spcPct val="0"/>
+                        </a:spcBef>
+                        <a:spcAft>
+                          <a:spcPct val="0"/>
+                        </a:spcAft>
+                        <a:buClrTx/>
+                        <a:buSzTx/>
+                        <a:buFontTx/>
+                        <a:buNone/>
+                        <a:tabLst/>
+                      </a:pPr>
+                      <a:r>
+                        <a:rPr kumimoji="0" lang="ru-RU" sz="1000" b="0" i="0" u="none" strike="noStrike" cap="none" normalizeH="0" baseline="0" dirty="0">
+                          <a:ln>
+                            <a:noFill/>
+                          </a:ln>
+                          <a:solidFill>
+                            <a:schemeClr val="tx1"/>
+                          </a:solidFill>
+                          <a:effectLst/>
+                          <a:latin typeface="Times New Roman" pitchFamily="18" charset="0"/>
+                          <a:cs typeface="Times New Roman" pitchFamily="18" charset="0"/>
+                        </a:rPr>
+                        <a:t>Гагарина Л.Г.</a:t>
+                      </a:r>
+                    </a:p>
+                  </a:txBody>
+                  <a:tcPr marL="71962" marR="71962" marT="17991" marB="35979" horzOverflow="overflow">
+                    <a:lnL w="12700" cap="flat" cmpd="sng" algn="ctr">
+                      <a:solidFill>
+                        <a:srgbClr val="000000"/>
+                      </a:solidFill>
+                      <a:prstDash val="solid"/>
+                      <a:round/>
+                      <a:headEnd type="none" w="med" len="med"/>
+                      <a:tailEnd type="none" w="med" len="med"/>
+                    </a:lnL>
+                    <a:lnR w="12700" cap="flat" cmpd="sng" algn="ctr">
+                      <a:solidFill>
+                        <a:srgbClr val="000000"/>
+                      </a:solidFill>
+                      <a:prstDash val="solid"/>
+                      <a:round/>
+                      <a:headEnd type="none" w="med" len="med"/>
+                      <a:tailEnd type="none" w="med" len="med"/>
+                    </a:lnR>
+                    <a:lnT w="12700" cap="flat" cmpd="sng" algn="ctr">
+                      <a:solidFill>
+                        <a:srgbClr val="000000"/>
+                      </a:solidFill>
+                      <a:prstDash val="solid"/>
+                      <a:round/>
+                      <a:headEnd type="none" w="med" len="med"/>
+                      <a:tailEnd type="none" w="med" len="med"/>
+                    </a:lnT>
+                    <a:lnB w="12700" cap="flat" cmpd="sng" algn="ctr">
+                      <a:solidFill>
+                        <a:srgbClr val="000000"/>
+                      </a:solidFill>
+                      <a:prstDash val="solid"/>
+                      <a:round/>
+                      <a:headEnd type="none" w="med" len="med"/>
+                      <a:tailEnd type="none" w="med" len="med"/>
+                    </a:lnB>
+                    <a:lnTlToBr>
+                      <a:noFill/>
+                    </a:lnTlToBr>
+                    <a:lnBlToTr>
+                      <a:noFill/>
+                    </a:lnBlToTr>
+                    <a:noFill/>
+                  </a:tcPr>
+                </a:tc>
+                <a:tc>
+                  <a:txBody>
+                    <a:bodyPr/>
+                    <a:lstStyle/>
+                    <a:p>
+                      <a:pPr marL="0" marR="0" lvl="0" indent="0" algn="l" defTabSz="914400" rtl="0" eaLnBrk="1" fontAlgn="base" latinLnBrk="0" hangingPunct="1">
+                        <a:lnSpc>
+                          <a:spcPct val="100000"/>
+                        </a:lnSpc>
+                        <a:spcBef>
+                          <a:spcPct val="20000"/>
+                        </a:spcBef>
+                        <a:spcAft>
+                          <a:spcPct val="0"/>
+                        </a:spcAft>
+                        <a:buClrTx/>
+                        <a:buSzTx/>
+                        <a:buFontTx/>
+                        <a:buNone/>
+                        <a:tabLst/>
+                      </a:pPr>
+                      <a:endParaRPr kumimoji="0" lang="ru-RU" sz="1000" b="0" i="0" u="none" strike="noStrike" cap="none" normalizeH="0" baseline="0">
+                        <a:ln>
+                          <a:noFill/>
+                        </a:ln>
+                        <a:solidFill>
+                          <a:schemeClr val="tx1"/>
+                        </a:solidFill>
+                        <a:effectLst/>
+                        <a:latin typeface="Arial" charset="0"/>
+                      </a:endParaRPr>
+                    </a:p>
+                  </a:txBody>
+                  <a:tcPr marL="71962" marR="71962" marT="17991" marB="35979" horzOverflow="overflow">
+                    <a:lnL w="12700" cap="flat" cmpd="sng" algn="ctr">
+                      <a:solidFill>
+                        <a:srgbClr val="000000"/>
+                      </a:solidFill>
+                      <a:prstDash val="solid"/>
+                      <a:round/>
+                      <a:headEnd type="none" w="med" len="med"/>
+                      <a:tailEnd type="none" w="med" len="med"/>
+                    </a:lnL>
+                    <a:lnR w="12700" cap="flat" cmpd="sng" algn="ctr">
+                      <a:solidFill>
+                        <a:srgbClr val="000000"/>
+                      </a:solidFill>
+                      <a:prstDash val="solid"/>
+                      <a:round/>
+                      <a:headEnd type="none" w="med" len="med"/>
+                      <a:tailEnd type="none" w="med" len="med"/>
+                    </a:lnR>
+                    <a:lnT w="12700" cap="flat" cmpd="sng" algn="ctr">
+                      <a:solidFill>
+                        <a:srgbClr val="000000"/>
+                      </a:solidFill>
+                      <a:prstDash val="solid"/>
+                      <a:round/>
+                      <a:headEnd type="none" w="med" len="med"/>
+                      <a:tailEnd type="none" w="med" len="med"/>
+                    </a:lnT>
+                    <a:lnB w="12700" cap="flat" cmpd="sng" algn="ctr">
+                      <a:solidFill>
+                        <a:srgbClr val="000000"/>
+                      </a:solidFill>
+                      <a:prstDash val="solid"/>
+                      <a:round/>
+                      <a:headEnd type="none" w="med" len="med"/>
+                      <a:tailEnd type="none" w="med" len="med"/>
+                    </a:lnB>
+                    <a:lnTlToBr>
+                      <a:noFill/>
+                    </a:lnTlToBr>
+                    <a:lnBlToTr>
+                      <a:noFill/>
+                    </a:lnBlToTr>
+                    <a:noFill/>
+                  </a:tcPr>
+                </a:tc>
+                <a:tc>
+                  <a:txBody>
+                    <a:bodyPr/>
+                    <a:lstStyle/>
+                    <a:p>
+                      <a:pPr marL="0" marR="0" lvl="0" indent="0" algn="l" defTabSz="914400" rtl="0" eaLnBrk="1" fontAlgn="base" latinLnBrk="0" hangingPunct="1">
+                        <a:lnSpc>
+                          <a:spcPct val="100000"/>
+                        </a:lnSpc>
+                        <a:spcBef>
+                          <a:spcPct val="20000"/>
+                        </a:spcBef>
+                        <a:spcAft>
+                          <a:spcPct val="0"/>
+                        </a:spcAft>
+                        <a:buClrTx/>
+                        <a:buSzTx/>
+                        <a:buFontTx/>
+                        <a:buNone/>
+                        <a:tabLst/>
+                      </a:pPr>
+                      <a:endParaRPr kumimoji="0" lang="ru-RU" sz="1000" b="0" i="0" u="none" strike="noStrike" cap="none" normalizeH="0" baseline="0" dirty="0">
+                        <a:ln>
+                          <a:noFill/>
+                        </a:ln>
+                        <a:solidFill>
+                          <a:schemeClr val="tx1"/>
+                        </a:solidFill>
+                        <a:effectLst/>
+                        <a:latin typeface="Arial" charset="0"/>
+                      </a:endParaRPr>
+                    </a:p>
+                  </a:txBody>
+                  <a:tcPr marL="71962" marR="71962" marT="17991" marB="35979" horzOverflow="overflow">
+                    <a:lnL w="12700" cap="flat" cmpd="sng" algn="ctr">
+                      <a:solidFill>
+                        <a:srgbClr val="000000"/>
+                      </a:solidFill>
+                      <a:prstDash val="solid"/>
+                      <a:round/>
+                      <a:headEnd type="none" w="med" len="med"/>
+                      <a:tailEnd type="none" w="med" len="med"/>
+                    </a:lnL>
+                    <a:lnR w="12700" cap="flat" cmpd="sng" algn="ctr">
+                      <a:solidFill>
+                        <a:srgbClr val="000000"/>
+                      </a:solidFill>
+                      <a:prstDash val="solid"/>
+                      <a:round/>
+                      <a:headEnd type="none" w="med" len="med"/>
+                      <a:tailEnd type="none" w="med" len="med"/>
+                    </a:lnR>
+                    <a:lnT w="12700" cap="flat" cmpd="sng" algn="ctr">
+                      <a:solidFill>
+                        <a:srgbClr val="000000"/>
+                      </a:solidFill>
+                      <a:prstDash val="solid"/>
+                      <a:round/>
+                      <a:headEnd type="none" w="med" len="med"/>
+                      <a:tailEnd type="none" w="med" len="med"/>
+                    </a:lnT>
+                    <a:lnB w="12700" cap="flat" cmpd="sng" algn="ctr">
+                      <a:solidFill>
+                        <a:srgbClr val="000000"/>
+                      </a:solidFill>
+                      <a:prstDash val="solid"/>
+                      <a:round/>
+                      <a:headEnd type="none" w="med" len="med"/>
+                      <a:tailEnd type="none" w="med" len="med"/>
+                    </a:lnB>
+                    <a:lnTlToBr>
+                      <a:noFill/>
+                    </a:lnTlToBr>
+                    <a:lnBlToTr>
+                      <a:noFill/>
+                    </a:lnBlToTr>
+                    <a:noFill/>
+                  </a:tcPr>
+                </a:tc>
+                <a:extLst>
+                  <a:ext uri="{0D108BD9-81ED-4DB2-BD59-A6C34878D82A}">
+                    <a16:rowId xmlns:a16="http://schemas.microsoft.com/office/drawing/2014/main" val="10001"/>
+                  </a:ext>
+                </a:extLst>
+              </a:tr>
+            </a:tbl>
+          </a:graphicData>
+        </a:graphic>
+      </p:graphicFrame>
+      <p:pic>
+        <p:nvPicPr>
+          <p:cNvPr id="6" name="Рисунок 5">
+            <a:extLst>
+              <a:ext uri="{FF2B5EF4-FFF2-40B4-BE49-F238E27FC236}">
+                <a16:creationId xmlns:a16="http://schemas.microsoft.com/office/drawing/2014/main" id="{F23EE50F-1F4D-4B9C-B850-1CC0FEB82398}"/>
+              </a:ext>
+            </a:extLst>
+          </p:cNvPr>
+          <p:cNvPicPr>
+            <a:picLocks noChangeAspect="1"/>
+          </p:cNvPicPr>
+          <p:nvPr/>
+        </p:nvPicPr>
+        <p:blipFill>
+          <a:blip r:embed="rId2"/>
+          <a:stretch>
+            <a:fillRect/>
+          </a:stretch>
+        </p:blipFill>
+        <p:spPr>
+          <a:xfrm>
+            <a:off x="614061" y="4034663"/>
+            <a:ext cx="1648280" cy="2225583"/>
+          </a:xfrm>
+          <a:prstGeom prst="rect">
+            <a:avLst/>
+          </a:prstGeom>
+        </p:spPr>
+      </p:pic>
+      <p:pic>
+        <p:nvPicPr>
+          <p:cNvPr id="1026" name="Picture 2">
+            <a:extLst>
+              <a:ext uri="{FF2B5EF4-FFF2-40B4-BE49-F238E27FC236}">
+                <a16:creationId xmlns:a16="http://schemas.microsoft.com/office/drawing/2014/main" id="{7C1976D1-4E4D-45E1-B423-922105A96C8F}"/>
+              </a:ext>
+            </a:extLst>
+          </p:cNvPr>
+          <p:cNvPicPr>
+            <a:picLocks noChangeAspect="1" noChangeArrowheads="1"/>
+          </p:cNvPicPr>
+          <p:nvPr/>
+        </p:nvPicPr>
+        <p:blipFill rotWithShape="1">
+          <a:blip r:embed="rId3" cstate="print">
+            <a:extLst>
+              <a:ext uri="{28A0092B-C50C-407E-A947-70E740481C1C}">
+                <a14:useLocalDpi xmlns:a14="http://schemas.microsoft.com/office/drawing/2010/main" val="0"/>
+              </a:ext>
+            </a:extLst>
+          </a:blip>
+          <a:srcRect l="289" t="1700" r="1932" b="2778"/>
+          <a:stretch/>
+        </p:blipFill>
+        <p:spPr bwMode="auto">
+          <a:xfrm>
+            <a:off x="2562453" y="4034663"/>
+            <a:ext cx="1638145" cy="2220086"/>
+          </a:xfrm>
+          <a:prstGeom prst="rect">
+            <a:avLst/>
+          </a:prstGeom>
+          <a:noFill/>
+          <a:extLst>
+            <a:ext uri="{909E8E84-426E-40DD-AFC4-6F175D3DCCD1}">
+              <a14:hiddenFill xmlns:a14="http://schemas.microsoft.com/office/drawing/2010/main">
+                <a:solidFill>
+                  <a:srgbClr val="FFFFFF"/>
+                </a:solidFill>
+              </a14:hiddenFill>
+            </a:ext>
+          </a:extLst>
+        </p:spPr>
+      </p:pic>
+      <p:pic>
+        <p:nvPicPr>
+          <p:cNvPr id="1028" name="Picture 4">
+            <a:extLst>
+              <a:ext uri="{FF2B5EF4-FFF2-40B4-BE49-F238E27FC236}">
+                <a16:creationId xmlns:a16="http://schemas.microsoft.com/office/drawing/2014/main" id="{8303554C-5DE4-41DC-A586-8ED1D04AAC30}"/>
+              </a:ext>
+            </a:extLst>
+          </p:cNvPr>
+          <p:cNvPicPr>
+            <a:picLocks noChangeAspect="1" noChangeArrowheads="1"/>
+          </p:cNvPicPr>
+          <p:nvPr/>
+        </p:nvPicPr>
+        <p:blipFill>
+          <a:blip r:embed="rId4" cstate="print">
+            <a:extLst>
+              <a:ext uri="{28A0092B-C50C-407E-A947-70E740481C1C}">
+                <a14:useLocalDpi xmlns:a14="http://schemas.microsoft.com/office/drawing/2010/main" val="0"/>
+              </a:ext>
+            </a:extLst>
+          </a:blip>
+          <a:srcRect/>
+          <a:stretch>
+            <a:fillRect/>
+          </a:stretch>
+        </p:blipFill>
+        <p:spPr bwMode="auto">
+          <a:xfrm>
+            <a:off x="4500710" y="4034663"/>
+            <a:ext cx="1619703" cy="2218490"/>
+          </a:xfrm>
+          <a:prstGeom prst="rect">
+            <a:avLst/>
+          </a:prstGeom>
+          <a:noFill/>
+          <a:extLst>
+            <a:ext uri="{909E8E84-426E-40DD-AFC4-6F175D3DCCD1}">
+              <a14:hiddenFill xmlns:a14="http://schemas.microsoft.com/office/drawing/2010/main">
+                <a:solidFill>
+                  <a:srgbClr val="FFFFFF"/>
+                </a:solidFill>
+              </a14:hiddenFill>
+            </a:ext>
+          </a:extLst>
+        </p:spPr>
+      </p:pic>
+    </p:spTree>
+  </p:cSld>
+  <p:clrMapOvr>
+    <a:masterClrMapping/>
+  </p:clrMapOvr>
+</p:sld>
+</file>
+
+<file path=ppt/slides/slide11.xml><?xml version="1.0" encoding="utf-8"?>
 <p:sld xmlns:a="http://schemas.openxmlformats.org/drawingml/2006/main" xmlns:r="http://schemas.openxmlformats.org/officeDocument/2006/relationships" xmlns:p="http://schemas.openxmlformats.org/presentationml/2006/main">
   <p:cSld>
     <p:spTree>
@@ -5446,8 +6642,8 @@
         </p:nvSpPr>
         <p:spPr bwMode="auto">
           <a:xfrm>
-            <a:off x="342900" y="1196189"/>
-            <a:ext cx="8333556" cy="3046988"/>
+            <a:off x="342900" y="1011523"/>
+            <a:ext cx="8333556" cy="3416320"/>
           </a:xfrm>
           <a:prstGeom prst="rect">
             <a:avLst/>
@@ -5488,13 +6684,8 @@
             </a:pPr>
             <a:r>
               <a:rPr lang="ru-RU" sz="2400" dirty="0"/>
-              <a:t> проведён обзор </a:t>
+              <a:t> проведён обзор существующих аналогов;</a:t>
             </a:r>
-            <a:r>
-              <a:rPr lang="ru-RU" sz="2400"/>
-              <a:t>существующих аналогов;</a:t>
-            </a:r>
-            <a:endParaRPr lang="ru-RU" sz="2400" dirty="0"/>
           </a:p>
           <a:p>
             <a:pPr>
@@ -5558,7 +6749,20 @@
             </a:pPr>
             <a:r>
               <a:rPr lang="ru-RU" sz="2400" dirty="0"/>
-              <a:t> разработан пользовательский интерфейс ВС ДЭП.</a:t>
+              <a:t> разработан пользовательский интерфейс ВС ДЭП;</a:t>
+            </a:r>
+          </a:p>
+          <a:p>
+            <a:pPr>
+              <a:buFontTx/>
+              <a:buChar char="•"/>
+              <a:tabLst>
+                <a:tab pos="457200" algn="l"/>
+              </a:tabLst>
+            </a:pPr>
+            <a:r>
+              <a:rPr lang="ru-RU" sz="2400" dirty="0"/>
+              <a:t> произведены отладка и тестирование ВС ДЭП.</a:t>
             </a:r>
           </a:p>
           <a:p>
@@ -5586,7 +6790,7 @@
           <p:nvPr>
             <p:extLst>
               <p:ext uri="{D42A27DB-BD31-4B8C-83A1-F6EECF244321}">
-                <p14:modId xmlns:p14="http://schemas.microsoft.com/office/powerpoint/2010/main" val="1711969232"/>
+                <p14:modId xmlns:p14="http://schemas.microsoft.com/office/powerpoint/2010/main" val="1014011110"/>
               </p:ext>
             </p:extLst>
           </p:nvPr>
@@ -5917,7 +7121,7 @@
                           <a:effectLst/>
                           <a:latin typeface="Times New Roman" pitchFamily="18" charset="0"/>
                         </a:rPr>
-                        <a:t>10</a:t>
+                        <a:t>11</a:t>
                       </a:r>
                     </a:p>
                   </a:txBody>
@@ -19130,7 +20334,7 @@
                 <a:tabLst/>
               </a:pPr>
               <a:r>
-                <a:rPr kumimoji="0" lang="ru-RU" sz="800" b="0" i="0" u="none" strike="noStrike" cap="none" normalizeH="0" baseline="0" dirty="0">
+                <a:rPr kumimoji="0" lang="ru-RU" sz="800" b="0" i="1" u="none" strike="noStrike" cap="none" normalizeH="0" baseline="0" dirty="0">
                   <a:ln>
                     <a:noFill/>
                   </a:ln>
@@ -19138,10 +20342,9 @@
                     <a:schemeClr val="tx1"/>
                   </a:solidFill>
                   <a:effectLst/>
-                  <a:latin typeface="Arial" pitchFamily="34" charset="0"/>
                   <a:cs typeface="Arial" pitchFamily="34" charset="0"/>
                 </a:rPr>
-                <a:t>10</a:t>
+                <a:t>11</a:t>
               </a:r>
             </a:p>
           </p:txBody>
@@ -21579,7 +22782,7 @@
       </p:grpSpPr>
       <p:sp>
         <p:nvSpPr>
-          <p:cNvPr id="4" name="Line 137"/>
+          <p:cNvPr id="5" name="Line 137"/>
           <p:cNvSpPr>
             <a:spLocks noChangeShapeType="1"/>
           </p:cNvSpPr>
@@ -21613,7 +22816,7 @@
       </p:sp>
       <p:sp>
         <p:nvSpPr>
-          <p:cNvPr id="5" name="Line 138"/>
+          <p:cNvPr id="6" name="Line 138"/>
           <p:cNvSpPr>
             <a:spLocks noChangeShapeType="1"/>
           </p:cNvSpPr>
@@ -21647,7 +22850,7 @@
       </p:sp>
       <p:sp>
         <p:nvSpPr>
-          <p:cNvPr id="7" name="Line 158"/>
+          <p:cNvPr id="8" name="Line 158"/>
           <p:cNvSpPr>
             <a:spLocks noChangeShapeType="1"/>
           </p:cNvSpPr>
@@ -21681,7 +22884,7 @@
       </p:sp>
       <p:sp>
         <p:nvSpPr>
-          <p:cNvPr id="8" name="Line 159"/>
+          <p:cNvPr id="9" name="Line 159"/>
           <p:cNvSpPr>
             <a:spLocks noChangeShapeType="1"/>
           </p:cNvSpPr>
@@ -21715,73 +22918,7 @@
       </p:sp>
       <p:sp>
         <p:nvSpPr>
-          <p:cNvPr id="9" name="TextBox 8"/>
-          <p:cNvSpPr txBox="1"/>
-          <p:nvPr/>
-        </p:nvSpPr>
-        <p:spPr>
-          <a:xfrm>
-            <a:off x="323528" y="1340769"/>
-            <a:ext cx="8424936" cy="1077218"/>
-          </a:xfrm>
-          <a:prstGeom prst="rect">
-            <a:avLst/>
-          </a:prstGeom>
-          <a:noFill/>
-        </p:spPr>
-        <p:txBody>
-          <a:bodyPr wrap="square" rtlCol="0">
-            <a:spAutoFit/>
-          </a:bodyPr>
-          <a:lstStyle/>
-          <a:p>
-            <a:pPr marL="177800" indent="-177800">
-              <a:spcAft>
-                <a:spcPts val="1200"/>
-              </a:spcAft>
-              <a:buFont typeface="Arial" pitchFamily="34" charset="0"/>
-              <a:buChar char="•"/>
-            </a:pPr>
-            <a:r>
-              <a:rPr lang="ru-RU" dirty="0"/>
-              <a:t>«Московский студенческий </a:t>
-            </a:r>
-            <a:r>
-              <a:rPr lang="en-US" dirty="0"/>
-              <a:t>DATA-</a:t>
-            </a:r>
-            <a:r>
-              <a:rPr lang="ru-RU" dirty="0" err="1"/>
-              <a:t>хакатон</a:t>
-            </a:r>
-            <a:r>
-              <a:rPr lang="ru-RU" dirty="0"/>
-              <a:t>» по задачам Счетной палаты РФ 25-26 февраля 2022 года. Диплом</a:t>
-            </a:r>
-            <a:r>
-              <a:rPr lang="en-US" dirty="0"/>
-              <a:t> </a:t>
-            </a:r>
-            <a:r>
-              <a:rPr lang="ru-RU" dirty="0"/>
-              <a:t>3 степени</a:t>
-            </a:r>
-          </a:p>
-          <a:p>
-            <a:pPr marL="177800" indent="-177800">
-              <a:spcAft>
-                <a:spcPts val="1200"/>
-              </a:spcAft>
-              <a:buFont typeface="Arial" pitchFamily="34" charset="0"/>
-              <a:buChar char="•"/>
-            </a:pPr>
-            <a:endParaRPr lang="ru-RU" dirty="0"/>
-          </a:p>
-        </p:txBody>
-      </p:sp>
-      <p:sp>
-        <p:nvSpPr>
-          <p:cNvPr id="10" name="Rectangle 23"/>
+          <p:cNvPr id="11" name="Rectangle 23"/>
           <p:cNvSpPr>
             <a:spLocks noChangeArrowheads="1"/>
           </p:cNvSpPr>
@@ -21789,8 +22926,46 @@
         </p:nvSpPr>
         <p:spPr bwMode="auto">
           <a:xfrm>
-            <a:off x="251520" y="476672"/>
+            <a:off x="250825" y="260350"/>
             <a:ext cx="8642350" cy="430887"/>
+          </a:xfrm>
+          <a:prstGeom prst="rect">
+            <a:avLst/>
+          </a:prstGeom>
+          <a:noFill/>
+          <a:ln w="9525">
+            <a:noFill/>
+            <a:miter lim="800000"/>
+            <a:headEnd/>
+            <a:tailEnd/>
+          </a:ln>
+        </p:spPr>
+        <p:txBody>
+          <a:bodyPr>
+            <a:spAutoFit/>
+          </a:bodyPr>
+          <a:lstStyle/>
+          <a:p>
+            <a:pPr algn="ctr"/>
+            <a:r>
+              <a:rPr lang="ru-RU" sz="2200" b="1" dirty="0"/>
+              <a:t>Отладка и тестирование ПМ УКИ</a:t>
+            </a:r>
+          </a:p>
+        </p:txBody>
+      </p:sp>
+      <p:sp>
+        <p:nvSpPr>
+          <p:cNvPr id="13" name="Rectangle 27"/>
+          <p:cNvSpPr>
+            <a:spLocks noChangeArrowheads="1"/>
+          </p:cNvSpPr>
+          <p:nvPr/>
+        </p:nvSpPr>
+        <p:spPr bwMode="auto">
+          <a:xfrm>
+            <a:off x="395536" y="764704"/>
+            <a:ext cx="3600400" cy="307777"/>
           </a:xfrm>
           <a:prstGeom prst="rect">
             <a:avLst/>
@@ -21809,20 +22984,56 @@
           </a:bodyPr>
           <a:lstStyle/>
           <a:p>
-            <a:pPr algn="ctr"/>
             <a:r>
-              <a:rPr lang="ru-RU" sz="2200" b="1" dirty="0"/>
-              <a:t>Апробация</a:t>
+              <a:rPr lang="ru-RU" sz="1400" dirty="0"/>
+              <a:t>Встроенный отладчик ………………………..</a:t>
+            </a:r>
+          </a:p>
+        </p:txBody>
+      </p:sp>
+      <p:sp>
+        <p:nvSpPr>
+          <p:cNvPr id="10" name="Rectangle 27"/>
+          <p:cNvSpPr>
+            <a:spLocks noChangeArrowheads="1"/>
+          </p:cNvSpPr>
+          <p:nvPr/>
+        </p:nvSpPr>
+        <p:spPr bwMode="auto">
+          <a:xfrm>
+            <a:off x="4211960" y="764704"/>
+            <a:ext cx="3744416" cy="307777"/>
+          </a:xfrm>
+          <a:prstGeom prst="rect">
+            <a:avLst/>
+          </a:prstGeom>
+          <a:noFill/>
+          <a:ln w="9525">
+            <a:noFill/>
+            <a:miter lim="800000"/>
+            <a:headEnd/>
+            <a:tailEnd/>
+          </a:ln>
+        </p:spPr>
+        <p:txBody>
+          <a:bodyPr wrap="square">
+            <a:spAutoFit/>
+          </a:bodyPr>
+          <a:lstStyle/>
+          <a:p>
+            <a:r>
+              <a:rPr lang="ru-RU" sz="1400" dirty="0"/>
+              <a:t>Тестирование с помощью …………………..</a:t>
             </a:r>
           </a:p>
         </p:txBody>
       </p:sp>
       <p:graphicFrame>
         <p:nvGraphicFramePr>
-          <p:cNvPr id="11" name="Group 10">
+          <p:cNvPr id="12" name="Group 10">
             <a:extLst>
               <a:ext uri="{FF2B5EF4-FFF2-40B4-BE49-F238E27FC236}">
-                <a16:creationId xmlns:a16="http://schemas.microsoft.com/office/drawing/2014/main" id="{169E4C55-C614-4CA8-A26B-599625D9BA50}"/>
+                <a16:creationId xmlns:a16="http://schemas.microsoft.com/office/drawing/2014/main" id="{FA4FB2C4-33E3-4555-818C-C1D3CD59D33C}"/>
               </a:ext>
             </a:extLst>
           </p:cNvPr>
@@ -21832,7 +23043,7 @@
           <p:nvPr>
             <p:extLst>
               <p:ext uri="{D42A27DB-BD31-4B8C-83A1-F6EECF244321}">
-                <p14:modId xmlns:p14="http://schemas.microsoft.com/office/powerpoint/2010/main" val="1917867"/>
+                <p14:modId xmlns:p14="http://schemas.microsoft.com/office/powerpoint/2010/main" val="4220832055"/>
               </p:ext>
             </p:extLst>
           </p:nvPr>
@@ -22564,36 +23775,6 @@
           </a:graphicData>
         </a:graphic>
       </p:graphicFrame>
-      <p:pic>
-        <p:nvPicPr>
-          <p:cNvPr id="6" name="Рисунок 5">
-            <a:extLst>
-              <a:ext uri="{FF2B5EF4-FFF2-40B4-BE49-F238E27FC236}">
-                <a16:creationId xmlns:a16="http://schemas.microsoft.com/office/drawing/2014/main" id="{F23EE50F-1F4D-4B9C-B850-1CC0FEB82398}"/>
-              </a:ext>
-            </a:extLst>
-          </p:cNvPr>
-          <p:cNvPicPr>
-            <a:picLocks noChangeAspect="1"/>
-          </p:cNvPicPr>
-          <p:nvPr/>
-        </p:nvPicPr>
-        <p:blipFill>
-          <a:blip r:embed="rId2"/>
-          <a:stretch>
-            <a:fillRect/>
-          </a:stretch>
-        </p:blipFill>
-        <p:spPr>
-          <a:xfrm>
-            <a:off x="3203848" y="2102873"/>
-            <a:ext cx="2528693" cy="3414357"/>
-          </a:xfrm>
-          <a:prstGeom prst="rect">
-            <a:avLst/>
-          </a:prstGeom>
-        </p:spPr>
-      </p:pic>
     </p:spTree>
   </p:cSld>
   <p:clrMapOvr>

--- a/Научно-исследовательская практика/Презентация отчета.pptx
+++ b/Научно-исследовательская практика/Презентация отчета.pptx
@@ -1330,7 +1330,7 @@
             <a:fld id="{D3F45E69-51FF-4017-B855-FA6AEE2AB1D5}" type="datetimeFigureOut">
               <a:rPr lang="ru-RU" smtClean="0"/>
               <a:pPr/>
-              <a:t>25.04.2022</a:t>
+              <a:t>10.05.2022</a:t>
             </a:fld>
             <a:endParaRPr lang="ru-RU"/>
           </a:p>
@@ -1495,7 +1495,7 @@
             <a:fld id="{D3F45E69-51FF-4017-B855-FA6AEE2AB1D5}" type="datetimeFigureOut">
               <a:rPr lang="ru-RU" smtClean="0"/>
               <a:pPr/>
-              <a:t>25.04.2022</a:t>
+              <a:t>10.05.2022</a:t>
             </a:fld>
             <a:endParaRPr lang="ru-RU"/>
           </a:p>
@@ -1670,7 +1670,7 @@
             <a:fld id="{D3F45E69-51FF-4017-B855-FA6AEE2AB1D5}" type="datetimeFigureOut">
               <a:rPr lang="ru-RU" smtClean="0"/>
               <a:pPr/>
-              <a:t>25.04.2022</a:t>
+              <a:t>10.05.2022</a:t>
             </a:fld>
             <a:endParaRPr lang="ru-RU"/>
           </a:p>
@@ -1835,7 +1835,7 @@
             <a:fld id="{D3F45E69-51FF-4017-B855-FA6AEE2AB1D5}" type="datetimeFigureOut">
               <a:rPr lang="ru-RU" smtClean="0"/>
               <a:pPr/>
-              <a:t>25.04.2022</a:t>
+              <a:t>10.05.2022</a:t>
             </a:fld>
             <a:endParaRPr lang="ru-RU"/>
           </a:p>
@@ -2077,7 +2077,7 @@
             <a:fld id="{D3F45E69-51FF-4017-B855-FA6AEE2AB1D5}" type="datetimeFigureOut">
               <a:rPr lang="ru-RU" smtClean="0"/>
               <a:pPr/>
-              <a:t>25.04.2022</a:t>
+              <a:t>10.05.2022</a:t>
             </a:fld>
             <a:endParaRPr lang="ru-RU"/>
           </a:p>
@@ -2359,7 +2359,7 @@
             <a:fld id="{D3F45E69-51FF-4017-B855-FA6AEE2AB1D5}" type="datetimeFigureOut">
               <a:rPr lang="ru-RU" smtClean="0"/>
               <a:pPr/>
-              <a:t>25.04.2022</a:t>
+              <a:t>10.05.2022</a:t>
             </a:fld>
             <a:endParaRPr lang="ru-RU"/>
           </a:p>
@@ -2775,7 +2775,7 @@
             <a:fld id="{D3F45E69-51FF-4017-B855-FA6AEE2AB1D5}" type="datetimeFigureOut">
               <a:rPr lang="ru-RU" smtClean="0"/>
               <a:pPr/>
-              <a:t>25.04.2022</a:t>
+              <a:t>10.05.2022</a:t>
             </a:fld>
             <a:endParaRPr lang="ru-RU"/>
           </a:p>
@@ -2889,7 +2889,7 @@
             <a:fld id="{D3F45E69-51FF-4017-B855-FA6AEE2AB1D5}" type="datetimeFigureOut">
               <a:rPr lang="ru-RU" smtClean="0"/>
               <a:pPr/>
-              <a:t>25.04.2022</a:t>
+              <a:t>10.05.2022</a:t>
             </a:fld>
             <a:endParaRPr lang="ru-RU"/>
           </a:p>
@@ -2981,7 +2981,7 @@
             <a:fld id="{D3F45E69-51FF-4017-B855-FA6AEE2AB1D5}" type="datetimeFigureOut">
               <a:rPr lang="ru-RU" smtClean="0"/>
               <a:pPr/>
-              <a:t>25.04.2022</a:t>
+              <a:t>10.05.2022</a:t>
             </a:fld>
             <a:endParaRPr lang="ru-RU"/>
           </a:p>
@@ -3253,7 +3253,7 @@
             <a:fld id="{D3F45E69-51FF-4017-B855-FA6AEE2AB1D5}" type="datetimeFigureOut">
               <a:rPr lang="ru-RU" smtClean="0"/>
               <a:pPr/>
-              <a:t>25.04.2022</a:t>
+              <a:t>10.05.2022</a:t>
             </a:fld>
             <a:endParaRPr lang="ru-RU"/>
           </a:p>
@@ -3502,7 +3502,7 @@
             <a:fld id="{D3F45E69-51FF-4017-B855-FA6AEE2AB1D5}" type="datetimeFigureOut">
               <a:rPr lang="ru-RU" smtClean="0"/>
               <a:pPr/>
-              <a:t>25.04.2022</a:t>
+              <a:t>10.05.2022</a:t>
             </a:fld>
             <a:endParaRPr lang="ru-RU"/>
           </a:p>
@@ -3710,7 +3710,7 @@
             <a:fld id="{D3F45E69-51FF-4017-B855-FA6AEE2AB1D5}" type="datetimeFigureOut">
               <a:rPr lang="ru-RU" smtClean="0"/>
               <a:pPr/>
-              <a:t>25.04.2022</a:t>
+              <a:t>10.05.2022</a:t>
             </a:fld>
             <a:endParaRPr lang="ru-RU"/>
           </a:p>
@@ -11083,14 +11083,14 @@
           <p:nvPr>
             <p:extLst>
               <p:ext uri="{D42A27DB-BD31-4B8C-83A1-F6EECF244321}">
-                <p14:modId xmlns:p14="http://schemas.microsoft.com/office/powerpoint/2010/main" val="495580289"/>
+                <p14:modId xmlns:p14="http://schemas.microsoft.com/office/powerpoint/2010/main" val="3463844770"/>
               </p:ext>
             </p:extLst>
           </p:nvPr>
         </p:nvGraphicFramePr>
         <p:xfrm>
           <a:off x="467544" y="766652"/>
-          <a:ext cx="8280920" cy="4602480"/>
+          <a:ext cx="8280920" cy="4815840"/>
         </p:xfrm>
         <a:graphic>
           <a:graphicData uri="http://schemas.openxmlformats.org/drawingml/2006/table">
@@ -11602,15 +11602,7 @@
                     <a:p>
                       <a:r>
                         <a:rPr lang="ru-RU" sz="1400" dirty="0"/>
-                        <a:t>Производит миграцию пи-сем с почтовых ящиков раз-личных </a:t>
-                      </a:r>
-                      <a:r>
-                        <a:rPr lang="ru-RU" sz="1400" dirty="0" err="1"/>
-                        <a:t>серве</a:t>
-                      </a:r>
-                      <a:r>
-                        <a:rPr lang="ru-RU" sz="1400" dirty="0"/>
-                        <a:t>-ров, на свой сервер</a:t>
+                        <a:t>Производит миграцию писем с почтовых ящиков различных серверов, на свой сервер</a:t>
                       </a:r>
                     </a:p>
                   </a:txBody>
@@ -11788,7 +11780,7 @@
                     <a:p>
                       <a:r>
                         <a:rPr lang="en-US" sz="1400" dirty="0"/>
-                        <a:t>Json</a:t>
+                        <a:t>JSON</a:t>
                       </a:r>
                       <a:endParaRPr lang="ru-RU" sz="1400" dirty="0"/>
                     </a:p>
@@ -11802,7 +11794,7 @@
                     <a:p>
                       <a:r>
                         <a:rPr lang="en-US" sz="1400" dirty="0"/>
-                        <a:t>Json</a:t>
+                        <a:t>JSON</a:t>
                       </a:r>
                       <a:endParaRPr lang="ru-RU" sz="1400" dirty="0"/>
                     </a:p>
@@ -11816,7 +11808,7 @@
                     <a:p>
                       <a:r>
                         <a:rPr lang="en-US" sz="1400" dirty="0"/>
-                        <a:t>Json</a:t>
+                        <a:t>JSON</a:t>
                       </a:r>
                       <a:endParaRPr lang="ru-RU" sz="1400" dirty="0"/>
                     </a:p>
@@ -18131,10 +18123,10 @@
       </p:sp>
       <p:pic>
         <p:nvPicPr>
-          <p:cNvPr id="16" name="Рисунок 15">
+          <p:cNvPr id="3" name="Рисунок 2">
             <a:extLst>
               <a:ext uri="{FF2B5EF4-FFF2-40B4-BE49-F238E27FC236}">
-                <a16:creationId xmlns:a16="http://schemas.microsoft.com/office/drawing/2014/main" id="{BB4025AC-634F-4186-B6F3-95F5411154F1}"/>
+                <a16:creationId xmlns:a16="http://schemas.microsoft.com/office/drawing/2014/main" id="{94458AB2-84C0-D43B-94DA-90AFD133D9ED}"/>
               </a:ext>
             </a:extLst>
           </p:cNvPr>
@@ -18144,21 +18136,15 @@
           <p:nvPr/>
         </p:nvPicPr>
         <p:blipFill>
-          <a:blip r:embed="rId2">
-            <a:extLst>
-              <a:ext uri="{28A0092B-C50C-407E-A947-70E740481C1C}">
-                <a14:useLocalDpi xmlns:a14="http://schemas.microsoft.com/office/drawing/2010/main" val="0"/>
-              </a:ext>
-            </a:extLst>
-          </a:blip>
+          <a:blip r:embed="rId2"/>
           <a:stretch>
             <a:fillRect/>
           </a:stretch>
         </p:blipFill>
         <p:spPr>
           <a:xfrm>
-            <a:off x="2071264" y="958111"/>
-            <a:ext cx="5001472" cy="4965917"/>
+            <a:off x="1642653" y="1214128"/>
+            <a:ext cx="5858693" cy="4429743"/>
           </a:xfrm>
           <a:prstGeom prst="rect">
             <a:avLst/>
@@ -18190,6 +18176,36 @@
           <a:chExt cx="0" cy="0"/>
         </a:xfrm>
       </p:grpSpPr>
+      <p:pic>
+        <p:nvPicPr>
+          <p:cNvPr id="5" name="Рисунок 4">
+            <a:extLst>
+              <a:ext uri="{FF2B5EF4-FFF2-40B4-BE49-F238E27FC236}">
+                <a16:creationId xmlns:a16="http://schemas.microsoft.com/office/drawing/2014/main" id="{AA785332-1671-7963-7C79-801B4210F62F}"/>
+              </a:ext>
+            </a:extLst>
+          </p:cNvPr>
+          <p:cNvPicPr>
+            <a:picLocks noChangeAspect="1"/>
+          </p:cNvPicPr>
+          <p:nvPr/>
+        </p:nvPicPr>
+        <p:blipFill>
+          <a:blip r:embed="rId2"/>
+          <a:stretch>
+            <a:fillRect/>
+          </a:stretch>
+        </p:blipFill>
+        <p:spPr>
+          <a:xfrm>
+            <a:off x="108045" y="476672"/>
+            <a:ext cx="8784435" cy="5041624"/>
+          </a:xfrm>
+          <a:prstGeom prst="rect">
+            <a:avLst/>
+          </a:prstGeom>
+        </p:spPr>
+      </p:pic>
       <p:grpSp>
         <p:nvGrpSpPr>
           <p:cNvPr id="74" name="Группа 73"/>
@@ -21435,76 +21451,6 @@
           </a:p>
         </p:txBody>
       </p:sp>
-      <p:pic>
-        <p:nvPicPr>
-          <p:cNvPr id="6" name="Рисунок 5">
-            <a:extLst>
-              <a:ext uri="{FF2B5EF4-FFF2-40B4-BE49-F238E27FC236}">
-                <a16:creationId xmlns:a16="http://schemas.microsoft.com/office/drawing/2014/main" id="{86EEC61C-FE0C-4B7B-A5D6-3B6D75B0534C}"/>
-              </a:ext>
-            </a:extLst>
-          </p:cNvPr>
-          <p:cNvPicPr>
-            <a:picLocks noChangeAspect="1"/>
-          </p:cNvPicPr>
-          <p:nvPr/>
-        </p:nvPicPr>
-        <p:blipFill rotWithShape="1">
-          <a:blip r:embed="rId2">
-            <a:extLst>
-              <a:ext uri="{28A0092B-C50C-407E-A947-70E740481C1C}">
-                <a14:useLocalDpi xmlns:a14="http://schemas.microsoft.com/office/drawing/2010/main" val="0"/>
-              </a:ext>
-            </a:extLst>
-          </a:blip>
-          <a:srcRect l="15458" r="1"/>
-          <a:stretch/>
-        </p:blipFill>
-        <p:spPr>
-          <a:xfrm>
-            <a:off x="1689392" y="861256"/>
-            <a:ext cx="7275096" cy="5135487"/>
-          </a:xfrm>
-          <a:prstGeom prst="rect">
-            <a:avLst/>
-          </a:prstGeom>
-        </p:spPr>
-      </p:pic>
-      <p:pic>
-        <p:nvPicPr>
-          <p:cNvPr id="61" name="Рисунок 60">
-            <a:extLst>
-              <a:ext uri="{FF2B5EF4-FFF2-40B4-BE49-F238E27FC236}">
-                <a16:creationId xmlns:a16="http://schemas.microsoft.com/office/drawing/2014/main" id="{9270F3E8-3C51-48FE-8563-9B32F585A11B}"/>
-              </a:ext>
-            </a:extLst>
-          </p:cNvPr>
-          <p:cNvPicPr>
-            <a:picLocks noChangeAspect="1"/>
-          </p:cNvPicPr>
-          <p:nvPr/>
-        </p:nvPicPr>
-        <p:blipFill rotWithShape="1">
-          <a:blip r:embed="rId2">
-            <a:extLst>
-              <a:ext uri="{28A0092B-C50C-407E-A947-70E740481C1C}">
-                <a14:useLocalDpi xmlns:a14="http://schemas.microsoft.com/office/drawing/2010/main" val="0"/>
-              </a:ext>
-            </a:extLst>
-          </a:blip>
-          <a:srcRect l="-2385" t="2107" r="84839" b="-2107"/>
-          <a:stretch/>
-        </p:blipFill>
-        <p:spPr>
-          <a:xfrm>
-            <a:off x="179512" y="274323"/>
-            <a:ext cx="1509880" cy="5135487"/>
-          </a:xfrm>
-          <a:prstGeom prst="rect">
-            <a:avLst/>
-          </a:prstGeom>
-        </p:spPr>
-      </p:pic>
     </p:spTree>
   </p:cSld>
   <p:clrMapOvr>

--- a/Научно-исследовательская практика/Презентация отчета.pptx
+++ b/Научно-исследовательская практика/Презентация отчета.pptx
@@ -22895,81 +22895,7 @@
             <a:pPr algn="ctr"/>
             <a:r>
               <a:rPr lang="ru-RU" sz="2200" b="1" dirty="0"/>
-              <a:t>Отладка и тестирование ПМ УКИ</a:t>
-            </a:r>
-          </a:p>
-        </p:txBody>
-      </p:sp>
-      <p:sp>
-        <p:nvSpPr>
-          <p:cNvPr id="13" name="Rectangle 27"/>
-          <p:cNvSpPr>
-            <a:spLocks noChangeArrowheads="1"/>
-          </p:cNvSpPr>
-          <p:nvPr/>
-        </p:nvSpPr>
-        <p:spPr bwMode="auto">
-          <a:xfrm>
-            <a:off x="395536" y="764704"/>
-            <a:ext cx="3600400" cy="307777"/>
-          </a:xfrm>
-          <a:prstGeom prst="rect">
-            <a:avLst/>
-          </a:prstGeom>
-          <a:noFill/>
-          <a:ln w="9525">
-            <a:noFill/>
-            <a:miter lim="800000"/>
-            <a:headEnd/>
-            <a:tailEnd/>
-          </a:ln>
-        </p:spPr>
-        <p:txBody>
-          <a:bodyPr wrap="square">
-            <a:spAutoFit/>
-          </a:bodyPr>
-          <a:lstStyle/>
-          <a:p>
-            <a:r>
-              <a:rPr lang="ru-RU" sz="1400" dirty="0"/>
-              <a:t>Встроенный отладчик ………………………..</a:t>
-            </a:r>
-          </a:p>
-        </p:txBody>
-      </p:sp>
-      <p:sp>
-        <p:nvSpPr>
-          <p:cNvPr id="10" name="Rectangle 27"/>
-          <p:cNvSpPr>
-            <a:spLocks noChangeArrowheads="1"/>
-          </p:cNvSpPr>
-          <p:nvPr/>
-        </p:nvSpPr>
-        <p:spPr bwMode="auto">
-          <a:xfrm>
-            <a:off x="4211960" y="764704"/>
-            <a:ext cx="3744416" cy="307777"/>
-          </a:xfrm>
-          <a:prstGeom prst="rect">
-            <a:avLst/>
-          </a:prstGeom>
-          <a:noFill/>
-          <a:ln w="9525">
-            <a:noFill/>
-            <a:miter lim="800000"/>
-            <a:headEnd/>
-            <a:tailEnd/>
-          </a:ln>
-        </p:spPr>
-        <p:txBody>
-          <a:bodyPr wrap="square">
-            <a:spAutoFit/>
-          </a:bodyPr>
-          <a:lstStyle/>
-          <a:p>
-            <a:r>
-              <a:rPr lang="ru-RU" sz="1400" dirty="0"/>
-              <a:t>Тестирование с помощью …………………..</a:t>
+              <a:t>Отладка и тестирование ВС ДЭП</a:t>
             </a:r>
           </a:p>
         </p:txBody>
@@ -23721,6 +23647,256 @@
           </a:graphicData>
         </a:graphic>
       </p:graphicFrame>
+      <p:sp>
+        <p:nvSpPr>
+          <p:cNvPr id="15" name="Rectangle 25">
+            <a:extLst>
+              <a:ext uri="{FF2B5EF4-FFF2-40B4-BE49-F238E27FC236}">
+                <a16:creationId xmlns:a16="http://schemas.microsoft.com/office/drawing/2014/main" id="{0C1E0212-5564-DCF5-DA13-04B43B87A5CD}"/>
+              </a:ext>
+            </a:extLst>
+          </p:cNvPr>
+          <p:cNvSpPr>
+            <a:spLocks noChangeArrowheads="1"/>
+          </p:cNvSpPr>
+          <p:nvPr/>
+        </p:nvSpPr>
+        <p:spPr bwMode="auto">
+          <a:xfrm>
+            <a:off x="416563" y="762673"/>
+            <a:ext cx="3902819" cy="2031325"/>
+          </a:xfrm>
+          <a:prstGeom prst="rect">
+            <a:avLst/>
+          </a:prstGeom>
+          <a:noFill/>
+          <a:ln w="9525">
+            <a:noFill/>
+            <a:miter lim="800000"/>
+            <a:headEnd/>
+            <a:tailEnd/>
+          </a:ln>
+        </p:spPr>
+        <p:txBody>
+          <a:bodyPr wrap="square" anchor="ctr">
+            <a:spAutoFit/>
+          </a:bodyPr>
+          <a:lstStyle/>
+          <a:p>
+            <a:pPr algn="ctr">
+              <a:tabLst>
+                <a:tab pos="457200" algn="l"/>
+              </a:tabLst>
+            </a:pPr>
+            <a:r>
+              <a:rPr lang="ru-RU" dirty="0"/>
+              <a:t>Отладка</a:t>
+            </a:r>
+          </a:p>
+          <a:p>
+            <a:pPr>
+              <a:buFontTx/>
+              <a:buChar char="•"/>
+              <a:tabLst>
+                <a:tab pos="457200" algn="l"/>
+              </a:tabLst>
+            </a:pPr>
+            <a:r>
+              <a:rPr lang="ru-RU" dirty="0"/>
+              <a:t> с использованием статического анализатора кода проведён обзор существующих аналогов;</a:t>
+            </a:r>
+          </a:p>
+          <a:p>
+            <a:pPr>
+              <a:buFontTx/>
+              <a:buChar char="•"/>
+              <a:tabLst>
+                <a:tab pos="457200" algn="l"/>
+              </a:tabLst>
+            </a:pPr>
+            <a:r>
+              <a:rPr lang="ru-RU" dirty="0"/>
+              <a:t> с использованием логгера;</a:t>
+            </a:r>
+          </a:p>
+          <a:p>
+            <a:pPr>
+              <a:buFontTx/>
+              <a:buChar char="•"/>
+              <a:tabLst>
+                <a:tab pos="457200" algn="l"/>
+              </a:tabLst>
+            </a:pPr>
+            <a:r>
+              <a:rPr lang="ru-RU" dirty="0"/>
+              <a:t> с использованием встроенного отладчика</a:t>
+            </a:r>
+          </a:p>
+        </p:txBody>
+      </p:sp>
+      <p:sp>
+        <p:nvSpPr>
+          <p:cNvPr id="16" name="Rectangle 25">
+            <a:extLst>
+              <a:ext uri="{FF2B5EF4-FFF2-40B4-BE49-F238E27FC236}">
+                <a16:creationId xmlns:a16="http://schemas.microsoft.com/office/drawing/2014/main" id="{B590B37D-127F-E0B9-F08D-CB0315026003}"/>
+              </a:ext>
+            </a:extLst>
+          </p:cNvPr>
+          <p:cNvSpPr>
+            <a:spLocks noChangeArrowheads="1"/>
+          </p:cNvSpPr>
+          <p:nvPr/>
+        </p:nvSpPr>
+        <p:spPr bwMode="auto">
+          <a:xfrm>
+            <a:off x="4697731" y="762673"/>
+            <a:ext cx="3902819" cy="1477328"/>
+          </a:xfrm>
+          <a:prstGeom prst="rect">
+            <a:avLst/>
+          </a:prstGeom>
+          <a:noFill/>
+          <a:ln w="9525">
+            <a:noFill/>
+            <a:miter lim="800000"/>
+            <a:headEnd/>
+            <a:tailEnd/>
+          </a:ln>
+        </p:spPr>
+        <p:txBody>
+          <a:bodyPr wrap="square" anchor="ctr">
+            <a:spAutoFit/>
+          </a:bodyPr>
+          <a:lstStyle/>
+          <a:p>
+            <a:pPr algn="ctr">
+              <a:tabLst>
+                <a:tab pos="457200" algn="l"/>
+              </a:tabLst>
+            </a:pPr>
+            <a:r>
+              <a:rPr lang="ru-RU" dirty="0"/>
+              <a:t>Тестирование</a:t>
+            </a:r>
+          </a:p>
+          <a:p>
+            <a:pPr>
+              <a:buFontTx/>
+              <a:buChar char="•"/>
+              <a:tabLst>
+                <a:tab pos="457200" algn="l"/>
+              </a:tabLst>
+            </a:pPr>
+            <a:r>
+              <a:rPr lang="ru-RU" dirty="0"/>
+              <a:t> модульное тестирование методом «белого ящика»</a:t>
+            </a:r>
+          </a:p>
+          <a:p>
+            <a:pPr>
+              <a:buFontTx/>
+              <a:buChar char="•"/>
+              <a:tabLst>
+                <a:tab pos="457200" algn="l"/>
+              </a:tabLst>
+            </a:pPr>
+            <a:r>
+              <a:rPr lang="ru-RU" dirty="0"/>
+              <a:t> интеграционное тестирование методом «черного ящика»</a:t>
+            </a:r>
+          </a:p>
+        </p:txBody>
+      </p:sp>
+      <p:pic>
+        <p:nvPicPr>
+          <p:cNvPr id="4" name="Рисунок 3">
+            <a:extLst>
+              <a:ext uri="{FF2B5EF4-FFF2-40B4-BE49-F238E27FC236}">
+                <a16:creationId xmlns:a16="http://schemas.microsoft.com/office/drawing/2014/main" id="{8D1B9CF8-FDA2-7D2F-5D8F-92F180DBB3C1}"/>
+              </a:ext>
+            </a:extLst>
+          </p:cNvPr>
+          <p:cNvPicPr>
+            <a:picLocks noChangeAspect="1"/>
+          </p:cNvPicPr>
+          <p:nvPr/>
+        </p:nvPicPr>
+        <p:blipFill>
+          <a:blip r:embed="rId2"/>
+          <a:stretch>
+            <a:fillRect/>
+          </a:stretch>
+        </p:blipFill>
+        <p:spPr>
+          <a:xfrm>
+            <a:off x="5103932" y="2898621"/>
+            <a:ext cx="3686114" cy="2474595"/>
+          </a:xfrm>
+          <a:prstGeom prst="rect">
+            <a:avLst/>
+          </a:prstGeom>
+        </p:spPr>
+      </p:pic>
+      <p:pic>
+        <p:nvPicPr>
+          <p:cNvPr id="19" name="Рисунок 18">
+            <a:extLst>
+              <a:ext uri="{FF2B5EF4-FFF2-40B4-BE49-F238E27FC236}">
+                <a16:creationId xmlns:a16="http://schemas.microsoft.com/office/drawing/2014/main" id="{7D7A6721-C286-37A2-ED80-76D860F4E1CC}"/>
+              </a:ext>
+            </a:extLst>
+          </p:cNvPr>
+          <p:cNvPicPr>
+            <a:picLocks noChangeAspect="1"/>
+          </p:cNvPicPr>
+          <p:nvPr/>
+        </p:nvPicPr>
+        <p:blipFill>
+          <a:blip r:embed="rId3"/>
+          <a:stretch>
+            <a:fillRect/>
+          </a:stretch>
+        </p:blipFill>
+        <p:spPr>
+          <a:xfrm>
+            <a:off x="496531" y="2901111"/>
+            <a:ext cx="3898345" cy="564739"/>
+          </a:xfrm>
+          <a:prstGeom prst="rect">
+            <a:avLst/>
+          </a:prstGeom>
+        </p:spPr>
+      </p:pic>
+      <p:pic>
+        <p:nvPicPr>
+          <p:cNvPr id="21" name="Рисунок 20">
+            <a:extLst>
+              <a:ext uri="{FF2B5EF4-FFF2-40B4-BE49-F238E27FC236}">
+                <a16:creationId xmlns:a16="http://schemas.microsoft.com/office/drawing/2014/main" id="{FCC5121E-C2CC-7475-05A1-A2D8E83A7178}"/>
+              </a:ext>
+            </a:extLst>
+          </p:cNvPr>
+          <p:cNvPicPr>
+            <a:picLocks noChangeAspect="1"/>
+          </p:cNvPicPr>
+          <p:nvPr/>
+        </p:nvPicPr>
+        <p:blipFill rotWithShape="1">
+          <a:blip r:embed="rId4"/>
+          <a:srcRect b="9138"/>
+          <a:stretch/>
+        </p:blipFill>
+        <p:spPr>
+          <a:xfrm>
+            <a:off x="496531" y="3658195"/>
+            <a:ext cx="3898344" cy="1715019"/>
+          </a:xfrm>
+          <a:prstGeom prst="rect">
+            <a:avLst/>
+          </a:prstGeom>
+        </p:spPr>
+      </p:pic>
     </p:spTree>
   </p:cSld>
   <p:clrMapOvr>

--- a/Научно-исследовательская практика/Презентация отчета.pptx
+++ b/Научно-исследовательская практика/Презентация отчета.pptx
@@ -1330,7 +1330,7 @@
             <a:fld id="{D3F45E69-51FF-4017-B855-FA6AEE2AB1D5}" type="datetimeFigureOut">
               <a:rPr lang="ru-RU" smtClean="0"/>
               <a:pPr/>
-              <a:t>10.05.2022</a:t>
+              <a:t>11.05.2022</a:t>
             </a:fld>
             <a:endParaRPr lang="ru-RU"/>
           </a:p>
@@ -1495,7 +1495,7 @@
             <a:fld id="{D3F45E69-51FF-4017-B855-FA6AEE2AB1D5}" type="datetimeFigureOut">
               <a:rPr lang="ru-RU" smtClean="0"/>
               <a:pPr/>
-              <a:t>10.05.2022</a:t>
+              <a:t>11.05.2022</a:t>
             </a:fld>
             <a:endParaRPr lang="ru-RU"/>
           </a:p>
@@ -1670,7 +1670,7 @@
             <a:fld id="{D3F45E69-51FF-4017-B855-FA6AEE2AB1D5}" type="datetimeFigureOut">
               <a:rPr lang="ru-RU" smtClean="0"/>
               <a:pPr/>
-              <a:t>10.05.2022</a:t>
+              <a:t>11.05.2022</a:t>
             </a:fld>
             <a:endParaRPr lang="ru-RU"/>
           </a:p>
@@ -1835,7 +1835,7 @@
             <a:fld id="{D3F45E69-51FF-4017-B855-FA6AEE2AB1D5}" type="datetimeFigureOut">
               <a:rPr lang="ru-RU" smtClean="0"/>
               <a:pPr/>
-              <a:t>10.05.2022</a:t>
+              <a:t>11.05.2022</a:t>
             </a:fld>
             <a:endParaRPr lang="ru-RU"/>
           </a:p>
@@ -2077,7 +2077,7 @@
             <a:fld id="{D3F45E69-51FF-4017-B855-FA6AEE2AB1D5}" type="datetimeFigureOut">
               <a:rPr lang="ru-RU" smtClean="0"/>
               <a:pPr/>
-              <a:t>10.05.2022</a:t>
+              <a:t>11.05.2022</a:t>
             </a:fld>
             <a:endParaRPr lang="ru-RU"/>
           </a:p>
@@ -2359,7 +2359,7 @@
             <a:fld id="{D3F45E69-51FF-4017-B855-FA6AEE2AB1D5}" type="datetimeFigureOut">
               <a:rPr lang="ru-RU" smtClean="0"/>
               <a:pPr/>
-              <a:t>10.05.2022</a:t>
+              <a:t>11.05.2022</a:t>
             </a:fld>
             <a:endParaRPr lang="ru-RU"/>
           </a:p>
@@ -2775,7 +2775,7 @@
             <a:fld id="{D3F45E69-51FF-4017-B855-FA6AEE2AB1D5}" type="datetimeFigureOut">
               <a:rPr lang="ru-RU" smtClean="0"/>
               <a:pPr/>
-              <a:t>10.05.2022</a:t>
+              <a:t>11.05.2022</a:t>
             </a:fld>
             <a:endParaRPr lang="ru-RU"/>
           </a:p>
@@ -2889,7 +2889,7 @@
             <a:fld id="{D3F45E69-51FF-4017-B855-FA6AEE2AB1D5}" type="datetimeFigureOut">
               <a:rPr lang="ru-RU" smtClean="0"/>
               <a:pPr/>
-              <a:t>10.05.2022</a:t>
+              <a:t>11.05.2022</a:t>
             </a:fld>
             <a:endParaRPr lang="ru-RU"/>
           </a:p>
@@ -2981,7 +2981,7 @@
             <a:fld id="{D3F45E69-51FF-4017-B855-FA6AEE2AB1D5}" type="datetimeFigureOut">
               <a:rPr lang="ru-RU" smtClean="0"/>
               <a:pPr/>
-              <a:t>10.05.2022</a:t>
+              <a:t>11.05.2022</a:t>
             </a:fld>
             <a:endParaRPr lang="ru-RU"/>
           </a:p>
@@ -3253,7 +3253,7 @@
             <a:fld id="{D3F45E69-51FF-4017-B855-FA6AEE2AB1D5}" type="datetimeFigureOut">
               <a:rPr lang="ru-RU" smtClean="0"/>
               <a:pPr/>
-              <a:t>10.05.2022</a:t>
+              <a:t>11.05.2022</a:t>
             </a:fld>
             <a:endParaRPr lang="ru-RU"/>
           </a:p>
@@ -3502,7 +3502,7 @@
             <a:fld id="{D3F45E69-51FF-4017-B855-FA6AEE2AB1D5}" type="datetimeFigureOut">
               <a:rPr lang="ru-RU" smtClean="0"/>
               <a:pPr/>
-              <a:t>10.05.2022</a:t>
+              <a:t>11.05.2022</a:t>
             </a:fld>
             <a:endParaRPr lang="ru-RU"/>
           </a:p>
@@ -3710,7 +3710,7 @@
             <a:fld id="{D3F45E69-51FF-4017-B855-FA6AEE2AB1D5}" type="datetimeFigureOut">
               <a:rPr lang="ru-RU" smtClean="0"/>
               <a:pPr/>
-              <a:t>10.05.2022</a:t>
+              <a:t>11.05.2022</a:t>
             </a:fld>
             <a:endParaRPr lang="ru-RU"/>
           </a:p>
@@ -5089,8 +5089,8 @@
         </p:nvSpPr>
         <p:spPr bwMode="auto">
           <a:xfrm>
-            <a:off x="539552" y="2852936"/>
-            <a:ext cx="8105911" cy="4262705"/>
+            <a:off x="539552" y="2708920"/>
+            <a:ext cx="8105911" cy="4570482"/>
           </a:xfrm>
           <a:prstGeom prst="rect">
             <a:avLst/>
@@ -5228,7 +5228,20 @@
             </a:pPr>
             <a:r>
               <a:rPr lang="ru-RU" sz="2000" dirty="0"/>
-              <a:t>отладка и тестирование ВС ДЭП.</a:t>
+              <a:t>отладка и тестирование ВС ДЭП;</a:t>
+            </a:r>
+          </a:p>
+          <a:p>
+            <a:pPr marL="266700" indent="-266700">
+              <a:buFont typeface="Times New Roman" pitchFamily="18" charset="0"/>
+              <a:buChar char="•"/>
+              <a:tabLst>
+                <a:tab pos="266700" algn="l"/>
+              </a:tabLst>
+            </a:pPr>
+            <a:r>
+              <a:rPr lang="ru-RU" sz="2000" dirty="0"/>
+              <a:t>разработка руководства программиста ВС ДЭП.</a:t>
             </a:r>
           </a:p>
           <a:p>
@@ -6642,8 +6655,8 @@
         </p:nvSpPr>
         <p:spPr bwMode="auto">
           <a:xfrm>
-            <a:off x="342900" y="1011523"/>
-            <a:ext cx="8333556" cy="3416320"/>
+            <a:off x="342900" y="826857"/>
+            <a:ext cx="8333556" cy="3785652"/>
           </a:xfrm>
           <a:prstGeom prst="rect">
             <a:avLst/>
@@ -6762,7 +6775,28 @@
             </a:pPr>
             <a:r>
               <a:rPr lang="ru-RU" sz="2400" dirty="0"/>
-              <a:t> произведены отладка и тестирование ВС ДЭП.</a:t>
+              <a:t> произведены отладка и тестирование ВС ДЭП;</a:t>
+            </a:r>
+          </a:p>
+          <a:p>
+            <a:pPr>
+              <a:buFontTx/>
+              <a:buChar char="•"/>
+              <a:tabLst>
+                <a:tab pos="457200" algn="l"/>
+              </a:tabLst>
+            </a:pPr>
+            <a:r>
+              <a:rPr lang="ru-RU" sz="2400" dirty="0"/>
+              <a:t> </a:t>
+            </a:r>
+            <a:r>
+              <a:rPr lang="ru-RU" sz="2400"/>
+              <a:t>разработано руководство </a:t>
+            </a:r>
+            <a:r>
+              <a:rPr lang="ru-RU" sz="2400" dirty="0"/>
+              <a:t>программиста ВС ДЭП.</a:t>
             </a:r>
           </a:p>
           <a:p>
@@ -23729,7 +23763,7 @@
             </a:pPr>
             <a:r>
               <a:rPr lang="ru-RU" dirty="0"/>
-              <a:t> с использованием встроенного отладчика</a:t>
+              <a:t> с использованием встроенного отладчика.</a:t>
             </a:r>
           </a:p>
         </p:txBody>
@@ -23790,7 +23824,7 @@
             </a:pPr>
             <a:r>
               <a:rPr lang="ru-RU" dirty="0"/>
-              <a:t> модульное тестирование методом «белого ящика»</a:t>
+              <a:t> модульное тестирование методом «белого ящика»;</a:t>
             </a:r>
           </a:p>
           <a:p>
@@ -23803,7 +23837,7 @@
             </a:pPr>
             <a:r>
               <a:rPr lang="ru-RU" dirty="0"/>
-              <a:t> интеграционное тестирование методом «черного ящика»</a:t>
+              <a:t> интеграционное тестирование методом «черного ящика».</a:t>
             </a:r>
           </a:p>
         </p:txBody>
@@ -23830,7 +23864,7 @@
         </p:blipFill>
         <p:spPr>
           <a:xfrm>
-            <a:off x="5103932" y="2898621"/>
+            <a:off x="4697730" y="2898619"/>
             <a:ext cx="3686114" cy="2474595"/>
           </a:xfrm>
           <a:prstGeom prst="rect">

--- a/Научно-исследовательская практика/Презентация отчета.pptx
+++ b/Научно-исследовательская практика/Презентация отчета.pptx
@@ -1330,7 +1330,7 @@
             <a:fld id="{D3F45E69-51FF-4017-B855-FA6AEE2AB1D5}" type="datetimeFigureOut">
               <a:rPr lang="ru-RU" smtClean="0"/>
               <a:pPr/>
-              <a:t>11.05.2022</a:t>
+              <a:t>15.05.2022</a:t>
             </a:fld>
             <a:endParaRPr lang="ru-RU"/>
           </a:p>
@@ -1495,7 +1495,7 @@
             <a:fld id="{D3F45E69-51FF-4017-B855-FA6AEE2AB1D5}" type="datetimeFigureOut">
               <a:rPr lang="ru-RU" smtClean="0"/>
               <a:pPr/>
-              <a:t>11.05.2022</a:t>
+              <a:t>15.05.2022</a:t>
             </a:fld>
             <a:endParaRPr lang="ru-RU"/>
           </a:p>
@@ -1670,7 +1670,7 @@
             <a:fld id="{D3F45E69-51FF-4017-B855-FA6AEE2AB1D5}" type="datetimeFigureOut">
               <a:rPr lang="ru-RU" smtClean="0"/>
               <a:pPr/>
-              <a:t>11.05.2022</a:t>
+              <a:t>15.05.2022</a:t>
             </a:fld>
             <a:endParaRPr lang="ru-RU"/>
           </a:p>
@@ -1835,7 +1835,7 @@
             <a:fld id="{D3F45E69-51FF-4017-B855-FA6AEE2AB1D5}" type="datetimeFigureOut">
               <a:rPr lang="ru-RU" smtClean="0"/>
               <a:pPr/>
-              <a:t>11.05.2022</a:t>
+              <a:t>15.05.2022</a:t>
             </a:fld>
             <a:endParaRPr lang="ru-RU"/>
           </a:p>
@@ -2077,7 +2077,7 @@
             <a:fld id="{D3F45E69-51FF-4017-B855-FA6AEE2AB1D5}" type="datetimeFigureOut">
               <a:rPr lang="ru-RU" smtClean="0"/>
               <a:pPr/>
-              <a:t>11.05.2022</a:t>
+              <a:t>15.05.2022</a:t>
             </a:fld>
             <a:endParaRPr lang="ru-RU"/>
           </a:p>
@@ -2359,7 +2359,7 @@
             <a:fld id="{D3F45E69-51FF-4017-B855-FA6AEE2AB1D5}" type="datetimeFigureOut">
               <a:rPr lang="ru-RU" smtClean="0"/>
               <a:pPr/>
-              <a:t>11.05.2022</a:t>
+              <a:t>15.05.2022</a:t>
             </a:fld>
             <a:endParaRPr lang="ru-RU"/>
           </a:p>
@@ -2775,7 +2775,7 @@
             <a:fld id="{D3F45E69-51FF-4017-B855-FA6AEE2AB1D5}" type="datetimeFigureOut">
               <a:rPr lang="ru-RU" smtClean="0"/>
               <a:pPr/>
-              <a:t>11.05.2022</a:t>
+              <a:t>15.05.2022</a:t>
             </a:fld>
             <a:endParaRPr lang="ru-RU"/>
           </a:p>
@@ -2889,7 +2889,7 @@
             <a:fld id="{D3F45E69-51FF-4017-B855-FA6AEE2AB1D5}" type="datetimeFigureOut">
               <a:rPr lang="ru-RU" smtClean="0"/>
               <a:pPr/>
-              <a:t>11.05.2022</a:t>
+              <a:t>15.05.2022</a:t>
             </a:fld>
             <a:endParaRPr lang="ru-RU"/>
           </a:p>
@@ -2981,7 +2981,7 @@
             <a:fld id="{D3F45E69-51FF-4017-B855-FA6AEE2AB1D5}" type="datetimeFigureOut">
               <a:rPr lang="ru-RU" smtClean="0"/>
               <a:pPr/>
-              <a:t>11.05.2022</a:t>
+              <a:t>15.05.2022</a:t>
             </a:fld>
             <a:endParaRPr lang="ru-RU"/>
           </a:p>
@@ -3253,7 +3253,7 @@
             <a:fld id="{D3F45E69-51FF-4017-B855-FA6AEE2AB1D5}" type="datetimeFigureOut">
               <a:rPr lang="ru-RU" smtClean="0"/>
               <a:pPr/>
-              <a:t>11.05.2022</a:t>
+              <a:t>15.05.2022</a:t>
             </a:fld>
             <a:endParaRPr lang="ru-RU"/>
           </a:p>
@@ -3502,7 +3502,7 @@
             <a:fld id="{D3F45E69-51FF-4017-B855-FA6AEE2AB1D5}" type="datetimeFigureOut">
               <a:rPr lang="ru-RU" smtClean="0"/>
               <a:pPr/>
-              <a:t>11.05.2022</a:t>
+              <a:t>15.05.2022</a:t>
             </a:fld>
             <a:endParaRPr lang="ru-RU"/>
           </a:p>
@@ -3710,7 +3710,7 @@
             <a:fld id="{D3F45E69-51FF-4017-B855-FA6AEE2AB1D5}" type="datetimeFigureOut">
               <a:rPr lang="ru-RU" smtClean="0"/>
               <a:pPr/>
-              <a:t>11.05.2022</a:t>
+              <a:t>15.05.2022</a:t>
             </a:fld>
             <a:endParaRPr lang="ru-RU"/>
           </a:p>
@@ -6788,15 +6788,7 @@
             </a:pPr>
             <a:r>
               <a:rPr lang="ru-RU" sz="2400" dirty="0"/>
-              <a:t> </a:t>
-            </a:r>
-            <a:r>
-              <a:rPr lang="ru-RU" sz="2400"/>
-              <a:t>разработано руководство </a:t>
-            </a:r>
-            <a:r>
-              <a:rPr lang="ru-RU" sz="2400" dirty="0"/>
-              <a:t>программиста ВС ДЭП.</a:t>
+              <a:t> разработано руководство программиста ВС ДЭП.</a:t>
             </a:r>
           </a:p>
           <a:p>
@@ -8702,441 +8694,6 @@
           </a:p>
         </p:txBody>
       </p:sp>
-      <p:grpSp>
-        <p:nvGrpSpPr>
-          <p:cNvPr id="20" name="Группа 19">
-            <a:extLst>
-              <a:ext uri="{FF2B5EF4-FFF2-40B4-BE49-F238E27FC236}">
-                <a16:creationId xmlns:a16="http://schemas.microsoft.com/office/drawing/2014/main" id="{08B33EE5-4D0F-4026-9881-D0E606F2519D}"/>
-              </a:ext>
-            </a:extLst>
-          </p:cNvPr>
-          <p:cNvGrpSpPr/>
-          <p:nvPr/>
-        </p:nvGrpSpPr>
-        <p:grpSpPr>
-          <a:xfrm>
-            <a:off x="7100012" y="3806849"/>
-            <a:ext cx="655904" cy="687956"/>
-            <a:chOff x="5229681" y="3726784"/>
-            <a:chExt cx="871576" cy="914167"/>
-          </a:xfrm>
-        </p:grpSpPr>
-        <p:pic>
-          <p:nvPicPr>
-            <p:cNvPr id="21" name="Рисунок 20">
-              <a:extLst>
-                <a:ext uri="{FF2B5EF4-FFF2-40B4-BE49-F238E27FC236}">
-                  <a16:creationId xmlns:a16="http://schemas.microsoft.com/office/drawing/2014/main" id="{D8C938A1-E3D3-4245-9D21-8DB43AE53F3C}"/>
-                </a:ext>
-              </a:extLst>
-            </p:cNvPr>
-            <p:cNvPicPr>
-              <a:picLocks noChangeAspect="1"/>
-            </p:cNvPicPr>
-            <p:nvPr/>
-          </p:nvPicPr>
-          <p:blipFill>
-            <a:blip r:embed="rId2"/>
-            <a:stretch>
-              <a:fillRect/>
-            </a:stretch>
-          </p:blipFill>
-          <p:spPr>
-            <a:xfrm>
-              <a:off x="5379312" y="3726784"/>
-              <a:ext cx="572315" cy="614906"/>
-            </a:xfrm>
-            <a:prstGeom prst="rect">
-              <a:avLst/>
-            </a:prstGeom>
-          </p:spPr>
-        </p:pic>
-        <p:sp>
-          <p:nvSpPr>
-            <p:cNvPr id="22" name="TextBox 21">
-              <a:extLst>
-                <a:ext uri="{FF2B5EF4-FFF2-40B4-BE49-F238E27FC236}">
-                  <a16:creationId xmlns:a16="http://schemas.microsoft.com/office/drawing/2014/main" id="{DE925090-ED7D-454F-AAB2-6762EC0916CB}"/>
-                </a:ext>
-              </a:extLst>
-            </p:cNvPr>
-            <p:cNvSpPr txBox="1"/>
-            <p:nvPr/>
-          </p:nvSpPr>
-          <p:spPr>
-            <a:xfrm>
-              <a:off x="5229681" y="4221088"/>
-              <a:ext cx="871576" cy="419863"/>
-            </a:xfrm>
-            <a:prstGeom prst="rect">
-              <a:avLst/>
-            </a:prstGeom>
-            <a:noFill/>
-          </p:spPr>
-          <p:txBody>
-            <a:bodyPr wrap="square">
-              <a:spAutoFit/>
-            </a:bodyPr>
-            <a:lstStyle/>
-            <a:p>
-              <a:pPr algn="ctr"/>
-              <a:r>
-                <a:rPr lang="ru-RU" sz="800" dirty="0"/>
-                <a:t>Почтовый сервер</a:t>
-              </a:r>
-            </a:p>
-          </p:txBody>
-        </p:sp>
-      </p:grpSp>
-      <p:grpSp>
-        <p:nvGrpSpPr>
-          <p:cNvPr id="30" name="Группа 29">
-            <a:extLst>
-              <a:ext uri="{FF2B5EF4-FFF2-40B4-BE49-F238E27FC236}">
-                <a16:creationId xmlns:a16="http://schemas.microsoft.com/office/drawing/2014/main" id="{C0BACF89-4443-4019-8A82-C26F810F4CBD}"/>
-              </a:ext>
-            </a:extLst>
-          </p:cNvPr>
-          <p:cNvGrpSpPr/>
-          <p:nvPr/>
-        </p:nvGrpSpPr>
-        <p:grpSpPr>
-          <a:xfrm>
-            <a:off x="7100012" y="5263976"/>
-            <a:ext cx="655904" cy="687956"/>
-            <a:chOff x="5229681" y="3726784"/>
-            <a:chExt cx="871576" cy="914167"/>
-          </a:xfrm>
-        </p:grpSpPr>
-        <p:pic>
-          <p:nvPicPr>
-            <p:cNvPr id="31" name="Рисунок 30">
-              <a:extLst>
-                <a:ext uri="{FF2B5EF4-FFF2-40B4-BE49-F238E27FC236}">
-                  <a16:creationId xmlns:a16="http://schemas.microsoft.com/office/drawing/2014/main" id="{011179B0-8E07-4C52-B564-5CF4F303DD1B}"/>
-                </a:ext>
-              </a:extLst>
-            </p:cNvPr>
-            <p:cNvPicPr>
-              <a:picLocks noChangeAspect="1"/>
-            </p:cNvPicPr>
-            <p:nvPr/>
-          </p:nvPicPr>
-          <p:blipFill>
-            <a:blip r:embed="rId2"/>
-            <a:stretch>
-              <a:fillRect/>
-            </a:stretch>
-          </p:blipFill>
-          <p:spPr>
-            <a:xfrm>
-              <a:off x="5379312" y="3726784"/>
-              <a:ext cx="572315" cy="614906"/>
-            </a:xfrm>
-            <a:prstGeom prst="rect">
-              <a:avLst/>
-            </a:prstGeom>
-          </p:spPr>
-        </p:pic>
-        <p:sp>
-          <p:nvSpPr>
-            <p:cNvPr id="32" name="TextBox 31">
-              <a:extLst>
-                <a:ext uri="{FF2B5EF4-FFF2-40B4-BE49-F238E27FC236}">
-                  <a16:creationId xmlns:a16="http://schemas.microsoft.com/office/drawing/2014/main" id="{9E2A134E-51E3-4D11-975F-DE706DDB9F47}"/>
-                </a:ext>
-              </a:extLst>
-            </p:cNvPr>
-            <p:cNvSpPr txBox="1"/>
-            <p:nvPr/>
-          </p:nvSpPr>
-          <p:spPr>
-            <a:xfrm>
-              <a:off x="5229681" y="4221088"/>
-              <a:ext cx="871576" cy="419863"/>
-            </a:xfrm>
-            <a:prstGeom prst="rect">
-              <a:avLst/>
-            </a:prstGeom>
-            <a:noFill/>
-          </p:spPr>
-          <p:txBody>
-            <a:bodyPr wrap="square">
-              <a:spAutoFit/>
-            </a:bodyPr>
-            <a:lstStyle/>
-            <a:p>
-              <a:pPr algn="ctr"/>
-              <a:r>
-                <a:rPr lang="ru-RU" sz="800" dirty="0"/>
-                <a:t>Почтовый сервер</a:t>
-              </a:r>
-            </a:p>
-          </p:txBody>
-        </p:sp>
-      </p:grpSp>
-      <p:grpSp>
-        <p:nvGrpSpPr>
-          <p:cNvPr id="33" name="Группа 32">
-            <a:extLst>
-              <a:ext uri="{FF2B5EF4-FFF2-40B4-BE49-F238E27FC236}">
-                <a16:creationId xmlns:a16="http://schemas.microsoft.com/office/drawing/2014/main" id="{DC456CCE-871B-4599-88CB-1CCCE7CBD376}"/>
-              </a:ext>
-            </a:extLst>
-          </p:cNvPr>
-          <p:cNvGrpSpPr/>
-          <p:nvPr/>
-        </p:nvGrpSpPr>
-        <p:grpSpPr>
-          <a:xfrm>
-            <a:off x="7100012" y="4537131"/>
-            <a:ext cx="655904" cy="687956"/>
-            <a:chOff x="5229681" y="3726784"/>
-            <a:chExt cx="871576" cy="914167"/>
-          </a:xfrm>
-        </p:grpSpPr>
-        <p:pic>
-          <p:nvPicPr>
-            <p:cNvPr id="34" name="Рисунок 33">
-              <a:extLst>
-                <a:ext uri="{FF2B5EF4-FFF2-40B4-BE49-F238E27FC236}">
-                  <a16:creationId xmlns:a16="http://schemas.microsoft.com/office/drawing/2014/main" id="{C3C553B3-AE6D-44EF-8C90-72F6BC1DF98F}"/>
-                </a:ext>
-              </a:extLst>
-            </p:cNvPr>
-            <p:cNvPicPr>
-              <a:picLocks noChangeAspect="1"/>
-            </p:cNvPicPr>
-            <p:nvPr/>
-          </p:nvPicPr>
-          <p:blipFill>
-            <a:blip r:embed="rId2"/>
-            <a:stretch>
-              <a:fillRect/>
-            </a:stretch>
-          </p:blipFill>
-          <p:spPr>
-            <a:xfrm>
-              <a:off x="5379312" y="3726784"/>
-              <a:ext cx="572315" cy="614906"/>
-            </a:xfrm>
-            <a:prstGeom prst="rect">
-              <a:avLst/>
-            </a:prstGeom>
-          </p:spPr>
-        </p:pic>
-        <p:sp>
-          <p:nvSpPr>
-            <p:cNvPr id="35" name="TextBox 34">
-              <a:extLst>
-                <a:ext uri="{FF2B5EF4-FFF2-40B4-BE49-F238E27FC236}">
-                  <a16:creationId xmlns:a16="http://schemas.microsoft.com/office/drawing/2014/main" id="{03F4D3CF-D559-47FF-9791-825E7257C73E}"/>
-                </a:ext>
-              </a:extLst>
-            </p:cNvPr>
-            <p:cNvSpPr txBox="1"/>
-            <p:nvPr/>
-          </p:nvSpPr>
-          <p:spPr>
-            <a:xfrm>
-              <a:off x="5229681" y="4221088"/>
-              <a:ext cx="871576" cy="419863"/>
-            </a:xfrm>
-            <a:prstGeom prst="rect">
-              <a:avLst/>
-            </a:prstGeom>
-            <a:noFill/>
-          </p:spPr>
-          <p:txBody>
-            <a:bodyPr wrap="square">
-              <a:spAutoFit/>
-            </a:bodyPr>
-            <a:lstStyle/>
-            <a:p>
-              <a:pPr algn="ctr"/>
-              <a:r>
-                <a:rPr lang="ru-RU" sz="800" dirty="0"/>
-                <a:t>Почтовый сервер</a:t>
-              </a:r>
-            </a:p>
-          </p:txBody>
-        </p:sp>
-      </p:grpSp>
-      <p:grpSp>
-        <p:nvGrpSpPr>
-          <p:cNvPr id="29" name="Группа 28">
-            <a:extLst>
-              <a:ext uri="{FF2B5EF4-FFF2-40B4-BE49-F238E27FC236}">
-                <a16:creationId xmlns:a16="http://schemas.microsoft.com/office/drawing/2014/main" id="{8D29D4FD-9A28-4655-A8E4-A97655FD2599}"/>
-              </a:ext>
-            </a:extLst>
-          </p:cNvPr>
-          <p:cNvGrpSpPr/>
-          <p:nvPr/>
-        </p:nvGrpSpPr>
-        <p:grpSpPr>
-          <a:xfrm>
-            <a:off x="5954475" y="4569046"/>
-            <a:ext cx="655904" cy="569296"/>
-            <a:chOff x="4405797" y="4542790"/>
-            <a:chExt cx="655904" cy="569296"/>
-          </a:xfrm>
-        </p:grpSpPr>
-        <p:pic>
-          <p:nvPicPr>
-            <p:cNvPr id="28" name="Рисунок 27">
-              <a:extLst>
-                <a:ext uri="{FF2B5EF4-FFF2-40B4-BE49-F238E27FC236}">
-                  <a16:creationId xmlns:a16="http://schemas.microsoft.com/office/drawing/2014/main" id="{3F86BD31-DA1C-48C0-9746-64009B50D816}"/>
-                </a:ext>
-              </a:extLst>
-            </p:cNvPr>
-            <p:cNvPicPr>
-              <a:picLocks noChangeAspect="1"/>
-            </p:cNvPicPr>
-            <p:nvPr/>
-          </p:nvPicPr>
-          <p:blipFill>
-            <a:blip r:embed="rId3"/>
-            <a:stretch>
-              <a:fillRect/>
-            </a:stretch>
-          </p:blipFill>
-          <p:spPr>
-            <a:xfrm>
-              <a:off x="4437129" y="4542790"/>
-              <a:ext cx="593241" cy="419223"/>
-            </a:xfrm>
-            <a:prstGeom prst="rect">
-              <a:avLst/>
-            </a:prstGeom>
-          </p:spPr>
-        </p:pic>
-        <p:sp>
-          <p:nvSpPr>
-            <p:cNvPr id="36" name="TextBox 35">
-              <a:extLst>
-                <a:ext uri="{FF2B5EF4-FFF2-40B4-BE49-F238E27FC236}">
-                  <a16:creationId xmlns:a16="http://schemas.microsoft.com/office/drawing/2014/main" id="{DBDAAC4D-B8A9-4B55-A0E4-CF1DD931F3D8}"/>
-                </a:ext>
-              </a:extLst>
-            </p:cNvPr>
-            <p:cNvSpPr txBox="1"/>
-            <p:nvPr/>
-          </p:nvSpPr>
-          <p:spPr>
-            <a:xfrm>
-              <a:off x="4405797" y="4896642"/>
-              <a:ext cx="655904" cy="215444"/>
-            </a:xfrm>
-            <a:prstGeom prst="rect">
-              <a:avLst/>
-            </a:prstGeom>
-            <a:noFill/>
-          </p:spPr>
-          <p:txBody>
-            <a:bodyPr wrap="square">
-              <a:spAutoFit/>
-            </a:bodyPr>
-            <a:lstStyle/>
-            <a:p>
-              <a:pPr algn="ctr"/>
-              <a:r>
-                <a:rPr lang="ru-RU" sz="800" dirty="0"/>
-                <a:t>ВС ДЭП</a:t>
-              </a:r>
-            </a:p>
-          </p:txBody>
-        </p:sp>
-      </p:grpSp>
-      <p:grpSp>
-        <p:nvGrpSpPr>
-          <p:cNvPr id="39" name="Группа 38">
-            <a:extLst>
-              <a:ext uri="{FF2B5EF4-FFF2-40B4-BE49-F238E27FC236}">
-                <a16:creationId xmlns:a16="http://schemas.microsoft.com/office/drawing/2014/main" id="{F91FE41B-73B9-446D-B6B6-0D2BE0152A67}"/>
-              </a:ext>
-            </a:extLst>
-          </p:cNvPr>
-          <p:cNvGrpSpPr/>
-          <p:nvPr/>
-        </p:nvGrpSpPr>
-        <p:grpSpPr>
-          <a:xfrm>
-            <a:off x="5004048" y="4537131"/>
-            <a:ext cx="736156" cy="682214"/>
-            <a:chOff x="5041857" y="4512912"/>
-            <a:chExt cx="736156" cy="682214"/>
-          </a:xfrm>
-        </p:grpSpPr>
-        <p:pic>
-          <p:nvPicPr>
-            <p:cNvPr id="38" name="Рисунок 37">
-              <a:extLst>
-                <a:ext uri="{FF2B5EF4-FFF2-40B4-BE49-F238E27FC236}">
-                  <a16:creationId xmlns:a16="http://schemas.microsoft.com/office/drawing/2014/main" id="{6F591C4D-5137-4B21-8A89-58AD377D575B}"/>
-                </a:ext>
-              </a:extLst>
-            </p:cNvPr>
-            <p:cNvPicPr>
-              <a:picLocks noChangeAspect="1"/>
-            </p:cNvPicPr>
-            <p:nvPr/>
-          </p:nvPicPr>
-          <p:blipFill>
-            <a:blip r:embed="rId4"/>
-            <a:stretch>
-              <a:fillRect/>
-            </a:stretch>
-          </p:blipFill>
-          <p:spPr>
-            <a:xfrm>
-              <a:off x="5157386" y="4512912"/>
-              <a:ext cx="509732" cy="472479"/>
-            </a:xfrm>
-            <a:prstGeom prst="rect">
-              <a:avLst/>
-            </a:prstGeom>
-          </p:spPr>
-        </p:pic>
-        <p:sp>
-          <p:nvSpPr>
-            <p:cNvPr id="40" name="TextBox 39">
-              <a:extLst>
-                <a:ext uri="{FF2B5EF4-FFF2-40B4-BE49-F238E27FC236}">
-                  <a16:creationId xmlns:a16="http://schemas.microsoft.com/office/drawing/2014/main" id="{88C357E4-02A3-449F-B18E-9AF37BEFE00D}"/>
-                </a:ext>
-              </a:extLst>
-            </p:cNvPr>
-            <p:cNvSpPr txBox="1"/>
-            <p:nvPr/>
-          </p:nvSpPr>
-          <p:spPr>
-            <a:xfrm>
-              <a:off x="5041857" y="4979682"/>
-              <a:ext cx="736156" cy="215444"/>
-            </a:xfrm>
-            <a:prstGeom prst="rect">
-              <a:avLst/>
-            </a:prstGeom>
-            <a:noFill/>
-          </p:spPr>
-          <p:txBody>
-            <a:bodyPr wrap="square">
-              <a:spAutoFit/>
-            </a:bodyPr>
-            <a:lstStyle/>
-            <a:p>
-              <a:pPr algn="ctr"/>
-              <a:r>
-                <a:rPr lang="ru-RU" sz="800" dirty="0"/>
-                <a:t>Приложение</a:t>
-              </a:r>
-            </a:p>
-          </p:txBody>
-        </p:sp>
-      </p:grpSp>
       <p:cxnSp>
         <p:nvCxnSpPr>
           <p:cNvPr id="42" name="Прямая со стрелкой 41">
@@ -9148,8 +8705,6 @@
           </p:cNvPr>
           <p:cNvCxnSpPr>
             <a:cxnSpLocks/>
-            <a:stCxn id="38" idx="3"/>
-            <a:endCxn id="28" idx="1"/>
           </p:cNvCxnSpPr>
           <p:nvPr/>
         </p:nvCxnSpPr>
@@ -9192,7 +8747,6 @@
           </p:cNvPr>
           <p:cNvCxnSpPr>
             <a:cxnSpLocks/>
-            <a:endCxn id="21" idx="1"/>
           </p:cNvCxnSpPr>
           <p:nvPr/>
         </p:nvCxnSpPr>
@@ -9235,7 +8789,6 @@
           </p:cNvPr>
           <p:cNvCxnSpPr>
             <a:cxnSpLocks/>
-            <a:endCxn id="34" idx="1"/>
           </p:cNvCxnSpPr>
           <p:nvPr/>
         </p:nvCxnSpPr>
@@ -9278,7 +8831,6 @@
           </p:cNvPr>
           <p:cNvCxnSpPr>
             <a:cxnSpLocks/>
-            <a:endCxn id="31" idx="1"/>
           </p:cNvCxnSpPr>
           <p:nvPr/>
         </p:nvCxnSpPr>
@@ -9310,528 +8862,6 @@
           </a:fontRef>
         </p:style>
       </p:cxnSp>
-      <p:grpSp>
-        <p:nvGrpSpPr>
-          <p:cNvPr id="55" name="Группа 54">
-            <a:extLst>
-              <a:ext uri="{FF2B5EF4-FFF2-40B4-BE49-F238E27FC236}">
-                <a16:creationId xmlns:a16="http://schemas.microsoft.com/office/drawing/2014/main" id="{0CAEFF23-F94C-42FD-B5CE-853EB05E9146}"/>
-              </a:ext>
-            </a:extLst>
-          </p:cNvPr>
-          <p:cNvGrpSpPr/>
-          <p:nvPr/>
-        </p:nvGrpSpPr>
-        <p:grpSpPr>
-          <a:xfrm>
-            <a:off x="3499612" y="3806849"/>
-            <a:ext cx="655904" cy="687956"/>
-            <a:chOff x="5229681" y="3726784"/>
-            <a:chExt cx="871576" cy="914167"/>
-          </a:xfrm>
-        </p:grpSpPr>
-        <p:pic>
-          <p:nvPicPr>
-            <p:cNvPr id="56" name="Рисунок 55">
-              <a:extLst>
-                <a:ext uri="{FF2B5EF4-FFF2-40B4-BE49-F238E27FC236}">
-                  <a16:creationId xmlns:a16="http://schemas.microsoft.com/office/drawing/2014/main" id="{D9FA2BD8-13A9-4AFD-9BDE-98720CC14E24}"/>
-                </a:ext>
-              </a:extLst>
-            </p:cNvPr>
-            <p:cNvPicPr>
-              <a:picLocks noChangeAspect="1"/>
-            </p:cNvPicPr>
-            <p:nvPr/>
-          </p:nvPicPr>
-          <p:blipFill>
-            <a:blip r:embed="rId2"/>
-            <a:stretch>
-              <a:fillRect/>
-            </a:stretch>
-          </p:blipFill>
-          <p:spPr>
-            <a:xfrm>
-              <a:off x="5379312" y="3726784"/>
-              <a:ext cx="572315" cy="614906"/>
-            </a:xfrm>
-            <a:prstGeom prst="rect">
-              <a:avLst/>
-            </a:prstGeom>
-          </p:spPr>
-        </p:pic>
-        <p:sp>
-          <p:nvSpPr>
-            <p:cNvPr id="57" name="TextBox 56">
-              <a:extLst>
-                <a:ext uri="{FF2B5EF4-FFF2-40B4-BE49-F238E27FC236}">
-                  <a16:creationId xmlns:a16="http://schemas.microsoft.com/office/drawing/2014/main" id="{3273A40C-E78F-4566-B4C7-E561C9BC6B96}"/>
-                </a:ext>
-              </a:extLst>
-            </p:cNvPr>
-            <p:cNvSpPr txBox="1"/>
-            <p:nvPr/>
-          </p:nvSpPr>
-          <p:spPr>
-            <a:xfrm>
-              <a:off x="5229681" y="4221088"/>
-              <a:ext cx="871576" cy="419863"/>
-            </a:xfrm>
-            <a:prstGeom prst="rect">
-              <a:avLst/>
-            </a:prstGeom>
-            <a:noFill/>
-          </p:spPr>
-          <p:txBody>
-            <a:bodyPr wrap="square">
-              <a:spAutoFit/>
-            </a:bodyPr>
-            <a:lstStyle/>
-            <a:p>
-              <a:pPr algn="ctr"/>
-              <a:r>
-                <a:rPr lang="ru-RU" sz="800" dirty="0"/>
-                <a:t>Почтовый сервер</a:t>
-              </a:r>
-            </a:p>
-          </p:txBody>
-        </p:sp>
-      </p:grpSp>
-      <p:grpSp>
-        <p:nvGrpSpPr>
-          <p:cNvPr id="58" name="Группа 57">
-            <a:extLst>
-              <a:ext uri="{FF2B5EF4-FFF2-40B4-BE49-F238E27FC236}">
-                <a16:creationId xmlns:a16="http://schemas.microsoft.com/office/drawing/2014/main" id="{1EBCEFF0-DCBE-42C7-8EEF-8755659688E0}"/>
-              </a:ext>
-            </a:extLst>
-          </p:cNvPr>
-          <p:cNvGrpSpPr/>
-          <p:nvPr/>
-        </p:nvGrpSpPr>
-        <p:grpSpPr>
-          <a:xfrm>
-            <a:off x="3499612" y="5263976"/>
-            <a:ext cx="655904" cy="687956"/>
-            <a:chOff x="5229681" y="3726784"/>
-            <a:chExt cx="871576" cy="914167"/>
-          </a:xfrm>
-        </p:grpSpPr>
-        <p:pic>
-          <p:nvPicPr>
-            <p:cNvPr id="59" name="Рисунок 58">
-              <a:extLst>
-                <a:ext uri="{FF2B5EF4-FFF2-40B4-BE49-F238E27FC236}">
-                  <a16:creationId xmlns:a16="http://schemas.microsoft.com/office/drawing/2014/main" id="{00F22595-73BE-4A4D-B289-D3CF9758DB7B}"/>
-                </a:ext>
-              </a:extLst>
-            </p:cNvPr>
-            <p:cNvPicPr>
-              <a:picLocks noChangeAspect="1"/>
-            </p:cNvPicPr>
-            <p:nvPr/>
-          </p:nvPicPr>
-          <p:blipFill>
-            <a:blip r:embed="rId2"/>
-            <a:stretch>
-              <a:fillRect/>
-            </a:stretch>
-          </p:blipFill>
-          <p:spPr>
-            <a:xfrm>
-              <a:off x="5379312" y="3726784"/>
-              <a:ext cx="572315" cy="614906"/>
-            </a:xfrm>
-            <a:prstGeom prst="rect">
-              <a:avLst/>
-            </a:prstGeom>
-          </p:spPr>
-        </p:pic>
-        <p:sp>
-          <p:nvSpPr>
-            <p:cNvPr id="60" name="TextBox 59">
-              <a:extLst>
-                <a:ext uri="{FF2B5EF4-FFF2-40B4-BE49-F238E27FC236}">
-                  <a16:creationId xmlns:a16="http://schemas.microsoft.com/office/drawing/2014/main" id="{F9C97321-953A-462C-9AC2-E2C96C1B5A20}"/>
-                </a:ext>
-              </a:extLst>
-            </p:cNvPr>
-            <p:cNvSpPr txBox="1"/>
-            <p:nvPr/>
-          </p:nvSpPr>
-          <p:spPr>
-            <a:xfrm>
-              <a:off x="5229681" y="4221088"/>
-              <a:ext cx="871576" cy="419863"/>
-            </a:xfrm>
-            <a:prstGeom prst="rect">
-              <a:avLst/>
-            </a:prstGeom>
-            <a:noFill/>
-          </p:spPr>
-          <p:txBody>
-            <a:bodyPr wrap="square">
-              <a:spAutoFit/>
-            </a:bodyPr>
-            <a:lstStyle/>
-            <a:p>
-              <a:pPr algn="ctr"/>
-              <a:r>
-                <a:rPr lang="ru-RU" sz="800" dirty="0"/>
-                <a:t>Почтовый сервер</a:t>
-              </a:r>
-            </a:p>
-          </p:txBody>
-        </p:sp>
-      </p:grpSp>
-      <p:grpSp>
-        <p:nvGrpSpPr>
-          <p:cNvPr id="61" name="Группа 60">
-            <a:extLst>
-              <a:ext uri="{FF2B5EF4-FFF2-40B4-BE49-F238E27FC236}">
-                <a16:creationId xmlns:a16="http://schemas.microsoft.com/office/drawing/2014/main" id="{D659A498-EE52-435C-B0EF-8ABC332C83BE}"/>
-              </a:ext>
-            </a:extLst>
-          </p:cNvPr>
-          <p:cNvGrpSpPr/>
-          <p:nvPr/>
-        </p:nvGrpSpPr>
-        <p:grpSpPr>
-          <a:xfrm>
-            <a:off x="3499612" y="4537131"/>
-            <a:ext cx="655904" cy="687956"/>
-            <a:chOff x="5229681" y="3726784"/>
-            <a:chExt cx="871576" cy="914167"/>
-          </a:xfrm>
-        </p:grpSpPr>
-        <p:pic>
-          <p:nvPicPr>
-            <p:cNvPr id="62" name="Рисунок 61">
-              <a:extLst>
-                <a:ext uri="{FF2B5EF4-FFF2-40B4-BE49-F238E27FC236}">
-                  <a16:creationId xmlns:a16="http://schemas.microsoft.com/office/drawing/2014/main" id="{49A602B1-40EC-442D-9FFB-68F817B15CD6}"/>
-                </a:ext>
-              </a:extLst>
-            </p:cNvPr>
-            <p:cNvPicPr>
-              <a:picLocks noChangeAspect="1"/>
-            </p:cNvPicPr>
-            <p:nvPr/>
-          </p:nvPicPr>
-          <p:blipFill>
-            <a:blip r:embed="rId2"/>
-            <a:stretch>
-              <a:fillRect/>
-            </a:stretch>
-          </p:blipFill>
-          <p:spPr>
-            <a:xfrm>
-              <a:off x="5379312" y="3726784"/>
-              <a:ext cx="572315" cy="614906"/>
-            </a:xfrm>
-            <a:prstGeom prst="rect">
-              <a:avLst/>
-            </a:prstGeom>
-          </p:spPr>
-        </p:pic>
-        <p:sp>
-          <p:nvSpPr>
-            <p:cNvPr id="63" name="TextBox 62">
-              <a:extLst>
-                <a:ext uri="{FF2B5EF4-FFF2-40B4-BE49-F238E27FC236}">
-                  <a16:creationId xmlns:a16="http://schemas.microsoft.com/office/drawing/2014/main" id="{11510AA8-AE1B-417F-A1F0-CE31CE4CA8AB}"/>
-                </a:ext>
-              </a:extLst>
-            </p:cNvPr>
-            <p:cNvSpPr txBox="1"/>
-            <p:nvPr/>
-          </p:nvSpPr>
-          <p:spPr>
-            <a:xfrm>
-              <a:off x="5229681" y="4221088"/>
-              <a:ext cx="871576" cy="419863"/>
-            </a:xfrm>
-            <a:prstGeom prst="rect">
-              <a:avLst/>
-            </a:prstGeom>
-            <a:noFill/>
-          </p:spPr>
-          <p:txBody>
-            <a:bodyPr wrap="square">
-              <a:spAutoFit/>
-            </a:bodyPr>
-            <a:lstStyle/>
-            <a:p>
-              <a:pPr algn="ctr"/>
-              <a:r>
-                <a:rPr lang="ru-RU" sz="800" dirty="0"/>
-                <a:t>Почтовый сервер</a:t>
-              </a:r>
-            </a:p>
-          </p:txBody>
-        </p:sp>
-      </p:grpSp>
-      <p:grpSp>
-        <p:nvGrpSpPr>
-          <p:cNvPr id="64" name="Группа 63">
-            <a:extLst>
-              <a:ext uri="{FF2B5EF4-FFF2-40B4-BE49-F238E27FC236}">
-                <a16:creationId xmlns:a16="http://schemas.microsoft.com/office/drawing/2014/main" id="{58E41AD5-12C6-4E2D-A9E5-973B7CE0ACC2}"/>
-              </a:ext>
-            </a:extLst>
-          </p:cNvPr>
-          <p:cNvGrpSpPr/>
-          <p:nvPr/>
-        </p:nvGrpSpPr>
-        <p:grpSpPr>
-          <a:xfrm>
-            <a:off x="2464620" y="3873100"/>
-            <a:ext cx="696569" cy="578601"/>
-            <a:chOff x="4385464" y="4542790"/>
-            <a:chExt cx="696569" cy="578601"/>
-          </a:xfrm>
-        </p:grpSpPr>
-        <p:pic>
-          <p:nvPicPr>
-            <p:cNvPr id="65" name="Рисунок 64">
-              <a:extLst>
-                <a:ext uri="{FF2B5EF4-FFF2-40B4-BE49-F238E27FC236}">
-                  <a16:creationId xmlns:a16="http://schemas.microsoft.com/office/drawing/2014/main" id="{7253E533-22CA-4A87-B5F9-3F56F3F8DBBF}"/>
-                </a:ext>
-              </a:extLst>
-            </p:cNvPr>
-            <p:cNvPicPr>
-              <a:picLocks noChangeAspect="1"/>
-            </p:cNvPicPr>
-            <p:nvPr/>
-          </p:nvPicPr>
-          <p:blipFill>
-            <a:blip r:embed="rId3"/>
-            <a:stretch>
-              <a:fillRect/>
-            </a:stretch>
-          </p:blipFill>
-          <p:spPr>
-            <a:xfrm>
-              <a:off x="4437129" y="4542790"/>
-              <a:ext cx="593241" cy="419223"/>
-            </a:xfrm>
-            <a:prstGeom prst="rect">
-              <a:avLst/>
-            </a:prstGeom>
-          </p:spPr>
-        </p:pic>
-        <p:sp>
-          <p:nvSpPr>
-            <p:cNvPr id="66" name="TextBox 65">
-              <a:extLst>
-                <a:ext uri="{FF2B5EF4-FFF2-40B4-BE49-F238E27FC236}">
-                  <a16:creationId xmlns:a16="http://schemas.microsoft.com/office/drawing/2014/main" id="{2010824F-E43B-48AF-AE25-467D0B667220}"/>
-                </a:ext>
-              </a:extLst>
-            </p:cNvPr>
-            <p:cNvSpPr txBox="1"/>
-            <p:nvPr/>
-          </p:nvSpPr>
-          <p:spPr>
-            <a:xfrm>
-              <a:off x="4385464" y="4905947"/>
-              <a:ext cx="696569" cy="215444"/>
-            </a:xfrm>
-            <a:prstGeom prst="rect">
-              <a:avLst/>
-            </a:prstGeom>
-            <a:noFill/>
-          </p:spPr>
-          <p:txBody>
-            <a:bodyPr wrap="square">
-              <a:spAutoFit/>
-            </a:bodyPr>
-            <a:lstStyle/>
-            <a:p>
-              <a:pPr algn="ctr"/>
-              <a:r>
-                <a:rPr lang="ru-RU" sz="800" dirty="0"/>
-                <a:t>веб-служба</a:t>
-              </a:r>
-            </a:p>
-          </p:txBody>
-        </p:sp>
-      </p:grpSp>
-      <p:grpSp>
-        <p:nvGrpSpPr>
-          <p:cNvPr id="67" name="Группа 66">
-            <a:extLst>
-              <a:ext uri="{FF2B5EF4-FFF2-40B4-BE49-F238E27FC236}">
-                <a16:creationId xmlns:a16="http://schemas.microsoft.com/office/drawing/2014/main" id="{51D8788C-F44D-47B8-8EFE-7FF1DE626563}"/>
-              </a:ext>
-            </a:extLst>
-          </p:cNvPr>
-          <p:cNvGrpSpPr/>
-          <p:nvPr/>
-        </p:nvGrpSpPr>
-        <p:grpSpPr>
-          <a:xfrm>
-            <a:off x="1403648" y="4537131"/>
-            <a:ext cx="736156" cy="682214"/>
-            <a:chOff x="5041857" y="4512912"/>
-            <a:chExt cx="736156" cy="682214"/>
-          </a:xfrm>
-        </p:grpSpPr>
-        <p:pic>
-          <p:nvPicPr>
-            <p:cNvPr id="68" name="Рисунок 67">
-              <a:extLst>
-                <a:ext uri="{FF2B5EF4-FFF2-40B4-BE49-F238E27FC236}">
-                  <a16:creationId xmlns:a16="http://schemas.microsoft.com/office/drawing/2014/main" id="{3BE41834-4CFD-4FA7-86D0-C8C34016D9A7}"/>
-                </a:ext>
-              </a:extLst>
-            </p:cNvPr>
-            <p:cNvPicPr>
-              <a:picLocks noChangeAspect="1"/>
-            </p:cNvPicPr>
-            <p:nvPr/>
-          </p:nvPicPr>
-          <p:blipFill>
-            <a:blip r:embed="rId4"/>
-            <a:stretch>
-              <a:fillRect/>
-            </a:stretch>
-          </p:blipFill>
-          <p:spPr>
-            <a:xfrm>
-              <a:off x="5157386" y="4512912"/>
-              <a:ext cx="509732" cy="472479"/>
-            </a:xfrm>
-            <a:prstGeom prst="rect">
-              <a:avLst/>
-            </a:prstGeom>
-          </p:spPr>
-        </p:pic>
-        <p:sp>
-          <p:nvSpPr>
-            <p:cNvPr id="69" name="TextBox 68">
-              <a:extLst>
-                <a:ext uri="{FF2B5EF4-FFF2-40B4-BE49-F238E27FC236}">
-                  <a16:creationId xmlns:a16="http://schemas.microsoft.com/office/drawing/2014/main" id="{2A63C4FD-828C-422E-9306-B79884A64A5D}"/>
-                </a:ext>
-              </a:extLst>
-            </p:cNvPr>
-            <p:cNvSpPr txBox="1"/>
-            <p:nvPr/>
-          </p:nvSpPr>
-          <p:spPr>
-            <a:xfrm>
-              <a:off x="5041857" y="4979682"/>
-              <a:ext cx="736156" cy="215444"/>
-            </a:xfrm>
-            <a:prstGeom prst="rect">
-              <a:avLst/>
-            </a:prstGeom>
-            <a:noFill/>
-          </p:spPr>
-          <p:txBody>
-            <a:bodyPr wrap="square">
-              <a:spAutoFit/>
-            </a:bodyPr>
-            <a:lstStyle/>
-            <a:p>
-              <a:pPr algn="ctr"/>
-              <a:r>
-                <a:rPr lang="ru-RU" sz="800" dirty="0"/>
-                <a:t>Приложение</a:t>
-              </a:r>
-            </a:p>
-          </p:txBody>
-        </p:sp>
-      </p:grpSp>
-      <p:grpSp>
-        <p:nvGrpSpPr>
-          <p:cNvPr id="74" name="Группа 73">
-            <a:extLst>
-              <a:ext uri="{FF2B5EF4-FFF2-40B4-BE49-F238E27FC236}">
-                <a16:creationId xmlns:a16="http://schemas.microsoft.com/office/drawing/2014/main" id="{43E3BA5E-3792-4225-84A7-A2B1E22A2F54}"/>
-              </a:ext>
-            </a:extLst>
-          </p:cNvPr>
-          <p:cNvGrpSpPr/>
-          <p:nvPr/>
-        </p:nvGrpSpPr>
-        <p:grpSpPr>
-          <a:xfrm>
-            <a:off x="2460228" y="4533022"/>
-            <a:ext cx="696569" cy="578601"/>
-            <a:chOff x="4385464" y="4542790"/>
-            <a:chExt cx="696569" cy="578601"/>
-          </a:xfrm>
-        </p:grpSpPr>
-        <p:pic>
-          <p:nvPicPr>
-            <p:cNvPr id="75" name="Рисунок 74">
-              <a:extLst>
-                <a:ext uri="{FF2B5EF4-FFF2-40B4-BE49-F238E27FC236}">
-                  <a16:creationId xmlns:a16="http://schemas.microsoft.com/office/drawing/2014/main" id="{8312DCF4-FBCF-4B1F-A78C-D175194FE386}"/>
-                </a:ext>
-              </a:extLst>
-            </p:cNvPr>
-            <p:cNvPicPr>
-              <a:picLocks noChangeAspect="1"/>
-            </p:cNvPicPr>
-            <p:nvPr/>
-          </p:nvPicPr>
-          <p:blipFill>
-            <a:blip r:embed="rId3"/>
-            <a:stretch>
-              <a:fillRect/>
-            </a:stretch>
-          </p:blipFill>
-          <p:spPr>
-            <a:xfrm>
-              <a:off x="4437129" y="4542790"/>
-              <a:ext cx="593241" cy="419223"/>
-            </a:xfrm>
-            <a:prstGeom prst="rect">
-              <a:avLst/>
-            </a:prstGeom>
-          </p:spPr>
-        </p:pic>
-        <p:sp>
-          <p:nvSpPr>
-            <p:cNvPr id="76" name="TextBox 75">
-              <a:extLst>
-                <a:ext uri="{FF2B5EF4-FFF2-40B4-BE49-F238E27FC236}">
-                  <a16:creationId xmlns:a16="http://schemas.microsoft.com/office/drawing/2014/main" id="{5B4701EE-8756-4008-8672-97EF3CA0249D}"/>
-                </a:ext>
-              </a:extLst>
-            </p:cNvPr>
-            <p:cNvSpPr txBox="1"/>
-            <p:nvPr/>
-          </p:nvSpPr>
-          <p:spPr>
-            <a:xfrm>
-              <a:off x="4385464" y="4905947"/>
-              <a:ext cx="696569" cy="215444"/>
-            </a:xfrm>
-            <a:prstGeom prst="rect">
-              <a:avLst/>
-            </a:prstGeom>
-            <a:noFill/>
-          </p:spPr>
-          <p:txBody>
-            <a:bodyPr wrap="square">
-              <a:spAutoFit/>
-            </a:bodyPr>
-            <a:lstStyle/>
-            <a:p>
-              <a:pPr algn="ctr"/>
-              <a:r>
-                <a:rPr lang="ru-RU" sz="800" dirty="0"/>
-                <a:t>веб-служба</a:t>
-              </a:r>
-            </a:p>
-          </p:txBody>
-        </p:sp>
-      </p:grpSp>
       <p:cxnSp>
         <p:nvCxnSpPr>
           <p:cNvPr id="77" name="Прямая со стрелкой 76">
@@ -10086,6 +9116,1029 @@
           </a:p>
         </p:txBody>
       </p:sp>
+      <p:grpSp>
+        <p:nvGrpSpPr>
+          <p:cNvPr id="2" name="Группа 1">
+            <a:extLst>
+              <a:ext uri="{FF2B5EF4-FFF2-40B4-BE49-F238E27FC236}">
+                <a16:creationId xmlns:a16="http://schemas.microsoft.com/office/drawing/2014/main" id="{B1649740-C29A-5887-4698-1F950A79FE1B}"/>
+              </a:ext>
+            </a:extLst>
+          </p:cNvPr>
+          <p:cNvGrpSpPr/>
+          <p:nvPr/>
+        </p:nvGrpSpPr>
+        <p:grpSpPr>
+          <a:xfrm>
+            <a:off x="3504403" y="3635600"/>
+            <a:ext cx="655904" cy="796066"/>
+            <a:chOff x="3499611" y="3698742"/>
+            <a:chExt cx="655904" cy="796066"/>
+          </a:xfrm>
+        </p:grpSpPr>
+        <p:sp>
+          <p:nvSpPr>
+            <p:cNvPr id="57" name="TextBox 56">
+              <a:extLst>
+                <a:ext uri="{FF2B5EF4-FFF2-40B4-BE49-F238E27FC236}">
+                  <a16:creationId xmlns:a16="http://schemas.microsoft.com/office/drawing/2014/main" id="{3273A40C-E78F-4566-B4C7-E561C9BC6B96}"/>
+                </a:ext>
+              </a:extLst>
+            </p:cNvPr>
+            <p:cNvSpPr txBox="1"/>
+            <p:nvPr/>
+          </p:nvSpPr>
+          <p:spPr>
+            <a:xfrm>
+              <a:off x="3499611" y="4178840"/>
+              <a:ext cx="655904" cy="315968"/>
+            </a:xfrm>
+            <a:prstGeom prst="rect">
+              <a:avLst/>
+            </a:prstGeom>
+            <a:noFill/>
+          </p:spPr>
+          <p:txBody>
+            <a:bodyPr wrap="square">
+              <a:spAutoFit/>
+            </a:bodyPr>
+            <a:lstStyle/>
+            <a:p>
+              <a:pPr algn="ctr"/>
+              <a:r>
+                <a:rPr lang="ru-RU" sz="800" dirty="0"/>
+                <a:t>Почтовый сервер</a:t>
+              </a:r>
+            </a:p>
+          </p:txBody>
+        </p:sp>
+        <p:pic>
+          <p:nvPicPr>
+            <p:cNvPr id="54" name="Рисунок 53">
+              <a:extLst>
+                <a:ext uri="{FF2B5EF4-FFF2-40B4-BE49-F238E27FC236}">
+                  <a16:creationId xmlns:a16="http://schemas.microsoft.com/office/drawing/2014/main" id="{51FE5D04-8A92-01A3-CDCB-11D8D5922979}"/>
+                </a:ext>
+              </a:extLst>
+            </p:cNvPr>
+            <p:cNvPicPr>
+              <a:picLocks noChangeAspect="1"/>
+            </p:cNvPicPr>
+            <p:nvPr/>
+          </p:nvPicPr>
+          <p:blipFill>
+            <a:blip r:embed="rId2">
+              <a:extLst>
+                <a:ext uri="{96DAC541-7B7A-43D3-8B79-37D633B846F1}">
+                  <asvg:svgBlip xmlns:asvg="http://schemas.microsoft.com/office/drawing/2016/SVG/main" r:embed="rId3"/>
+                </a:ext>
+              </a:extLst>
+            </a:blip>
+            <a:stretch>
+              <a:fillRect/>
+            </a:stretch>
+          </p:blipFill>
+          <p:spPr>
+            <a:xfrm>
+              <a:off x="3596756" y="3698742"/>
+              <a:ext cx="500756" cy="515931"/>
+            </a:xfrm>
+            <a:prstGeom prst="rect">
+              <a:avLst/>
+            </a:prstGeom>
+          </p:spPr>
+        </p:pic>
+      </p:grpSp>
+      <p:grpSp>
+        <p:nvGrpSpPr>
+          <p:cNvPr id="71" name="Группа 70">
+            <a:extLst>
+              <a:ext uri="{FF2B5EF4-FFF2-40B4-BE49-F238E27FC236}">
+                <a16:creationId xmlns:a16="http://schemas.microsoft.com/office/drawing/2014/main" id="{7FEF0EA5-7D0A-18FA-7490-40E7480B985E}"/>
+              </a:ext>
+            </a:extLst>
+          </p:cNvPr>
+          <p:cNvGrpSpPr/>
+          <p:nvPr/>
+        </p:nvGrpSpPr>
+        <p:grpSpPr>
+          <a:xfrm>
+            <a:off x="3514610" y="4498146"/>
+            <a:ext cx="655904" cy="796066"/>
+            <a:chOff x="3499611" y="3698742"/>
+            <a:chExt cx="655904" cy="796066"/>
+          </a:xfrm>
+        </p:grpSpPr>
+        <p:sp>
+          <p:nvSpPr>
+            <p:cNvPr id="72" name="TextBox 71">
+              <a:extLst>
+                <a:ext uri="{FF2B5EF4-FFF2-40B4-BE49-F238E27FC236}">
+                  <a16:creationId xmlns:a16="http://schemas.microsoft.com/office/drawing/2014/main" id="{252F128B-C744-CEAD-51C7-E64E612FF9B6}"/>
+                </a:ext>
+              </a:extLst>
+            </p:cNvPr>
+            <p:cNvSpPr txBox="1"/>
+            <p:nvPr/>
+          </p:nvSpPr>
+          <p:spPr>
+            <a:xfrm>
+              <a:off x="3499611" y="4178840"/>
+              <a:ext cx="655904" cy="315968"/>
+            </a:xfrm>
+            <a:prstGeom prst="rect">
+              <a:avLst/>
+            </a:prstGeom>
+            <a:noFill/>
+          </p:spPr>
+          <p:txBody>
+            <a:bodyPr wrap="square">
+              <a:spAutoFit/>
+            </a:bodyPr>
+            <a:lstStyle/>
+            <a:p>
+              <a:pPr algn="ctr"/>
+              <a:r>
+                <a:rPr lang="ru-RU" sz="800" dirty="0"/>
+                <a:t>Почтовый сервер</a:t>
+              </a:r>
+            </a:p>
+          </p:txBody>
+        </p:sp>
+        <p:pic>
+          <p:nvPicPr>
+            <p:cNvPr id="73" name="Рисунок 72">
+              <a:extLst>
+                <a:ext uri="{FF2B5EF4-FFF2-40B4-BE49-F238E27FC236}">
+                  <a16:creationId xmlns:a16="http://schemas.microsoft.com/office/drawing/2014/main" id="{E7E1F96C-2F62-09C6-0EA2-464C8071718E}"/>
+                </a:ext>
+              </a:extLst>
+            </p:cNvPr>
+            <p:cNvPicPr>
+              <a:picLocks noChangeAspect="1"/>
+            </p:cNvPicPr>
+            <p:nvPr/>
+          </p:nvPicPr>
+          <p:blipFill>
+            <a:blip r:embed="rId2">
+              <a:extLst>
+                <a:ext uri="{96DAC541-7B7A-43D3-8B79-37D633B846F1}">
+                  <asvg:svgBlip xmlns:asvg="http://schemas.microsoft.com/office/drawing/2016/SVG/main" r:embed="rId3"/>
+                </a:ext>
+              </a:extLst>
+            </a:blip>
+            <a:stretch>
+              <a:fillRect/>
+            </a:stretch>
+          </p:blipFill>
+          <p:spPr>
+            <a:xfrm>
+              <a:off x="3596756" y="3698742"/>
+              <a:ext cx="500756" cy="515931"/>
+            </a:xfrm>
+            <a:prstGeom prst="rect">
+              <a:avLst/>
+            </a:prstGeom>
+          </p:spPr>
+        </p:pic>
+      </p:grpSp>
+      <p:grpSp>
+        <p:nvGrpSpPr>
+          <p:cNvPr id="78" name="Группа 77">
+            <a:extLst>
+              <a:ext uri="{FF2B5EF4-FFF2-40B4-BE49-F238E27FC236}">
+                <a16:creationId xmlns:a16="http://schemas.microsoft.com/office/drawing/2014/main" id="{13945491-16B7-62C3-C122-376B07A6ABC9}"/>
+              </a:ext>
+            </a:extLst>
+          </p:cNvPr>
+          <p:cNvGrpSpPr/>
+          <p:nvPr/>
+        </p:nvGrpSpPr>
+        <p:grpSpPr>
+          <a:xfrm>
+            <a:off x="3514610" y="5304034"/>
+            <a:ext cx="655904" cy="796066"/>
+            <a:chOff x="3499611" y="3698742"/>
+            <a:chExt cx="655904" cy="796066"/>
+          </a:xfrm>
+        </p:grpSpPr>
+        <p:sp>
+          <p:nvSpPr>
+            <p:cNvPr id="79" name="TextBox 78">
+              <a:extLst>
+                <a:ext uri="{FF2B5EF4-FFF2-40B4-BE49-F238E27FC236}">
+                  <a16:creationId xmlns:a16="http://schemas.microsoft.com/office/drawing/2014/main" id="{0FE54CFA-85FD-1E43-7AFD-067B3BD5764B}"/>
+                </a:ext>
+              </a:extLst>
+            </p:cNvPr>
+            <p:cNvSpPr txBox="1"/>
+            <p:nvPr/>
+          </p:nvSpPr>
+          <p:spPr>
+            <a:xfrm>
+              <a:off x="3499611" y="4178840"/>
+              <a:ext cx="655904" cy="315968"/>
+            </a:xfrm>
+            <a:prstGeom prst="rect">
+              <a:avLst/>
+            </a:prstGeom>
+            <a:noFill/>
+          </p:spPr>
+          <p:txBody>
+            <a:bodyPr wrap="square">
+              <a:spAutoFit/>
+            </a:bodyPr>
+            <a:lstStyle/>
+            <a:p>
+              <a:pPr algn="ctr"/>
+              <a:r>
+                <a:rPr lang="ru-RU" sz="800" dirty="0"/>
+                <a:t>Почтовый сервер</a:t>
+              </a:r>
+            </a:p>
+          </p:txBody>
+        </p:sp>
+        <p:pic>
+          <p:nvPicPr>
+            <p:cNvPr id="81" name="Рисунок 80">
+              <a:extLst>
+                <a:ext uri="{FF2B5EF4-FFF2-40B4-BE49-F238E27FC236}">
+                  <a16:creationId xmlns:a16="http://schemas.microsoft.com/office/drawing/2014/main" id="{57F24514-193A-029C-C288-25C1BF59902D}"/>
+                </a:ext>
+              </a:extLst>
+            </p:cNvPr>
+            <p:cNvPicPr>
+              <a:picLocks noChangeAspect="1"/>
+            </p:cNvPicPr>
+            <p:nvPr/>
+          </p:nvPicPr>
+          <p:blipFill>
+            <a:blip r:embed="rId2">
+              <a:extLst>
+                <a:ext uri="{96DAC541-7B7A-43D3-8B79-37D633B846F1}">
+                  <asvg:svgBlip xmlns:asvg="http://schemas.microsoft.com/office/drawing/2016/SVG/main" r:embed="rId3"/>
+                </a:ext>
+              </a:extLst>
+            </a:blip>
+            <a:stretch>
+              <a:fillRect/>
+            </a:stretch>
+          </p:blipFill>
+          <p:spPr>
+            <a:xfrm>
+              <a:off x="3596756" y="3698742"/>
+              <a:ext cx="500756" cy="515931"/>
+            </a:xfrm>
+            <a:prstGeom prst="rect">
+              <a:avLst/>
+            </a:prstGeom>
+          </p:spPr>
+        </p:pic>
+      </p:grpSp>
+      <p:grpSp>
+        <p:nvGrpSpPr>
+          <p:cNvPr id="84" name="Группа 83">
+            <a:extLst>
+              <a:ext uri="{FF2B5EF4-FFF2-40B4-BE49-F238E27FC236}">
+                <a16:creationId xmlns:a16="http://schemas.microsoft.com/office/drawing/2014/main" id="{AA9D635C-DEDB-F4E1-0A47-66951DD31D7B}"/>
+              </a:ext>
+            </a:extLst>
+          </p:cNvPr>
+          <p:cNvGrpSpPr/>
+          <p:nvPr/>
+        </p:nvGrpSpPr>
+        <p:grpSpPr>
+          <a:xfrm>
+            <a:off x="7156456" y="3713054"/>
+            <a:ext cx="655904" cy="796066"/>
+            <a:chOff x="3499611" y="3698742"/>
+            <a:chExt cx="655904" cy="796066"/>
+          </a:xfrm>
+        </p:grpSpPr>
+        <p:sp>
+          <p:nvSpPr>
+            <p:cNvPr id="86" name="TextBox 85">
+              <a:extLst>
+                <a:ext uri="{FF2B5EF4-FFF2-40B4-BE49-F238E27FC236}">
+                  <a16:creationId xmlns:a16="http://schemas.microsoft.com/office/drawing/2014/main" id="{9A03766E-D5E8-4ABF-E7E5-B33B3E8F937B}"/>
+                </a:ext>
+              </a:extLst>
+            </p:cNvPr>
+            <p:cNvSpPr txBox="1"/>
+            <p:nvPr/>
+          </p:nvSpPr>
+          <p:spPr>
+            <a:xfrm>
+              <a:off x="3499611" y="4178840"/>
+              <a:ext cx="655904" cy="315968"/>
+            </a:xfrm>
+            <a:prstGeom prst="rect">
+              <a:avLst/>
+            </a:prstGeom>
+            <a:noFill/>
+          </p:spPr>
+          <p:txBody>
+            <a:bodyPr wrap="square">
+              <a:spAutoFit/>
+            </a:bodyPr>
+            <a:lstStyle/>
+            <a:p>
+              <a:pPr algn="ctr"/>
+              <a:r>
+                <a:rPr lang="ru-RU" sz="800" dirty="0"/>
+                <a:t>Почтовый сервер</a:t>
+              </a:r>
+            </a:p>
+          </p:txBody>
+        </p:sp>
+        <p:pic>
+          <p:nvPicPr>
+            <p:cNvPr id="87" name="Рисунок 86">
+              <a:extLst>
+                <a:ext uri="{FF2B5EF4-FFF2-40B4-BE49-F238E27FC236}">
+                  <a16:creationId xmlns:a16="http://schemas.microsoft.com/office/drawing/2014/main" id="{F46B5F1F-9F5D-8DED-8E82-E217A5B4D160}"/>
+                </a:ext>
+              </a:extLst>
+            </p:cNvPr>
+            <p:cNvPicPr>
+              <a:picLocks noChangeAspect="1"/>
+            </p:cNvPicPr>
+            <p:nvPr/>
+          </p:nvPicPr>
+          <p:blipFill>
+            <a:blip r:embed="rId2">
+              <a:extLst>
+                <a:ext uri="{96DAC541-7B7A-43D3-8B79-37D633B846F1}">
+                  <asvg:svgBlip xmlns:asvg="http://schemas.microsoft.com/office/drawing/2016/SVG/main" r:embed="rId3"/>
+                </a:ext>
+              </a:extLst>
+            </a:blip>
+            <a:stretch>
+              <a:fillRect/>
+            </a:stretch>
+          </p:blipFill>
+          <p:spPr>
+            <a:xfrm>
+              <a:off x="3596756" y="3698742"/>
+              <a:ext cx="500756" cy="515931"/>
+            </a:xfrm>
+            <a:prstGeom prst="rect">
+              <a:avLst/>
+            </a:prstGeom>
+          </p:spPr>
+        </p:pic>
+      </p:grpSp>
+      <p:grpSp>
+        <p:nvGrpSpPr>
+          <p:cNvPr id="89" name="Группа 88">
+            <a:extLst>
+              <a:ext uri="{FF2B5EF4-FFF2-40B4-BE49-F238E27FC236}">
+                <a16:creationId xmlns:a16="http://schemas.microsoft.com/office/drawing/2014/main" id="{114F2D3A-ABAD-F4B8-188A-4DF6027701F0}"/>
+              </a:ext>
+            </a:extLst>
+          </p:cNvPr>
+          <p:cNvGrpSpPr/>
+          <p:nvPr/>
+        </p:nvGrpSpPr>
+        <p:grpSpPr>
+          <a:xfrm>
+            <a:off x="7160858" y="4513469"/>
+            <a:ext cx="655904" cy="796066"/>
+            <a:chOff x="3499611" y="3698742"/>
+            <a:chExt cx="655904" cy="796066"/>
+          </a:xfrm>
+        </p:grpSpPr>
+        <p:sp>
+          <p:nvSpPr>
+            <p:cNvPr id="90" name="TextBox 89">
+              <a:extLst>
+                <a:ext uri="{FF2B5EF4-FFF2-40B4-BE49-F238E27FC236}">
+                  <a16:creationId xmlns:a16="http://schemas.microsoft.com/office/drawing/2014/main" id="{D6FC1DEE-891A-65A6-D389-4822F4EA85E4}"/>
+                </a:ext>
+              </a:extLst>
+            </p:cNvPr>
+            <p:cNvSpPr txBox="1"/>
+            <p:nvPr/>
+          </p:nvSpPr>
+          <p:spPr>
+            <a:xfrm>
+              <a:off x="3499611" y="4178840"/>
+              <a:ext cx="655904" cy="315968"/>
+            </a:xfrm>
+            <a:prstGeom prst="rect">
+              <a:avLst/>
+            </a:prstGeom>
+            <a:noFill/>
+          </p:spPr>
+          <p:txBody>
+            <a:bodyPr wrap="square">
+              <a:spAutoFit/>
+            </a:bodyPr>
+            <a:lstStyle/>
+            <a:p>
+              <a:pPr algn="ctr"/>
+              <a:r>
+                <a:rPr lang="ru-RU" sz="800" dirty="0"/>
+                <a:t>Почтовый сервер</a:t>
+              </a:r>
+            </a:p>
+          </p:txBody>
+        </p:sp>
+        <p:pic>
+          <p:nvPicPr>
+            <p:cNvPr id="91" name="Рисунок 90">
+              <a:extLst>
+                <a:ext uri="{FF2B5EF4-FFF2-40B4-BE49-F238E27FC236}">
+                  <a16:creationId xmlns:a16="http://schemas.microsoft.com/office/drawing/2014/main" id="{35C27A31-EB4C-495A-F8DC-F92CF041BA6F}"/>
+                </a:ext>
+              </a:extLst>
+            </p:cNvPr>
+            <p:cNvPicPr>
+              <a:picLocks noChangeAspect="1"/>
+            </p:cNvPicPr>
+            <p:nvPr/>
+          </p:nvPicPr>
+          <p:blipFill>
+            <a:blip r:embed="rId2">
+              <a:extLst>
+                <a:ext uri="{96DAC541-7B7A-43D3-8B79-37D633B846F1}">
+                  <asvg:svgBlip xmlns:asvg="http://schemas.microsoft.com/office/drawing/2016/SVG/main" r:embed="rId3"/>
+                </a:ext>
+              </a:extLst>
+            </a:blip>
+            <a:stretch>
+              <a:fillRect/>
+            </a:stretch>
+          </p:blipFill>
+          <p:spPr>
+            <a:xfrm>
+              <a:off x="3596756" y="3698742"/>
+              <a:ext cx="500756" cy="515931"/>
+            </a:xfrm>
+            <a:prstGeom prst="rect">
+              <a:avLst/>
+            </a:prstGeom>
+          </p:spPr>
+        </p:pic>
+      </p:grpSp>
+      <p:grpSp>
+        <p:nvGrpSpPr>
+          <p:cNvPr id="92" name="Группа 91">
+            <a:extLst>
+              <a:ext uri="{FF2B5EF4-FFF2-40B4-BE49-F238E27FC236}">
+                <a16:creationId xmlns:a16="http://schemas.microsoft.com/office/drawing/2014/main" id="{17DFBDCD-C142-4B7A-484C-E5ADDC08D0B6}"/>
+              </a:ext>
+            </a:extLst>
+          </p:cNvPr>
+          <p:cNvGrpSpPr/>
+          <p:nvPr/>
+        </p:nvGrpSpPr>
+        <p:grpSpPr>
+          <a:xfrm>
+            <a:off x="7160858" y="5309535"/>
+            <a:ext cx="655904" cy="796066"/>
+            <a:chOff x="3499611" y="3698742"/>
+            <a:chExt cx="655904" cy="796066"/>
+          </a:xfrm>
+        </p:grpSpPr>
+        <p:sp>
+          <p:nvSpPr>
+            <p:cNvPr id="93" name="TextBox 92">
+              <a:extLst>
+                <a:ext uri="{FF2B5EF4-FFF2-40B4-BE49-F238E27FC236}">
+                  <a16:creationId xmlns:a16="http://schemas.microsoft.com/office/drawing/2014/main" id="{15F2CF23-C082-1EB0-7EB9-21C2252135BC}"/>
+                </a:ext>
+              </a:extLst>
+            </p:cNvPr>
+            <p:cNvSpPr txBox="1"/>
+            <p:nvPr/>
+          </p:nvSpPr>
+          <p:spPr>
+            <a:xfrm>
+              <a:off x="3499611" y="4178840"/>
+              <a:ext cx="655904" cy="315968"/>
+            </a:xfrm>
+            <a:prstGeom prst="rect">
+              <a:avLst/>
+            </a:prstGeom>
+            <a:noFill/>
+          </p:spPr>
+          <p:txBody>
+            <a:bodyPr wrap="square">
+              <a:spAutoFit/>
+            </a:bodyPr>
+            <a:lstStyle/>
+            <a:p>
+              <a:pPr algn="ctr"/>
+              <a:r>
+                <a:rPr lang="ru-RU" sz="800" dirty="0"/>
+                <a:t>Почтовый сервер</a:t>
+              </a:r>
+            </a:p>
+          </p:txBody>
+        </p:sp>
+        <p:pic>
+          <p:nvPicPr>
+            <p:cNvPr id="94" name="Рисунок 93">
+              <a:extLst>
+                <a:ext uri="{FF2B5EF4-FFF2-40B4-BE49-F238E27FC236}">
+                  <a16:creationId xmlns:a16="http://schemas.microsoft.com/office/drawing/2014/main" id="{FDCEF5EA-15E8-8DBA-CE61-AA4099D09F9E}"/>
+                </a:ext>
+              </a:extLst>
+            </p:cNvPr>
+            <p:cNvPicPr>
+              <a:picLocks noChangeAspect="1"/>
+            </p:cNvPicPr>
+            <p:nvPr/>
+          </p:nvPicPr>
+          <p:blipFill>
+            <a:blip r:embed="rId2">
+              <a:extLst>
+                <a:ext uri="{96DAC541-7B7A-43D3-8B79-37D633B846F1}">
+                  <asvg:svgBlip xmlns:asvg="http://schemas.microsoft.com/office/drawing/2016/SVG/main" r:embed="rId3"/>
+                </a:ext>
+              </a:extLst>
+            </a:blip>
+            <a:stretch>
+              <a:fillRect/>
+            </a:stretch>
+          </p:blipFill>
+          <p:spPr>
+            <a:xfrm>
+              <a:off x="3596756" y="3698742"/>
+              <a:ext cx="500756" cy="515931"/>
+            </a:xfrm>
+            <a:prstGeom prst="rect">
+              <a:avLst/>
+            </a:prstGeom>
+          </p:spPr>
+        </p:pic>
+      </p:grpSp>
+      <p:grpSp>
+        <p:nvGrpSpPr>
+          <p:cNvPr id="3" name="Группа 2">
+            <a:extLst>
+              <a:ext uri="{FF2B5EF4-FFF2-40B4-BE49-F238E27FC236}">
+                <a16:creationId xmlns:a16="http://schemas.microsoft.com/office/drawing/2014/main" id="{8CF7EE1A-81E9-8003-97D2-CFE998CC1A70}"/>
+              </a:ext>
+            </a:extLst>
+          </p:cNvPr>
+          <p:cNvGrpSpPr/>
+          <p:nvPr/>
+        </p:nvGrpSpPr>
+        <p:grpSpPr>
+          <a:xfrm>
+            <a:off x="5954475" y="4533022"/>
+            <a:ext cx="660494" cy="605320"/>
+            <a:chOff x="5954475" y="4533022"/>
+            <a:chExt cx="660494" cy="605320"/>
+          </a:xfrm>
+        </p:grpSpPr>
+        <p:sp>
+          <p:nvSpPr>
+            <p:cNvPr id="36" name="TextBox 35">
+              <a:extLst>
+                <a:ext uri="{FF2B5EF4-FFF2-40B4-BE49-F238E27FC236}">
+                  <a16:creationId xmlns:a16="http://schemas.microsoft.com/office/drawing/2014/main" id="{DBDAAC4D-B8A9-4B55-A0E4-CF1DD931F3D8}"/>
+                </a:ext>
+              </a:extLst>
+            </p:cNvPr>
+            <p:cNvSpPr txBox="1"/>
+            <p:nvPr/>
+          </p:nvSpPr>
+          <p:spPr>
+            <a:xfrm>
+              <a:off x="5954475" y="4922898"/>
+              <a:ext cx="655904" cy="215444"/>
+            </a:xfrm>
+            <a:prstGeom prst="rect">
+              <a:avLst/>
+            </a:prstGeom>
+            <a:noFill/>
+          </p:spPr>
+          <p:txBody>
+            <a:bodyPr wrap="square">
+              <a:spAutoFit/>
+            </a:bodyPr>
+            <a:lstStyle/>
+            <a:p>
+              <a:pPr algn="ctr"/>
+              <a:r>
+                <a:rPr lang="ru-RU" sz="800" dirty="0"/>
+                <a:t>ВС ДЭП</a:t>
+              </a:r>
+            </a:p>
+          </p:txBody>
+        </p:sp>
+        <p:pic>
+          <p:nvPicPr>
+            <p:cNvPr id="95" name="Рисунок 94">
+              <a:extLst>
+                <a:ext uri="{FF2B5EF4-FFF2-40B4-BE49-F238E27FC236}">
+                  <a16:creationId xmlns:a16="http://schemas.microsoft.com/office/drawing/2014/main" id="{82EC0195-50F1-87BA-8D26-6F46C44C3DE4}"/>
+                </a:ext>
+              </a:extLst>
+            </p:cNvPr>
+            <p:cNvPicPr>
+              <a:picLocks noChangeAspect="1"/>
+            </p:cNvPicPr>
+            <p:nvPr/>
+          </p:nvPicPr>
+          <p:blipFill>
+            <a:blip r:embed="rId4">
+              <a:extLst>
+                <a:ext uri="{96DAC541-7B7A-43D3-8B79-37D633B846F1}">
+                  <asvg:svgBlip xmlns:asvg="http://schemas.microsoft.com/office/drawing/2016/SVG/main" r:embed="rId5"/>
+                </a:ext>
+              </a:extLst>
+            </a:blip>
+            <a:stretch>
+              <a:fillRect/>
+            </a:stretch>
+          </p:blipFill>
+          <p:spPr>
+            <a:xfrm>
+              <a:off x="5985807" y="4533022"/>
+              <a:ext cx="629162" cy="406731"/>
+            </a:xfrm>
+            <a:prstGeom prst="rect">
+              <a:avLst/>
+            </a:prstGeom>
+          </p:spPr>
+        </p:pic>
+      </p:grpSp>
+      <p:grpSp>
+        <p:nvGrpSpPr>
+          <p:cNvPr id="11" name="Группа 10">
+            <a:extLst>
+              <a:ext uri="{FF2B5EF4-FFF2-40B4-BE49-F238E27FC236}">
+                <a16:creationId xmlns:a16="http://schemas.microsoft.com/office/drawing/2014/main" id="{7F11C491-4E7C-24BE-F4FE-D7F75D4BAEBD}"/>
+              </a:ext>
+            </a:extLst>
+          </p:cNvPr>
+          <p:cNvGrpSpPr/>
+          <p:nvPr/>
+        </p:nvGrpSpPr>
+        <p:grpSpPr>
+          <a:xfrm>
+            <a:off x="2460228" y="4516167"/>
+            <a:ext cx="696569" cy="595456"/>
+            <a:chOff x="2460228" y="4516167"/>
+            <a:chExt cx="696569" cy="595456"/>
+          </a:xfrm>
+        </p:grpSpPr>
+        <p:sp>
+          <p:nvSpPr>
+            <p:cNvPr id="76" name="TextBox 75">
+              <a:extLst>
+                <a:ext uri="{FF2B5EF4-FFF2-40B4-BE49-F238E27FC236}">
+                  <a16:creationId xmlns:a16="http://schemas.microsoft.com/office/drawing/2014/main" id="{5B4701EE-8756-4008-8672-97EF3CA0249D}"/>
+                </a:ext>
+              </a:extLst>
+            </p:cNvPr>
+            <p:cNvSpPr txBox="1"/>
+            <p:nvPr/>
+          </p:nvSpPr>
+          <p:spPr>
+            <a:xfrm>
+              <a:off x="2460228" y="4896179"/>
+              <a:ext cx="696569" cy="215444"/>
+            </a:xfrm>
+            <a:prstGeom prst="rect">
+              <a:avLst/>
+            </a:prstGeom>
+            <a:noFill/>
+          </p:spPr>
+          <p:txBody>
+            <a:bodyPr wrap="square">
+              <a:spAutoFit/>
+            </a:bodyPr>
+            <a:lstStyle/>
+            <a:p>
+              <a:pPr algn="ctr"/>
+              <a:r>
+                <a:rPr lang="ru-RU" sz="800" dirty="0"/>
+                <a:t>Веб-служба</a:t>
+              </a:r>
+            </a:p>
+          </p:txBody>
+        </p:sp>
+        <p:pic>
+          <p:nvPicPr>
+            <p:cNvPr id="96" name="Рисунок 95">
+              <a:extLst>
+                <a:ext uri="{FF2B5EF4-FFF2-40B4-BE49-F238E27FC236}">
+                  <a16:creationId xmlns:a16="http://schemas.microsoft.com/office/drawing/2014/main" id="{2D701279-99EE-3128-F4FF-6E54E054AED9}"/>
+                </a:ext>
+              </a:extLst>
+            </p:cNvPr>
+            <p:cNvPicPr>
+              <a:picLocks noChangeAspect="1"/>
+            </p:cNvPicPr>
+            <p:nvPr/>
+          </p:nvPicPr>
+          <p:blipFill>
+            <a:blip r:embed="rId4">
+              <a:extLst>
+                <a:ext uri="{96DAC541-7B7A-43D3-8B79-37D633B846F1}">
+                  <asvg:svgBlip xmlns:asvg="http://schemas.microsoft.com/office/drawing/2016/SVG/main" r:embed="rId5"/>
+                </a:ext>
+              </a:extLst>
+            </a:blip>
+            <a:stretch>
+              <a:fillRect/>
+            </a:stretch>
+          </p:blipFill>
+          <p:spPr>
+            <a:xfrm>
+              <a:off x="2509716" y="4516167"/>
+              <a:ext cx="629162" cy="406731"/>
+            </a:xfrm>
+            <a:prstGeom prst="rect">
+              <a:avLst/>
+            </a:prstGeom>
+          </p:spPr>
+        </p:pic>
+      </p:grpSp>
+      <p:grpSp>
+        <p:nvGrpSpPr>
+          <p:cNvPr id="97" name="Группа 96">
+            <a:extLst>
+              <a:ext uri="{FF2B5EF4-FFF2-40B4-BE49-F238E27FC236}">
+                <a16:creationId xmlns:a16="http://schemas.microsoft.com/office/drawing/2014/main" id="{88146E71-E9B7-4FD7-6C4D-5F081896D4C5}"/>
+              </a:ext>
+            </a:extLst>
+          </p:cNvPr>
+          <p:cNvGrpSpPr/>
+          <p:nvPr/>
+        </p:nvGrpSpPr>
+        <p:grpSpPr>
+          <a:xfrm>
+            <a:off x="2445446" y="3883708"/>
+            <a:ext cx="696569" cy="595456"/>
+            <a:chOff x="2460228" y="4516167"/>
+            <a:chExt cx="696569" cy="595456"/>
+          </a:xfrm>
+        </p:grpSpPr>
+        <p:sp>
+          <p:nvSpPr>
+            <p:cNvPr id="98" name="TextBox 97">
+              <a:extLst>
+                <a:ext uri="{FF2B5EF4-FFF2-40B4-BE49-F238E27FC236}">
+                  <a16:creationId xmlns:a16="http://schemas.microsoft.com/office/drawing/2014/main" id="{DC05D8B8-FD6C-3589-4748-A41726D4310A}"/>
+                </a:ext>
+              </a:extLst>
+            </p:cNvPr>
+            <p:cNvSpPr txBox="1"/>
+            <p:nvPr/>
+          </p:nvSpPr>
+          <p:spPr>
+            <a:xfrm>
+              <a:off x="2460228" y="4896179"/>
+              <a:ext cx="696569" cy="215444"/>
+            </a:xfrm>
+            <a:prstGeom prst="rect">
+              <a:avLst/>
+            </a:prstGeom>
+            <a:noFill/>
+          </p:spPr>
+          <p:txBody>
+            <a:bodyPr wrap="square">
+              <a:spAutoFit/>
+            </a:bodyPr>
+            <a:lstStyle/>
+            <a:p>
+              <a:pPr algn="ctr"/>
+              <a:r>
+                <a:rPr lang="ru-RU" sz="800" dirty="0"/>
+                <a:t>Веб-служба</a:t>
+              </a:r>
+            </a:p>
+          </p:txBody>
+        </p:sp>
+        <p:pic>
+          <p:nvPicPr>
+            <p:cNvPr id="99" name="Рисунок 98">
+              <a:extLst>
+                <a:ext uri="{FF2B5EF4-FFF2-40B4-BE49-F238E27FC236}">
+                  <a16:creationId xmlns:a16="http://schemas.microsoft.com/office/drawing/2014/main" id="{E53936EA-3C2B-B6B4-872D-27712B04FADA}"/>
+                </a:ext>
+              </a:extLst>
+            </p:cNvPr>
+            <p:cNvPicPr>
+              <a:picLocks noChangeAspect="1"/>
+            </p:cNvPicPr>
+            <p:nvPr/>
+          </p:nvPicPr>
+          <p:blipFill>
+            <a:blip r:embed="rId4">
+              <a:extLst>
+                <a:ext uri="{96DAC541-7B7A-43D3-8B79-37D633B846F1}">
+                  <asvg:svgBlip xmlns:asvg="http://schemas.microsoft.com/office/drawing/2016/SVG/main" r:embed="rId5"/>
+                </a:ext>
+              </a:extLst>
+            </a:blip>
+            <a:stretch>
+              <a:fillRect/>
+            </a:stretch>
+          </p:blipFill>
+          <p:spPr>
+            <a:xfrm>
+              <a:off x="2509716" y="4516167"/>
+              <a:ext cx="629162" cy="406731"/>
+            </a:xfrm>
+            <a:prstGeom prst="rect">
+              <a:avLst/>
+            </a:prstGeom>
+          </p:spPr>
+        </p:pic>
+      </p:grpSp>
+      <p:grpSp>
+        <p:nvGrpSpPr>
+          <p:cNvPr id="13" name="Группа 12">
+            <a:extLst>
+              <a:ext uri="{FF2B5EF4-FFF2-40B4-BE49-F238E27FC236}">
+                <a16:creationId xmlns:a16="http://schemas.microsoft.com/office/drawing/2014/main" id="{8AA66B28-53D6-4CF4-A82B-6B83E57F9796}"/>
+              </a:ext>
+            </a:extLst>
+          </p:cNvPr>
+          <p:cNvGrpSpPr/>
+          <p:nvPr/>
+        </p:nvGrpSpPr>
+        <p:grpSpPr>
+          <a:xfrm>
+            <a:off x="1331640" y="4586478"/>
+            <a:ext cx="945683" cy="632867"/>
+            <a:chOff x="1331640" y="4586478"/>
+            <a:chExt cx="945683" cy="632867"/>
+          </a:xfrm>
+        </p:grpSpPr>
+        <p:sp>
+          <p:nvSpPr>
+            <p:cNvPr id="69" name="TextBox 68">
+              <a:extLst>
+                <a:ext uri="{FF2B5EF4-FFF2-40B4-BE49-F238E27FC236}">
+                  <a16:creationId xmlns:a16="http://schemas.microsoft.com/office/drawing/2014/main" id="{2A63C4FD-828C-422E-9306-B79884A64A5D}"/>
+                </a:ext>
+              </a:extLst>
+            </p:cNvPr>
+            <p:cNvSpPr txBox="1"/>
+            <p:nvPr/>
+          </p:nvSpPr>
+          <p:spPr>
+            <a:xfrm>
+              <a:off x="1331640" y="5003901"/>
+              <a:ext cx="945683" cy="215444"/>
+            </a:xfrm>
+            <a:prstGeom prst="rect">
+              <a:avLst/>
+            </a:prstGeom>
+            <a:noFill/>
+          </p:spPr>
+          <p:txBody>
+            <a:bodyPr wrap="square">
+              <a:spAutoFit/>
+            </a:bodyPr>
+            <a:lstStyle/>
+            <a:p>
+              <a:pPr algn="ctr"/>
+              <a:r>
+                <a:rPr lang="ru-RU" sz="800" dirty="0"/>
+                <a:t>Веб-приложение</a:t>
+              </a:r>
+            </a:p>
+          </p:txBody>
+        </p:sp>
+        <p:pic>
+          <p:nvPicPr>
+            <p:cNvPr id="100" name="Рисунок 99">
+              <a:extLst>
+                <a:ext uri="{FF2B5EF4-FFF2-40B4-BE49-F238E27FC236}">
+                  <a16:creationId xmlns:a16="http://schemas.microsoft.com/office/drawing/2014/main" id="{76B58771-BE68-30CE-A538-5F73AD659E4F}"/>
+                </a:ext>
+              </a:extLst>
+            </p:cNvPr>
+            <p:cNvPicPr>
+              <a:picLocks noChangeAspect="1"/>
+            </p:cNvPicPr>
+            <p:nvPr/>
+          </p:nvPicPr>
+          <p:blipFill>
+            <a:blip r:embed="rId6">
+              <a:extLst>
+                <a:ext uri="{96DAC541-7B7A-43D3-8B79-37D633B846F1}">
+                  <asvg:svgBlip xmlns:asvg="http://schemas.microsoft.com/office/drawing/2016/SVG/main" r:embed="rId7"/>
+                </a:ext>
+              </a:extLst>
+            </a:blip>
+            <a:stretch>
+              <a:fillRect/>
+            </a:stretch>
+          </p:blipFill>
+          <p:spPr>
+            <a:xfrm>
+              <a:off x="1534083" y="4586478"/>
+              <a:ext cx="544684" cy="467657"/>
+            </a:xfrm>
+            <a:prstGeom prst="rect">
+              <a:avLst/>
+            </a:prstGeom>
+          </p:spPr>
+        </p:pic>
+      </p:grpSp>
+      <p:grpSp>
+        <p:nvGrpSpPr>
+          <p:cNvPr id="101" name="Группа 100">
+            <a:extLst>
+              <a:ext uri="{FF2B5EF4-FFF2-40B4-BE49-F238E27FC236}">
+                <a16:creationId xmlns:a16="http://schemas.microsoft.com/office/drawing/2014/main" id="{BF060174-E7EC-CDEE-9B5F-E7E898CA025F}"/>
+              </a:ext>
+            </a:extLst>
+          </p:cNvPr>
+          <p:cNvGrpSpPr/>
+          <p:nvPr/>
+        </p:nvGrpSpPr>
+        <p:grpSpPr>
+          <a:xfrm>
+            <a:off x="4869931" y="4518684"/>
+            <a:ext cx="945683" cy="632867"/>
+            <a:chOff x="1331640" y="4586478"/>
+            <a:chExt cx="945683" cy="632867"/>
+          </a:xfrm>
+        </p:grpSpPr>
+        <p:sp>
+          <p:nvSpPr>
+            <p:cNvPr id="102" name="TextBox 101">
+              <a:extLst>
+                <a:ext uri="{FF2B5EF4-FFF2-40B4-BE49-F238E27FC236}">
+                  <a16:creationId xmlns:a16="http://schemas.microsoft.com/office/drawing/2014/main" id="{FEF6BF6A-C708-7ECC-E664-42A78A310A8B}"/>
+                </a:ext>
+              </a:extLst>
+            </p:cNvPr>
+            <p:cNvSpPr txBox="1"/>
+            <p:nvPr/>
+          </p:nvSpPr>
+          <p:spPr>
+            <a:xfrm>
+              <a:off x="1331640" y="5003901"/>
+              <a:ext cx="945683" cy="215444"/>
+            </a:xfrm>
+            <a:prstGeom prst="rect">
+              <a:avLst/>
+            </a:prstGeom>
+            <a:noFill/>
+          </p:spPr>
+          <p:txBody>
+            <a:bodyPr wrap="square">
+              <a:spAutoFit/>
+            </a:bodyPr>
+            <a:lstStyle/>
+            <a:p>
+              <a:pPr algn="ctr"/>
+              <a:r>
+                <a:rPr lang="ru-RU" sz="800" dirty="0"/>
+                <a:t>Веб-приложение</a:t>
+              </a:r>
+            </a:p>
+          </p:txBody>
+        </p:sp>
+        <p:pic>
+          <p:nvPicPr>
+            <p:cNvPr id="103" name="Рисунок 102">
+              <a:extLst>
+                <a:ext uri="{FF2B5EF4-FFF2-40B4-BE49-F238E27FC236}">
+                  <a16:creationId xmlns:a16="http://schemas.microsoft.com/office/drawing/2014/main" id="{A581847B-BCA9-93B8-137D-4BA20DEECBAA}"/>
+                </a:ext>
+              </a:extLst>
+            </p:cNvPr>
+            <p:cNvPicPr>
+              <a:picLocks noChangeAspect="1"/>
+            </p:cNvPicPr>
+            <p:nvPr/>
+          </p:nvPicPr>
+          <p:blipFill>
+            <a:blip r:embed="rId6">
+              <a:extLst>
+                <a:ext uri="{96DAC541-7B7A-43D3-8B79-37D633B846F1}">
+                  <asvg:svgBlip xmlns:asvg="http://schemas.microsoft.com/office/drawing/2016/SVG/main" r:embed="rId7"/>
+                </a:ext>
+              </a:extLst>
+            </a:blip>
+            <a:stretch>
+              <a:fillRect/>
+            </a:stretch>
+          </p:blipFill>
+          <p:spPr>
+            <a:xfrm>
+              <a:off x="1534083" y="4586478"/>
+              <a:ext cx="544684" cy="467657"/>
+            </a:xfrm>
+            <a:prstGeom prst="rect">
+              <a:avLst/>
+            </a:prstGeom>
+          </p:spPr>
+        </p:pic>
+      </p:grpSp>
     </p:spTree>
   </p:cSld>
   <p:clrMapOvr>
@@ -23698,7 +23751,7 @@
         <p:spPr bwMode="auto">
           <a:xfrm>
             <a:off x="416563" y="762673"/>
-            <a:ext cx="3902819" cy="2031325"/>
+            <a:ext cx="3978308" cy="2031325"/>
           </a:xfrm>
           <a:prstGeom prst="rect">
             <a:avLst/>
@@ -23728,7 +23781,7 @@
             </a:r>
           </a:p>
           <a:p>
-            <a:pPr>
+            <a:pPr marL="266700" indent="-266700">
               <a:buFontTx/>
               <a:buChar char="•"/>
               <a:tabLst>
@@ -23737,11 +23790,11 @@
             </a:pPr>
             <a:r>
               <a:rPr lang="ru-RU" dirty="0"/>
-              <a:t> с использованием статического анализатора кода проведён обзор существующих аналогов;</a:t>
+              <a:t>с использованием статического анализатора кода проведён обзор существующих аналогов;</a:t>
             </a:r>
           </a:p>
           <a:p>
-            <a:pPr>
+            <a:pPr marL="266700" indent="-266700">
               <a:buFontTx/>
               <a:buChar char="•"/>
               <a:tabLst>
@@ -23750,11 +23803,11 @@
             </a:pPr>
             <a:r>
               <a:rPr lang="ru-RU" dirty="0"/>
-              <a:t> с использованием логгера;</a:t>
+              <a:t>с использованием логгера;</a:t>
             </a:r>
           </a:p>
           <a:p>
-            <a:pPr>
+            <a:pPr marL="266700" indent="-266700">
               <a:buFontTx/>
               <a:buChar char="•"/>
               <a:tabLst>
@@ -23763,7 +23816,7 @@
             </a:pPr>
             <a:r>
               <a:rPr lang="ru-RU" dirty="0"/>
-              <a:t> с использованием встроенного отладчика.</a:t>
+              <a:t>с использованием встроенного отладчика.</a:t>
             </a:r>
           </a:p>
         </p:txBody>
@@ -23815,7 +23868,7 @@
             </a:r>
           </a:p>
           <a:p>
-            <a:pPr>
+            <a:pPr marL="266700" indent="-266700">
               <a:buFontTx/>
               <a:buChar char="•"/>
               <a:tabLst>
@@ -23824,11 +23877,11 @@
             </a:pPr>
             <a:r>
               <a:rPr lang="ru-RU" dirty="0"/>
-              <a:t> модульное тестирование методом «белого ящика»;</a:t>
+              <a:t>модульное тестирование методом «белого ящика»;</a:t>
             </a:r>
           </a:p>
           <a:p>
-            <a:pPr>
+            <a:pPr marL="266700" indent="-266700">
               <a:buFontTx/>
               <a:buChar char="•"/>
               <a:tabLst>
@@ -23837,7 +23890,7 @@
             </a:pPr>
             <a:r>
               <a:rPr lang="ru-RU" dirty="0"/>
-              <a:t> интеграционное тестирование методом «черного ящика».</a:t>
+              <a:t>интеграционное тестирование методом «черного ящика».</a:t>
             </a:r>
           </a:p>
         </p:txBody>

--- a/Научно-исследовательская практика/Презентация отчета.pptx
+++ b/Научно-исследовательская практика/Презентация отчета.pptx
@@ -9,13 +9,15 @@
     <p:sldId id="257" r:id="rId3"/>
     <p:sldId id="258" r:id="rId4"/>
     <p:sldId id="260" r:id="rId5"/>
-    <p:sldId id="271" r:id="rId6"/>
-    <p:sldId id="261" r:id="rId7"/>
-    <p:sldId id="262" r:id="rId8"/>
-    <p:sldId id="273" r:id="rId9"/>
-    <p:sldId id="266" r:id="rId10"/>
-    <p:sldId id="269" r:id="rId11"/>
-    <p:sldId id="264" r:id="rId12"/>
+    <p:sldId id="274" r:id="rId6"/>
+    <p:sldId id="271" r:id="rId7"/>
+    <p:sldId id="275" r:id="rId8"/>
+    <p:sldId id="261" r:id="rId9"/>
+    <p:sldId id="262" r:id="rId10"/>
+    <p:sldId id="273" r:id="rId11"/>
+    <p:sldId id="266" r:id="rId12"/>
+    <p:sldId id="269" r:id="rId13"/>
+    <p:sldId id="264" r:id="rId14"/>
   </p:sldIdLst>
   <p:sldSz cx="9144000" cy="6858000" type="screen4x3"/>
   <p:notesSz cx="6797675" cy="9926638"/>
@@ -1330,7 +1332,7 @@
             <a:fld id="{D3F45E69-51FF-4017-B855-FA6AEE2AB1D5}" type="datetimeFigureOut">
               <a:rPr lang="ru-RU" smtClean="0"/>
               <a:pPr/>
-              <a:t>15.05.2022</a:t>
+              <a:t>27.05.2022</a:t>
             </a:fld>
             <a:endParaRPr lang="ru-RU"/>
           </a:p>
@@ -1495,7 +1497,7 @@
             <a:fld id="{D3F45E69-51FF-4017-B855-FA6AEE2AB1D5}" type="datetimeFigureOut">
               <a:rPr lang="ru-RU" smtClean="0"/>
               <a:pPr/>
-              <a:t>15.05.2022</a:t>
+              <a:t>27.05.2022</a:t>
             </a:fld>
             <a:endParaRPr lang="ru-RU"/>
           </a:p>
@@ -1670,7 +1672,7 @@
             <a:fld id="{D3F45E69-51FF-4017-B855-FA6AEE2AB1D5}" type="datetimeFigureOut">
               <a:rPr lang="ru-RU" smtClean="0"/>
               <a:pPr/>
-              <a:t>15.05.2022</a:t>
+              <a:t>27.05.2022</a:t>
             </a:fld>
             <a:endParaRPr lang="ru-RU"/>
           </a:p>
@@ -1835,7 +1837,7 @@
             <a:fld id="{D3F45E69-51FF-4017-B855-FA6AEE2AB1D5}" type="datetimeFigureOut">
               <a:rPr lang="ru-RU" smtClean="0"/>
               <a:pPr/>
-              <a:t>15.05.2022</a:t>
+              <a:t>27.05.2022</a:t>
             </a:fld>
             <a:endParaRPr lang="ru-RU"/>
           </a:p>
@@ -2077,7 +2079,7 @@
             <a:fld id="{D3F45E69-51FF-4017-B855-FA6AEE2AB1D5}" type="datetimeFigureOut">
               <a:rPr lang="ru-RU" smtClean="0"/>
               <a:pPr/>
-              <a:t>15.05.2022</a:t>
+              <a:t>27.05.2022</a:t>
             </a:fld>
             <a:endParaRPr lang="ru-RU"/>
           </a:p>
@@ -2359,7 +2361,7 @@
             <a:fld id="{D3F45E69-51FF-4017-B855-FA6AEE2AB1D5}" type="datetimeFigureOut">
               <a:rPr lang="ru-RU" smtClean="0"/>
               <a:pPr/>
-              <a:t>15.05.2022</a:t>
+              <a:t>27.05.2022</a:t>
             </a:fld>
             <a:endParaRPr lang="ru-RU"/>
           </a:p>
@@ -2775,7 +2777,7 @@
             <a:fld id="{D3F45E69-51FF-4017-B855-FA6AEE2AB1D5}" type="datetimeFigureOut">
               <a:rPr lang="ru-RU" smtClean="0"/>
               <a:pPr/>
-              <a:t>15.05.2022</a:t>
+              <a:t>27.05.2022</a:t>
             </a:fld>
             <a:endParaRPr lang="ru-RU"/>
           </a:p>
@@ -2889,7 +2891,7 @@
             <a:fld id="{D3F45E69-51FF-4017-B855-FA6AEE2AB1D5}" type="datetimeFigureOut">
               <a:rPr lang="ru-RU" smtClean="0"/>
               <a:pPr/>
-              <a:t>15.05.2022</a:t>
+              <a:t>27.05.2022</a:t>
             </a:fld>
             <a:endParaRPr lang="ru-RU"/>
           </a:p>
@@ -2981,7 +2983,7 @@
             <a:fld id="{D3F45E69-51FF-4017-B855-FA6AEE2AB1D5}" type="datetimeFigureOut">
               <a:rPr lang="ru-RU" smtClean="0"/>
               <a:pPr/>
-              <a:t>15.05.2022</a:t>
+              <a:t>27.05.2022</a:t>
             </a:fld>
             <a:endParaRPr lang="ru-RU"/>
           </a:p>
@@ -3253,7 +3255,7 @@
             <a:fld id="{D3F45E69-51FF-4017-B855-FA6AEE2AB1D5}" type="datetimeFigureOut">
               <a:rPr lang="ru-RU" smtClean="0"/>
               <a:pPr/>
-              <a:t>15.05.2022</a:t>
+              <a:t>27.05.2022</a:t>
             </a:fld>
             <a:endParaRPr lang="ru-RU"/>
           </a:p>
@@ -3502,7 +3504,7 @@
             <a:fld id="{D3F45E69-51FF-4017-B855-FA6AEE2AB1D5}" type="datetimeFigureOut">
               <a:rPr lang="ru-RU" smtClean="0"/>
               <a:pPr/>
-              <a:t>15.05.2022</a:t>
+              <a:t>27.05.2022</a:t>
             </a:fld>
             <a:endParaRPr lang="ru-RU"/>
           </a:p>
@@ -3710,7 +3712,7 @@
             <a:fld id="{D3F45E69-51FF-4017-B855-FA6AEE2AB1D5}" type="datetimeFigureOut">
               <a:rPr lang="ru-RU" smtClean="0"/>
               <a:pPr/>
-              <a:t>15.05.2022</a:t>
+              <a:t>27.05.2022</a:t>
             </a:fld>
             <a:endParaRPr lang="ru-RU"/>
           </a:p>
@@ -5291,6 +5293,2452 @@
       </p:grpSpPr>
       <p:sp>
         <p:nvSpPr>
+          <p:cNvPr id="4" name="Rectangle 23"/>
+          <p:cNvSpPr>
+            <a:spLocks noChangeArrowheads="1"/>
+          </p:cNvSpPr>
+          <p:nvPr/>
+        </p:nvSpPr>
+        <p:spPr bwMode="auto">
+          <a:xfrm>
+            <a:off x="251520" y="260648"/>
+            <a:ext cx="8642350" cy="427038"/>
+          </a:xfrm>
+          <a:prstGeom prst="rect">
+            <a:avLst/>
+          </a:prstGeom>
+          <a:noFill/>
+          <a:ln w="9525">
+            <a:noFill/>
+            <a:miter lim="800000"/>
+            <a:headEnd/>
+            <a:tailEnd/>
+          </a:ln>
+        </p:spPr>
+        <p:txBody>
+          <a:bodyPr>
+            <a:spAutoFit/>
+          </a:bodyPr>
+          <a:lstStyle/>
+          <a:p>
+            <a:pPr algn="ctr"/>
+            <a:r>
+              <a:rPr lang="ru-RU" sz="2200" b="1" dirty="0"/>
+              <a:t>Пользовательский интерфейс. Экранные формы</a:t>
+            </a:r>
+          </a:p>
+        </p:txBody>
+      </p:sp>
+      <p:sp>
+        <p:nvSpPr>
+          <p:cNvPr id="5" name="Line 137"/>
+          <p:cNvSpPr>
+            <a:spLocks noChangeShapeType="1"/>
+          </p:cNvSpPr>
+          <p:nvPr/>
+        </p:nvSpPr>
+        <p:spPr bwMode="auto">
+          <a:xfrm>
+            <a:off x="193675" y="188913"/>
+            <a:ext cx="0" cy="6480175"/>
+          </a:xfrm>
+          <a:prstGeom prst="line">
+            <a:avLst/>
+          </a:prstGeom>
+          <a:noFill/>
+          <a:ln w="12700" cap="sq">
+            <a:solidFill>
+              <a:schemeClr val="tx1"/>
+            </a:solidFill>
+            <a:round/>
+            <a:headEnd/>
+            <a:tailEnd/>
+          </a:ln>
+        </p:spPr>
+        <p:txBody>
+          <a:bodyPr/>
+          <a:lstStyle/>
+          <a:p>
+            <a:endParaRPr lang="ru-RU"/>
+          </a:p>
+        </p:txBody>
+      </p:sp>
+      <p:sp>
+        <p:nvSpPr>
+          <p:cNvPr id="6" name="Line 138"/>
+          <p:cNvSpPr>
+            <a:spLocks noChangeShapeType="1"/>
+          </p:cNvSpPr>
+          <p:nvPr/>
+        </p:nvSpPr>
+        <p:spPr bwMode="auto">
+          <a:xfrm>
+            <a:off x="8978900" y="188913"/>
+            <a:ext cx="0" cy="6480175"/>
+          </a:xfrm>
+          <a:prstGeom prst="line">
+            <a:avLst/>
+          </a:prstGeom>
+          <a:noFill/>
+          <a:ln w="12700" cap="sq">
+            <a:solidFill>
+              <a:schemeClr val="tx1"/>
+            </a:solidFill>
+            <a:round/>
+            <a:headEnd/>
+            <a:tailEnd/>
+          </a:ln>
+        </p:spPr>
+        <p:txBody>
+          <a:bodyPr/>
+          <a:lstStyle/>
+          <a:p>
+            <a:endParaRPr lang="ru-RU"/>
+          </a:p>
+        </p:txBody>
+      </p:sp>
+      <p:graphicFrame>
+        <p:nvGraphicFramePr>
+          <p:cNvPr id="7" name="Group 10"/>
+          <p:cNvGraphicFramePr>
+            <a:graphicFrameLocks noGrp="1"/>
+          </p:cNvGraphicFramePr>
+          <p:nvPr>
+            <p:extLst>
+              <p:ext uri="{D42A27DB-BD31-4B8C-83A1-F6EECF244321}">
+                <p14:modId xmlns:p14="http://schemas.microsoft.com/office/powerpoint/2010/main" val="3225531491"/>
+              </p:ext>
+            </p:extLst>
+          </p:nvPr>
+        </p:nvGraphicFramePr>
+        <p:xfrm>
+          <a:off x="6156325" y="6254750"/>
+          <a:ext cx="2822575" cy="412740"/>
+        </p:xfrm>
+        <a:graphic>
+          <a:graphicData uri="http://schemas.openxmlformats.org/drawingml/2006/table">
+            <a:tbl>
+              <a:tblPr/>
+              <a:tblGrid>
+                <a:gridCol w="792163">
+                  <a:extLst>
+                    <a:ext uri="{9D8B030D-6E8A-4147-A177-3AD203B41FA5}">
+                      <a16:colId xmlns:a16="http://schemas.microsoft.com/office/drawing/2014/main" val="20000"/>
+                    </a:ext>
+                  </a:extLst>
+                </a:gridCol>
+                <a:gridCol w="1008062">
+                  <a:extLst>
+                    <a:ext uri="{9D8B030D-6E8A-4147-A177-3AD203B41FA5}">
+                      <a16:colId xmlns:a16="http://schemas.microsoft.com/office/drawing/2014/main" val="20001"/>
+                    </a:ext>
+                  </a:extLst>
+                </a:gridCol>
+                <a:gridCol w="649288">
+                  <a:extLst>
+                    <a:ext uri="{9D8B030D-6E8A-4147-A177-3AD203B41FA5}">
+                      <a16:colId xmlns:a16="http://schemas.microsoft.com/office/drawing/2014/main" val="20002"/>
+                    </a:ext>
+                  </a:extLst>
+                </a:gridCol>
+                <a:gridCol w="373062">
+                  <a:extLst>
+                    <a:ext uri="{9D8B030D-6E8A-4147-A177-3AD203B41FA5}">
+                      <a16:colId xmlns:a16="http://schemas.microsoft.com/office/drawing/2014/main" val="20003"/>
+                    </a:ext>
+                  </a:extLst>
+                </a:gridCol>
+              </a:tblGrid>
+              <a:tr h="0">
+                <a:tc>
+                  <a:txBody>
+                    <a:bodyPr/>
+                    <a:lstStyle/>
+                    <a:p>
+                      <a:pPr marL="0" marR="0" lvl="0" indent="0" algn="l" defTabSz="914400" rtl="0" eaLnBrk="1" fontAlgn="base" latinLnBrk="0" hangingPunct="1">
+                        <a:lnSpc>
+                          <a:spcPct val="100000"/>
+                        </a:lnSpc>
+                        <a:spcBef>
+                          <a:spcPct val="0"/>
+                        </a:spcBef>
+                        <a:spcAft>
+                          <a:spcPct val="0"/>
+                        </a:spcAft>
+                        <a:buClrTx/>
+                        <a:buSzTx/>
+                        <a:buFontTx/>
+                        <a:buNone/>
+                        <a:tabLst/>
+                      </a:pPr>
+                      <a:r>
+                        <a:rPr kumimoji="0" lang="ru-RU" sz="1000" b="0" i="0" u="none" strike="noStrike" cap="none" normalizeH="0" baseline="0" dirty="0">
+                          <a:ln>
+                            <a:noFill/>
+                          </a:ln>
+                          <a:solidFill>
+                            <a:schemeClr val="tx1"/>
+                          </a:solidFill>
+                          <a:effectLst/>
+                          <a:latin typeface="Times New Roman" pitchFamily="18" charset="0"/>
+                          <a:cs typeface="Times New Roman" pitchFamily="18" charset="0"/>
+                        </a:rPr>
+                        <a:t>Разработал</a:t>
+                      </a:r>
+                      <a:endParaRPr kumimoji="0" lang="ru-RU" sz="1000" b="0" i="0" u="none" strike="noStrike" cap="none" normalizeH="0" baseline="0" dirty="0">
+                        <a:ln>
+                          <a:noFill/>
+                        </a:ln>
+                        <a:solidFill>
+                          <a:schemeClr val="tx1"/>
+                        </a:solidFill>
+                        <a:effectLst/>
+                        <a:latin typeface="Arial" charset="0"/>
+                      </a:endParaRPr>
+                    </a:p>
+                  </a:txBody>
+                  <a:tcPr marL="71962" marR="71962" marT="17991" marB="35979" horzOverflow="overflow">
+                    <a:lnL w="12700" cap="flat" cmpd="sng" algn="ctr">
+                      <a:solidFill>
+                        <a:srgbClr val="000000"/>
+                      </a:solidFill>
+                      <a:prstDash val="solid"/>
+                      <a:round/>
+                      <a:headEnd type="none" w="med" len="med"/>
+                      <a:tailEnd type="none" w="med" len="med"/>
+                    </a:lnL>
+                    <a:lnR w="12700" cap="flat" cmpd="sng" algn="ctr">
+                      <a:solidFill>
+                        <a:srgbClr val="000000"/>
+                      </a:solidFill>
+                      <a:prstDash val="solid"/>
+                      <a:round/>
+                      <a:headEnd type="none" w="med" len="med"/>
+                      <a:tailEnd type="none" w="med" len="med"/>
+                    </a:lnR>
+                    <a:lnT w="12700" cap="flat" cmpd="sng" algn="ctr">
+                      <a:solidFill>
+                        <a:srgbClr val="000000"/>
+                      </a:solidFill>
+                      <a:prstDash val="solid"/>
+                      <a:round/>
+                      <a:headEnd type="none" w="med" len="med"/>
+                      <a:tailEnd type="none" w="med" len="med"/>
+                    </a:lnT>
+                    <a:lnB w="12700" cap="flat" cmpd="sng" algn="ctr">
+                      <a:solidFill>
+                        <a:srgbClr val="000000"/>
+                      </a:solidFill>
+                      <a:prstDash val="solid"/>
+                      <a:round/>
+                      <a:headEnd type="none" w="med" len="med"/>
+                      <a:tailEnd type="none" w="med" len="med"/>
+                    </a:lnB>
+                    <a:lnTlToBr>
+                      <a:noFill/>
+                    </a:lnTlToBr>
+                    <a:lnBlToTr>
+                      <a:noFill/>
+                    </a:lnBlToTr>
+                    <a:noFill/>
+                  </a:tcPr>
+                </a:tc>
+                <a:tc>
+                  <a:txBody>
+                    <a:bodyPr/>
+                    <a:lstStyle/>
+                    <a:p>
+                      <a:pPr marL="0" marR="0" lvl="0" indent="0" algn="l" defTabSz="914400" rtl="0" eaLnBrk="1" fontAlgn="base" latinLnBrk="0" hangingPunct="1">
+                        <a:lnSpc>
+                          <a:spcPct val="100000"/>
+                        </a:lnSpc>
+                        <a:spcBef>
+                          <a:spcPct val="0"/>
+                        </a:spcBef>
+                        <a:spcAft>
+                          <a:spcPct val="0"/>
+                        </a:spcAft>
+                        <a:buClrTx/>
+                        <a:buSzTx/>
+                        <a:buFontTx/>
+                        <a:buNone/>
+                        <a:tabLst/>
+                      </a:pPr>
+                      <a:r>
+                        <a:rPr kumimoji="0" lang="ru-RU" sz="1000" b="0" i="0" u="none" strike="noStrike" cap="none" normalizeH="0" baseline="0" dirty="0">
+                          <a:ln>
+                            <a:noFill/>
+                          </a:ln>
+                          <a:solidFill>
+                            <a:schemeClr val="tx1"/>
+                          </a:solidFill>
+                          <a:effectLst/>
+                          <a:latin typeface="Times New Roman" pitchFamily="18" charset="0"/>
+                          <a:cs typeface="Times New Roman" pitchFamily="18" charset="0"/>
+                        </a:rPr>
+                        <a:t>Мясников М.А.</a:t>
+                      </a:r>
+                    </a:p>
+                  </a:txBody>
+                  <a:tcPr marL="71962" marR="71962" marT="17991" marB="35979" horzOverflow="overflow">
+                    <a:lnL w="12700" cap="flat" cmpd="sng" algn="ctr">
+                      <a:solidFill>
+                        <a:srgbClr val="000000"/>
+                      </a:solidFill>
+                      <a:prstDash val="solid"/>
+                      <a:round/>
+                      <a:headEnd type="none" w="med" len="med"/>
+                      <a:tailEnd type="none" w="med" len="med"/>
+                    </a:lnL>
+                    <a:lnR w="12700" cap="flat" cmpd="sng" algn="ctr">
+                      <a:solidFill>
+                        <a:srgbClr val="000000"/>
+                      </a:solidFill>
+                      <a:prstDash val="solid"/>
+                      <a:round/>
+                      <a:headEnd type="none" w="med" len="med"/>
+                      <a:tailEnd type="none" w="med" len="med"/>
+                    </a:lnR>
+                    <a:lnT w="12700" cap="flat" cmpd="sng" algn="ctr">
+                      <a:solidFill>
+                        <a:srgbClr val="000000"/>
+                      </a:solidFill>
+                      <a:prstDash val="solid"/>
+                      <a:round/>
+                      <a:headEnd type="none" w="med" len="med"/>
+                      <a:tailEnd type="none" w="med" len="med"/>
+                    </a:lnT>
+                    <a:lnB w="12700" cap="flat" cmpd="sng" algn="ctr">
+                      <a:solidFill>
+                        <a:srgbClr val="000000"/>
+                      </a:solidFill>
+                      <a:prstDash val="solid"/>
+                      <a:round/>
+                      <a:headEnd type="none" w="med" len="med"/>
+                      <a:tailEnd type="none" w="med" len="med"/>
+                    </a:lnB>
+                    <a:lnTlToBr>
+                      <a:noFill/>
+                    </a:lnTlToBr>
+                    <a:lnBlToTr>
+                      <a:noFill/>
+                    </a:lnBlToTr>
+                    <a:noFill/>
+                  </a:tcPr>
+                </a:tc>
+                <a:tc>
+                  <a:txBody>
+                    <a:bodyPr/>
+                    <a:lstStyle/>
+                    <a:p>
+                      <a:pPr marL="0" marR="0" lvl="0" indent="0" algn="l" defTabSz="914400" rtl="0" eaLnBrk="1" fontAlgn="base" latinLnBrk="0" hangingPunct="1">
+                        <a:lnSpc>
+                          <a:spcPct val="100000"/>
+                        </a:lnSpc>
+                        <a:spcBef>
+                          <a:spcPct val="20000"/>
+                        </a:spcBef>
+                        <a:spcAft>
+                          <a:spcPct val="0"/>
+                        </a:spcAft>
+                        <a:buClrTx/>
+                        <a:buSzTx/>
+                        <a:buFontTx/>
+                        <a:buNone/>
+                        <a:tabLst/>
+                      </a:pPr>
+                      <a:endParaRPr kumimoji="0" lang="ru-RU" sz="1000" b="0" i="0" u="none" strike="noStrike" cap="none" normalizeH="0" baseline="0">
+                        <a:ln>
+                          <a:noFill/>
+                        </a:ln>
+                        <a:solidFill>
+                          <a:schemeClr val="tx1"/>
+                        </a:solidFill>
+                        <a:effectLst/>
+                        <a:latin typeface="Arial" charset="0"/>
+                      </a:endParaRPr>
+                    </a:p>
+                  </a:txBody>
+                  <a:tcPr marL="71962" marR="71962" marT="17991" marB="35979" horzOverflow="overflow">
+                    <a:lnL w="12700" cap="flat" cmpd="sng" algn="ctr">
+                      <a:solidFill>
+                        <a:srgbClr val="000000"/>
+                      </a:solidFill>
+                      <a:prstDash val="solid"/>
+                      <a:round/>
+                      <a:headEnd type="none" w="med" len="med"/>
+                      <a:tailEnd type="none" w="med" len="med"/>
+                    </a:lnL>
+                    <a:lnR w="12700" cap="flat" cmpd="sng" algn="ctr">
+                      <a:solidFill>
+                        <a:srgbClr val="000000"/>
+                      </a:solidFill>
+                      <a:prstDash val="solid"/>
+                      <a:round/>
+                      <a:headEnd type="none" w="med" len="med"/>
+                      <a:tailEnd type="none" w="med" len="med"/>
+                    </a:lnR>
+                    <a:lnT w="12700" cap="flat" cmpd="sng" algn="ctr">
+                      <a:solidFill>
+                        <a:srgbClr val="000000"/>
+                      </a:solidFill>
+                      <a:prstDash val="solid"/>
+                      <a:round/>
+                      <a:headEnd type="none" w="med" len="med"/>
+                      <a:tailEnd type="none" w="med" len="med"/>
+                    </a:lnT>
+                    <a:lnB w="12700" cap="flat" cmpd="sng" algn="ctr">
+                      <a:solidFill>
+                        <a:srgbClr val="000000"/>
+                      </a:solidFill>
+                      <a:prstDash val="solid"/>
+                      <a:round/>
+                      <a:headEnd type="none" w="med" len="med"/>
+                      <a:tailEnd type="none" w="med" len="med"/>
+                    </a:lnB>
+                    <a:lnTlToBr>
+                      <a:noFill/>
+                    </a:lnTlToBr>
+                    <a:lnBlToTr>
+                      <a:noFill/>
+                    </a:lnBlToTr>
+                    <a:noFill/>
+                  </a:tcPr>
+                </a:tc>
+                <a:tc>
+                  <a:txBody>
+                    <a:bodyPr/>
+                    <a:lstStyle/>
+                    <a:p>
+                      <a:pPr marL="0" marR="0" lvl="0" indent="0" algn="l" defTabSz="914400" rtl="0" eaLnBrk="1" fontAlgn="base" latinLnBrk="0" hangingPunct="1">
+                        <a:lnSpc>
+                          <a:spcPct val="100000"/>
+                        </a:lnSpc>
+                        <a:spcBef>
+                          <a:spcPct val="20000"/>
+                        </a:spcBef>
+                        <a:spcAft>
+                          <a:spcPct val="0"/>
+                        </a:spcAft>
+                        <a:buClrTx/>
+                        <a:buSzTx/>
+                        <a:buFontTx/>
+                        <a:buNone/>
+                        <a:tabLst/>
+                      </a:pPr>
+                      <a:r>
+                        <a:rPr kumimoji="0" lang="ru-RU" sz="1000" b="0" i="0" u="none" strike="noStrike" cap="none" normalizeH="0" baseline="0" dirty="0">
+                          <a:ln>
+                            <a:noFill/>
+                          </a:ln>
+                          <a:solidFill>
+                            <a:schemeClr val="tx1"/>
+                          </a:solidFill>
+                          <a:effectLst/>
+                          <a:latin typeface="Times New Roman" pitchFamily="18" charset="0"/>
+                        </a:rPr>
+                        <a:t>8</a:t>
+                      </a:r>
+                    </a:p>
+                  </a:txBody>
+                  <a:tcPr marL="71962" marR="71962" marT="17991" marB="35979" horzOverflow="overflow">
+                    <a:lnL w="12700" cap="flat" cmpd="sng" algn="ctr">
+                      <a:solidFill>
+                        <a:srgbClr val="000000"/>
+                      </a:solidFill>
+                      <a:prstDash val="solid"/>
+                      <a:round/>
+                      <a:headEnd type="none" w="med" len="med"/>
+                      <a:tailEnd type="none" w="med" len="med"/>
+                    </a:lnL>
+                    <a:lnR w="12700" cap="flat" cmpd="sng" algn="ctr">
+                      <a:solidFill>
+                        <a:srgbClr val="000000"/>
+                      </a:solidFill>
+                      <a:prstDash val="solid"/>
+                      <a:round/>
+                      <a:headEnd type="none" w="med" len="med"/>
+                      <a:tailEnd type="none" w="med" len="med"/>
+                    </a:lnR>
+                    <a:lnT w="12700" cap="flat" cmpd="sng" algn="ctr">
+                      <a:solidFill>
+                        <a:srgbClr val="000000"/>
+                      </a:solidFill>
+                      <a:prstDash val="solid"/>
+                      <a:round/>
+                      <a:headEnd type="none" w="med" len="med"/>
+                      <a:tailEnd type="none" w="med" len="med"/>
+                    </a:lnT>
+                    <a:lnB w="12700" cap="flat" cmpd="sng" algn="ctr">
+                      <a:solidFill>
+                        <a:srgbClr val="000000"/>
+                      </a:solidFill>
+                      <a:prstDash val="solid"/>
+                      <a:round/>
+                      <a:headEnd type="none" w="med" len="med"/>
+                      <a:tailEnd type="none" w="med" len="med"/>
+                    </a:lnB>
+                    <a:lnTlToBr>
+                      <a:noFill/>
+                    </a:lnTlToBr>
+                    <a:lnBlToTr>
+                      <a:noFill/>
+                    </a:lnBlToTr>
+                    <a:noFill/>
+                  </a:tcPr>
+                </a:tc>
+                <a:extLst>
+                  <a:ext uri="{0D108BD9-81ED-4DB2-BD59-A6C34878D82A}">
+                    <a16:rowId xmlns:a16="http://schemas.microsoft.com/office/drawing/2014/main" val="10000"/>
+                  </a:ext>
+                </a:extLst>
+              </a:tr>
+              <a:tr h="0">
+                <a:tc>
+                  <a:txBody>
+                    <a:bodyPr/>
+                    <a:lstStyle/>
+                    <a:p>
+                      <a:pPr marL="0" marR="0" lvl="0" indent="0" algn="l" defTabSz="914400" rtl="0" eaLnBrk="1" fontAlgn="base" latinLnBrk="0" hangingPunct="1">
+                        <a:lnSpc>
+                          <a:spcPct val="100000"/>
+                        </a:lnSpc>
+                        <a:spcBef>
+                          <a:spcPct val="0"/>
+                        </a:spcBef>
+                        <a:spcAft>
+                          <a:spcPct val="0"/>
+                        </a:spcAft>
+                        <a:buClrTx/>
+                        <a:buSzTx/>
+                        <a:buFontTx/>
+                        <a:buNone/>
+                        <a:tabLst/>
+                      </a:pPr>
+                      <a:r>
+                        <a:rPr kumimoji="0" lang="ru-RU" sz="1000" b="0" i="0" u="none" strike="noStrike" cap="none" normalizeH="0" baseline="0">
+                          <a:ln>
+                            <a:noFill/>
+                          </a:ln>
+                          <a:solidFill>
+                            <a:schemeClr val="tx1"/>
+                          </a:solidFill>
+                          <a:effectLst/>
+                          <a:latin typeface="Times New Roman" pitchFamily="18" charset="0"/>
+                          <a:cs typeface="Times New Roman" pitchFamily="18" charset="0"/>
+                        </a:rPr>
+                        <a:t>Утвердил</a:t>
+                      </a:r>
+                      <a:endParaRPr kumimoji="0" lang="ru-RU" sz="1000" b="0" i="0" u="none" strike="noStrike" cap="none" normalizeH="0" baseline="0">
+                        <a:ln>
+                          <a:noFill/>
+                        </a:ln>
+                        <a:solidFill>
+                          <a:schemeClr val="tx1"/>
+                        </a:solidFill>
+                        <a:effectLst/>
+                        <a:latin typeface="Arial" charset="0"/>
+                      </a:endParaRPr>
+                    </a:p>
+                  </a:txBody>
+                  <a:tcPr marL="71962" marR="71962" marT="17991" marB="35979" horzOverflow="overflow">
+                    <a:lnL w="12700" cap="flat" cmpd="sng" algn="ctr">
+                      <a:solidFill>
+                        <a:srgbClr val="000000"/>
+                      </a:solidFill>
+                      <a:prstDash val="solid"/>
+                      <a:round/>
+                      <a:headEnd type="none" w="med" len="med"/>
+                      <a:tailEnd type="none" w="med" len="med"/>
+                    </a:lnL>
+                    <a:lnR w="12700" cap="flat" cmpd="sng" algn="ctr">
+                      <a:solidFill>
+                        <a:srgbClr val="000000"/>
+                      </a:solidFill>
+                      <a:prstDash val="solid"/>
+                      <a:round/>
+                      <a:headEnd type="none" w="med" len="med"/>
+                      <a:tailEnd type="none" w="med" len="med"/>
+                    </a:lnR>
+                    <a:lnT w="12700" cap="flat" cmpd="sng" algn="ctr">
+                      <a:solidFill>
+                        <a:srgbClr val="000000"/>
+                      </a:solidFill>
+                      <a:prstDash val="solid"/>
+                      <a:round/>
+                      <a:headEnd type="none" w="med" len="med"/>
+                      <a:tailEnd type="none" w="med" len="med"/>
+                    </a:lnT>
+                    <a:lnB w="12700" cap="flat" cmpd="sng" algn="ctr">
+                      <a:solidFill>
+                        <a:srgbClr val="000000"/>
+                      </a:solidFill>
+                      <a:prstDash val="solid"/>
+                      <a:round/>
+                      <a:headEnd type="none" w="med" len="med"/>
+                      <a:tailEnd type="none" w="med" len="med"/>
+                    </a:lnB>
+                    <a:lnTlToBr>
+                      <a:noFill/>
+                    </a:lnTlToBr>
+                    <a:lnBlToTr>
+                      <a:noFill/>
+                    </a:lnBlToTr>
+                    <a:noFill/>
+                  </a:tcPr>
+                </a:tc>
+                <a:tc>
+                  <a:txBody>
+                    <a:bodyPr/>
+                    <a:lstStyle/>
+                    <a:p>
+                      <a:pPr marL="0" marR="0" lvl="0" indent="0" algn="l" defTabSz="914400" rtl="0" eaLnBrk="1" fontAlgn="base" latinLnBrk="0" hangingPunct="1">
+                        <a:lnSpc>
+                          <a:spcPct val="100000"/>
+                        </a:lnSpc>
+                        <a:spcBef>
+                          <a:spcPct val="0"/>
+                        </a:spcBef>
+                        <a:spcAft>
+                          <a:spcPct val="0"/>
+                        </a:spcAft>
+                        <a:buClrTx/>
+                        <a:buSzTx/>
+                        <a:buFontTx/>
+                        <a:buNone/>
+                        <a:tabLst/>
+                      </a:pPr>
+                      <a:r>
+                        <a:rPr kumimoji="0" lang="ru-RU" sz="1000" b="0" i="0" u="none" strike="noStrike" cap="none" normalizeH="0" baseline="0" dirty="0">
+                          <a:ln>
+                            <a:noFill/>
+                          </a:ln>
+                          <a:solidFill>
+                            <a:schemeClr val="tx1"/>
+                          </a:solidFill>
+                          <a:effectLst/>
+                          <a:latin typeface="Times New Roman" pitchFamily="18" charset="0"/>
+                          <a:cs typeface="Times New Roman" pitchFamily="18" charset="0"/>
+                        </a:rPr>
+                        <a:t>Гагарина Л.Г.</a:t>
+                      </a:r>
+                    </a:p>
+                  </a:txBody>
+                  <a:tcPr marL="71962" marR="71962" marT="17991" marB="35979" horzOverflow="overflow">
+                    <a:lnL w="12700" cap="flat" cmpd="sng" algn="ctr">
+                      <a:solidFill>
+                        <a:srgbClr val="000000"/>
+                      </a:solidFill>
+                      <a:prstDash val="solid"/>
+                      <a:round/>
+                      <a:headEnd type="none" w="med" len="med"/>
+                      <a:tailEnd type="none" w="med" len="med"/>
+                    </a:lnL>
+                    <a:lnR w="12700" cap="flat" cmpd="sng" algn="ctr">
+                      <a:solidFill>
+                        <a:srgbClr val="000000"/>
+                      </a:solidFill>
+                      <a:prstDash val="solid"/>
+                      <a:round/>
+                      <a:headEnd type="none" w="med" len="med"/>
+                      <a:tailEnd type="none" w="med" len="med"/>
+                    </a:lnR>
+                    <a:lnT w="12700" cap="flat" cmpd="sng" algn="ctr">
+                      <a:solidFill>
+                        <a:srgbClr val="000000"/>
+                      </a:solidFill>
+                      <a:prstDash val="solid"/>
+                      <a:round/>
+                      <a:headEnd type="none" w="med" len="med"/>
+                      <a:tailEnd type="none" w="med" len="med"/>
+                    </a:lnT>
+                    <a:lnB w="12700" cap="flat" cmpd="sng" algn="ctr">
+                      <a:solidFill>
+                        <a:srgbClr val="000000"/>
+                      </a:solidFill>
+                      <a:prstDash val="solid"/>
+                      <a:round/>
+                      <a:headEnd type="none" w="med" len="med"/>
+                      <a:tailEnd type="none" w="med" len="med"/>
+                    </a:lnB>
+                    <a:lnTlToBr>
+                      <a:noFill/>
+                    </a:lnTlToBr>
+                    <a:lnBlToTr>
+                      <a:noFill/>
+                    </a:lnBlToTr>
+                    <a:noFill/>
+                  </a:tcPr>
+                </a:tc>
+                <a:tc>
+                  <a:txBody>
+                    <a:bodyPr/>
+                    <a:lstStyle/>
+                    <a:p>
+                      <a:pPr marL="0" marR="0" lvl="0" indent="0" algn="l" defTabSz="914400" rtl="0" eaLnBrk="1" fontAlgn="base" latinLnBrk="0" hangingPunct="1">
+                        <a:lnSpc>
+                          <a:spcPct val="100000"/>
+                        </a:lnSpc>
+                        <a:spcBef>
+                          <a:spcPct val="20000"/>
+                        </a:spcBef>
+                        <a:spcAft>
+                          <a:spcPct val="0"/>
+                        </a:spcAft>
+                        <a:buClrTx/>
+                        <a:buSzTx/>
+                        <a:buFontTx/>
+                        <a:buNone/>
+                        <a:tabLst/>
+                      </a:pPr>
+                      <a:endParaRPr kumimoji="0" lang="ru-RU" sz="1000" b="0" i="0" u="none" strike="noStrike" cap="none" normalizeH="0" baseline="0">
+                        <a:ln>
+                          <a:noFill/>
+                        </a:ln>
+                        <a:solidFill>
+                          <a:schemeClr val="tx1"/>
+                        </a:solidFill>
+                        <a:effectLst/>
+                        <a:latin typeface="Arial" charset="0"/>
+                      </a:endParaRPr>
+                    </a:p>
+                  </a:txBody>
+                  <a:tcPr marL="71962" marR="71962" marT="17991" marB="35979" horzOverflow="overflow">
+                    <a:lnL w="12700" cap="flat" cmpd="sng" algn="ctr">
+                      <a:solidFill>
+                        <a:srgbClr val="000000"/>
+                      </a:solidFill>
+                      <a:prstDash val="solid"/>
+                      <a:round/>
+                      <a:headEnd type="none" w="med" len="med"/>
+                      <a:tailEnd type="none" w="med" len="med"/>
+                    </a:lnL>
+                    <a:lnR w="12700" cap="flat" cmpd="sng" algn="ctr">
+                      <a:solidFill>
+                        <a:srgbClr val="000000"/>
+                      </a:solidFill>
+                      <a:prstDash val="solid"/>
+                      <a:round/>
+                      <a:headEnd type="none" w="med" len="med"/>
+                      <a:tailEnd type="none" w="med" len="med"/>
+                    </a:lnR>
+                    <a:lnT w="12700" cap="flat" cmpd="sng" algn="ctr">
+                      <a:solidFill>
+                        <a:srgbClr val="000000"/>
+                      </a:solidFill>
+                      <a:prstDash val="solid"/>
+                      <a:round/>
+                      <a:headEnd type="none" w="med" len="med"/>
+                      <a:tailEnd type="none" w="med" len="med"/>
+                    </a:lnT>
+                    <a:lnB w="12700" cap="flat" cmpd="sng" algn="ctr">
+                      <a:solidFill>
+                        <a:srgbClr val="000000"/>
+                      </a:solidFill>
+                      <a:prstDash val="solid"/>
+                      <a:round/>
+                      <a:headEnd type="none" w="med" len="med"/>
+                      <a:tailEnd type="none" w="med" len="med"/>
+                    </a:lnB>
+                    <a:lnTlToBr>
+                      <a:noFill/>
+                    </a:lnTlToBr>
+                    <a:lnBlToTr>
+                      <a:noFill/>
+                    </a:lnBlToTr>
+                    <a:noFill/>
+                  </a:tcPr>
+                </a:tc>
+                <a:tc>
+                  <a:txBody>
+                    <a:bodyPr/>
+                    <a:lstStyle/>
+                    <a:p>
+                      <a:pPr marL="0" marR="0" lvl="0" indent="0" algn="l" defTabSz="914400" rtl="0" eaLnBrk="1" fontAlgn="base" latinLnBrk="0" hangingPunct="1">
+                        <a:lnSpc>
+                          <a:spcPct val="100000"/>
+                        </a:lnSpc>
+                        <a:spcBef>
+                          <a:spcPct val="20000"/>
+                        </a:spcBef>
+                        <a:spcAft>
+                          <a:spcPct val="0"/>
+                        </a:spcAft>
+                        <a:buClrTx/>
+                        <a:buSzTx/>
+                        <a:buFontTx/>
+                        <a:buNone/>
+                        <a:tabLst/>
+                      </a:pPr>
+                      <a:endParaRPr kumimoji="0" lang="ru-RU" sz="1000" b="0" i="0" u="none" strike="noStrike" cap="none" normalizeH="0" baseline="0" dirty="0">
+                        <a:ln>
+                          <a:noFill/>
+                        </a:ln>
+                        <a:solidFill>
+                          <a:schemeClr val="tx1"/>
+                        </a:solidFill>
+                        <a:effectLst/>
+                        <a:latin typeface="Arial" charset="0"/>
+                      </a:endParaRPr>
+                    </a:p>
+                  </a:txBody>
+                  <a:tcPr marL="71962" marR="71962" marT="17991" marB="35979" horzOverflow="overflow">
+                    <a:lnL w="12700" cap="flat" cmpd="sng" algn="ctr">
+                      <a:solidFill>
+                        <a:srgbClr val="000000"/>
+                      </a:solidFill>
+                      <a:prstDash val="solid"/>
+                      <a:round/>
+                      <a:headEnd type="none" w="med" len="med"/>
+                      <a:tailEnd type="none" w="med" len="med"/>
+                    </a:lnL>
+                    <a:lnR w="12700" cap="flat" cmpd="sng" algn="ctr">
+                      <a:solidFill>
+                        <a:srgbClr val="000000"/>
+                      </a:solidFill>
+                      <a:prstDash val="solid"/>
+                      <a:round/>
+                      <a:headEnd type="none" w="med" len="med"/>
+                      <a:tailEnd type="none" w="med" len="med"/>
+                    </a:lnR>
+                    <a:lnT w="12700" cap="flat" cmpd="sng" algn="ctr">
+                      <a:solidFill>
+                        <a:srgbClr val="000000"/>
+                      </a:solidFill>
+                      <a:prstDash val="solid"/>
+                      <a:round/>
+                      <a:headEnd type="none" w="med" len="med"/>
+                      <a:tailEnd type="none" w="med" len="med"/>
+                    </a:lnT>
+                    <a:lnB w="12700" cap="flat" cmpd="sng" algn="ctr">
+                      <a:solidFill>
+                        <a:srgbClr val="000000"/>
+                      </a:solidFill>
+                      <a:prstDash val="solid"/>
+                      <a:round/>
+                      <a:headEnd type="none" w="med" len="med"/>
+                      <a:tailEnd type="none" w="med" len="med"/>
+                    </a:lnB>
+                    <a:lnTlToBr>
+                      <a:noFill/>
+                    </a:lnTlToBr>
+                    <a:lnBlToTr>
+                      <a:noFill/>
+                    </a:lnBlToTr>
+                    <a:noFill/>
+                  </a:tcPr>
+                </a:tc>
+                <a:extLst>
+                  <a:ext uri="{0D108BD9-81ED-4DB2-BD59-A6C34878D82A}">
+                    <a16:rowId xmlns:a16="http://schemas.microsoft.com/office/drawing/2014/main" val="10001"/>
+                  </a:ext>
+                </a:extLst>
+              </a:tr>
+            </a:tbl>
+          </a:graphicData>
+        </a:graphic>
+      </p:graphicFrame>
+      <p:sp>
+        <p:nvSpPr>
+          <p:cNvPr id="8" name="Line 158"/>
+          <p:cNvSpPr>
+            <a:spLocks noChangeShapeType="1"/>
+          </p:cNvSpPr>
+          <p:nvPr/>
+        </p:nvSpPr>
+        <p:spPr bwMode="auto">
+          <a:xfrm>
+            <a:off x="193675" y="188913"/>
+            <a:ext cx="8785225" cy="0"/>
+          </a:xfrm>
+          <a:prstGeom prst="line">
+            <a:avLst/>
+          </a:prstGeom>
+          <a:noFill/>
+          <a:ln w="12700" cap="sq">
+            <a:solidFill>
+              <a:schemeClr val="tx1"/>
+            </a:solidFill>
+            <a:round/>
+            <a:headEnd/>
+            <a:tailEnd/>
+          </a:ln>
+        </p:spPr>
+        <p:txBody>
+          <a:bodyPr/>
+          <a:lstStyle/>
+          <a:p>
+            <a:endParaRPr lang="ru-RU"/>
+          </a:p>
+        </p:txBody>
+      </p:sp>
+      <p:sp>
+        <p:nvSpPr>
+          <p:cNvPr id="9" name="Line 159"/>
+          <p:cNvSpPr>
+            <a:spLocks noChangeShapeType="1"/>
+          </p:cNvSpPr>
+          <p:nvPr/>
+        </p:nvSpPr>
+        <p:spPr bwMode="auto">
+          <a:xfrm>
+            <a:off x="193675" y="6669088"/>
+            <a:ext cx="8785225" cy="0"/>
+          </a:xfrm>
+          <a:prstGeom prst="line">
+            <a:avLst/>
+          </a:prstGeom>
+          <a:noFill/>
+          <a:ln w="12700" cap="sq">
+            <a:solidFill>
+              <a:schemeClr val="tx1"/>
+            </a:solidFill>
+            <a:round/>
+            <a:headEnd/>
+            <a:tailEnd/>
+          </a:ln>
+        </p:spPr>
+        <p:txBody>
+          <a:bodyPr/>
+          <a:lstStyle/>
+          <a:p>
+            <a:endParaRPr lang="ru-RU"/>
+          </a:p>
+        </p:txBody>
+      </p:sp>
+      <p:pic>
+        <p:nvPicPr>
+          <p:cNvPr id="10" name="Рисунок 9">
+            <a:extLst>
+              <a:ext uri="{FF2B5EF4-FFF2-40B4-BE49-F238E27FC236}">
+                <a16:creationId xmlns:a16="http://schemas.microsoft.com/office/drawing/2014/main" id="{E254B16D-4C41-4853-B27E-7B734632D166}"/>
+              </a:ext>
+            </a:extLst>
+          </p:cNvPr>
+          <p:cNvPicPr>
+            <a:picLocks noChangeAspect="1"/>
+          </p:cNvPicPr>
+          <p:nvPr/>
+        </p:nvPicPr>
+        <p:blipFill>
+          <a:blip r:embed="rId2"/>
+          <a:stretch>
+            <a:fillRect/>
+          </a:stretch>
+        </p:blipFill>
+        <p:spPr>
+          <a:xfrm>
+            <a:off x="6004916" y="3914579"/>
+            <a:ext cx="2153461" cy="1242613"/>
+          </a:xfrm>
+          <a:prstGeom prst="rect">
+            <a:avLst/>
+          </a:prstGeom>
+        </p:spPr>
+      </p:pic>
+      <p:pic>
+        <p:nvPicPr>
+          <p:cNvPr id="11" name="Рисунок 10">
+            <a:extLst>
+              <a:ext uri="{FF2B5EF4-FFF2-40B4-BE49-F238E27FC236}">
+                <a16:creationId xmlns:a16="http://schemas.microsoft.com/office/drawing/2014/main" id="{A601425D-1D49-4B53-8321-EAF7589AA402}"/>
+              </a:ext>
+            </a:extLst>
+          </p:cNvPr>
+          <p:cNvPicPr>
+            <a:picLocks noChangeAspect="1"/>
+          </p:cNvPicPr>
+          <p:nvPr/>
+        </p:nvPicPr>
+        <p:blipFill>
+          <a:blip r:embed="rId3"/>
+          <a:stretch>
+            <a:fillRect/>
+          </a:stretch>
+        </p:blipFill>
+        <p:spPr>
+          <a:xfrm>
+            <a:off x="867423" y="3920498"/>
+            <a:ext cx="4558552" cy="1162896"/>
+          </a:xfrm>
+          <a:prstGeom prst="rect">
+            <a:avLst/>
+          </a:prstGeom>
+        </p:spPr>
+      </p:pic>
+      <p:pic>
+        <p:nvPicPr>
+          <p:cNvPr id="12" name="Рисунок 11">
+            <a:extLst>
+              <a:ext uri="{FF2B5EF4-FFF2-40B4-BE49-F238E27FC236}">
+                <a16:creationId xmlns:a16="http://schemas.microsoft.com/office/drawing/2014/main" id="{28C6AE44-A56A-4CAA-85E3-8AB8CFE56534}"/>
+              </a:ext>
+            </a:extLst>
+          </p:cNvPr>
+          <p:cNvPicPr>
+            <a:picLocks noChangeAspect="1"/>
+          </p:cNvPicPr>
+          <p:nvPr/>
+        </p:nvPicPr>
+        <p:blipFill>
+          <a:blip r:embed="rId4"/>
+          <a:stretch>
+            <a:fillRect/>
+          </a:stretch>
+        </p:blipFill>
+        <p:spPr>
+          <a:xfrm>
+            <a:off x="6012806" y="1078019"/>
+            <a:ext cx="2145571" cy="1482613"/>
+          </a:xfrm>
+          <a:prstGeom prst="rect">
+            <a:avLst/>
+          </a:prstGeom>
+        </p:spPr>
+      </p:pic>
+      <p:sp>
+        <p:nvSpPr>
+          <p:cNvPr id="13" name="TextBox 12">
+            <a:extLst>
+              <a:ext uri="{FF2B5EF4-FFF2-40B4-BE49-F238E27FC236}">
+                <a16:creationId xmlns:a16="http://schemas.microsoft.com/office/drawing/2014/main" id="{2834E5C4-C2A0-4577-A39A-B853DAD98B66}"/>
+              </a:ext>
+            </a:extLst>
+          </p:cNvPr>
+          <p:cNvSpPr txBox="1"/>
+          <p:nvPr/>
+        </p:nvSpPr>
+        <p:spPr>
+          <a:xfrm>
+            <a:off x="5964838" y="5237192"/>
+            <a:ext cx="2592288" cy="338554"/>
+          </a:xfrm>
+          <a:prstGeom prst="rect">
+            <a:avLst/>
+          </a:prstGeom>
+          <a:noFill/>
+        </p:spPr>
+        <p:txBody>
+          <a:bodyPr wrap="square">
+            <a:spAutoFit/>
+          </a:bodyPr>
+          <a:lstStyle/>
+          <a:p>
+            <a:r>
+              <a:rPr lang="ru-RU" sz="1600" dirty="0"/>
+              <a:t>4. </a:t>
+            </a:r>
+            <a:r>
+              <a:rPr lang="ru-RU" sz="1600" dirty="0">
+                <a:solidFill>
+                  <a:srgbClr val="000000"/>
+                </a:solidFill>
+                <a:effectLst/>
+                <a:ea typeface="Times New Roman" panose="02020603050405020304" pitchFamily="18" charset="0"/>
+              </a:rPr>
+              <a:t>Форма авторизации</a:t>
+            </a:r>
+            <a:endParaRPr lang="ru-RU" sz="1600" dirty="0"/>
+          </a:p>
+        </p:txBody>
+      </p:sp>
+      <p:sp>
+        <p:nvSpPr>
+          <p:cNvPr id="14" name="TextBox 13">
+            <a:extLst>
+              <a:ext uri="{FF2B5EF4-FFF2-40B4-BE49-F238E27FC236}">
+                <a16:creationId xmlns:a16="http://schemas.microsoft.com/office/drawing/2014/main" id="{FB5108F1-31FD-4030-AAC9-0BA7DAA6741C}"/>
+              </a:ext>
+            </a:extLst>
+          </p:cNvPr>
+          <p:cNvSpPr txBox="1"/>
+          <p:nvPr/>
+        </p:nvSpPr>
+        <p:spPr>
+          <a:xfrm>
+            <a:off x="5868144" y="2623216"/>
+            <a:ext cx="2476540" cy="584775"/>
+          </a:xfrm>
+          <a:prstGeom prst="rect">
+            <a:avLst/>
+          </a:prstGeom>
+          <a:noFill/>
+        </p:spPr>
+        <p:txBody>
+          <a:bodyPr wrap="square">
+            <a:spAutoFit/>
+          </a:bodyPr>
+          <a:lstStyle/>
+          <a:p>
+            <a:r>
+              <a:rPr lang="ru-RU" sz="1600" dirty="0"/>
+              <a:t>2. </a:t>
+            </a:r>
+            <a:r>
+              <a:rPr lang="ru-RU" sz="1600" dirty="0">
+                <a:solidFill>
+                  <a:srgbClr val="000000"/>
+                </a:solidFill>
+                <a:effectLst/>
+                <a:ea typeface="Times New Roman" panose="02020603050405020304" pitchFamily="18" charset="0"/>
+              </a:rPr>
+              <a:t>Форма редактирования почтового сервера</a:t>
+            </a:r>
+            <a:endParaRPr lang="ru-RU" sz="1600" dirty="0"/>
+          </a:p>
+        </p:txBody>
+      </p:sp>
+      <p:sp>
+        <p:nvSpPr>
+          <p:cNvPr id="15" name="TextBox 14">
+            <a:extLst>
+              <a:ext uri="{FF2B5EF4-FFF2-40B4-BE49-F238E27FC236}">
+                <a16:creationId xmlns:a16="http://schemas.microsoft.com/office/drawing/2014/main" id="{9D4774EC-4F94-489B-B13A-BEC8CBBB5FCD}"/>
+              </a:ext>
+            </a:extLst>
+          </p:cNvPr>
+          <p:cNvSpPr txBox="1"/>
+          <p:nvPr/>
+        </p:nvSpPr>
+        <p:spPr>
+          <a:xfrm>
+            <a:off x="1459003" y="5237192"/>
+            <a:ext cx="3240508" cy="338554"/>
+          </a:xfrm>
+          <a:prstGeom prst="rect">
+            <a:avLst/>
+          </a:prstGeom>
+          <a:noFill/>
+        </p:spPr>
+        <p:txBody>
+          <a:bodyPr wrap="square">
+            <a:spAutoFit/>
+          </a:bodyPr>
+          <a:lstStyle/>
+          <a:p>
+            <a:r>
+              <a:rPr lang="ru-RU" sz="1600" dirty="0"/>
+              <a:t>3. </a:t>
+            </a:r>
+            <a:r>
+              <a:rPr lang="ru-RU" sz="1600" dirty="0">
+                <a:solidFill>
+                  <a:srgbClr val="000000"/>
+                </a:solidFill>
+                <a:effectLst/>
+                <a:latin typeface="Times New Roman" panose="02020603050405020304" pitchFamily="18" charset="0"/>
+                <a:ea typeface="Times New Roman" panose="02020603050405020304" pitchFamily="18" charset="0"/>
+              </a:rPr>
+              <a:t>Таблица просмотра писем</a:t>
+            </a:r>
+            <a:endParaRPr lang="ru-RU" sz="1600" dirty="0"/>
+          </a:p>
+        </p:txBody>
+      </p:sp>
+      <p:pic>
+        <p:nvPicPr>
+          <p:cNvPr id="16" name="Рисунок 15">
+            <a:extLst>
+              <a:ext uri="{FF2B5EF4-FFF2-40B4-BE49-F238E27FC236}">
+                <a16:creationId xmlns:a16="http://schemas.microsoft.com/office/drawing/2014/main" id="{0BC8799D-67EA-4FFF-AFC3-E8BA17BA7794}"/>
+              </a:ext>
+            </a:extLst>
+          </p:cNvPr>
+          <p:cNvPicPr>
+            <a:picLocks noChangeAspect="1"/>
+          </p:cNvPicPr>
+          <p:nvPr/>
+        </p:nvPicPr>
+        <p:blipFill>
+          <a:blip r:embed="rId5"/>
+          <a:stretch>
+            <a:fillRect/>
+          </a:stretch>
+        </p:blipFill>
+        <p:spPr>
+          <a:xfrm>
+            <a:off x="799981" y="1078019"/>
+            <a:ext cx="4558552" cy="1545197"/>
+          </a:xfrm>
+          <a:prstGeom prst="rect">
+            <a:avLst/>
+          </a:prstGeom>
+        </p:spPr>
+      </p:pic>
+      <p:sp>
+        <p:nvSpPr>
+          <p:cNvPr id="17" name="TextBox 16">
+            <a:extLst>
+              <a:ext uri="{FF2B5EF4-FFF2-40B4-BE49-F238E27FC236}">
+                <a16:creationId xmlns:a16="http://schemas.microsoft.com/office/drawing/2014/main" id="{89A2DA44-9C2D-4B71-971E-E5AB6747A6FB}"/>
+              </a:ext>
+            </a:extLst>
+          </p:cNvPr>
+          <p:cNvSpPr txBox="1"/>
+          <p:nvPr/>
+        </p:nvSpPr>
+        <p:spPr>
+          <a:xfrm>
+            <a:off x="1395997" y="2640392"/>
+            <a:ext cx="3501404" cy="584775"/>
+          </a:xfrm>
+          <a:prstGeom prst="rect">
+            <a:avLst/>
+          </a:prstGeom>
+          <a:noFill/>
+        </p:spPr>
+        <p:txBody>
+          <a:bodyPr wrap="square">
+            <a:spAutoFit/>
+          </a:bodyPr>
+          <a:lstStyle/>
+          <a:p>
+            <a:r>
+              <a:rPr lang="ru-RU" sz="1600" dirty="0"/>
+              <a:t>1. </a:t>
+            </a:r>
+            <a:r>
+              <a:rPr lang="ru-RU" sz="1600" dirty="0">
+                <a:solidFill>
+                  <a:srgbClr val="000000"/>
+                </a:solidFill>
+                <a:effectLst/>
+                <a:ea typeface="Times New Roman" panose="02020603050405020304" pitchFamily="18" charset="0"/>
+              </a:rPr>
+              <a:t>Форма добавления учетной записи, выбор хоста</a:t>
+            </a:r>
+            <a:endParaRPr lang="ru-RU" sz="1600" dirty="0"/>
+          </a:p>
+        </p:txBody>
+      </p:sp>
+    </p:spTree>
+    <p:extLst>
+      <p:ext uri="{BB962C8B-B14F-4D97-AF65-F5344CB8AC3E}">
+        <p14:creationId xmlns:p14="http://schemas.microsoft.com/office/powerpoint/2010/main" val="3575411339"/>
+      </p:ext>
+    </p:extLst>
+  </p:cSld>
+  <p:clrMapOvr>
+    <a:masterClrMapping/>
+  </p:clrMapOvr>
+</p:sld>
+</file>
+
+<file path=ppt/slides/slide11.xml><?xml version="1.0" encoding="utf-8"?>
+<p:sld xmlns:a="http://schemas.openxmlformats.org/drawingml/2006/main" xmlns:r="http://schemas.openxmlformats.org/officeDocument/2006/relationships" xmlns:p="http://schemas.openxmlformats.org/presentationml/2006/main">
+  <p:cSld>
+    <p:spTree>
+      <p:nvGrpSpPr>
+        <p:cNvPr id="1" name=""/>
+        <p:cNvGrpSpPr/>
+        <p:nvPr/>
+      </p:nvGrpSpPr>
+      <p:grpSpPr>
+        <a:xfrm>
+          <a:off x="0" y="0"/>
+          <a:ext cx="0" cy="0"/>
+          <a:chOff x="0" y="0"/>
+          <a:chExt cx="0" cy="0"/>
+        </a:xfrm>
+      </p:grpSpPr>
+      <p:sp>
+        <p:nvSpPr>
+          <p:cNvPr id="5" name="Line 137"/>
+          <p:cNvSpPr>
+            <a:spLocks noChangeShapeType="1"/>
+          </p:cNvSpPr>
+          <p:nvPr/>
+        </p:nvSpPr>
+        <p:spPr bwMode="auto">
+          <a:xfrm>
+            <a:off x="193675" y="188913"/>
+            <a:ext cx="0" cy="6480175"/>
+          </a:xfrm>
+          <a:prstGeom prst="line">
+            <a:avLst/>
+          </a:prstGeom>
+          <a:noFill/>
+          <a:ln w="12700" cap="sq">
+            <a:solidFill>
+              <a:schemeClr val="tx1"/>
+            </a:solidFill>
+            <a:round/>
+            <a:headEnd/>
+            <a:tailEnd/>
+          </a:ln>
+        </p:spPr>
+        <p:txBody>
+          <a:bodyPr/>
+          <a:lstStyle/>
+          <a:p>
+            <a:endParaRPr lang="ru-RU"/>
+          </a:p>
+        </p:txBody>
+      </p:sp>
+      <p:sp>
+        <p:nvSpPr>
+          <p:cNvPr id="6" name="Line 138"/>
+          <p:cNvSpPr>
+            <a:spLocks noChangeShapeType="1"/>
+          </p:cNvSpPr>
+          <p:nvPr/>
+        </p:nvSpPr>
+        <p:spPr bwMode="auto">
+          <a:xfrm>
+            <a:off x="8978900" y="188913"/>
+            <a:ext cx="0" cy="6480175"/>
+          </a:xfrm>
+          <a:prstGeom prst="line">
+            <a:avLst/>
+          </a:prstGeom>
+          <a:noFill/>
+          <a:ln w="12700" cap="sq">
+            <a:solidFill>
+              <a:schemeClr val="tx1"/>
+            </a:solidFill>
+            <a:round/>
+            <a:headEnd/>
+            <a:tailEnd/>
+          </a:ln>
+        </p:spPr>
+        <p:txBody>
+          <a:bodyPr/>
+          <a:lstStyle/>
+          <a:p>
+            <a:endParaRPr lang="ru-RU"/>
+          </a:p>
+        </p:txBody>
+      </p:sp>
+      <p:sp>
+        <p:nvSpPr>
+          <p:cNvPr id="8" name="Line 158"/>
+          <p:cNvSpPr>
+            <a:spLocks noChangeShapeType="1"/>
+          </p:cNvSpPr>
+          <p:nvPr/>
+        </p:nvSpPr>
+        <p:spPr bwMode="auto">
+          <a:xfrm>
+            <a:off x="193675" y="188913"/>
+            <a:ext cx="8785225" cy="0"/>
+          </a:xfrm>
+          <a:prstGeom prst="line">
+            <a:avLst/>
+          </a:prstGeom>
+          <a:noFill/>
+          <a:ln w="12700" cap="sq">
+            <a:solidFill>
+              <a:schemeClr val="tx1"/>
+            </a:solidFill>
+            <a:round/>
+            <a:headEnd/>
+            <a:tailEnd/>
+          </a:ln>
+        </p:spPr>
+        <p:txBody>
+          <a:bodyPr/>
+          <a:lstStyle/>
+          <a:p>
+            <a:endParaRPr lang="ru-RU"/>
+          </a:p>
+        </p:txBody>
+      </p:sp>
+      <p:sp>
+        <p:nvSpPr>
+          <p:cNvPr id="9" name="Line 159"/>
+          <p:cNvSpPr>
+            <a:spLocks noChangeShapeType="1"/>
+          </p:cNvSpPr>
+          <p:nvPr/>
+        </p:nvSpPr>
+        <p:spPr bwMode="auto">
+          <a:xfrm>
+            <a:off x="193675" y="6669088"/>
+            <a:ext cx="8785225" cy="0"/>
+          </a:xfrm>
+          <a:prstGeom prst="line">
+            <a:avLst/>
+          </a:prstGeom>
+          <a:noFill/>
+          <a:ln w="12700" cap="sq">
+            <a:solidFill>
+              <a:schemeClr val="tx1"/>
+            </a:solidFill>
+            <a:round/>
+            <a:headEnd/>
+            <a:tailEnd/>
+          </a:ln>
+        </p:spPr>
+        <p:txBody>
+          <a:bodyPr/>
+          <a:lstStyle/>
+          <a:p>
+            <a:endParaRPr lang="ru-RU"/>
+          </a:p>
+        </p:txBody>
+      </p:sp>
+      <p:sp>
+        <p:nvSpPr>
+          <p:cNvPr id="11" name="Rectangle 23"/>
+          <p:cNvSpPr>
+            <a:spLocks noChangeArrowheads="1"/>
+          </p:cNvSpPr>
+          <p:nvPr/>
+        </p:nvSpPr>
+        <p:spPr bwMode="auto">
+          <a:xfrm>
+            <a:off x="250825" y="260350"/>
+            <a:ext cx="8642350" cy="430887"/>
+          </a:xfrm>
+          <a:prstGeom prst="rect">
+            <a:avLst/>
+          </a:prstGeom>
+          <a:noFill/>
+          <a:ln w="9525">
+            <a:noFill/>
+            <a:miter lim="800000"/>
+            <a:headEnd/>
+            <a:tailEnd/>
+          </a:ln>
+        </p:spPr>
+        <p:txBody>
+          <a:bodyPr>
+            <a:spAutoFit/>
+          </a:bodyPr>
+          <a:lstStyle/>
+          <a:p>
+            <a:pPr algn="ctr"/>
+            <a:r>
+              <a:rPr lang="ru-RU" sz="2200" b="1" dirty="0"/>
+              <a:t>Отладка и тестирование ВС ДЭП</a:t>
+            </a:r>
+          </a:p>
+        </p:txBody>
+      </p:sp>
+      <p:graphicFrame>
+        <p:nvGraphicFramePr>
+          <p:cNvPr id="12" name="Group 10">
+            <a:extLst>
+              <a:ext uri="{FF2B5EF4-FFF2-40B4-BE49-F238E27FC236}">
+                <a16:creationId xmlns:a16="http://schemas.microsoft.com/office/drawing/2014/main" id="{FA4FB2C4-33E3-4555-818C-C1D3CD59D33C}"/>
+              </a:ext>
+            </a:extLst>
+          </p:cNvPr>
+          <p:cNvGraphicFramePr>
+            <a:graphicFrameLocks noGrp="1"/>
+          </p:cNvGraphicFramePr>
+          <p:nvPr>
+            <p:extLst>
+              <p:ext uri="{D42A27DB-BD31-4B8C-83A1-F6EECF244321}">
+                <p14:modId xmlns:p14="http://schemas.microsoft.com/office/powerpoint/2010/main" val="4220832055"/>
+              </p:ext>
+            </p:extLst>
+          </p:nvPr>
+        </p:nvGraphicFramePr>
+        <p:xfrm>
+          <a:off x="6156325" y="6254750"/>
+          <a:ext cx="2822575" cy="412740"/>
+        </p:xfrm>
+        <a:graphic>
+          <a:graphicData uri="http://schemas.openxmlformats.org/drawingml/2006/table">
+            <a:tbl>
+              <a:tblPr/>
+              <a:tblGrid>
+                <a:gridCol w="792163">
+                  <a:extLst>
+                    <a:ext uri="{9D8B030D-6E8A-4147-A177-3AD203B41FA5}">
+                      <a16:colId xmlns:a16="http://schemas.microsoft.com/office/drawing/2014/main" val="20000"/>
+                    </a:ext>
+                  </a:extLst>
+                </a:gridCol>
+                <a:gridCol w="1008062">
+                  <a:extLst>
+                    <a:ext uri="{9D8B030D-6E8A-4147-A177-3AD203B41FA5}">
+                      <a16:colId xmlns:a16="http://schemas.microsoft.com/office/drawing/2014/main" val="20001"/>
+                    </a:ext>
+                  </a:extLst>
+                </a:gridCol>
+                <a:gridCol w="649288">
+                  <a:extLst>
+                    <a:ext uri="{9D8B030D-6E8A-4147-A177-3AD203B41FA5}">
+                      <a16:colId xmlns:a16="http://schemas.microsoft.com/office/drawing/2014/main" val="20002"/>
+                    </a:ext>
+                  </a:extLst>
+                </a:gridCol>
+                <a:gridCol w="373062">
+                  <a:extLst>
+                    <a:ext uri="{9D8B030D-6E8A-4147-A177-3AD203B41FA5}">
+                      <a16:colId xmlns:a16="http://schemas.microsoft.com/office/drawing/2014/main" val="20003"/>
+                    </a:ext>
+                  </a:extLst>
+                </a:gridCol>
+              </a:tblGrid>
+              <a:tr h="0">
+                <a:tc>
+                  <a:txBody>
+                    <a:bodyPr/>
+                    <a:lstStyle/>
+                    <a:p>
+                      <a:pPr marL="0" marR="0" lvl="0" indent="0" algn="l" defTabSz="914400" rtl="0" eaLnBrk="1" fontAlgn="base" latinLnBrk="0" hangingPunct="1">
+                        <a:lnSpc>
+                          <a:spcPct val="100000"/>
+                        </a:lnSpc>
+                        <a:spcBef>
+                          <a:spcPct val="0"/>
+                        </a:spcBef>
+                        <a:spcAft>
+                          <a:spcPct val="0"/>
+                        </a:spcAft>
+                        <a:buClrTx/>
+                        <a:buSzTx/>
+                        <a:buFontTx/>
+                        <a:buNone/>
+                        <a:tabLst/>
+                      </a:pPr>
+                      <a:r>
+                        <a:rPr kumimoji="0" lang="ru-RU" sz="1000" b="0" i="0" u="none" strike="noStrike" cap="none" normalizeH="0" baseline="0" dirty="0">
+                          <a:ln>
+                            <a:noFill/>
+                          </a:ln>
+                          <a:solidFill>
+                            <a:schemeClr val="tx1"/>
+                          </a:solidFill>
+                          <a:effectLst/>
+                          <a:latin typeface="Times New Roman" pitchFamily="18" charset="0"/>
+                          <a:cs typeface="Times New Roman" pitchFamily="18" charset="0"/>
+                        </a:rPr>
+                        <a:t>Разработал</a:t>
+                      </a:r>
+                      <a:endParaRPr kumimoji="0" lang="ru-RU" sz="1000" b="0" i="0" u="none" strike="noStrike" cap="none" normalizeH="0" baseline="0" dirty="0">
+                        <a:ln>
+                          <a:noFill/>
+                        </a:ln>
+                        <a:solidFill>
+                          <a:schemeClr val="tx1"/>
+                        </a:solidFill>
+                        <a:effectLst/>
+                        <a:latin typeface="Arial" charset="0"/>
+                      </a:endParaRPr>
+                    </a:p>
+                  </a:txBody>
+                  <a:tcPr marL="71962" marR="71962" marT="17991" marB="35979" horzOverflow="overflow">
+                    <a:lnL w="12700" cap="flat" cmpd="sng" algn="ctr">
+                      <a:solidFill>
+                        <a:srgbClr val="000000"/>
+                      </a:solidFill>
+                      <a:prstDash val="solid"/>
+                      <a:round/>
+                      <a:headEnd type="none" w="med" len="med"/>
+                      <a:tailEnd type="none" w="med" len="med"/>
+                    </a:lnL>
+                    <a:lnR w="12700" cap="flat" cmpd="sng" algn="ctr">
+                      <a:solidFill>
+                        <a:srgbClr val="000000"/>
+                      </a:solidFill>
+                      <a:prstDash val="solid"/>
+                      <a:round/>
+                      <a:headEnd type="none" w="med" len="med"/>
+                      <a:tailEnd type="none" w="med" len="med"/>
+                    </a:lnR>
+                    <a:lnT w="12700" cap="flat" cmpd="sng" algn="ctr">
+                      <a:solidFill>
+                        <a:srgbClr val="000000"/>
+                      </a:solidFill>
+                      <a:prstDash val="solid"/>
+                      <a:round/>
+                      <a:headEnd type="none" w="med" len="med"/>
+                      <a:tailEnd type="none" w="med" len="med"/>
+                    </a:lnT>
+                    <a:lnB w="12700" cap="flat" cmpd="sng" algn="ctr">
+                      <a:solidFill>
+                        <a:srgbClr val="000000"/>
+                      </a:solidFill>
+                      <a:prstDash val="solid"/>
+                      <a:round/>
+                      <a:headEnd type="none" w="med" len="med"/>
+                      <a:tailEnd type="none" w="med" len="med"/>
+                    </a:lnB>
+                    <a:lnTlToBr>
+                      <a:noFill/>
+                    </a:lnTlToBr>
+                    <a:lnBlToTr>
+                      <a:noFill/>
+                    </a:lnBlToTr>
+                    <a:noFill/>
+                  </a:tcPr>
+                </a:tc>
+                <a:tc>
+                  <a:txBody>
+                    <a:bodyPr/>
+                    <a:lstStyle/>
+                    <a:p>
+                      <a:pPr marL="0" marR="0" lvl="0" indent="0" algn="l" defTabSz="914400" rtl="0" eaLnBrk="1" fontAlgn="base" latinLnBrk="0" hangingPunct="1">
+                        <a:lnSpc>
+                          <a:spcPct val="100000"/>
+                        </a:lnSpc>
+                        <a:spcBef>
+                          <a:spcPct val="0"/>
+                        </a:spcBef>
+                        <a:spcAft>
+                          <a:spcPct val="0"/>
+                        </a:spcAft>
+                        <a:buClrTx/>
+                        <a:buSzTx/>
+                        <a:buFontTx/>
+                        <a:buNone/>
+                        <a:tabLst/>
+                      </a:pPr>
+                      <a:r>
+                        <a:rPr kumimoji="0" lang="ru-RU" sz="1000" b="0" i="0" u="none" strike="noStrike" cap="none" normalizeH="0" baseline="0" dirty="0">
+                          <a:ln>
+                            <a:noFill/>
+                          </a:ln>
+                          <a:solidFill>
+                            <a:schemeClr val="tx1"/>
+                          </a:solidFill>
+                          <a:effectLst/>
+                          <a:latin typeface="Times New Roman" pitchFamily="18" charset="0"/>
+                          <a:cs typeface="Times New Roman" pitchFamily="18" charset="0"/>
+                        </a:rPr>
+                        <a:t>Мясников М.А.</a:t>
+                      </a:r>
+                    </a:p>
+                  </a:txBody>
+                  <a:tcPr marL="71962" marR="71962" marT="17991" marB="35979" horzOverflow="overflow">
+                    <a:lnL w="12700" cap="flat" cmpd="sng" algn="ctr">
+                      <a:solidFill>
+                        <a:srgbClr val="000000"/>
+                      </a:solidFill>
+                      <a:prstDash val="solid"/>
+                      <a:round/>
+                      <a:headEnd type="none" w="med" len="med"/>
+                      <a:tailEnd type="none" w="med" len="med"/>
+                    </a:lnL>
+                    <a:lnR w="12700" cap="flat" cmpd="sng" algn="ctr">
+                      <a:solidFill>
+                        <a:srgbClr val="000000"/>
+                      </a:solidFill>
+                      <a:prstDash val="solid"/>
+                      <a:round/>
+                      <a:headEnd type="none" w="med" len="med"/>
+                      <a:tailEnd type="none" w="med" len="med"/>
+                    </a:lnR>
+                    <a:lnT w="12700" cap="flat" cmpd="sng" algn="ctr">
+                      <a:solidFill>
+                        <a:srgbClr val="000000"/>
+                      </a:solidFill>
+                      <a:prstDash val="solid"/>
+                      <a:round/>
+                      <a:headEnd type="none" w="med" len="med"/>
+                      <a:tailEnd type="none" w="med" len="med"/>
+                    </a:lnT>
+                    <a:lnB w="12700" cap="flat" cmpd="sng" algn="ctr">
+                      <a:solidFill>
+                        <a:srgbClr val="000000"/>
+                      </a:solidFill>
+                      <a:prstDash val="solid"/>
+                      <a:round/>
+                      <a:headEnd type="none" w="med" len="med"/>
+                      <a:tailEnd type="none" w="med" len="med"/>
+                    </a:lnB>
+                    <a:lnTlToBr>
+                      <a:noFill/>
+                    </a:lnTlToBr>
+                    <a:lnBlToTr>
+                      <a:noFill/>
+                    </a:lnBlToTr>
+                    <a:noFill/>
+                  </a:tcPr>
+                </a:tc>
+                <a:tc>
+                  <a:txBody>
+                    <a:bodyPr/>
+                    <a:lstStyle/>
+                    <a:p>
+                      <a:pPr marL="0" marR="0" lvl="0" indent="0" algn="l" defTabSz="914400" rtl="0" eaLnBrk="1" fontAlgn="base" latinLnBrk="0" hangingPunct="1">
+                        <a:lnSpc>
+                          <a:spcPct val="100000"/>
+                        </a:lnSpc>
+                        <a:spcBef>
+                          <a:spcPct val="20000"/>
+                        </a:spcBef>
+                        <a:spcAft>
+                          <a:spcPct val="0"/>
+                        </a:spcAft>
+                        <a:buClrTx/>
+                        <a:buSzTx/>
+                        <a:buFontTx/>
+                        <a:buNone/>
+                        <a:tabLst/>
+                      </a:pPr>
+                      <a:endParaRPr kumimoji="0" lang="ru-RU" sz="1000" b="0" i="0" u="none" strike="noStrike" cap="none" normalizeH="0" baseline="0">
+                        <a:ln>
+                          <a:noFill/>
+                        </a:ln>
+                        <a:solidFill>
+                          <a:schemeClr val="tx1"/>
+                        </a:solidFill>
+                        <a:effectLst/>
+                        <a:latin typeface="Arial" charset="0"/>
+                      </a:endParaRPr>
+                    </a:p>
+                  </a:txBody>
+                  <a:tcPr marL="71962" marR="71962" marT="17991" marB="35979" horzOverflow="overflow">
+                    <a:lnL w="12700" cap="flat" cmpd="sng" algn="ctr">
+                      <a:solidFill>
+                        <a:srgbClr val="000000"/>
+                      </a:solidFill>
+                      <a:prstDash val="solid"/>
+                      <a:round/>
+                      <a:headEnd type="none" w="med" len="med"/>
+                      <a:tailEnd type="none" w="med" len="med"/>
+                    </a:lnL>
+                    <a:lnR w="12700" cap="flat" cmpd="sng" algn="ctr">
+                      <a:solidFill>
+                        <a:srgbClr val="000000"/>
+                      </a:solidFill>
+                      <a:prstDash val="solid"/>
+                      <a:round/>
+                      <a:headEnd type="none" w="med" len="med"/>
+                      <a:tailEnd type="none" w="med" len="med"/>
+                    </a:lnR>
+                    <a:lnT w="12700" cap="flat" cmpd="sng" algn="ctr">
+                      <a:solidFill>
+                        <a:srgbClr val="000000"/>
+                      </a:solidFill>
+                      <a:prstDash val="solid"/>
+                      <a:round/>
+                      <a:headEnd type="none" w="med" len="med"/>
+                      <a:tailEnd type="none" w="med" len="med"/>
+                    </a:lnT>
+                    <a:lnB w="12700" cap="flat" cmpd="sng" algn="ctr">
+                      <a:solidFill>
+                        <a:srgbClr val="000000"/>
+                      </a:solidFill>
+                      <a:prstDash val="solid"/>
+                      <a:round/>
+                      <a:headEnd type="none" w="med" len="med"/>
+                      <a:tailEnd type="none" w="med" len="med"/>
+                    </a:lnB>
+                    <a:lnTlToBr>
+                      <a:noFill/>
+                    </a:lnTlToBr>
+                    <a:lnBlToTr>
+                      <a:noFill/>
+                    </a:lnBlToTr>
+                    <a:noFill/>
+                  </a:tcPr>
+                </a:tc>
+                <a:tc>
+                  <a:txBody>
+                    <a:bodyPr/>
+                    <a:lstStyle/>
+                    <a:p>
+                      <a:pPr marL="0" marR="0" lvl="0" indent="0" algn="l" defTabSz="914400" rtl="0" eaLnBrk="1" fontAlgn="base" latinLnBrk="0" hangingPunct="1">
+                        <a:lnSpc>
+                          <a:spcPct val="100000"/>
+                        </a:lnSpc>
+                        <a:spcBef>
+                          <a:spcPct val="20000"/>
+                        </a:spcBef>
+                        <a:spcAft>
+                          <a:spcPct val="0"/>
+                        </a:spcAft>
+                        <a:buClrTx/>
+                        <a:buSzTx/>
+                        <a:buFontTx/>
+                        <a:buNone/>
+                        <a:tabLst/>
+                      </a:pPr>
+                      <a:r>
+                        <a:rPr kumimoji="0" lang="ru-RU" sz="1000" b="0" i="0" u="none" strike="noStrike" cap="none" normalizeH="0" baseline="0" dirty="0">
+                          <a:ln>
+                            <a:noFill/>
+                          </a:ln>
+                          <a:solidFill>
+                            <a:schemeClr val="tx1"/>
+                          </a:solidFill>
+                          <a:effectLst/>
+                          <a:latin typeface="Times New Roman" pitchFamily="18" charset="0"/>
+                        </a:rPr>
+                        <a:t>9</a:t>
+                      </a:r>
+                    </a:p>
+                  </a:txBody>
+                  <a:tcPr marL="71962" marR="71962" marT="17991" marB="35979" horzOverflow="overflow">
+                    <a:lnL w="12700" cap="flat" cmpd="sng" algn="ctr">
+                      <a:solidFill>
+                        <a:srgbClr val="000000"/>
+                      </a:solidFill>
+                      <a:prstDash val="solid"/>
+                      <a:round/>
+                      <a:headEnd type="none" w="med" len="med"/>
+                      <a:tailEnd type="none" w="med" len="med"/>
+                    </a:lnL>
+                    <a:lnR w="12700" cap="flat" cmpd="sng" algn="ctr">
+                      <a:solidFill>
+                        <a:srgbClr val="000000"/>
+                      </a:solidFill>
+                      <a:prstDash val="solid"/>
+                      <a:round/>
+                      <a:headEnd type="none" w="med" len="med"/>
+                      <a:tailEnd type="none" w="med" len="med"/>
+                    </a:lnR>
+                    <a:lnT w="12700" cap="flat" cmpd="sng" algn="ctr">
+                      <a:solidFill>
+                        <a:srgbClr val="000000"/>
+                      </a:solidFill>
+                      <a:prstDash val="solid"/>
+                      <a:round/>
+                      <a:headEnd type="none" w="med" len="med"/>
+                      <a:tailEnd type="none" w="med" len="med"/>
+                    </a:lnT>
+                    <a:lnB w="12700" cap="flat" cmpd="sng" algn="ctr">
+                      <a:solidFill>
+                        <a:srgbClr val="000000"/>
+                      </a:solidFill>
+                      <a:prstDash val="solid"/>
+                      <a:round/>
+                      <a:headEnd type="none" w="med" len="med"/>
+                      <a:tailEnd type="none" w="med" len="med"/>
+                    </a:lnB>
+                    <a:lnTlToBr>
+                      <a:noFill/>
+                    </a:lnTlToBr>
+                    <a:lnBlToTr>
+                      <a:noFill/>
+                    </a:lnBlToTr>
+                    <a:noFill/>
+                  </a:tcPr>
+                </a:tc>
+                <a:extLst>
+                  <a:ext uri="{0D108BD9-81ED-4DB2-BD59-A6C34878D82A}">
+                    <a16:rowId xmlns:a16="http://schemas.microsoft.com/office/drawing/2014/main" val="10000"/>
+                  </a:ext>
+                </a:extLst>
+              </a:tr>
+              <a:tr h="0">
+                <a:tc>
+                  <a:txBody>
+                    <a:bodyPr/>
+                    <a:lstStyle/>
+                    <a:p>
+                      <a:pPr marL="0" marR="0" lvl="0" indent="0" algn="l" defTabSz="914400" rtl="0" eaLnBrk="1" fontAlgn="base" latinLnBrk="0" hangingPunct="1">
+                        <a:lnSpc>
+                          <a:spcPct val="100000"/>
+                        </a:lnSpc>
+                        <a:spcBef>
+                          <a:spcPct val="0"/>
+                        </a:spcBef>
+                        <a:spcAft>
+                          <a:spcPct val="0"/>
+                        </a:spcAft>
+                        <a:buClrTx/>
+                        <a:buSzTx/>
+                        <a:buFontTx/>
+                        <a:buNone/>
+                        <a:tabLst/>
+                      </a:pPr>
+                      <a:r>
+                        <a:rPr kumimoji="0" lang="ru-RU" sz="1000" b="0" i="0" u="none" strike="noStrike" cap="none" normalizeH="0" baseline="0">
+                          <a:ln>
+                            <a:noFill/>
+                          </a:ln>
+                          <a:solidFill>
+                            <a:schemeClr val="tx1"/>
+                          </a:solidFill>
+                          <a:effectLst/>
+                          <a:latin typeface="Times New Roman" pitchFamily="18" charset="0"/>
+                          <a:cs typeface="Times New Roman" pitchFamily="18" charset="0"/>
+                        </a:rPr>
+                        <a:t>Утвердил</a:t>
+                      </a:r>
+                      <a:endParaRPr kumimoji="0" lang="ru-RU" sz="1000" b="0" i="0" u="none" strike="noStrike" cap="none" normalizeH="0" baseline="0">
+                        <a:ln>
+                          <a:noFill/>
+                        </a:ln>
+                        <a:solidFill>
+                          <a:schemeClr val="tx1"/>
+                        </a:solidFill>
+                        <a:effectLst/>
+                        <a:latin typeface="Arial" charset="0"/>
+                      </a:endParaRPr>
+                    </a:p>
+                  </a:txBody>
+                  <a:tcPr marL="71962" marR="71962" marT="17991" marB="35979" horzOverflow="overflow">
+                    <a:lnL w="12700" cap="flat" cmpd="sng" algn="ctr">
+                      <a:solidFill>
+                        <a:srgbClr val="000000"/>
+                      </a:solidFill>
+                      <a:prstDash val="solid"/>
+                      <a:round/>
+                      <a:headEnd type="none" w="med" len="med"/>
+                      <a:tailEnd type="none" w="med" len="med"/>
+                    </a:lnL>
+                    <a:lnR w="12700" cap="flat" cmpd="sng" algn="ctr">
+                      <a:solidFill>
+                        <a:srgbClr val="000000"/>
+                      </a:solidFill>
+                      <a:prstDash val="solid"/>
+                      <a:round/>
+                      <a:headEnd type="none" w="med" len="med"/>
+                      <a:tailEnd type="none" w="med" len="med"/>
+                    </a:lnR>
+                    <a:lnT w="12700" cap="flat" cmpd="sng" algn="ctr">
+                      <a:solidFill>
+                        <a:srgbClr val="000000"/>
+                      </a:solidFill>
+                      <a:prstDash val="solid"/>
+                      <a:round/>
+                      <a:headEnd type="none" w="med" len="med"/>
+                      <a:tailEnd type="none" w="med" len="med"/>
+                    </a:lnT>
+                    <a:lnB w="12700" cap="flat" cmpd="sng" algn="ctr">
+                      <a:solidFill>
+                        <a:srgbClr val="000000"/>
+                      </a:solidFill>
+                      <a:prstDash val="solid"/>
+                      <a:round/>
+                      <a:headEnd type="none" w="med" len="med"/>
+                      <a:tailEnd type="none" w="med" len="med"/>
+                    </a:lnB>
+                    <a:lnTlToBr>
+                      <a:noFill/>
+                    </a:lnTlToBr>
+                    <a:lnBlToTr>
+                      <a:noFill/>
+                    </a:lnBlToTr>
+                    <a:noFill/>
+                  </a:tcPr>
+                </a:tc>
+                <a:tc>
+                  <a:txBody>
+                    <a:bodyPr/>
+                    <a:lstStyle/>
+                    <a:p>
+                      <a:pPr marL="0" marR="0" lvl="0" indent="0" algn="l" defTabSz="914400" rtl="0" eaLnBrk="1" fontAlgn="base" latinLnBrk="0" hangingPunct="1">
+                        <a:lnSpc>
+                          <a:spcPct val="100000"/>
+                        </a:lnSpc>
+                        <a:spcBef>
+                          <a:spcPct val="0"/>
+                        </a:spcBef>
+                        <a:spcAft>
+                          <a:spcPct val="0"/>
+                        </a:spcAft>
+                        <a:buClrTx/>
+                        <a:buSzTx/>
+                        <a:buFontTx/>
+                        <a:buNone/>
+                        <a:tabLst/>
+                      </a:pPr>
+                      <a:r>
+                        <a:rPr kumimoji="0" lang="ru-RU" sz="1000" b="0" i="0" u="none" strike="noStrike" cap="none" normalizeH="0" baseline="0" dirty="0">
+                          <a:ln>
+                            <a:noFill/>
+                          </a:ln>
+                          <a:solidFill>
+                            <a:schemeClr val="tx1"/>
+                          </a:solidFill>
+                          <a:effectLst/>
+                          <a:latin typeface="Times New Roman" pitchFamily="18" charset="0"/>
+                          <a:cs typeface="Times New Roman" pitchFamily="18" charset="0"/>
+                        </a:rPr>
+                        <a:t>Гагарина Л.Г.</a:t>
+                      </a:r>
+                    </a:p>
+                  </a:txBody>
+                  <a:tcPr marL="71962" marR="71962" marT="17991" marB="35979" horzOverflow="overflow">
+                    <a:lnL w="12700" cap="flat" cmpd="sng" algn="ctr">
+                      <a:solidFill>
+                        <a:srgbClr val="000000"/>
+                      </a:solidFill>
+                      <a:prstDash val="solid"/>
+                      <a:round/>
+                      <a:headEnd type="none" w="med" len="med"/>
+                      <a:tailEnd type="none" w="med" len="med"/>
+                    </a:lnL>
+                    <a:lnR w="12700" cap="flat" cmpd="sng" algn="ctr">
+                      <a:solidFill>
+                        <a:srgbClr val="000000"/>
+                      </a:solidFill>
+                      <a:prstDash val="solid"/>
+                      <a:round/>
+                      <a:headEnd type="none" w="med" len="med"/>
+                      <a:tailEnd type="none" w="med" len="med"/>
+                    </a:lnR>
+                    <a:lnT w="12700" cap="flat" cmpd="sng" algn="ctr">
+                      <a:solidFill>
+                        <a:srgbClr val="000000"/>
+                      </a:solidFill>
+                      <a:prstDash val="solid"/>
+                      <a:round/>
+                      <a:headEnd type="none" w="med" len="med"/>
+                      <a:tailEnd type="none" w="med" len="med"/>
+                    </a:lnT>
+                    <a:lnB w="12700" cap="flat" cmpd="sng" algn="ctr">
+                      <a:solidFill>
+                        <a:srgbClr val="000000"/>
+                      </a:solidFill>
+                      <a:prstDash val="solid"/>
+                      <a:round/>
+                      <a:headEnd type="none" w="med" len="med"/>
+                      <a:tailEnd type="none" w="med" len="med"/>
+                    </a:lnB>
+                    <a:lnTlToBr>
+                      <a:noFill/>
+                    </a:lnTlToBr>
+                    <a:lnBlToTr>
+                      <a:noFill/>
+                    </a:lnBlToTr>
+                    <a:noFill/>
+                  </a:tcPr>
+                </a:tc>
+                <a:tc>
+                  <a:txBody>
+                    <a:bodyPr/>
+                    <a:lstStyle/>
+                    <a:p>
+                      <a:pPr marL="0" marR="0" lvl="0" indent="0" algn="l" defTabSz="914400" rtl="0" eaLnBrk="1" fontAlgn="base" latinLnBrk="0" hangingPunct="1">
+                        <a:lnSpc>
+                          <a:spcPct val="100000"/>
+                        </a:lnSpc>
+                        <a:spcBef>
+                          <a:spcPct val="20000"/>
+                        </a:spcBef>
+                        <a:spcAft>
+                          <a:spcPct val="0"/>
+                        </a:spcAft>
+                        <a:buClrTx/>
+                        <a:buSzTx/>
+                        <a:buFontTx/>
+                        <a:buNone/>
+                        <a:tabLst/>
+                      </a:pPr>
+                      <a:endParaRPr kumimoji="0" lang="ru-RU" sz="1000" b="0" i="0" u="none" strike="noStrike" cap="none" normalizeH="0" baseline="0">
+                        <a:ln>
+                          <a:noFill/>
+                        </a:ln>
+                        <a:solidFill>
+                          <a:schemeClr val="tx1"/>
+                        </a:solidFill>
+                        <a:effectLst/>
+                        <a:latin typeface="Arial" charset="0"/>
+                      </a:endParaRPr>
+                    </a:p>
+                  </a:txBody>
+                  <a:tcPr marL="71962" marR="71962" marT="17991" marB="35979" horzOverflow="overflow">
+                    <a:lnL w="12700" cap="flat" cmpd="sng" algn="ctr">
+                      <a:solidFill>
+                        <a:srgbClr val="000000"/>
+                      </a:solidFill>
+                      <a:prstDash val="solid"/>
+                      <a:round/>
+                      <a:headEnd type="none" w="med" len="med"/>
+                      <a:tailEnd type="none" w="med" len="med"/>
+                    </a:lnL>
+                    <a:lnR w="12700" cap="flat" cmpd="sng" algn="ctr">
+                      <a:solidFill>
+                        <a:srgbClr val="000000"/>
+                      </a:solidFill>
+                      <a:prstDash val="solid"/>
+                      <a:round/>
+                      <a:headEnd type="none" w="med" len="med"/>
+                      <a:tailEnd type="none" w="med" len="med"/>
+                    </a:lnR>
+                    <a:lnT w="12700" cap="flat" cmpd="sng" algn="ctr">
+                      <a:solidFill>
+                        <a:srgbClr val="000000"/>
+                      </a:solidFill>
+                      <a:prstDash val="solid"/>
+                      <a:round/>
+                      <a:headEnd type="none" w="med" len="med"/>
+                      <a:tailEnd type="none" w="med" len="med"/>
+                    </a:lnT>
+                    <a:lnB w="12700" cap="flat" cmpd="sng" algn="ctr">
+                      <a:solidFill>
+                        <a:srgbClr val="000000"/>
+                      </a:solidFill>
+                      <a:prstDash val="solid"/>
+                      <a:round/>
+                      <a:headEnd type="none" w="med" len="med"/>
+                      <a:tailEnd type="none" w="med" len="med"/>
+                    </a:lnB>
+                    <a:lnTlToBr>
+                      <a:noFill/>
+                    </a:lnTlToBr>
+                    <a:lnBlToTr>
+                      <a:noFill/>
+                    </a:lnBlToTr>
+                    <a:noFill/>
+                  </a:tcPr>
+                </a:tc>
+                <a:tc>
+                  <a:txBody>
+                    <a:bodyPr/>
+                    <a:lstStyle/>
+                    <a:p>
+                      <a:pPr marL="0" marR="0" lvl="0" indent="0" algn="l" defTabSz="914400" rtl="0" eaLnBrk="1" fontAlgn="base" latinLnBrk="0" hangingPunct="1">
+                        <a:lnSpc>
+                          <a:spcPct val="100000"/>
+                        </a:lnSpc>
+                        <a:spcBef>
+                          <a:spcPct val="20000"/>
+                        </a:spcBef>
+                        <a:spcAft>
+                          <a:spcPct val="0"/>
+                        </a:spcAft>
+                        <a:buClrTx/>
+                        <a:buSzTx/>
+                        <a:buFontTx/>
+                        <a:buNone/>
+                        <a:tabLst/>
+                      </a:pPr>
+                      <a:endParaRPr kumimoji="0" lang="ru-RU" sz="1000" b="0" i="0" u="none" strike="noStrike" cap="none" normalizeH="0" baseline="0" dirty="0">
+                        <a:ln>
+                          <a:noFill/>
+                        </a:ln>
+                        <a:solidFill>
+                          <a:schemeClr val="tx1"/>
+                        </a:solidFill>
+                        <a:effectLst/>
+                        <a:latin typeface="Arial" charset="0"/>
+                      </a:endParaRPr>
+                    </a:p>
+                  </a:txBody>
+                  <a:tcPr marL="71962" marR="71962" marT="17991" marB="35979" horzOverflow="overflow">
+                    <a:lnL w="12700" cap="flat" cmpd="sng" algn="ctr">
+                      <a:solidFill>
+                        <a:srgbClr val="000000"/>
+                      </a:solidFill>
+                      <a:prstDash val="solid"/>
+                      <a:round/>
+                      <a:headEnd type="none" w="med" len="med"/>
+                      <a:tailEnd type="none" w="med" len="med"/>
+                    </a:lnL>
+                    <a:lnR w="12700" cap="flat" cmpd="sng" algn="ctr">
+                      <a:solidFill>
+                        <a:srgbClr val="000000"/>
+                      </a:solidFill>
+                      <a:prstDash val="solid"/>
+                      <a:round/>
+                      <a:headEnd type="none" w="med" len="med"/>
+                      <a:tailEnd type="none" w="med" len="med"/>
+                    </a:lnR>
+                    <a:lnT w="12700" cap="flat" cmpd="sng" algn="ctr">
+                      <a:solidFill>
+                        <a:srgbClr val="000000"/>
+                      </a:solidFill>
+                      <a:prstDash val="solid"/>
+                      <a:round/>
+                      <a:headEnd type="none" w="med" len="med"/>
+                      <a:tailEnd type="none" w="med" len="med"/>
+                    </a:lnT>
+                    <a:lnB w="12700" cap="flat" cmpd="sng" algn="ctr">
+                      <a:solidFill>
+                        <a:srgbClr val="000000"/>
+                      </a:solidFill>
+                      <a:prstDash val="solid"/>
+                      <a:round/>
+                      <a:headEnd type="none" w="med" len="med"/>
+                      <a:tailEnd type="none" w="med" len="med"/>
+                    </a:lnB>
+                    <a:lnTlToBr>
+                      <a:noFill/>
+                    </a:lnTlToBr>
+                    <a:lnBlToTr>
+                      <a:noFill/>
+                    </a:lnBlToTr>
+                    <a:noFill/>
+                  </a:tcPr>
+                </a:tc>
+                <a:extLst>
+                  <a:ext uri="{0D108BD9-81ED-4DB2-BD59-A6C34878D82A}">
+                    <a16:rowId xmlns:a16="http://schemas.microsoft.com/office/drawing/2014/main" val="10001"/>
+                  </a:ext>
+                </a:extLst>
+              </a:tr>
+            </a:tbl>
+          </a:graphicData>
+        </a:graphic>
+      </p:graphicFrame>
+      <p:sp>
+        <p:nvSpPr>
+          <p:cNvPr id="15" name="Rectangle 25">
+            <a:extLst>
+              <a:ext uri="{FF2B5EF4-FFF2-40B4-BE49-F238E27FC236}">
+                <a16:creationId xmlns:a16="http://schemas.microsoft.com/office/drawing/2014/main" id="{0C1E0212-5564-DCF5-DA13-04B43B87A5CD}"/>
+              </a:ext>
+            </a:extLst>
+          </p:cNvPr>
+          <p:cNvSpPr>
+            <a:spLocks noChangeArrowheads="1"/>
+          </p:cNvSpPr>
+          <p:nvPr/>
+        </p:nvSpPr>
+        <p:spPr bwMode="auto">
+          <a:xfrm>
+            <a:off x="416563" y="762673"/>
+            <a:ext cx="3978308" cy="2031325"/>
+          </a:xfrm>
+          <a:prstGeom prst="rect">
+            <a:avLst/>
+          </a:prstGeom>
+          <a:noFill/>
+          <a:ln w="9525">
+            <a:noFill/>
+            <a:miter lim="800000"/>
+            <a:headEnd/>
+            <a:tailEnd/>
+          </a:ln>
+        </p:spPr>
+        <p:txBody>
+          <a:bodyPr wrap="square" anchor="ctr">
+            <a:spAutoFit/>
+          </a:bodyPr>
+          <a:lstStyle/>
+          <a:p>
+            <a:pPr algn="ctr">
+              <a:tabLst>
+                <a:tab pos="457200" algn="l"/>
+              </a:tabLst>
+            </a:pPr>
+            <a:r>
+              <a:rPr lang="ru-RU" dirty="0"/>
+              <a:t>Отладка</a:t>
+            </a:r>
+          </a:p>
+          <a:p>
+            <a:pPr marL="266700" indent="-266700">
+              <a:buFontTx/>
+              <a:buChar char="•"/>
+              <a:tabLst>
+                <a:tab pos="457200" algn="l"/>
+              </a:tabLst>
+            </a:pPr>
+            <a:r>
+              <a:rPr lang="ru-RU" dirty="0"/>
+              <a:t>с использованием статического анализатора кода проведён обзор существующих аналогов;</a:t>
+            </a:r>
+          </a:p>
+          <a:p>
+            <a:pPr marL="266700" indent="-266700">
+              <a:buFontTx/>
+              <a:buChar char="•"/>
+              <a:tabLst>
+                <a:tab pos="457200" algn="l"/>
+              </a:tabLst>
+            </a:pPr>
+            <a:r>
+              <a:rPr lang="ru-RU" dirty="0"/>
+              <a:t>с использованием логгера;</a:t>
+            </a:r>
+          </a:p>
+          <a:p>
+            <a:pPr marL="266700" indent="-266700">
+              <a:buFontTx/>
+              <a:buChar char="•"/>
+              <a:tabLst>
+                <a:tab pos="457200" algn="l"/>
+              </a:tabLst>
+            </a:pPr>
+            <a:r>
+              <a:rPr lang="ru-RU" dirty="0"/>
+              <a:t>с использованием встроенного отладчика.</a:t>
+            </a:r>
+          </a:p>
+        </p:txBody>
+      </p:sp>
+      <p:sp>
+        <p:nvSpPr>
+          <p:cNvPr id="16" name="Rectangle 25">
+            <a:extLst>
+              <a:ext uri="{FF2B5EF4-FFF2-40B4-BE49-F238E27FC236}">
+                <a16:creationId xmlns:a16="http://schemas.microsoft.com/office/drawing/2014/main" id="{B590B37D-127F-E0B9-F08D-CB0315026003}"/>
+              </a:ext>
+            </a:extLst>
+          </p:cNvPr>
+          <p:cNvSpPr>
+            <a:spLocks noChangeArrowheads="1"/>
+          </p:cNvSpPr>
+          <p:nvPr/>
+        </p:nvSpPr>
+        <p:spPr bwMode="auto">
+          <a:xfrm>
+            <a:off x="4697731" y="762673"/>
+            <a:ext cx="3902819" cy="1477328"/>
+          </a:xfrm>
+          <a:prstGeom prst="rect">
+            <a:avLst/>
+          </a:prstGeom>
+          <a:noFill/>
+          <a:ln w="9525">
+            <a:noFill/>
+            <a:miter lim="800000"/>
+            <a:headEnd/>
+            <a:tailEnd/>
+          </a:ln>
+        </p:spPr>
+        <p:txBody>
+          <a:bodyPr wrap="square" anchor="ctr">
+            <a:spAutoFit/>
+          </a:bodyPr>
+          <a:lstStyle/>
+          <a:p>
+            <a:pPr algn="ctr">
+              <a:tabLst>
+                <a:tab pos="457200" algn="l"/>
+              </a:tabLst>
+            </a:pPr>
+            <a:r>
+              <a:rPr lang="ru-RU" dirty="0"/>
+              <a:t>Тестирование</a:t>
+            </a:r>
+          </a:p>
+          <a:p>
+            <a:pPr marL="266700" indent="-266700">
+              <a:buFontTx/>
+              <a:buChar char="•"/>
+              <a:tabLst>
+                <a:tab pos="457200" algn="l"/>
+              </a:tabLst>
+            </a:pPr>
+            <a:r>
+              <a:rPr lang="ru-RU" dirty="0"/>
+              <a:t>модульное тестирование методом «белого ящика»;</a:t>
+            </a:r>
+          </a:p>
+          <a:p>
+            <a:pPr marL="266700" indent="-266700">
+              <a:buFontTx/>
+              <a:buChar char="•"/>
+              <a:tabLst>
+                <a:tab pos="457200" algn="l"/>
+              </a:tabLst>
+            </a:pPr>
+            <a:r>
+              <a:rPr lang="ru-RU" dirty="0"/>
+              <a:t>интеграционное тестирование методом «черного ящика».</a:t>
+            </a:r>
+          </a:p>
+        </p:txBody>
+      </p:sp>
+      <p:pic>
+        <p:nvPicPr>
+          <p:cNvPr id="4" name="Рисунок 3">
+            <a:extLst>
+              <a:ext uri="{FF2B5EF4-FFF2-40B4-BE49-F238E27FC236}">
+                <a16:creationId xmlns:a16="http://schemas.microsoft.com/office/drawing/2014/main" id="{8D1B9CF8-FDA2-7D2F-5D8F-92F180DBB3C1}"/>
+              </a:ext>
+            </a:extLst>
+          </p:cNvPr>
+          <p:cNvPicPr>
+            <a:picLocks noChangeAspect="1"/>
+          </p:cNvPicPr>
+          <p:nvPr/>
+        </p:nvPicPr>
+        <p:blipFill>
+          <a:blip r:embed="rId2"/>
+          <a:stretch>
+            <a:fillRect/>
+          </a:stretch>
+        </p:blipFill>
+        <p:spPr>
+          <a:xfrm>
+            <a:off x="4697730" y="2898619"/>
+            <a:ext cx="3686114" cy="2474595"/>
+          </a:xfrm>
+          <a:prstGeom prst="rect">
+            <a:avLst/>
+          </a:prstGeom>
+        </p:spPr>
+      </p:pic>
+      <p:pic>
+        <p:nvPicPr>
+          <p:cNvPr id="19" name="Рисунок 18">
+            <a:extLst>
+              <a:ext uri="{FF2B5EF4-FFF2-40B4-BE49-F238E27FC236}">
+                <a16:creationId xmlns:a16="http://schemas.microsoft.com/office/drawing/2014/main" id="{7D7A6721-C286-37A2-ED80-76D860F4E1CC}"/>
+              </a:ext>
+            </a:extLst>
+          </p:cNvPr>
+          <p:cNvPicPr>
+            <a:picLocks noChangeAspect="1"/>
+          </p:cNvPicPr>
+          <p:nvPr/>
+        </p:nvPicPr>
+        <p:blipFill>
+          <a:blip r:embed="rId3"/>
+          <a:stretch>
+            <a:fillRect/>
+          </a:stretch>
+        </p:blipFill>
+        <p:spPr>
+          <a:xfrm>
+            <a:off x="496531" y="2901111"/>
+            <a:ext cx="3898345" cy="564739"/>
+          </a:xfrm>
+          <a:prstGeom prst="rect">
+            <a:avLst/>
+          </a:prstGeom>
+        </p:spPr>
+      </p:pic>
+      <p:pic>
+        <p:nvPicPr>
+          <p:cNvPr id="21" name="Рисунок 20">
+            <a:extLst>
+              <a:ext uri="{FF2B5EF4-FFF2-40B4-BE49-F238E27FC236}">
+                <a16:creationId xmlns:a16="http://schemas.microsoft.com/office/drawing/2014/main" id="{FCC5121E-C2CC-7475-05A1-A2D8E83A7178}"/>
+              </a:ext>
+            </a:extLst>
+          </p:cNvPr>
+          <p:cNvPicPr>
+            <a:picLocks noChangeAspect="1"/>
+          </p:cNvPicPr>
+          <p:nvPr/>
+        </p:nvPicPr>
+        <p:blipFill rotWithShape="1">
+          <a:blip r:embed="rId4"/>
+          <a:srcRect b="9138"/>
+          <a:stretch/>
+        </p:blipFill>
+        <p:spPr>
+          <a:xfrm>
+            <a:off x="496531" y="3658195"/>
+            <a:ext cx="3898344" cy="1715019"/>
+          </a:xfrm>
+          <a:prstGeom prst="rect">
+            <a:avLst/>
+          </a:prstGeom>
+        </p:spPr>
+      </p:pic>
+    </p:spTree>
+  </p:cSld>
+  <p:clrMapOvr>
+    <a:masterClrMapping/>
+  </p:clrMapOvr>
+</p:sld>
+</file>
+
+<file path=ppt/slides/slide12.xml><?xml version="1.0" encoding="utf-8"?>
+<p:sld xmlns:a="http://schemas.openxmlformats.org/drawingml/2006/main" xmlns:r="http://schemas.openxmlformats.org/officeDocument/2006/relationships" xmlns:p="http://schemas.openxmlformats.org/presentationml/2006/main">
+  <p:cSld>
+    <p:spTree>
+      <p:nvGrpSpPr>
+        <p:cNvPr id="1" name=""/>
+        <p:cNvGrpSpPr/>
+        <p:nvPr/>
+      </p:nvGrpSpPr>
+      <p:grpSpPr>
+        <a:xfrm>
+          <a:off x="0" y="0"/>
+          <a:ext cx="0" cy="0"/>
+          <a:chOff x="0" y="0"/>
+          <a:chExt cx="0" cy="0"/>
+        </a:xfrm>
+      </p:grpSpPr>
+      <p:sp>
+        <p:nvSpPr>
           <p:cNvPr id="4" name="Line 137"/>
           <p:cNvSpPr>
             <a:spLocks noChangeShapeType="1"/>
@@ -6454,7 +8902,7 @@
 </p:sld>
 </file>
 
-<file path=ppt/slides/slide11.xml><?xml version="1.0" encoding="utf-8"?>
+<file path=ppt/slides/slide13.xml><?xml version="1.0" encoding="utf-8"?>
 <p:sld xmlns:a="http://schemas.openxmlformats.org/drawingml/2006/main" xmlns:r="http://schemas.openxmlformats.org/officeDocument/2006/relationships" xmlns:p="http://schemas.openxmlformats.org/presentationml/2006/main">
   <p:cSld>
     <p:spTree>
@@ -13068,14 +15516,14 @@
           <p:nvPr>
             <p:extLst>
               <p:ext uri="{D42A27DB-BD31-4B8C-83A1-F6EECF244321}">
-                <p14:modId xmlns:p14="http://schemas.microsoft.com/office/powerpoint/2010/main" val="1186117010"/>
+                <p14:modId xmlns:p14="http://schemas.microsoft.com/office/powerpoint/2010/main" val="990020509"/>
               </p:ext>
             </p:extLst>
           </p:nvPr>
         </p:nvGraphicFramePr>
         <p:xfrm>
           <a:off x="467544" y="764704"/>
-          <a:ext cx="8280918" cy="3596640"/>
+          <a:ext cx="8280918" cy="5852160"/>
         </p:xfrm>
         <a:graphic>
           <a:graphicData uri="http://schemas.openxmlformats.org/drawingml/2006/table">
@@ -13730,6 +16178,766 @@
                 <a:extLst>
                   <a:ext uri="{0D108BD9-81ED-4DB2-BD59-A6C34878D82A}">
                     <a16:rowId xmlns:a16="http://schemas.microsoft.com/office/drawing/2014/main" val="10001"/>
+                  </a:ext>
+                </a:extLst>
+              </a:tr>
+              <a:tr h="216024">
+                <a:tc>
+                  <a:txBody>
+                    <a:bodyPr/>
+                    <a:lstStyle/>
+                    <a:p>
+                      <a:pPr algn="l"/>
+                      <a:r>
+                        <a:rPr lang="ru-RU" sz="1600" dirty="0"/>
+                        <a:t>Поддержка </a:t>
+                      </a:r>
+                      <a:r>
+                        <a:rPr lang="en-US" sz="1600" dirty="0"/>
+                        <a:t>ORM</a:t>
+                      </a:r>
+                      <a:endParaRPr lang="ru-RU" sz="1600" dirty="0"/>
+                    </a:p>
+                  </a:txBody>
+                  <a:tcPr anchor="ctr" horzOverflow="overflow"/>
+                </a:tc>
+                <a:tc>
+                  <a:txBody>
+                    <a:bodyPr/>
+                    <a:lstStyle/>
+                    <a:p>
+                      <a:pPr algn="l"/>
+                      <a:r>
+                        <a:rPr lang="ru-RU" sz="1600" dirty="0"/>
+                        <a:t>Да</a:t>
+                      </a:r>
+                    </a:p>
+                  </a:txBody>
+                  <a:tcPr anchor="ctr" horzOverflow="overflow"/>
+                </a:tc>
+                <a:tc>
+                  <a:txBody>
+                    <a:bodyPr/>
+                    <a:lstStyle/>
+                    <a:p>
+                      <a:pPr marL="342900" marR="0" lvl="0" indent="-342900" algn="l" defTabSz="914400" rtl="0" eaLnBrk="1" fontAlgn="base" latinLnBrk="0" hangingPunct="1">
+                        <a:lnSpc>
+                          <a:spcPct val="100000"/>
+                        </a:lnSpc>
+                        <a:spcBef>
+                          <a:spcPct val="0"/>
+                        </a:spcBef>
+                        <a:spcAft>
+                          <a:spcPct val="0"/>
+                        </a:spcAft>
+                        <a:buClrTx/>
+                        <a:buSzTx/>
+                        <a:buFontTx/>
+                        <a:buNone/>
+                        <a:tabLst/>
+                      </a:pPr>
+                      <a:r>
+                        <a:rPr kumimoji="0" lang="ru-RU" sz="1600" b="1" u="none" strike="noStrike" kern="1200" cap="none" normalizeH="0" baseline="0" dirty="0">
+                          <a:ln>
+                            <a:noFill/>
+                          </a:ln>
+                          <a:solidFill>
+                            <a:schemeClr val="bg1"/>
+                          </a:solidFill>
+                          <a:effectLst/>
+                          <a:latin typeface="+mn-lt"/>
+                          <a:ea typeface="+mn-ea"/>
+                          <a:cs typeface="+mn-cs"/>
+                        </a:rPr>
+                        <a:t>Да</a:t>
+                      </a:r>
+                    </a:p>
+                  </a:txBody>
+                  <a:tcPr anchor="ctr" horzOverflow="overflow">
+                    <a:solidFill>
+                      <a:srgbClr val="0070C0"/>
+                    </a:solidFill>
+                  </a:tcPr>
+                </a:tc>
+                <a:tc>
+                  <a:txBody>
+                    <a:bodyPr/>
+                    <a:lstStyle/>
+                    <a:p>
+                      <a:pPr algn="l"/>
+                      <a:r>
+                        <a:rPr lang="ru-RU" sz="1600" dirty="0"/>
+                        <a:t>Да</a:t>
+                      </a:r>
+                    </a:p>
+                  </a:txBody>
+                  <a:tcPr anchor="ctr" horzOverflow="overflow"/>
+                </a:tc>
+                <a:tc>
+                  <a:txBody>
+                    <a:bodyPr/>
+                    <a:lstStyle/>
+                    <a:p>
+                      <a:pPr algn="l"/>
+                      <a:r>
+                        <a:rPr lang="ru-RU" sz="1600" dirty="0"/>
+                        <a:t>Да</a:t>
+                      </a:r>
+                    </a:p>
+                  </a:txBody>
+                  <a:tcPr anchor="ctr" horzOverflow="overflow"/>
+                </a:tc>
+                <a:tc>
+                  <a:txBody>
+                    <a:bodyPr/>
+                    <a:lstStyle/>
+                    <a:p>
+                      <a:pPr algn="l"/>
+                      <a:r>
+                        <a:rPr lang="ru-RU" sz="1600" dirty="0"/>
+                        <a:t>Да</a:t>
+                      </a:r>
+                    </a:p>
+                  </a:txBody>
+                  <a:tcPr anchor="ctr" horzOverflow="overflow"/>
+                </a:tc>
+                <a:tc>
+                  <a:txBody>
+                    <a:bodyPr/>
+                    <a:lstStyle/>
+                    <a:p>
+                      <a:pPr algn="l"/>
+                      <a:r>
+                        <a:rPr lang="ru-RU" sz="1600" dirty="0"/>
+                        <a:t>Да</a:t>
+                      </a:r>
+                    </a:p>
+                  </a:txBody>
+                  <a:tcPr anchor="ctr" horzOverflow="overflow"/>
+                </a:tc>
+                <a:extLst>
+                  <a:ext uri="{0D108BD9-81ED-4DB2-BD59-A6C34878D82A}">
+                    <a16:rowId xmlns:a16="http://schemas.microsoft.com/office/drawing/2014/main" val="2244307194"/>
+                  </a:ext>
+                </a:extLst>
+              </a:tr>
+              <a:tr h="216024">
+                <a:tc>
+                  <a:txBody>
+                    <a:bodyPr/>
+                    <a:lstStyle/>
+                    <a:p>
+                      <a:pPr algn="l"/>
+                      <a:r>
+                        <a:rPr lang="ru-RU" sz="1600" dirty="0"/>
+                        <a:t>Работа с </a:t>
+                      </a:r>
+                      <a:r>
+                        <a:rPr lang="en-US" sz="1600" dirty="0"/>
+                        <a:t>SQL-</a:t>
+                      </a:r>
+                      <a:r>
+                        <a:rPr lang="ru-RU" sz="1600" dirty="0"/>
+                        <a:t>запросами</a:t>
+                      </a:r>
+                    </a:p>
+                  </a:txBody>
+                  <a:tcPr anchor="ctr" horzOverflow="overflow"/>
+                </a:tc>
+                <a:tc>
+                  <a:txBody>
+                    <a:bodyPr/>
+                    <a:lstStyle/>
+                    <a:p>
+                      <a:pPr algn="l"/>
+                      <a:r>
+                        <a:rPr lang="ru-RU" sz="1600" dirty="0"/>
+                        <a:t>Да</a:t>
+                      </a:r>
+                    </a:p>
+                  </a:txBody>
+                  <a:tcPr anchor="ctr" horzOverflow="overflow"/>
+                </a:tc>
+                <a:tc>
+                  <a:txBody>
+                    <a:bodyPr/>
+                    <a:lstStyle/>
+                    <a:p>
+                      <a:pPr marL="342900" marR="0" lvl="0" indent="-342900" algn="l" defTabSz="914400" rtl="0" eaLnBrk="1" fontAlgn="base" latinLnBrk="0" hangingPunct="1">
+                        <a:lnSpc>
+                          <a:spcPct val="100000"/>
+                        </a:lnSpc>
+                        <a:spcBef>
+                          <a:spcPct val="0"/>
+                        </a:spcBef>
+                        <a:spcAft>
+                          <a:spcPct val="0"/>
+                        </a:spcAft>
+                        <a:buClrTx/>
+                        <a:buSzTx/>
+                        <a:buFontTx/>
+                        <a:buNone/>
+                        <a:tabLst/>
+                      </a:pPr>
+                      <a:r>
+                        <a:rPr kumimoji="0" lang="ru-RU" sz="1600" b="1" u="none" strike="noStrike" kern="1200" cap="none" normalizeH="0" baseline="0" dirty="0">
+                          <a:ln>
+                            <a:noFill/>
+                          </a:ln>
+                          <a:solidFill>
+                            <a:schemeClr val="bg1"/>
+                          </a:solidFill>
+                          <a:effectLst/>
+                          <a:latin typeface="+mn-lt"/>
+                          <a:ea typeface="+mn-ea"/>
+                          <a:cs typeface="+mn-cs"/>
+                        </a:rPr>
+                        <a:t>Да</a:t>
+                      </a:r>
+                    </a:p>
+                  </a:txBody>
+                  <a:tcPr anchor="ctr" horzOverflow="overflow">
+                    <a:solidFill>
+                      <a:srgbClr val="0070C0"/>
+                    </a:solidFill>
+                  </a:tcPr>
+                </a:tc>
+                <a:tc>
+                  <a:txBody>
+                    <a:bodyPr/>
+                    <a:lstStyle/>
+                    <a:p>
+                      <a:pPr algn="l"/>
+                      <a:r>
+                        <a:rPr lang="ru-RU" sz="1600" dirty="0"/>
+                        <a:t>Да</a:t>
+                      </a:r>
+                    </a:p>
+                  </a:txBody>
+                  <a:tcPr anchor="ctr" horzOverflow="overflow"/>
+                </a:tc>
+                <a:tc>
+                  <a:txBody>
+                    <a:bodyPr/>
+                    <a:lstStyle/>
+                    <a:p>
+                      <a:pPr algn="l"/>
+                      <a:r>
+                        <a:rPr lang="ru-RU" sz="1600" dirty="0"/>
+                        <a:t>Да</a:t>
+                      </a:r>
+                    </a:p>
+                  </a:txBody>
+                  <a:tcPr anchor="ctr" horzOverflow="overflow"/>
+                </a:tc>
+                <a:tc>
+                  <a:txBody>
+                    <a:bodyPr/>
+                    <a:lstStyle/>
+                    <a:p>
+                      <a:pPr algn="l"/>
+                      <a:r>
+                        <a:rPr lang="ru-RU" sz="1600" dirty="0"/>
+                        <a:t>Да</a:t>
+                      </a:r>
+                    </a:p>
+                  </a:txBody>
+                  <a:tcPr anchor="ctr" horzOverflow="overflow"/>
+                </a:tc>
+                <a:tc>
+                  <a:txBody>
+                    <a:bodyPr/>
+                    <a:lstStyle/>
+                    <a:p>
+                      <a:pPr algn="l"/>
+                      <a:r>
+                        <a:rPr lang="ru-RU" sz="1600" dirty="0"/>
+                        <a:t>Да</a:t>
+                      </a:r>
+                    </a:p>
+                  </a:txBody>
+                  <a:tcPr anchor="ctr" horzOverflow="overflow"/>
+                </a:tc>
+                <a:extLst>
+                  <a:ext uri="{0D108BD9-81ED-4DB2-BD59-A6C34878D82A}">
+                    <a16:rowId xmlns:a16="http://schemas.microsoft.com/office/drawing/2014/main" val="3809712579"/>
+                  </a:ext>
+                </a:extLst>
+              </a:tr>
+              <a:tr h="216024">
+                <a:tc>
+                  <a:txBody>
+                    <a:bodyPr/>
+                    <a:lstStyle/>
+                    <a:p>
+                      <a:pPr algn="l"/>
+                      <a:r>
+                        <a:rPr lang="ru-RU" sz="1600" dirty="0"/>
+                        <a:t>Рефлексия типов</a:t>
+                      </a:r>
+                    </a:p>
+                  </a:txBody>
+                  <a:tcPr anchor="ctr" horzOverflow="overflow"/>
+                </a:tc>
+                <a:tc>
+                  <a:txBody>
+                    <a:bodyPr/>
+                    <a:lstStyle/>
+                    <a:p>
+                      <a:pPr algn="l"/>
+                      <a:r>
+                        <a:rPr lang="ru-RU" sz="1600" dirty="0"/>
+                        <a:t>Да</a:t>
+                      </a:r>
+                    </a:p>
+                  </a:txBody>
+                  <a:tcPr anchor="ctr" horzOverflow="overflow"/>
+                </a:tc>
+                <a:tc>
+                  <a:txBody>
+                    <a:bodyPr/>
+                    <a:lstStyle/>
+                    <a:p>
+                      <a:pPr marL="342900" marR="0" lvl="0" indent="-342900" algn="l" defTabSz="914400" rtl="0" eaLnBrk="1" fontAlgn="base" latinLnBrk="0" hangingPunct="1">
+                        <a:lnSpc>
+                          <a:spcPct val="100000"/>
+                        </a:lnSpc>
+                        <a:spcBef>
+                          <a:spcPct val="0"/>
+                        </a:spcBef>
+                        <a:spcAft>
+                          <a:spcPct val="0"/>
+                        </a:spcAft>
+                        <a:buClrTx/>
+                        <a:buSzTx/>
+                        <a:buFontTx/>
+                        <a:buNone/>
+                        <a:tabLst/>
+                      </a:pPr>
+                      <a:r>
+                        <a:rPr kumimoji="0" lang="ru-RU" sz="1600" b="1" u="none" strike="noStrike" kern="1200" cap="none" normalizeH="0" baseline="0" dirty="0">
+                          <a:ln>
+                            <a:noFill/>
+                          </a:ln>
+                          <a:solidFill>
+                            <a:schemeClr val="bg1"/>
+                          </a:solidFill>
+                          <a:effectLst/>
+                          <a:latin typeface="+mn-lt"/>
+                          <a:ea typeface="+mn-ea"/>
+                          <a:cs typeface="+mn-cs"/>
+                        </a:rPr>
+                        <a:t>Да</a:t>
+                      </a:r>
+                    </a:p>
+                  </a:txBody>
+                  <a:tcPr anchor="ctr" horzOverflow="overflow">
+                    <a:solidFill>
+                      <a:srgbClr val="0070C0"/>
+                    </a:solidFill>
+                  </a:tcPr>
+                </a:tc>
+                <a:tc>
+                  <a:txBody>
+                    <a:bodyPr/>
+                    <a:lstStyle/>
+                    <a:p>
+                      <a:pPr algn="l"/>
+                      <a:r>
+                        <a:rPr lang="ru-RU" sz="1600" dirty="0"/>
+                        <a:t>Да</a:t>
+                      </a:r>
+                    </a:p>
+                  </a:txBody>
+                  <a:tcPr anchor="ctr" horzOverflow="overflow"/>
+                </a:tc>
+                <a:tc>
+                  <a:txBody>
+                    <a:bodyPr/>
+                    <a:lstStyle/>
+                    <a:p>
+                      <a:pPr algn="l"/>
+                      <a:r>
+                        <a:rPr lang="ru-RU" sz="1600" dirty="0"/>
+                        <a:t>Да</a:t>
+                      </a:r>
+                    </a:p>
+                  </a:txBody>
+                  <a:tcPr anchor="ctr" horzOverflow="overflow"/>
+                </a:tc>
+                <a:tc>
+                  <a:txBody>
+                    <a:bodyPr/>
+                    <a:lstStyle/>
+                    <a:p>
+                      <a:pPr algn="l"/>
+                      <a:r>
+                        <a:rPr lang="ru-RU" sz="1600" dirty="0"/>
+                        <a:t>Да</a:t>
+                      </a:r>
+                    </a:p>
+                  </a:txBody>
+                  <a:tcPr anchor="ctr" horzOverflow="overflow"/>
+                </a:tc>
+                <a:tc>
+                  <a:txBody>
+                    <a:bodyPr/>
+                    <a:lstStyle/>
+                    <a:p>
+                      <a:pPr algn="l"/>
+                      <a:r>
+                        <a:rPr lang="ru-RU" sz="1600" dirty="0"/>
+                        <a:t>Да</a:t>
+                      </a:r>
+                    </a:p>
+                  </a:txBody>
+                  <a:tcPr anchor="ctr" horzOverflow="overflow"/>
+                </a:tc>
+                <a:extLst>
+                  <a:ext uri="{0D108BD9-81ED-4DB2-BD59-A6C34878D82A}">
+                    <a16:rowId xmlns:a16="http://schemas.microsoft.com/office/drawing/2014/main" val="3137970904"/>
+                  </a:ext>
+                </a:extLst>
+              </a:tr>
+              <a:tr h="216024">
+                <a:tc>
+                  <a:txBody>
+                    <a:bodyPr/>
+                    <a:lstStyle/>
+                    <a:p>
+                      <a:pPr algn="l"/>
+                      <a:endParaRPr lang="ru-RU" sz="1600" dirty="0"/>
+                    </a:p>
+                  </a:txBody>
+                  <a:tcPr anchor="ctr" horzOverflow="overflow"/>
+                </a:tc>
+                <a:tc>
+                  <a:txBody>
+                    <a:bodyPr/>
+                    <a:lstStyle/>
+                    <a:p>
+                      <a:pPr algn="l"/>
+                      <a:endParaRPr lang="ru-RU" sz="1600" dirty="0"/>
+                    </a:p>
+                  </a:txBody>
+                  <a:tcPr anchor="ctr" horzOverflow="overflow"/>
+                </a:tc>
+                <a:tc>
+                  <a:txBody>
+                    <a:bodyPr/>
+                    <a:lstStyle/>
+                    <a:p>
+                      <a:pPr marL="342900" marR="0" lvl="0" indent="-342900" algn="l" defTabSz="914400" rtl="0" eaLnBrk="1" fontAlgn="base" latinLnBrk="0" hangingPunct="1">
+                        <a:lnSpc>
+                          <a:spcPct val="100000"/>
+                        </a:lnSpc>
+                        <a:spcBef>
+                          <a:spcPct val="0"/>
+                        </a:spcBef>
+                        <a:spcAft>
+                          <a:spcPct val="0"/>
+                        </a:spcAft>
+                        <a:buClrTx/>
+                        <a:buSzTx/>
+                        <a:buFontTx/>
+                        <a:buNone/>
+                        <a:tabLst/>
+                      </a:pPr>
+                      <a:endParaRPr kumimoji="0" lang="ru-RU" sz="1600" b="1" u="none" strike="noStrike" kern="1200" cap="none" normalizeH="0" baseline="0" dirty="0">
+                        <a:ln>
+                          <a:noFill/>
+                        </a:ln>
+                        <a:solidFill>
+                          <a:schemeClr val="bg1"/>
+                        </a:solidFill>
+                        <a:effectLst/>
+                        <a:latin typeface="+mn-lt"/>
+                        <a:ea typeface="+mn-ea"/>
+                        <a:cs typeface="+mn-cs"/>
+                      </a:endParaRPr>
+                    </a:p>
+                  </a:txBody>
+                  <a:tcPr anchor="ctr" horzOverflow="overflow">
+                    <a:solidFill>
+                      <a:srgbClr val="0070C0"/>
+                    </a:solidFill>
+                  </a:tcPr>
+                </a:tc>
+                <a:tc>
+                  <a:txBody>
+                    <a:bodyPr/>
+                    <a:lstStyle/>
+                    <a:p>
+                      <a:pPr algn="l"/>
+                      <a:endParaRPr lang="ru-RU" sz="1600" dirty="0"/>
+                    </a:p>
+                  </a:txBody>
+                  <a:tcPr anchor="ctr" horzOverflow="overflow"/>
+                </a:tc>
+                <a:tc>
+                  <a:txBody>
+                    <a:bodyPr/>
+                    <a:lstStyle/>
+                    <a:p>
+                      <a:pPr algn="l"/>
+                      <a:endParaRPr lang="ru-RU" sz="1600" dirty="0"/>
+                    </a:p>
+                  </a:txBody>
+                  <a:tcPr anchor="ctr" horzOverflow="overflow"/>
+                </a:tc>
+                <a:tc>
+                  <a:txBody>
+                    <a:bodyPr/>
+                    <a:lstStyle/>
+                    <a:p>
+                      <a:pPr algn="l"/>
+                      <a:endParaRPr lang="ru-RU" sz="1600" dirty="0"/>
+                    </a:p>
+                  </a:txBody>
+                  <a:tcPr anchor="ctr" horzOverflow="overflow"/>
+                </a:tc>
+                <a:tc>
+                  <a:txBody>
+                    <a:bodyPr/>
+                    <a:lstStyle/>
+                    <a:p>
+                      <a:pPr algn="l"/>
+                      <a:endParaRPr lang="ru-RU" sz="1600" dirty="0"/>
+                    </a:p>
+                  </a:txBody>
+                  <a:tcPr anchor="ctr" horzOverflow="overflow"/>
+                </a:tc>
+                <a:extLst>
+                  <a:ext uri="{0D108BD9-81ED-4DB2-BD59-A6C34878D82A}">
+                    <a16:rowId xmlns:a16="http://schemas.microsoft.com/office/drawing/2014/main" val="3411451414"/>
+                  </a:ext>
+                </a:extLst>
+              </a:tr>
+              <a:tr h="216024">
+                <a:tc>
+                  <a:txBody>
+                    <a:bodyPr/>
+                    <a:lstStyle/>
+                    <a:p>
+                      <a:pPr algn="l"/>
+                      <a:endParaRPr lang="ru-RU" sz="1600" dirty="0"/>
+                    </a:p>
+                  </a:txBody>
+                  <a:tcPr anchor="ctr" horzOverflow="overflow"/>
+                </a:tc>
+                <a:tc>
+                  <a:txBody>
+                    <a:bodyPr/>
+                    <a:lstStyle/>
+                    <a:p>
+                      <a:pPr algn="l"/>
+                      <a:endParaRPr lang="ru-RU" sz="1600" dirty="0"/>
+                    </a:p>
+                  </a:txBody>
+                  <a:tcPr anchor="ctr" horzOverflow="overflow"/>
+                </a:tc>
+                <a:tc>
+                  <a:txBody>
+                    <a:bodyPr/>
+                    <a:lstStyle/>
+                    <a:p>
+                      <a:pPr marL="342900" marR="0" lvl="0" indent="-342900" algn="l" defTabSz="914400" rtl="0" eaLnBrk="1" fontAlgn="base" latinLnBrk="0" hangingPunct="1">
+                        <a:lnSpc>
+                          <a:spcPct val="100000"/>
+                        </a:lnSpc>
+                        <a:spcBef>
+                          <a:spcPct val="0"/>
+                        </a:spcBef>
+                        <a:spcAft>
+                          <a:spcPct val="0"/>
+                        </a:spcAft>
+                        <a:buClrTx/>
+                        <a:buSzTx/>
+                        <a:buFontTx/>
+                        <a:buNone/>
+                        <a:tabLst/>
+                      </a:pPr>
+                      <a:endParaRPr kumimoji="0" lang="ru-RU" sz="1600" b="1" u="none" strike="noStrike" kern="1200" cap="none" normalizeH="0" baseline="0" dirty="0">
+                        <a:ln>
+                          <a:noFill/>
+                        </a:ln>
+                        <a:solidFill>
+                          <a:schemeClr val="bg1"/>
+                        </a:solidFill>
+                        <a:effectLst/>
+                        <a:latin typeface="+mn-lt"/>
+                        <a:ea typeface="+mn-ea"/>
+                        <a:cs typeface="+mn-cs"/>
+                      </a:endParaRPr>
+                    </a:p>
+                  </a:txBody>
+                  <a:tcPr anchor="ctr" horzOverflow="overflow">
+                    <a:solidFill>
+                      <a:srgbClr val="0070C0"/>
+                    </a:solidFill>
+                  </a:tcPr>
+                </a:tc>
+                <a:tc>
+                  <a:txBody>
+                    <a:bodyPr/>
+                    <a:lstStyle/>
+                    <a:p>
+                      <a:pPr algn="l"/>
+                      <a:endParaRPr lang="ru-RU" sz="1600" dirty="0"/>
+                    </a:p>
+                  </a:txBody>
+                  <a:tcPr anchor="ctr" horzOverflow="overflow"/>
+                </a:tc>
+                <a:tc>
+                  <a:txBody>
+                    <a:bodyPr/>
+                    <a:lstStyle/>
+                    <a:p>
+                      <a:pPr algn="l"/>
+                      <a:endParaRPr lang="ru-RU" sz="1600" dirty="0"/>
+                    </a:p>
+                  </a:txBody>
+                  <a:tcPr anchor="ctr" horzOverflow="overflow"/>
+                </a:tc>
+                <a:tc>
+                  <a:txBody>
+                    <a:bodyPr/>
+                    <a:lstStyle/>
+                    <a:p>
+                      <a:pPr algn="l"/>
+                      <a:endParaRPr lang="ru-RU" sz="1600" dirty="0"/>
+                    </a:p>
+                  </a:txBody>
+                  <a:tcPr anchor="ctr" horzOverflow="overflow"/>
+                </a:tc>
+                <a:tc>
+                  <a:txBody>
+                    <a:bodyPr/>
+                    <a:lstStyle/>
+                    <a:p>
+                      <a:pPr algn="l"/>
+                      <a:endParaRPr lang="ru-RU" sz="1600" dirty="0"/>
+                    </a:p>
+                  </a:txBody>
+                  <a:tcPr anchor="ctr" horzOverflow="overflow"/>
+                </a:tc>
+                <a:extLst>
+                  <a:ext uri="{0D108BD9-81ED-4DB2-BD59-A6C34878D82A}">
+                    <a16:rowId xmlns:a16="http://schemas.microsoft.com/office/drawing/2014/main" val="674740118"/>
+                  </a:ext>
+                </a:extLst>
+              </a:tr>
+              <a:tr h="216024">
+                <a:tc>
+                  <a:txBody>
+                    <a:bodyPr/>
+                    <a:lstStyle/>
+                    <a:p>
+                      <a:pPr algn="l"/>
+                      <a:endParaRPr lang="ru-RU" sz="1600" dirty="0"/>
+                    </a:p>
+                  </a:txBody>
+                  <a:tcPr anchor="ctr" horzOverflow="overflow"/>
+                </a:tc>
+                <a:tc>
+                  <a:txBody>
+                    <a:bodyPr/>
+                    <a:lstStyle/>
+                    <a:p>
+                      <a:pPr algn="l"/>
+                      <a:endParaRPr lang="ru-RU" sz="1600" dirty="0"/>
+                    </a:p>
+                  </a:txBody>
+                  <a:tcPr anchor="ctr" horzOverflow="overflow"/>
+                </a:tc>
+                <a:tc>
+                  <a:txBody>
+                    <a:bodyPr/>
+                    <a:lstStyle/>
+                    <a:p>
+                      <a:pPr marL="342900" marR="0" lvl="0" indent="-342900" algn="l" defTabSz="914400" rtl="0" eaLnBrk="1" fontAlgn="base" latinLnBrk="0" hangingPunct="1">
+                        <a:lnSpc>
+                          <a:spcPct val="100000"/>
+                        </a:lnSpc>
+                        <a:spcBef>
+                          <a:spcPct val="0"/>
+                        </a:spcBef>
+                        <a:spcAft>
+                          <a:spcPct val="0"/>
+                        </a:spcAft>
+                        <a:buClrTx/>
+                        <a:buSzTx/>
+                        <a:buFontTx/>
+                        <a:buNone/>
+                        <a:tabLst/>
+                      </a:pPr>
+                      <a:endParaRPr kumimoji="0" lang="ru-RU" sz="1600" b="1" u="none" strike="noStrike" kern="1200" cap="none" normalizeH="0" baseline="0" dirty="0">
+                        <a:ln>
+                          <a:noFill/>
+                        </a:ln>
+                        <a:solidFill>
+                          <a:schemeClr val="bg1"/>
+                        </a:solidFill>
+                        <a:effectLst/>
+                        <a:latin typeface="+mn-lt"/>
+                        <a:ea typeface="+mn-ea"/>
+                        <a:cs typeface="+mn-cs"/>
+                      </a:endParaRPr>
+                    </a:p>
+                  </a:txBody>
+                  <a:tcPr anchor="ctr" horzOverflow="overflow">
+                    <a:solidFill>
+                      <a:srgbClr val="0070C0"/>
+                    </a:solidFill>
+                  </a:tcPr>
+                </a:tc>
+                <a:tc>
+                  <a:txBody>
+                    <a:bodyPr/>
+                    <a:lstStyle/>
+                    <a:p>
+                      <a:pPr algn="l"/>
+                      <a:endParaRPr lang="ru-RU" sz="1600" dirty="0"/>
+                    </a:p>
+                  </a:txBody>
+                  <a:tcPr anchor="ctr" horzOverflow="overflow"/>
+                </a:tc>
+                <a:tc>
+                  <a:txBody>
+                    <a:bodyPr/>
+                    <a:lstStyle/>
+                    <a:p>
+                      <a:pPr algn="l"/>
+                      <a:endParaRPr lang="ru-RU" sz="1600" dirty="0"/>
+                    </a:p>
+                  </a:txBody>
+                  <a:tcPr anchor="ctr" horzOverflow="overflow"/>
+                </a:tc>
+                <a:tc>
+                  <a:txBody>
+                    <a:bodyPr/>
+                    <a:lstStyle/>
+                    <a:p>
+                      <a:pPr algn="l"/>
+                      <a:endParaRPr lang="ru-RU" sz="1600" dirty="0"/>
+                    </a:p>
+                  </a:txBody>
+                  <a:tcPr anchor="ctr" horzOverflow="overflow"/>
+                </a:tc>
+                <a:tc>
+                  <a:txBody>
+                    <a:bodyPr/>
+                    <a:lstStyle/>
+                    <a:p>
+                      <a:pPr algn="l"/>
+                      <a:endParaRPr lang="ru-RU" sz="1600" dirty="0"/>
+                    </a:p>
+                  </a:txBody>
+                  <a:tcPr anchor="ctr" horzOverflow="overflow"/>
+                </a:tc>
+                <a:extLst>
+                  <a:ext uri="{0D108BD9-81ED-4DB2-BD59-A6C34878D82A}">
+                    <a16:rowId xmlns:a16="http://schemas.microsoft.com/office/drawing/2014/main" val="4181441574"/>
                   </a:ext>
                 </a:extLst>
               </a:tr>
@@ -14842,6 +18050,2109 @@
 </file>
 
 <file path=ppt/slides/slide5.xml><?xml version="1.0" encoding="utf-8"?>
+<p:sld xmlns:a="http://schemas.openxmlformats.org/drawingml/2006/main" xmlns:r="http://schemas.openxmlformats.org/officeDocument/2006/relationships" xmlns:p="http://schemas.openxmlformats.org/presentationml/2006/main">
+  <p:cSld>
+    <p:spTree>
+      <p:nvGrpSpPr>
+        <p:cNvPr id="1" name=""/>
+        <p:cNvGrpSpPr/>
+        <p:nvPr/>
+      </p:nvGrpSpPr>
+      <p:grpSpPr>
+        <a:xfrm>
+          <a:off x="0" y="0"/>
+          <a:ext cx="0" cy="0"/>
+          <a:chOff x="0" y="0"/>
+          <a:chExt cx="0" cy="0"/>
+        </a:xfrm>
+      </p:grpSpPr>
+      <p:sp>
+        <p:nvSpPr>
+          <p:cNvPr id="3" name="Объект 2">
+            <a:extLst>
+              <a:ext uri="{FF2B5EF4-FFF2-40B4-BE49-F238E27FC236}">
+                <a16:creationId xmlns:a16="http://schemas.microsoft.com/office/drawing/2014/main" id="{860CFDCE-5EEB-AF4F-EE14-CBB28475884F}"/>
+              </a:ext>
+            </a:extLst>
+          </p:cNvPr>
+          <p:cNvSpPr>
+            <a:spLocks noGrp="1"/>
+          </p:cNvSpPr>
+          <p:nvPr>
+            <p:ph idx="1"/>
+          </p:nvPr>
+        </p:nvSpPr>
+        <p:spPr/>
+        <p:txBody>
+          <a:bodyPr/>
+          <a:lstStyle/>
+          <a:p>
+            <a:endParaRPr lang="ru-RU"/>
+          </a:p>
+        </p:txBody>
+      </p:sp>
+      <p:graphicFrame>
+        <p:nvGraphicFramePr>
+          <p:cNvPr id="4" name="Таблица 3">
+            <a:extLst>
+              <a:ext uri="{FF2B5EF4-FFF2-40B4-BE49-F238E27FC236}">
+                <a16:creationId xmlns:a16="http://schemas.microsoft.com/office/drawing/2014/main" id="{ADEF7B9A-BD78-C146-A4B3-4678D7332731}"/>
+              </a:ext>
+            </a:extLst>
+          </p:cNvPr>
+          <p:cNvGraphicFramePr>
+            <a:graphicFrameLocks noGrp="1"/>
+          </p:cNvGraphicFramePr>
+          <p:nvPr>
+            <p:extLst>
+              <p:ext uri="{D42A27DB-BD31-4B8C-83A1-F6EECF244321}">
+                <p14:modId xmlns:p14="http://schemas.microsoft.com/office/powerpoint/2010/main" val="2947016072"/>
+              </p:ext>
+            </p:extLst>
+          </p:nvPr>
+        </p:nvGraphicFramePr>
+        <p:xfrm>
+          <a:off x="467544" y="764704"/>
+          <a:ext cx="8280918" cy="5181600"/>
+        </p:xfrm>
+        <a:graphic>
+          <a:graphicData uri="http://schemas.openxmlformats.org/drawingml/2006/table">
+            <a:tbl>
+              <a:tblPr firstRow="1" bandRow="1">
+                <a:tableStyleId>{D7AC3CCA-C797-4891-BE02-D94E43425B78}</a:tableStyleId>
+              </a:tblPr>
+              <a:tblGrid>
+                <a:gridCol w="2160240">
+                  <a:extLst>
+                    <a:ext uri="{9D8B030D-6E8A-4147-A177-3AD203B41FA5}">
+                      <a16:colId xmlns:a16="http://schemas.microsoft.com/office/drawing/2014/main" val="20000"/>
+                    </a:ext>
+                  </a:extLst>
+                </a:gridCol>
+                <a:gridCol w="1020113">
+                  <a:extLst>
+                    <a:ext uri="{9D8B030D-6E8A-4147-A177-3AD203B41FA5}">
+                      <a16:colId xmlns:a16="http://schemas.microsoft.com/office/drawing/2014/main" val="20002"/>
+                    </a:ext>
+                  </a:extLst>
+                </a:gridCol>
+                <a:gridCol w="924103">
+                  <a:extLst>
+                    <a:ext uri="{9D8B030D-6E8A-4147-A177-3AD203B41FA5}">
+                      <a16:colId xmlns:a16="http://schemas.microsoft.com/office/drawing/2014/main" val="20003"/>
+                    </a:ext>
+                  </a:extLst>
+                </a:gridCol>
+                <a:gridCol w="1224136">
+                  <a:extLst>
+                    <a:ext uri="{9D8B030D-6E8A-4147-A177-3AD203B41FA5}">
+                      <a16:colId xmlns:a16="http://schemas.microsoft.com/office/drawing/2014/main" val="20004"/>
+                    </a:ext>
+                  </a:extLst>
+                </a:gridCol>
+                <a:gridCol w="912100">
+                  <a:extLst>
+                    <a:ext uri="{9D8B030D-6E8A-4147-A177-3AD203B41FA5}">
+                      <a16:colId xmlns:a16="http://schemas.microsoft.com/office/drawing/2014/main" val="922393062"/>
+                    </a:ext>
+                  </a:extLst>
+                </a:gridCol>
+                <a:gridCol w="1020113">
+                  <a:extLst>
+                    <a:ext uri="{9D8B030D-6E8A-4147-A177-3AD203B41FA5}">
+                      <a16:colId xmlns:a16="http://schemas.microsoft.com/office/drawing/2014/main" val="657217664"/>
+                    </a:ext>
+                  </a:extLst>
+                </a:gridCol>
+                <a:gridCol w="1020113">
+                  <a:extLst>
+                    <a:ext uri="{9D8B030D-6E8A-4147-A177-3AD203B41FA5}">
+                      <a16:colId xmlns:a16="http://schemas.microsoft.com/office/drawing/2014/main" val="3432312047"/>
+                    </a:ext>
+                  </a:extLst>
+                </a:gridCol>
+              </a:tblGrid>
+              <a:tr h="216024">
+                <a:tc>
+                  <a:txBody>
+                    <a:bodyPr/>
+                    <a:lstStyle/>
+                    <a:p>
+                      <a:pPr marL="0" marR="0" lvl="0" indent="0" algn="l" defTabSz="914400" rtl="0" eaLnBrk="1" fontAlgn="base" latinLnBrk="0" hangingPunct="1">
+                        <a:lnSpc>
+                          <a:spcPct val="100000"/>
+                        </a:lnSpc>
+                        <a:spcBef>
+                          <a:spcPct val="0"/>
+                        </a:spcBef>
+                        <a:spcAft>
+                          <a:spcPct val="0"/>
+                        </a:spcAft>
+                        <a:buClrTx/>
+                        <a:buSzTx/>
+                        <a:buFontTx/>
+                        <a:buNone/>
+                        <a:tabLst/>
+                      </a:pPr>
+                      <a:r>
+                        <a:rPr kumimoji="0" lang="ru-RU" sz="1200" u="none" strike="noStrike" cap="none" normalizeH="0" baseline="0" dirty="0">
+                          <a:ln>
+                            <a:noFill/>
+                          </a:ln>
+                          <a:effectLst/>
+                        </a:rPr>
+                        <a:t>Критерий</a:t>
+                      </a:r>
+                      <a:endParaRPr kumimoji="0" lang="ru-RU" sz="1400" b="0" i="0" u="none" strike="noStrike" cap="none" normalizeH="0" baseline="0" dirty="0">
+                        <a:ln>
+                          <a:noFill/>
+                        </a:ln>
+                        <a:solidFill>
+                          <a:schemeClr val="tx1"/>
+                        </a:solidFill>
+                        <a:effectLst/>
+                        <a:latin typeface="Times New Roman" pitchFamily="18" charset="0"/>
+                      </a:endParaRPr>
+                    </a:p>
+                  </a:txBody>
+                  <a:tcPr anchor="ctr" horzOverflow="overflow"/>
+                </a:tc>
+                <a:tc>
+                  <a:txBody>
+                    <a:bodyPr/>
+                    <a:lstStyle/>
+                    <a:p>
+                      <a:pPr marL="0" marR="0" lvl="0" indent="0" algn="l" defTabSz="914400" rtl="0" eaLnBrk="1" fontAlgn="base" latinLnBrk="0" hangingPunct="1">
+                        <a:lnSpc>
+                          <a:spcPct val="100000"/>
+                        </a:lnSpc>
+                        <a:spcBef>
+                          <a:spcPct val="0"/>
+                        </a:spcBef>
+                        <a:spcAft>
+                          <a:spcPct val="0"/>
+                        </a:spcAft>
+                        <a:buClrTx/>
+                        <a:buSzTx/>
+                        <a:buFontTx/>
+                        <a:buNone/>
+                        <a:tabLst/>
+                      </a:pPr>
+                      <a:r>
+                        <a:rPr kumimoji="0" lang="en-US" sz="1200" u="none" strike="noStrike" cap="none" normalizeH="0" baseline="0" dirty="0">
+                          <a:ln>
+                            <a:noFill/>
+                          </a:ln>
+                          <a:effectLst/>
+                        </a:rPr>
+                        <a:t>Java</a:t>
+                      </a:r>
+                      <a:r>
+                        <a:rPr kumimoji="0" lang="ru-RU" sz="1200" u="none" strike="noStrike" cap="none" normalizeH="0" baseline="0" dirty="0">
+                          <a:ln>
+                            <a:noFill/>
+                          </a:ln>
+                          <a:effectLst/>
+                        </a:rPr>
+                        <a:t> </a:t>
+                      </a:r>
+                      <a:r>
+                        <a:rPr kumimoji="0" lang="en-US" sz="1200" b="1" u="none" strike="noStrike" kern="1200" cap="none" normalizeH="0" baseline="30000" dirty="0">
+                          <a:ln>
+                            <a:noFill/>
+                          </a:ln>
+                          <a:solidFill>
+                            <a:schemeClr val="dk1"/>
+                          </a:solidFill>
+                          <a:effectLst/>
+                          <a:latin typeface="+mn-lt"/>
+                          <a:ea typeface="+mn-ea"/>
+                          <a:cs typeface="+mn-cs"/>
+                        </a:rPr>
+                        <a:t>[1]</a:t>
+                      </a:r>
+                    </a:p>
+                  </a:txBody>
+                  <a:tcPr anchor="ctr" horzOverflow="overflow"/>
+                </a:tc>
+                <a:tc>
+                  <a:txBody>
+                    <a:bodyPr/>
+                    <a:lstStyle/>
+                    <a:p>
+                      <a:pPr marL="342900" marR="0" lvl="0" indent="-342900" algn="l" defTabSz="914400" rtl="0" eaLnBrk="1" fontAlgn="base" latinLnBrk="0" hangingPunct="1">
+                        <a:lnSpc>
+                          <a:spcPct val="100000"/>
+                        </a:lnSpc>
+                        <a:spcBef>
+                          <a:spcPct val="0"/>
+                        </a:spcBef>
+                        <a:spcAft>
+                          <a:spcPct val="0"/>
+                        </a:spcAft>
+                        <a:buClrTx/>
+                        <a:buSzTx/>
+                        <a:buFontTx/>
+                        <a:buNone/>
+                        <a:tabLst/>
+                      </a:pPr>
+                      <a:r>
+                        <a:rPr kumimoji="0" lang="en-US" sz="1200" b="1" u="none" strike="noStrike" kern="1200" cap="none" normalizeH="0" baseline="0" dirty="0">
+                          <a:ln>
+                            <a:noFill/>
+                          </a:ln>
+                          <a:solidFill>
+                            <a:schemeClr val="bg1"/>
+                          </a:solidFill>
+                          <a:effectLst/>
+                          <a:latin typeface="+mn-lt"/>
+                          <a:ea typeface="+mn-ea"/>
+                          <a:cs typeface="+mn-cs"/>
+                        </a:rPr>
+                        <a:t>C#</a:t>
+                      </a:r>
+                      <a:r>
+                        <a:rPr kumimoji="0" lang="ru-RU" sz="1200" b="1" u="none" strike="noStrike" kern="1200" cap="none" normalizeH="0" baseline="0" dirty="0">
+                          <a:ln>
+                            <a:noFill/>
+                          </a:ln>
+                          <a:solidFill>
+                            <a:schemeClr val="bg1"/>
+                          </a:solidFill>
+                          <a:effectLst/>
+                          <a:latin typeface="+mn-lt"/>
+                          <a:ea typeface="+mn-ea"/>
+                          <a:cs typeface="+mn-cs"/>
+                        </a:rPr>
+                        <a:t> </a:t>
+                      </a:r>
+                      <a:r>
+                        <a:rPr kumimoji="0" lang="en-US" sz="1200" b="1" u="none" strike="noStrike" kern="1200" cap="none" normalizeH="0" baseline="30000" dirty="0">
+                          <a:ln>
+                            <a:noFill/>
+                          </a:ln>
+                          <a:solidFill>
+                            <a:schemeClr val="bg1"/>
+                          </a:solidFill>
+                          <a:effectLst/>
+                          <a:latin typeface="+mn-lt"/>
+                          <a:ea typeface="+mn-ea"/>
+                          <a:cs typeface="+mn-cs"/>
+                        </a:rPr>
+                        <a:t>[</a:t>
+                      </a:r>
+                      <a:r>
+                        <a:rPr kumimoji="0" lang="ru-RU" sz="1200" b="1" u="none" strike="noStrike" kern="1200" cap="none" normalizeH="0" baseline="30000" dirty="0">
+                          <a:ln>
+                            <a:noFill/>
+                          </a:ln>
+                          <a:solidFill>
+                            <a:schemeClr val="bg1"/>
+                          </a:solidFill>
+                          <a:effectLst/>
+                          <a:latin typeface="+mn-lt"/>
+                          <a:ea typeface="+mn-ea"/>
+                          <a:cs typeface="+mn-cs"/>
+                        </a:rPr>
+                        <a:t>2</a:t>
+                      </a:r>
+                      <a:r>
+                        <a:rPr kumimoji="0" lang="en-US" sz="1200" b="1" u="none" strike="noStrike" kern="1200" cap="none" normalizeH="0" baseline="30000" dirty="0">
+                          <a:ln>
+                            <a:noFill/>
+                          </a:ln>
+                          <a:solidFill>
+                            <a:schemeClr val="bg1"/>
+                          </a:solidFill>
+                          <a:effectLst/>
+                          <a:latin typeface="+mn-lt"/>
+                          <a:ea typeface="+mn-ea"/>
+                          <a:cs typeface="+mn-cs"/>
+                        </a:rPr>
+                        <a:t>]</a:t>
+                      </a:r>
+                      <a:endParaRPr kumimoji="0" lang="en-US" sz="1200" b="1" u="none" strike="noStrike" kern="1200" cap="none" normalizeH="0" baseline="0" dirty="0">
+                        <a:ln>
+                          <a:noFill/>
+                        </a:ln>
+                        <a:solidFill>
+                          <a:schemeClr val="bg1"/>
+                        </a:solidFill>
+                        <a:effectLst/>
+                        <a:latin typeface="+mn-lt"/>
+                        <a:ea typeface="+mn-ea"/>
+                        <a:cs typeface="+mn-cs"/>
+                      </a:endParaRPr>
+                    </a:p>
+                  </a:txBody>
+                  <a:tcPr anchor="ctr" horzOverflow="overflow">
+                    <a:solidFill>
+                      <a:srgbClr val="0070C0"/>
+                    </a:solidFill>
+                  </a:tcPr>
+                </a:tc>
+                <a:tc>
+                  <a:txBody>
+                    <a:bodyPr/>
+                    <a:lstStyle/>
+                    <a:p>
+                      <a:pPr marL="0" marR="0" lvl="0" indent="0" algn="l" defTabSz="914400" rtl="0" eaLnBrk="1" fontAlgn="base" latinLnBrk="0" hangingPunct="1">
+                        <a:lnSpc>
+                          <a:spcPct val="100000"/>
+                        </a:lnSpc>
+                        <a:spcBef>
+                          <a:spcPct val="0"/>
+                        </a:spcBef>
+                        <a:spcAft>
+                          <a:spcPct val="0"/>
+                        </a:spcAft>
+                        <a:buClrTx/>
+                        <a:buSzTx/>
+                        <a:buFontTx/>
+                        <a:buNone/>
+                        <a:tabLst/>
+                      </a:pPr>
+                      <a:r>
+                        <a:rPr kumimoji="0" lang="en-US" sz="1200" u="none" strike="noStrike" cap="none" normalizeH="0" baseline="0" dirty="0">
+                          <a:ln>
+                            <a:noFill/>
+                          </a:ln>
+                          <a:effectLst/>
+                        </a:rPr>
+                        <a:t>JavaScript</a:t>
+                      </a:r>
+                      <a:r>
+                        <a:rPr kumimoji="0" lang="ru-RU" sz="1200" u="none" strike="noStrike" cap="none" normalizeH="0" baseline="0" dirty="0">
+                          <a:ln>
+                            <a:noFill/>
+                          </a:ln>
+                          <a:effectLst/>
+                        </a:rPr>
+                        <a:t> </a:t>
+                      </a:r>
+                      <a:r>
+                        <a:rPr kumimoji="0" lang="en-US" sz="1200" u="none" strike="noStrike" cap="none" normalizeH="0" baseline="30000" dirty="0">
+                          <a:ln>
+                            <a:noFill/>
+                          </a:ln>
+                          <a:effectLst/>
+                        </a:rPr>
+                        <a:t>[3]</a:t>
+                      </a:r>
+                      <a:endParaRPr kumimoji="0" lang="en-US" sz="1800" b="0" i="0" u="none" strike="noStrike" cap="none" normalizeH="0" baseline="30000" dirty="0">
+                        <a:ln>
+                          <a:noFill/>
+                        </a:ln>
+                        <a:solidFill>
+                          <a:schemeClr val="tx1"/>
+                        </a:solidFill>
+                        <a:effectLst/>
+                        <a:latin typeface="Times New Roman" pitchFamily="18" charset="0"/>
+                      </a:endParaRPr>
+                    </a:p>
+                  </a:txBody>
+                  <a:tcPr anchor="ctr" horzOverflow="overflow"/>
+                </a:tc>
+                <a:tc>
+                  <a:txBody>
+                    <a:bodyPr/>
+                    <a:lstStyle/>
+                    <a:p>
+                      <a:pPr marL="0" marR="0" lvl="0" indent="0" algn="l" defTabSz="914400" rtl="0" eaLnBrk="1" fontAlgn="base" latinLnBrk="0" hangingPunct="1">
+                        <a:lnSpc>
+                          <a:spcPct val="100000"/>
+                        </a:lnSpc>
+                        <a:spcBef>
+                          <a:spcPct val="0"/>
+                        </a:spcBef>
+                        <a:spcAft>
+                          <a:spcPct val="0"/>
+                        </a:spcAft>
+                        <a:buClrTx/>
+                        <a:buSzTx/>
+                        <a:buFontTx/>
+                        <a:buNone/>
+                        <a:tabLst/>
+                        <a:defRPr/>
+                      </a:pPr>
+                      <a:r>
+                        <a:rPr kumimoji="0" lang="en-US" sz="1200" u="none" strike="noStrike" cap="none" normalizeH="0" baseline="0" dirty="0">
+                          <a:ln>
+                            <a:noFill/>
+                          </a:ln>
+                          <a:effectLst/>
+                        </a:rPr>
+                        <a:t>Python</a:t>
+                      </a:r>
+                      <a:r>
+                        <a:rPr kumimoji="0" lang="ru-RU" sz="1200" u="none" strike="noStrike" cap="none" normalizeH="0" baseline="0" dirty="0">
+                          <a:ln>
+                            <a:noFill/>
+                          </a:ln>
+                          <a:effectLst/>
+                        </a:rPr>
+                        <a:t> </a:t>
+                      </a:r>
+                      <a:r>
+                        <a:rPr kumimoji="0" lang="en-US" sz="1200" b="1" u="none" strike="noStrike" kern="1200" cap="none" normalizeH="0" baseline="30000" dirty="0">
+                          <a:ln>
+                            <a:noFill/>
+                          </a:ln>
+                          <a:solidFill>
+                            <a:schemeClr val="dk1"/>
+                          </a:solidFill>
+                          <a:effectLst/>
+                          <a:latin typeface="+mn-lt"/>
+                          <a:ea typeface="+mn-ea"/>
+                          <a:cs typeface="+mn-cs"/>
+                        </a:rPr>
+                        <a:t>[4]</a:t>
+                      </a:r>
+                    </a:p>
+                  </a:txBody>
+                  <a:tcPr anchor="ctr" horzOverflow="overflow"/>
+                </a:tc>
+                <a:tc>
+                  <a:txBody>
+                    <a:bodyPr/>
+                    <a:lstStyle/>
+                    <a:p>
+                      <a:pPr marL="0" marR="0" lvl="0" indent="0" algn="l" defTabSz="914400" rtl="0" eaLnBrk="1" fontAlgn="base" latinLnBrk="0" hangingPunct="1">
+                        <a:lnSpc>
+                          <a:spcPct val="100000"/>
+                        </a:lnSpc>
+                        <a:spcBef>
+                          <a:spcPct val="0"/>
+                        </a:spcBef>
+                        <a:spcAft>
+                          <a:spcPct val="0"/>
+                        </a:spcAft>
+                        <a:buClrTx/>
+                        <a:buSzTx/>
+                        <a:buFontTx/>
+                        <a:buNone/>
+                        <a:tabLst/>
+                        <a:defRPr/>
+                      </a:pPr>
+                      <a:r>
+                        <a:rPr kumimoji="0" lang="en-US" sz="1200" u="none" strike="noStrike" cap="none" normalizeH="0" baseline="0" dirty="0">
+                          <a:ln>
+                            <a:noFill/>
+                          </a:ln>
+                          <a:effectLst/>
+                        </a:rPr>
+                        <a:t>Php</a:t>
+                      </a:r>
+                      <a:r>
+                        <a:rPr kumimoji="0" lang="ru-RU" sz="1200" u="none" strike="noStrike" cap="none" normalizeH="0" baseline="0" dirty="0">
+                          <a:ln>
+                            <a:noFill/>
+                          </a:ln>
+                          <a:effectLst/>
+                        </a:rPr>
+                        <a:t> </a:t>
+                      </a:r>
+                      <a:r>
+                        <a:rPr kumimoji="0" lang="en-US" sz="1200" b="1" u="none" strike="noStrike" kern="1200" cap="none" normalizeH="0" baseline="30000" dirty="0">
+                          <a:ln>
+                            <a:noFill/>
+                          </a:ln>
+                          <a:solidFill>
+                            <a:schemeClr val="dk1"/>
+                          </a:solidFill>
+                          <a:effectLst/>
+                          <a:latin typeface="+mn-lt"/>
+                          <a:ea typeface="+mn-ea"/>
+                          <a:cs typeface="+mn-cs"/>
+                        </a:rPr>
+                        <a:t>[5]</a:t>
+                      </a:r>
+                    </a:p>
+                  </a:txBody>
+                  <a:tcPr anchor="ctr" horzOverflow="overflow"/>
+                </a:tc>
+                <a:tc>
+                  <a:txBody>
+                    <a:bodyPr/>
+                    <a:lstStyle/>
+                    <a:p>
+                      <a:pPr marL="0" marR="0" lvl="0" indent="0" algn="l" defTabSz="914400" rtl="0" eaLnBrk="1" fontAlgn="base" latinLnBrk="0" hangingPunct="1">
+                        <a:lnSpc>
+                          <a:spcPct val="100000"/>
+                        </a:lnSpc>
+                        <a:spcBef>
+                          <a:spcPct val="0"/>
+                        </a:spcBef>
+                        <a:spcAft>
+                          <a:spcPct val="0"/>
+                        </a:spcAft>
+                        <a:buClrTx/>
+                        <a:buSzTx/>
+                        <a:buFontTx/>
+                        <a:buNone/>
+                        <a:tabLst/>
+                        <a:defRPr/>
+                      </a:pPr>
+                      <a:r>
+                        <a:rPr kumimoji="0" lang="en-US" sz="1200" u="none" strike="noStrike" cap="none" normalizeH="0" baseline="0" dirty="0">
+                          <a:ln>
+                            <a:noFill/>
+                          </a:ln>
+                          <a:effectLst/>
+                        </a:rPr>
+                        <a:t>Ruby</a:t>
+                      </a:r>
+                      <a:r>
+                        <a:rPr kumimoji="0" lang="ru-RU" sz="1200" u="none" strike="noStrike" cap="none" normalizeH="0" baseline="0" dirty="0">
+                          <a:ln>
+                            <a:noFill/>
+                          </a:ln>
+                          <a:effectLst/>
+                        </a:rPr>
+                        <a:t> </a:t>
+                      </a:r>
+                      <a:r>
+                        <a:rPr kumimoji="0" lang="en-US" sz="1200" b="1" u="none" strike="noStrike" kern="1200" cap="none" normalizeH="0" baseline="30000" dirty="0">
+                          <a:ln>
+                            <a:noFill/>
+                          </a:ln>
+                          <a:solidFill>
+                            <a:schemeClr val="dk1"/>
+                          </a:solidFill>
+                          <a:effectLst/>
+                          <a:latin typeface="+mn-lt"/>
+                          <a:ea typeface="+mn-ea"/>
+                          <a:cs typeface="+mn-cs"/>
+                        </a:rPr>
+                        <a:t>[6]</a:t>
+                      </a:r>
+                    </a:p>
+                  </a:txBody>
+                  <a:tcPr anchor="ctr" horzOverflow="overflow"/>
+                </a:tc>
+                <a:extLst>
+                  <a:ext uri="{0D108BD9-81ED-4DB2-BD59-A6C34878D82A}">
+                    <a16:rowId xmlns:a16="http://schemas.microsoft.com/office/drawing/2014/main" val="10000"/>
+                  </a:ext>
+                </a:extLst>
+              </a:tr>
+              <a:tr h="216024">
+                <a:tc>
+                  <a:txBody>
+                    <a:bodyPr/>
+                    <a:lstStyle/>
+                    <a:p>
+                      <a:pPr algn="l"/>
+                      <a:r>
+                        <a:rPr lang="ru-RU" sz="1600" dirty="0"/>
+                        <a:t>Поддержка ООП</a:t>
+                      </a:r>
+                    </a:p>
+                  </a:txBody>
+                  <a:tcPr anchor="ctr" horzOverflow="overflow"/>
+                </a:tc>
+                <a:tc>
+                  <a:txBody>
+                    <a:bodyPr/>
+                    <a:lstStyle/>
+                    <a:p>
+                      <a:pPr algn="l"/>
+                      <a:r>
+                        <a:rPr lang="ru-RU" sz="1600" dirty="0"/>
+                        <a:t>Да</a:t>
+                      </a:r>
+                    </a:p>
+                  </a:txBody>
+                  <a:tcPr anchor="ctr" horzOverflow="overflow"/>
+                </a:tc>
+                <a:tc>
+                  <a:txBody>
+                    <a:bodyPr/>
+                    <a:lstStyle/>
+                    <a:p>
+                      <a:pPr marL="342900" marR="0" lvl="0" indent="-342900" algn="l" defTabSz="914400" rtl="0" eaLnBrk="1" fontAlgn="base" latinLnBrk="0" hangingPunct="1">
+                        <a:lnSpc>
+                          <a:spcPct val="100000"/>
+                        </a:lnSpc>
+                        <a:spcBef>
+                          <a:spcPct val="0"/>
+                        </a:spcBef>
+                        <a:spcAft>
+                          <a:spcPct val="0"/>
+                        </a:spcAft>
+                        <a:buClrTx/>
+                        <a:buSzTx/>
+                        <a:buFontTx/>
+                        <a:buNone/>
+                        <a:tabLst/>
+                      </a:pPr>
+                      <a:r>
+                        <a:rPr kumimoji="0" lang="ru-RU" sz="1600" b="1" u="none" strike="noStrike" kern="1200" cap="none" normalizeH="0" baseline="0" dirty="0">
+                          <a:ln>
+                            <a:noFill/>
+                          </a:ln>
+                          <a:solidFill>
+                            <a:schemeClr val="bg1"/>
+                          </a:solidFill>
+                          <a:effectLst/>
+                          <a:latin typeface="+mn-lt"/>
+                          <a:ea typeface="+mn-ea"/>
+                          <a:cs typeface="+mn-cs"/>
+                        </a:rPr>
+                        <a:t>Да</a:t>
+                      </a:r>
+                    </a:p>
+                  </a:txBody>
+                  <a:tcPr anchor="ctr" horzOverflow="overflow">
+                    <a:solidFill>
+                      <a:srgbClr val="0070C0"/>
+                    </a:solidFill>
+                  </a:tcPr>
+                </a:tc>
+                <a:tc>
+                  <a:txBody>
+                    <a:bodyPr/>
+                    <a:lstStyle/>
+                    <a:p>
+                      <a:pPr algn="l"/>
+                      <a:r>
+                        <a:rPr lang="ru-RU" sz="1600" dirty="0"/>
+                        <a:t>Да</a:t>
+                      </a:r>
+                    </a:p>
+                  </a:txBody>
+                  <a:tcPr anchor="ctr" horzOverflow="overflow"/>
+                </a:tc>
+                <a:tc>
+                  <a:txBody>
+                    <a:bodyPr/>
+                    <a:lstStyle/>
+                    <a:p>
+                      <a:pPr algn="l"/>
+                      <a:r>
+                        <a:rPr lang="ru-RU" sz="1600" dirty="0"/>
+                        <a:t>Да</a:t>
+                      </a:r>
+                    </a:p>
+                  </a:txBody>
+                  <a:tcPr anchor="ctr" horzOverflow="overflow"/>
+                </a:tc>
+                <a:tc>
+                  <a:txBody>
+                    <a:bodyPr/>
+                    <a:lstStyle/>
+                    <a:p>
+                      <a:pPr algn="l"/>
+                      <a:r>
+                        <a:rPr lang="ru-RU" sz="1600" dirty="0"/>
+                        <a:t>Да</a:t>
+                      </a:r>
+                    </a:p>
+                  </a:txBody>
+                  <a:tcPr anchor="ctr" horzOverflow="overflow"/>
+                </a:tc>
+                <a:tc>
+                  <a:txBody>
+                    <a:bodyPr/>
+                    <a:lstStyle/>
+                    <a:p>
+                      <a:pPr algn="l"/>
+                      <a:r>
+                        <a:rPr lang="ru-RU" sz="1600" dirty="0"/>
+                        <a:t>Да</a:t>
+                      </a:r>
+                    </a:p>
+                  </a:txBody>
+                  <a:tcPr anchor="ctr" horzOverflow="overflow"/>
+                </a:tc>
+                <a:extLst>
+                  <a:ext uri="{0D108BD9-81ED-4DB2-BD59-A6C34878D82A}">
+                    <a16:rowId xmlns:a16="http://schemas.microsoft.com/office/drawing/2014/main" val="10001"/>
+                  </a:ext>
+                </a:extLst>
+              </a:tr>
+              <a:tr h="216024">
+                <a:tc>
+                  <a:txBody>
+                    <a:bodyPr/>
+                    <a:lstStyle/>
+                    <a:p>
+                      <a:pPr algn="l"/>
+                      <a:r>
+                        <a:rPr lang="ru-RU" sz="1600" dirty="0"/>
+                        <a:t>Поддержка ФП</a:t>
+                      </a:r>
+                    </a:p>
+                  </a:txBody>
+                  <a:tcPr anchor="ctr" horzOverflow="overflow"/>
+                </a:tc>
+                <a:tc>
+                  <a:txBody>
+                    <a:bodyPr/>
+                    <a:lstStyle/>
+                    <a:p>
+                      <a:pPr algn="l"/>
+                      <a:r>
+                        <a:rPr lang="ru-RU" sz="1600" dirty="0"/>
+                        <a:t>Нет</a:t>
+                      </a:r>
+                    </a:p>
+                  </a:txBody>
+                  <a:tcPr anchor="ctr" horzOverflow="overflow"/>
+                </a:tc>
+                <a:tc>
+                  <a:txBody>
+                    <a:bodyPr/>
+                    <a:lstStyle/>
+                    <a:p>
+                      <a:pPr marL="342900" marR="0" lvl="0" indent="-342900" algn="l" defTabSz="914400" rtl="0" eaLnBrk="1" fontAlgn="base" latinLnBrk="0" hangingPunct="1">
+                        <a:lnSpc>
+                          <a:spcPct val="100000"/>
+                        </a:lnSpc>
+                        <a:spcBef>
+                          <a:spcPct val="0"/>
+                        </a:spcBef>
+                        <a:spcAft>
+                          <a:spcPct val="0"/>
+                        </a:spcAft>
+                        <a:buClrTx/>
+                        <a:buSzTx/>
+                        <a:buFontTx/>
+                        <a:buNone/>
+                        <a:tabLst/>
+                      </a:pPr>
+                      <a:r>
+                        <a:rPr kumimoji="0" lang="ru-RU" sz="1600" b="1" u="none" strike="noStrike" kern="1200" cap="none" normalizeH="0" baseline="0" dirty="0">
+                          <a:ln>
+                            <a:noFill/>
+                          </a:ln>
+                          <a:solidFill>
+                            <a:schemeClr val="bg1"/>
+                          </a:solidFill>
+                          <a:effectLst/>
+                          <a:latin typeface="+mn-lt"/>
+                          <a:ea typeface="+mn-ea"/>
+                          <a:cs typeface="+mn-cs"/>
+                        </a:rPr>
+                        <a:t>Да</a:t>
+                      </a:r>
+                    </a:p>
+                  </a:txBody>
+                  <a:tcPr anchor="ctr" horzOverflow="overflow">
+                    <a:solidFill>
+                      <a:srgbClr val="0070C0"/>
+                    </a:solidFill>
+                  </a:tcPr>
+                </a:tc>
+                <a:tc>
+                  <a:txBody>
+                    <a:bodyPr/>
+                    <a:lstStyle/>
+                    <a:p>
+                      <a:pPr algn="l"/>
+                      <a:r>
+                        <a:rPr lang="ru-RU" sz="1600" dirty="0"/>
+                        <a:t>Да</a:t>
+                      </a:r>
+                    </a:p>
+                  </a:txBody>
+                  <a:tcPr anchor="ctr" horzOverflow="overflow"/>
+                </a:tc>
+                <a:tc>
+                  <a:txBody>
+                    <a:bodyPr/>
+                    <a:lstStyle/>
+                    <a:p>
+                      <a:pPr algn="l"/>
+                      <a:r>
+                        <a:rPr lang="ru-RU" sz="1600" dirty="0"/>
+                        <a:t>Да</a:t>
+                      </a:r>
+                    </a:p>
+                  </a:txBody>
+                  <a:tcPr anchor="ctr" horzOverflow="overflow"/>
+                </a:tc>
+                <a:tc>
+                  <a:txBody>
+                    <a:bodyPr/>
+                    <a:lstStyle/>
+                    <a:p>
+                      <a:pPr algn="l"/>
+                      <a:r>
+                        <a:rPr lang="ru-RU" sz="1600" dirty="0"/>
+                        <a:t>Да</a:t>
+                      </a:r>
+                    </a:p>
+                  </a:txBody>
+                  <a:tcPr anchor="ctr" horzOverflow="overflow"/>
+                </a:tc>
+                <a:tc>
+                  <a:txBody>
+                    <a:bodyPr/>
+                    <a:lstStyle/>
+                    <a:p>
+                      <a:pPr algn="l"/>
+                      <a:r>
+                        <a:rPr lang="ru-RU" sz="1600" dirty="0"/>
+                        <a:t>Да</a:t>
+                      </a:r>
+                    </a:p>
+                  </a:txBody>
+                  <a:tcPr anchor="ctr" horzOverflow="overflow"/>
+                </a:tc>
+                <a:extLst>
+                  <a:ext uri="{0D108BD9-81ED-4DB2-BD59-A6C34878D82A}">
+                    <a16:rowId xmlns:a16="http://schemas.microsoft.com/office/drawing/2014/main" val="2731446636"/>
+                  </a:ext>
+                </a:extLst>
+              </a:tr>
+              <a:tr h="216024">
+                <a:tc>
+                  <a:txBody>
+                    <a:bodyPr/>
+                    <a:lstStyle/>
+                    <a:p>
+                      <a:pPr algn="l"/>
+                      <a:r>
+                        <a:rPr lang="ru-RU" sz="1600" dirty="0"/>
+                        <a:t>Статистическая типизация</a:t>
+                      </a:r>
+                    </a:p>
+                  </a:txBody>
+                  <a:tcPr anchor="ctr" horzOverflow="overflow"/>
+                </a:tc>
+                <a:tc>
+                  <a:txBody>
+                    <a:bodyPr/>
+                    <a:lstStyle/>
+                    <a:p>
+                      <a:pPr algn="l"/>
+                      <a:r>
+                        <a:rPr lang="ru-RU" sz="1600" dirty="0"/>
+                        <a:t>Да</a:t>
+                      </a:r>
+                    </a:p>
+                  </a:txBody>
+                  <a:tcPr anchor="ctr" horzOverflow="overflow"/>
+                </a:tc>
+                <a:tc>
+                  <a:txBody>
+                    <a:bodyPr/>
+                    <a:lstStyle/>
+                    <a:p>
+                      <a:pPr marL="342900" marR="0" lvl="0" indent="-342900" algn="l" defTabSz="914400" rtl="0" eaLnBrk="1" fontAlgn="base" latinLnBrk="0" hangingPunct="1">
+                        <a:lnSpc>
+                          <a:spcPct val="100000"/>
+                        </a:lnSpc>
+                        <a:spcBef>
+                          <a:spcPct val="0"/>
+                        </a:spcBef>
+                        <a:spcAft>
+                          <a:spcPct val="0"/>
+                        </a:spcAft>
+                        <a:buClrTx/>
+                        <a:buSzTx/>
+                        <a:buFontTx/>
+                        <a:buNone/>
+                        <a:tabLst/>
+                      </a:pPr>
+                      <a:r>
+                        <a:rPr kumimoji="0" lang="ru-RU" sz="1600" b="1" u="none" strike="noStrike" kern="1200" cap="none" normalizeH="0" baseline="0" dirty="0">
+                          <a:ln>
+                            <a:noFill/>
+                          </a:ln>
+                          <a:solidFill>
+                            <a:schemeClr val="bg1"/>
+                          </a:solidFill>
+                          <a:effectLst/>
+                          <a:latin typeface="+mn-lt"/>
+                          <a:ea typeface="+mn-ea"/>
+                          <a:cs typeface="+mn-cs"/>
+                        </a:rPr>
+                        <a:t>Да</a:t>
+                      </a:r>
+                    </a:p>
+                  </a:txBody>
+                  <a:tcPr anchor="ctr" horzOverflow="overflow">
+                    <a:solidFill>
+                      <a:srgbClr val="0070C0"/>
+                    </a:solidFill>
+                  </a:tcPr>
+                </a:tc>
+                <a:tc>
+                  <a:txBody>
+                    <a:bodyPr/>
+                    <a:lstStyle/>
+                    <a:p>
+                      <a:pPr algn="l"/>
+                      <a:r>
+                        <a:rPr lang="ru-RU" sz="1600" dirty="0"/>
+                        <a:t>Нет</a:t>
+                      </a:r>
+                    </a:p>
+                  </a:txBody>
+                  <a:tcPr anchor="ctr" horzOverflow="overflow"/>
+                </a:tc>
+                <a:tc>
+                  <a:txBody>
+                    <a:bodyPr/>
+                    <a:lstStyle/>
+                    <a:p>
+                      <a:pPr algn="l"/>
+                      <a:r>
+                        <a:rPr lang="ru-RU" sz="1600" dirty="0"/>
+                        <a:t>Нет</a:t>
+                      </a:r>
+                    </a:p>
+                  </a:txBody>
+                  <a:tcPr anchor="ctr" horzOverflow="overflow"/>
+                </a:tc>
+                <a:tc>
+                  <a:txBody>
+                    <a:bodyPr/>
+                    <a:lstStyle/>
+                    <a:p>
+                      <a:pPr algn="l"/>
+                      <a:r>
+                        <a:rPr lang="ru-RU" sz="1600" dirty="0"/>
+                        <a:t>Нет</a:t>
+                      </a:r>
+                    </a:p>
+                  </a:txBody>
+                  <a:tcPr anchor="ctr" horzOverflow="overflow"/>
+                </a:tc>
+                <a:tc>
+                  <a:txBody>
+                    <a:bodyPr/>
+                    <a:lstStyle/>
+                    <a:p>
+                      <a:pPr algn="l"/>
+                      <a:r>
+                        <a:rPr lang="ru-RU" sz="1600" dirty="0"/>
+                        <a:t>Нет</a:t>
+                      </a:r>
+                    </a:p>
+                  </a:txBody>
+                  <a:tcPr anchor="ctr" horzOverflow="overflow"/>
+                </a:tc>
+                <a:extLst>
+                  <a:ext uri="{0D108BD9-81ED-4DB2-BD59-A6C34878D82A}">
+                    <a16:rowId xmlns:a16="http://schemas.microsoft.com/office/drawing/2014/main" val="2244307194"/>
+                  </a:ext>
+                </a:extLst>
+              </a:tr>
+              <a:tr h="216024">
+                <a:tc>
+                  <a:txBody>
+                    <a:bodyPr/>
+                    <a:lstStyle/>
+                    <a:p>
+                      <a:pPr algn="l"/>
+                      <a:r>
+                        <a:rPr lang="ru-RU" sz="1600" dirty="0"/>
+                        <a:t>Поддержка динамической типизации</a:t>
+                      </a:r>
+                    </a:p>
+                  </a:txBody>
+                  <a:tcPr anchor="ctr" horzOverflow="overflow"/>
+                </a:tc>
+                <a:tc>
+                  <a:txBody>
+                    <a:bodyPr/>
+                    <a:lstStyle/>
+                    <a:p>
+                      <a:pPr algn="l"/>
+                      <a:r>
+                        <a:rPr lang="ru-RU" sz="1600" dirty="0"/>
+                        <a:t>Нет</a:t>
+                      </a:r>
+                    </a:p>
+                  </a:txBody>
+                  <a:tcPr anchor="ctr" horzOverflow="overflow"/>
+                </a:tc>
+                <a:tc>
+                  <a:txBody>
+                    <a:bodyPr/>
+                    <a:lstStyle/>
+                    <a:p>
+                      <a:pPr marL="342900" marR="0" lvl="0" indent="-342900" algn="l" defTabSz="914400" rtl="0" eaLnBrk="1" fontAlgn="base" latinLnBrk="0" hangingPunct="1">
+                        <a:lnSpc>
+                          <a:spcPct val="100000"/>
+                        </a:lnSpc>
+                        <a:spcBef>
+                          <a:spcPct val="0"/>
+                        </a:spcBef>
+                        <a:spcAft>
+                          <a:spcPct val="0"/>
+                        </a:spcAft>
+                        <a:buClrTx/>
+                        <a:buSzTx/>
+                        <a:buFontTx/>
+                        <a:buNone/>
+                        <a:tabLst/>
+                      </a:pPr>
+                      <a:r>
+                        <a:rPr kumimoji="0" lang="ru-RU" sz="1600" b="1" u="none" strike="noStrike" kern="1200" cap="none" normalizeH="0" baseline="0" dirty="0">
+                          <a:ln>
+                            <a:noFill/>
+                          </a:ln>
+                          <a:solidFill>
+                            <a:schemeClr val="bg1"/>
+                          </a:solidFill>
+                          <a:effectLst/>
+                          <a:latin typeface="+mn-lt"/>
+                          <a:ea typeface="+mn-ea"/>
+                          <a:cs typeface="+mn-cs"/>
+                        </a:rPr>
+                        <a:t>Да</a:t>
+                      </a:r>
+                    </a:p>
+                  </a:txBody>
+                  <a:tcPr anchor="ctr" horzOverflow="overflow">
+                    <a:solidFill>
+                      <a:srgbClr val="0070C0"/>
+                    </a:solidFill>
+                  </a:tcPr>
+                </a:tc>
+                <a:tc>
+                  <a:txBody>
+                    <a:bodyPr/>
+                    <a:lstStyle/>
+                    <a:p>
+                      <a:pPr algn="l"/>
+                      <a:r>
+                        <a:rPr lang="ru-RU" sz="1600"/>
+                        <a:t>Да</a:t>
+                      </a:r>
+                      <a:endParaRPr lang="ru-RU" sz="1600" dirty="0"/>
+                    </a:p>
+                  </a:txBody>
+                  <a:tcPr anchor="ctr" horzOverflow="overflow"/>
+                </a:tc>
+                <a:tc>
+                  <a:txBody>
+                    <a:bodyPr/>
+                    <a:lstStyle/>
+                    <a:p>
+                      <a:pPr algn="l"/>
+                      <a:r>
+                        <a:rPr lang="ru-RU" sz="1600" dirty="0"/>
+                        <a:t>Да</a:t>
+                      </a:r>
+                    </a:p>
+                  </a:txBody>
+                  <a:tcPr anchor="ctr" horzOverflow="overflow"/>
+                </a:tc>
+                <a:tc>
+                  <a:txBody>
+                    <a:bodyPr/>
+                    <a:lstStyle/>
+                    <a:p>
+                      <a:pPr algn="l"/>
+                      <a:r>
+                        <a:rPr lang="ru-RU" sz="1600" dirty="0"/>
+                        <a:t>Да</a:t>
+                      </a:r>
+                    </a:p>
+                  </a:txBody>
+                  <a:tcPr anchor="ctr" horzOverflow="overflow"/>
+                </a:tc>
+                <a:tc>
+                  <a:txBody>
+                    <a:bodyPr/>
+                    <a:lstStyle/>
+                    <a:p>
+                      <a:pPr algn="l"/>
+                      <a:r>
+                        <a:rPr lang="ru-RU" sz="1600" dirty="0"/>
+                        <a:t>Да</a:t>
+                      </a:r>
+                    </a:p>
+                  </a:txBody>
+                  <a:tcPr anchor="ctr" horzOverflow="overflow"/>
+                </a:tc>
+                <a:extLst>
+                  <a:ext uri="{0D108BD9-81ED-4DB2-BD59-A6C34878D82A}">
+                    <a16:rowId xmlns:a16="http://schemas.microsoft.com/office/drawing/2014/main" val="3468672046"/>
+                  </a:ext>
+                </a:extLst>
+              </a:tr>
+              <a:tr h="216024">
+                <a:tc>
+                  <a:txBody>
+                    <a:bodyPr/>
+                    <a:lstStyle/>
+                    <a:p>
+                      <a:pPr algn="l"/>
+                      <a:r>
+                        <a:rPr lang="ru-RU" sz="1600" dirty="0"/>
+                        <a:t>Многопоточность</a:t>
+                      </a:r>
+                    </a:p>
+                  </a:txBody>
+                  <a:tcPr anchor="ctr" horzOverflow="overflow"/>
+                </a:tc>
+                <a:tc>
+                  <a:txBody>
+                    <a:bodyPr/>
+                    <a:lstStyle/>
+                    <a:p>
+                      <a:pPr algn="l"/>
+                      <a:r>
+                        <a:rPr lang="ru-RU" sz="1600" dirty="0"/>
+                        <a:t>Да</a:t>
+                      </a:r>
+                    </a:p>
+                  </a:txBody>
+                  <a:tcPr anchor="ctr" horzOverflow="overflow"/>
+                </a:tc>
+                <a:tc>
+                  <a:txBody>
+                    <a:bodyPr/>
+                    <a:lstStyle/>
+                    <a:p>
+                      <a:pPr marL="342900" marR="0" lvl="0" indent="-342900" algn="l" defTabSz="914400" rtl="0" eaLnBrk="1" fontAlgn="base" latinLnBrk="0" hangingPunct="1">
+                        <a:lnSpc>
+                          <a:spcPct val="100000"/>
+                        </a:lnSpc>
+                        <a:spcBef>
+                          <a:spcPct val="0"/>
+                        </a:spcBef>
+                        <a:spcAft>
+                          <a:spcPct val="0"/>
+                        </a:spcAft>
+                        <a:buClrTx/>
+                        <a:buSzTx/>
+                        <a:buFontTx/>
+                        <a:buNone/>
+                        <a:tabLst/>
+                      </a:pPr>
+                      <a:r>
+                        <a:rPr kumimoji="0" lang="ru-RU" sz="1600" b="1" u="none" strike="noStrike" kern="1200" cap="none" normalizeH="0" baseline="0" dirty="0">
+                          <a:ln>
+                            <a:noFill/>
+                          </a:ln>
+                          <a:solidFill>
+                            <a:schemeClr val="bg1"/>
+                          </a:solidFill>
+                          <a:effectLst/>
+                          <a:latin typeface="+mn-lt"/>
+                          <a:ea typeface="+mn-ea"/>
+                          <a:cs typeface="+mn-cs"/>
+                        </a:rPr>
+                        <a:t>Да</a:t>
+                      </a:r>
+                    </a:p>
+                  </a:txBody>
+                  <a:tcPr anchor="ctr" horzOverflow="overflow">
+                    <a:solidFill>
+                      <a:srgbClr val="0070C0"/>
+                    </a:solidFill>
+                  </a:tcPr>
+                </a:tc>
+                <a:tc>
+                  <a:txBody>
+                    <a:bodyPr/>
+                    <a:lstStyle/>
+                    <a:p>
+                      <a:pPr algn="l"/>
+                      <a:r>
+                        <a:rPr lang="ru-RU" sz="1600" dirty="0"/>
+                        <a:t>Нет</a:t>
+                      </a:r>
+                    </a:p>
+                  </a:txBody>
+                  <a:tcPr anchor="ctr" horzOverflow="overflow"/>
+                </a:tc>
+                <a:tc>
+                  <a:txBody>
+                    <a:bodyPr/>
+                    <a:lstStyle/>
+                    <a:p>
+                      <a:pPr algn="l"/>
+                      <a:r>
+                        <a:rPr lang="ru-RU" sz="1600" dirty="0"/>
+                        <a:t>Да</a:t>
+                      </a:r>
+                    </a:p>
+                  </a:txBody>
+                  <a:tcPr anchor="ctr" horzOverflow="overflow"/>
+                </a:tc>
+                <a:tc>
+                  <a:txBody>
+                    <a:bodyPr/>
+                    <a:lstStyle/>
+                    <a:p>
+                      <a:pPr algn="l"/>
+                      <a:r>
+                        <a:rPr lang="ru-RU" sz="1600" dirty="0"/>
+                        <a:t>Да</a:t>
+                      </a:r>
+                    </a:p>
+                  </a:txBody>
+                  <a:tcPr anchor="ctr" horzOverflow="overflow"/>
+                </a:tc>
+                <a:tc>
+                  <a:txBody>
+                    <a:bodyPr/>
+                    <a:lstStyle/>
+                    <a:p>
+                      <a:pPr algn="l"/>
+                      <a:r>
+                        <a:rPr lang="ru-RU" sz="1600" dirty="0"/>
+                        <a:t>Да</a:t>
+                      </a:r>
+                    </a:p>
+                  </a:txBody>
+                  <a:tcPr anchor="ctr" horzOverflow="overflow"/>
+                </a:tc>
+                <a:extLst>
+                  <a:ext uri="{0D108BD9-81ED-4DB2-BD59-A6C34878D82A}">
+                    <a16:rowId xmlns:a16="http://schemas.microsoft.com/office/drawing/2014/main" val="799432664"/>
+                  </a:ext>
+                </a:extLst>
+              </a:tr>
+              <a:tr h="216024">
+                <a:tc>
+                  <a:txBody>
+                    <a:bodyPr/>
+                    <a:lstStyle/>
+                    <a:p>
+                      <a:pPr algn="l"/>
+                      <a:r>
+                        <a:rPr lang="ru-RU" sz="1600" dirty="0"/>
+                        <a:t>Асинхронность</a:t>
+                      </a:r>
+                    </a:p>
+                  </a:txBody>
+                  <a:tcPr anchor="ctr" horzOverflow="overflow"/>
+                </a:tc>
+                <a:tc>
+                  <a:txBody>
+                    <a:bodyPr/>
+                    <a:lstStyle/>
+                    <a:p>
+                      <a:pPr algn="l"/>
+                      <a:r>
+                        <a:rPr lang="ru-RU" sz="1600" dirty="0"/>
+                        <a:t>Да</a:t>
+                      </a:r>
+                    </a:p>
+                  </a:txBody>
+                  <a:tcPr anchor="ctr" horzOverflow="overflow"/>
+                </a:tc>
+                <a:tc>
+                  <a:txBody>
+                    <a:bodyPr/>
+                    <a:lstStyle/>
+                    <a:p>
+                      <a:pPr marL="342900" marR="0" lvl="0" indent="-342900" algn="l" defTabSz="914400" rtl="0" eaLnBrk="1" fontAlgn="base" latinLnBrk="0" hangingPunct="1">
+                        <a:lnSpc>
+                          <a:spcPct val="100000"/>
+                        </a:lnSpc>
+                        <a:spcBef>
+                          <a:spcPct val="0"/>
+                        </a:spcBef>
+                        <a:spcAft>
+                          <a:spcPct val="0"/>
+                        </a:spcAft>
+                        <a:buClrTx/>
+                        <a:buSzTx/>
+                        <a:buFontTx/>
+                        <a:buNone/>
+                        <a:tabLst/>
+                      </a:pPr>
+                      <a:r>
+                        <a:rPr kumimoji="0" lang="ru-RU" sz="1600" b="1" u="none" strike="noStrike" kern="1200" cap="none" normalizeH="0" baseline="0" dirty="0">
+                          <a:ln>
+                            <a:noFill/>
+                          </a:ln>
+                          <a:solidFill>
+                            <a:schemeClr val="bg1"/>
+                          </a:solidFill>
+                          <a:effectLst/>
+                          <a:latin typeface="+mn-lt"/>
+                          <a:ea typeface="+mn-ea"/>
+                          <a:cs typeface="+mn-cs"/>
+                        </a:rPr>
+                        <a:t>Да</a:t>
+                      </a:r>
+                    </a:p>
+                  </a:txBody>
+                  <a:tcPr anchor="ctr" horzOverflow="overflow">
+                    <a:solidFill>
+                      <a:srgbClr val="0070C0"/>
+                    </a:solidFill>
+                  </a:tcPr>
+                </a:tc>
+                <a:tc>
+                  <a:txBody>
+                    <a:bodyPr/>
+                    <a:lstStyle/>
+                    <a:p>
+                      <a:pPr algn="l"/>
+                      <a:r>
+                        <a:rPr lang="ru-RU" sz="1600" dirty="0"/>
+                        <a:t>Да</a:t>
+                      </a:r>
+                    </a:p>
+                  </a:txBody>
+                  <a:tcPr anchor="ctr" horzOverflow="overflow"/>
+                </a:tc>
+                <a:tc>
+                  <a:txBody>
+                    <a:bodyPr/>
+                    <a:lstStyle/>
+                    <a:p>
+                      <a:pPr algn="l"/>
+                      <a:r>
+                        <a:rPr lang="ru-RU" sz="1600" dirty="0"/>
+                        <a:t>Да</a:t>
+                      </a:r>
+                    </a:p>
+                  </a:txBody>
+                  <a:tcPr anchor="ctr" horzOverflow="overflow"/>
+                </a:tc>
+                <a:tc>
+                  <a:txBody>
+                    <a:bodyPr/>
+                    <a:lstStyle/>
+                    <a:p>
+                      <a:pPr algn="l"/>
+                      <a:r>
+                        <a:rPr lang="ru-RU" sz="1600" dirty="0"/>
+                        <a:t>Нет</a:t>
+                      </a:r>
+                    </a:p>
+                  </a:txBody>
+                  <a:tcPr anchor="ctr" horzOverflow="overflow"/>
+                </a:tc>
+                <a:tc>
+                  <a:txBody>
+                    <a:bodyPr/>
+                    <a:lstStyle/>
+                    <a:p>
+                      <a:pPr algn="l"/>
+                      <a:r>
+                        <a:rPr lang="ru-RU" sz="1600" dirty="0"/>
+                        <a:t>Да</a:t>
+                      </a:r>
+                    </a:p>
+                  </a:txBody>
+                  <a:tcPr anchor="ctr" horzOverflow="overflow"/>
+                </a:tc>
+                <a:extLst>
+                  <a:ext uri="{0D108BD9-81ED-4DB2-BD59-A6C34878D82A}">
+                    <a16:rowId xmlns:a16="http://schemas.microsoft.com/office/drawing/2014/main" val="3731908624"/>
+                  </a:ext>
+                </a:extLst>
+              </a:tr>
+              <a:tr h="216024">
+                <a:tc>
+                  <a:txBody>
+                    <a:bodyPr/>
+                    <a:lstStyle/>
+                    <a:p>
+                      <a:pPr algn="l"/>
+                      <a:r>
+                        <a:rPr lang="ru-RU" sz="1600" dirty="0"/>
+                        <a:t>Реализованный </a:t>
+                      </a:r>
+                      <a:r>
+                        <a:rPr lang="en-US" sz="1600" dirty="0"/>
+                        <a:t>IoC</a:t>
+                      </a:r>
+                      <a:r>
+                        <a:rPr lang="ru-RU" sz="1600" dirty="0"/>
+                        <a:t>-контейнер</a:t>
+                      </a:r>
+                      <a:r>
+                        <a:rPr lang="en-US" sz="1600" dirty="0"/>
+                        <a:t> </a:t>
+                      </a:r>
+                      <a:r>
+                        <a:rPr lang="ru-RU" sz="1600" dirty="0"/>
+                        <a:t>для </a:t>
+                      </a:r>
+                      <a:r>
+                        <a:rPr lang="en-US" sz="1600" dirty="0"/>
+                        <a:t>DI</a:t>
+                      </a:r>
+                      <a:endParaRPr lang="ru-RU" sz="1600" dirty="0"/>
+                    </a:p>
+                  </a:txBody>
+                  <a:tcPr anchor="ctr" horzOverflow="overflow"/>
+                </a:tc>
+                <a:tc>
+                  <a:txBody>
+                    <a:bodyPr/>
+                    <a:lstStyle/>
+                    <a:p>
+                      <a:pPr algn="l"/>
+                      <a:r>
+                        <a:rPr lang="ru-RU" sz="1600" dirty="0"/>
+                        <a:t>Да</a:t>
+                      </a:r>
+                    </a:p>
+                  </a:txBody>
+                  <a:tcPr anchor="ctr" horzOverflow="overflow"/>
+                </a:tc>
+                <a:tc>
+                  <a:txBody>
+                    <a:bodyPr/>
+                    <a:lstStyle/>
+                    <a:p>
+                      <a:pPr marL="342900" marR="0" lvl="0" indent="-342900" algn="l" defTabSz="914400" rtl="0" eaLnBrk="1" fontAlgn="base" latinLnBrk="0" hangingPunct="1">
+                        <a:lnSpc>
+                          <a:spcPct val="100000"/>
+                        </a:lnSpc>
+                        <a:spcBef>
+                          <a:spcPct val="0"/>
+                        </a:spcBef>
+                        <a:spcAft>
+                          <a:spcPct val="0"/>
+                        </a:spcAft>
+                        <a:buClrTx/>
+                        <a:buSzTx/>
+                        <a:buFontTx/>
+                        <a:buNone/>
+                        <a:tabLst/>
+                      </a:pPr>
+                      <a:r>
+                        <a:rPr kumimoji="0" lang="ru-RU" sz="1600" b="1" u="none" strike="noStrike" kern="1200" cap="none" normalizeH="0" baseline="0" dirty="0">
+                          <a:ln>
+                            <a:noFill/>
+                          </a:ln>
+                          <a:solidFill>
+                            <a:schemeClr val="bg1"/>
+                          </a:solidFill>
+                          <a:effectLst/>
+                          <a:latin typeface="+mn-lt"/>
+                          <a:ea typeface="+mn-ea"/>
+                          <a:cs typeface="+mn-cs"/>
+                        </a:rPr>
+                        <a:t>Да</a:t>
+                      </a:r>
+                    </a:p>
+                  </a:txBody>
+                  <a:tcPr anchor="ctr" horzOverflow="overflow">
+                    <a:solidFill>
+                      <a:srgbClr val="0070C0"/>
+                    </a:solidFill>
+                  </a:tcPr>
+                </a:tc>
+                <a:tc>
+                  <a:txBody>
+                    <a:bodyPr/>
+                    <a:lstStyle/>
+                    <a:p>
+                      <a:pPr algn="l"/>
+                      <a:r>
+                        <a:rPr lang="ru-RU" sz="1600" dirty="0"/>
+                        <a:t>Нет</a:t>
+                      </a:r>
+                    </a:p>
+                  </a:txBody>
+                  <a:tcPr anchor="ctr" horzOverflow="overflow"/>
+                </a:tc>
+                <a:tc>
+                  <a:txBody>
+                    <a:bodyPr/>
+                    <a:lstStyle/>
+                    <a:p>
+                      <a:pPr algn="l"/>
+                      <a:r>
+                        <a:rPr lang="ru-RU" sz="1600" dirty="0"/>
+                        <a:t>Да</a:t>
+                      </a:r>
+                    </a:p>
+                  </a:txBody>
+                  <a:tcPr anchor="ctr" horzOverflow="overflow"/>
+                </a:tc>
+                <a:tc>
+                  <a:txBody>
+                    <a:bodyPr/>
+                    <a:lstStyle/>
+                    <a:p>
+                      <a:pPr algn="l"/>
+                      <a:r>
+                        <a:rPr lang="ru-RU" sz="1600" dirty="0"/>
+                        <a:t>Да</a:t>
+                      </a:r>
+                    </a:p>
+                  </a:txBody>
+                  <a:tcPr anchor="ctr" horzOverflow="overflow"/>
+                </a:tc>
+                <a:tc>
+                  <a:txBody>
+                    <a:bodyPr/>
+                    <a:lstStyle/>
+                    <a:p>
+                      <a:pPr algn="l"/>
+                      <a:r>
+                        <a:rPr lang="ru-RU" sz="1600" dirty="0"/>
+                        <a:t>Нет</a:t>
+                      </a:r>
+                    </a:p>
+                  </a:txBody>
+                  <a:tcPr anchor="ctr" horzOverflow="overflow"/>
+                </a:tc>
+                <a:extLst>
+                  <a:ext uri="{0D108BD9-81ED-4DB2-BD59-A6C34878D82A}">
+                    <a16:rowId xmlns:a16="http://schemas.microsoft.com/office/drawing/2014/main" val="849151706"/>
+                  </a:ext>
+                </a:extLst>
+              </a:tr>
+              <a:tr h="216024">
+                <a:tc>
+                  <a:txBody>
+                    <a:bodyPr/>
+                    <a:lstStyle/>
+                    <a:p>
+                      <a:pPr algn="l"/>
+                      <a:endParaRPr lang="ru-RU" sz="1600" dirty="0"/>
+                    </a:p>
+                  </a:txBody>
+                  <a:tcPr anchor="ctr" horzOverflow="overflow"/>
+                </a:tc>
+                <a:tc>
+                  <a:txBody>
+                    <a:bodyPr/>
+                    <a:lstStyle/>
+                    <a:p>
+                      <a:pPr algn="l"/>
+                      <a:endParaRPr lang="ru-RU" sz="1600" dirty="0"/>
+                    </a:p>
+                  </a:txBody>
+                  <a:tcPr anchor="ctr" horzOverflow="overflow"/>
+                </a:tc>
+                <a:tc>
+                  <a:txBody>
+                    <a:bodyPr/>
+                    <a:lstStyle/>
+                    <a:p>
+                      <a:pPr marL="342900" marR="0" lvl="0" indent="-342900" algn="l" defTabSz="914400" rtl="0" eaLnBrk="1" fontAlgn="base" latinLnBrk="0" hangingPunct="1">
+                        <a:lnSpc>
+                          <a:spcPct val="100000"/>
+                        </a:lnSpc>
+                        <a:spcBef>
+                          <a:spcPct val="0"/>
+                        </a:spcBef>
+                        <a:spcAft>
+                          <a:spcPct val="0"/>
+                        </a:spcAft>
+                        <a:buClrTx/>
+                        <a:buSzTx/>
+                        <a:buFontTx/>
+                        <a:buNone/>
+                        <a:tabLst/>
+                      </a:pPr>
+                      <a:endParaRPr kumimoji="0" lang="ru-RU" sz="1600" b="1" u="none" strike="noStrike" kern="1200" cap="none" normalizeH="0" baseline="0" dirty="0">
+                        <a:ln>
+                          <a:noFill/>
+                        </a:ln>
+                        <a:solidFill>
+                          <a:schemeClr val="bg1"/>
+                        </a:solidFill>
+                        <a:effectLst/>
+                        <a:latin typeface="+mn-lt"/>
+                        <a:ea typeface="+mn-ea"/>
+                        <a:cs typeface="+mn-cs"/>
+                      </a:endParaRPr>
+                    </a:p>
+                  </a:txBody>
+                  <a:tcPr anchor="ctr" horzOverflow="overflow">
+                    <a:solidFill>
+                      <a:srgbClr val="0070C0"/>
+                    </a:solidFill>
+                  </a:tcPr>
+                </a:tc>
+                <a:tc>
+                  <a:txBody>
+                    <a:bodyPr/>
+                    <a:lstStyle/>
+                    <a:p>
+                      <a:pPr algn="l"/>
+                      <a:endParaRPr lang="ru-RU" sz="1600" dirty="0"/>
+                    </a:p>
+                  </a:txBody>
+                  <a:tcPr anchor="ctr" horzOverflow="overflow"/>
+                </a:tc>
+                <a:tc>
+                  <a:txBody>
+                    <a:bodyPr/>
+                    <a:lstStyle/>
+                    <a:p>
+                      <a:pPr algn="l"/>
+                      <a:endParaRPr lang="ru-RU" sz="1600" dirty="0"/>
+                    </a:p>
+                  </a:txBody>
+                  <a:tcPr anchor="ctr" horzOverflow="overflow"/>
+                </a:tc>
+                <a:tc>
+                  <a:txBody>
+                    <a:bodyPr/>
+                    <a:lstStyle/>
+                    <a:p>
+                      <a:pPr algn="l"/>
+                      <a:endParaRPr lang="ru-RU" sz="1600" dirty="0"/>
+                    </a:p>
+                  </a:txBody>
+                  <a:tcPr anchor="ctr" horzOverflow="overflow"/>
+                </a:tc>
+                <a:tc>
+                  <a:txBody>
+                    <a:bodyPr/>
+                    <a:lstStyle/>
+                    <a:p>
+                      <a:pPr algn="l"/>
+                      <a:endParaRPr lang="ru-RU" sz="1600" dirty="0"/>
+                    </a:p>
+                  </a:txBody>
+                  <a:tcPr anchor="ctr" horzOverflow="overflow"/>
+                </a:tc>
+                <a:extLst>
+                  <a:ext uri="{0D108BD9-81ED-4DB2-BD59-A6C34878D82A}">
+                    <a16:rowId xmlns:a16="http://schemas.microsoft.com/office/drawing/2014/main" val="73088631"/>
+                  </a:ext>
+                </a:extLst>
+              </a:tr>
+              <a:tr h="216024">
+                <a:tc>
+                  <a:txBody>
+                    <a:bodyPr/>
+                    <a:lstStyle/>
+                    <a:p>
+                      <a:pPr algn="l"/>
+                      <a:r>
+                        <a:rPr lang="ru-RU" sz="1600" dirty="0"/>
+                        <a:t>Работа с </a:t>
+                      </a:r>
+                      <a:r>
+                        <a:rPr lang="en-US" sz="1600" dirty="0"/>
+                        <a:t>SQL</a:t>
+                      </a:r>
+                      <a:r>
+                        <a:rPr lang="ru-RU" sz="1600" dirty="0"/>
+                        <a:t>, </a:t>
+                      </a:r>
+                      <a:r>
+                        <a:rPr lang="en-US" sz="1600" dirty="0"/>
+                        <a:t>ORM</a:t>
+                      </a:r>
+                      <a:endParaRPr lang="ru-RU" sz="1600" dirty="0"/>
+                    </a:p>
+                  </a:txBody>
+                  <a:tcPr anchor="ctr" horzOverflow="overflow"/>
+                </a:tc>
+                <a:tc>
+                  <a:txBody>
+                    <a:bodyPr/>
+                    <a:lstStyle/>
+                    <a:p>
+                      <a:pPr algn="l"/>
+                      <a:r>
+                        <a:rPr lang="ru-RU" sz="1600" dirty="0"/>
+                        <a:t>Да</a:t>
+                      </a:r>
+                    </a:p>
+                  </a:txBody>
+                  <a:tcPr anchor="ctr" horzOverflow="overflow"/>
+                </a:tc>
+                <a:tc>
+                  <a:txBody>
+                    <a:bodyPr/>
+                    <a:lstStyle/>
+                    <a:p>
+                      <a:pPr marL="342900" marR="0" lvl="0" indent="-342900" algn="l" defTabSz="914400" rtl="0" eaLnBrk="1" fontAlgn="base" latinLnBrk="0" hangingPunct="1">
+                        <a:lnSpc>
+                          <a:spcPct val="100000"/>
+                        </a:lnSpc>
+                        <a:spcBef>
+                          <a:spcPct val="0"/>
+                        </a:spcBef>
+                        <a:spcAft>
+                          <a:spcPct val="0"/>
+                        </a:spcAft>
+                        <a:buClrTx/>
+                        <a:buSzTx/>
+                        <a:buFontTx/>
+                        <a:buNone/>
+                        <a:tabLst/>
+                      </a:pPr>
+                      <a:r>
+                        <a:rPr kumimoji="0" lang="ru-RU" sz="1600" b="1" u="none" strike="noStrike" kern="1200" cap="none" normalizeH="0" baseline="0" dirty="0">
+                          <a:ln>
+                            <a:noFill/>
+                          </a:ln>
+                          <a:solidFill>
+                            <a:schemeClr val="bg1"/>
+                          </a:solidFill>
+                          <a:effectLst/>
+                          <a:latin typeface="+mn-lt"/>
+                          <a:ea typeface="+mn-ea"/>
+                          <a:cs typeface="+mn-cs"/>
+                        </a:rPr>
+                        <a:t>Да</a:t>
+                      </a:r>
+                    </a:p>
+                  </a:txBody>
+                  <a:tcPr anchor="ctr" horzOverflow="overflow">
+                    <a:solidFill>
+                      <a:srgbClr val="0070C0"/>
+                    </a:solidFill>
+                  </a:tcPr>
+                </a:tc>
+                <a:tc>
+                  <a:txBody>
+                    <a:bodyPr/>
+                    <a:lstStyle/>
+                    <a:p>
+                      <a:pPr algn="l"/>
+                      <a:r>
+                        <a:rPr lang="ru-RU" sz="1600" dirty="0"/>
+                        <a:t>Да</a:t>
+                      </a:r>
+                    </a:p>
+                  </a:txBody>
+                  <a:tcPr anchor="ctr" horzOverflow="overflow"/>
+                </a:tc>
+                <a:tc>
+                  <a:txBody>
+                    <a:bodyPr/>
+                    <a:lstStyle/>
+                    <a:p>
+                      <a:pPr algn="l"/>
+                      <a:r>
+                        <a:rPr lang="ru-RU" sz="1600" dirty="0"/>
+                        <a:t>Да</a:t>
+                      </a:r>
+                    </a:p>
+                  </a:txBody>
+                  <a:tcPr anchor="ctr" horzOverflow="overflow"/>
+                </a:tc>
+                <a:tc>
+                  <a:txBody>
+                    <a:bodyPr/>
+                    <a:lstStyle/>
+                    <a:p>
+                      <a:pPr algn="l"/>
+                      <a:r>
+                        <a:rPr lang="ru-RU" sz="1600" dirty="0"/>
+                        <a:t>Да</a:t>
+                      </a:r>
+                    </a:p>
+                  </a:txBody>
+                  <a:tcPr anchor="ctr" horzOverflow="overflow"/>
+                </a:tc>
+                <a:tc>
+                  <a:txBody>
+                    <a:bodyPr/>
+                    <a:lstStyle/>
+                    <a:p>
+                      <a:pPr algn="l"/>
+                      <a:r>
+                        <a:rPr lang="ru-RU" sz="1600" dirty="0"/>
+                        <a:t>Да</a:t>
+                      </a:r>
+                    </a:p>
+                  </a:txBody>
+                  <a:tcPr anchor="ctr" horzOverflow="overflow"/>
+                </a:tc>
+                <a:extLst>
+                  <a:ext uri="{0D108BD9-81ED-4DB2-BD59-A6C34878D82A}">
+                    <a16:rowId xmlns:a16="http://schemas.microsoft.com/office/drawing/2014/main" val="3809712579"/>
+                  </a:ext>
+                </a:extLst>
+              </a:tr>
+              <a:tr h="216024">
+                <a:tc>
+                  <a:txBody>
+                    <a:bodyPr/>
+                    <a:lstStyle/>
+                    <a:p>
+                      <a:pPr algn="l"/>
+                      <a:r>
+                        <a:rPr lang="ru-RU" sz="1600" dirty="0"/>
+                        <a:t>Рефлексия типов</a:t>
+                      </a:r>
+                    </a:p>
+                  </a:txBody>
+                  <a:tcPr anchor="ctr" horzOverflow="overflow"/>
+                </a:tc>
+                <a:tc>
+                  <a:txBody>
+                    <a:bodyPr/>
+                    <a:lstStyle/>
+                    <a:p>
+                      <a:pPr algn="l"/>
+                      <a:r>
+                        <a:rPr lang="ru-RU" sz="1600" dirty="0"/>
+                        <a:t>Да</a:t>
+                      </a:r>
+                    </a:p>
+                  </a:txBody>
+                  <a:tcPr anchor="ctr" horzOverflow="overflow"/>
+                </a:tc>
+                <a:tc>
+                  <a:txBody>
+                    <a:bodyPr/>
+                    <a:lstStyle/>
+                    <a:p>
+                      <a:pPr marL="342900" marR="0" lvl="0" indent="-342900" algn="l" defTabSz="914400" rtl="0" eaLnBrk="1" fontAlgn="base" latinLnBrk="0" hangingPunct="1">
+                        <a:lnSpc>
+                          <a:spcPct val="100000"/>
+                        </a:lnSpc>
+                        <a:spcBef>
+                          <a:spcPct val="0"/>
+                        </a:spcBef>
+                        <a:spcAft>
+                          <a:spcPct val="0"/>
+                        </a:spcAft>
+                        <a:buClrTx/>
+                        <a:buSzTx/>
+                        <a:buFontTx/>
+                        <a:buNone/>
+                        <a:tabLst/>
+                      </a:pPr>
+                      <a:r>
+                        <a:rPr kumimoji="0" lang="ru-RU" sz="1600" b="1" u="none" strike="noStrike" kern="1200" cap="none" normalizeH="0" baseline="0" dirty="0">
+                          <a:ln>
+                            <a:noFill/>
+                          </a:ln>
+                          <a:solidFill>
+                            <a:schemeClr val="bg1"/>
+                          </a:solidFill>
+                          <a:effectLst/>
+                          <a:latin typeface="+mn-lt"/>
+                          <a:ea typeface="+mn-ea"/>
+                          <a:cs typeface="+mn-cs"/>
+                        </a:rPr>
+                        <a:t>Да</a:t>
+                      </a:r>
+                    </a:p>
+                  </a:txBody>
+                  <a:tcPr anchor="ctr" horzOverflow="overflow">
+                    <a:solidFill>
+                      <a:srgbClr val="0070C0"/>
+                    </a:solidFill>
+                  </a:tcPr>
+                </a:tc>
+                <a:tc>
+                  <a:txBody>
+                    <a:bodyPr/>
+                    <a:lstStyle/>
+                    <a:p>
+                      <a:pPr algn="l"/>
+                      <a:r>
+                        <a:rPr lang="ru-RU" sz="1600" dirty="0"/>
+                        <a:t>Да</a:t>
+                      </a:r>
+                    </a:p>
+                  </a:txBody>
+                  <a:tcPr anchor="ctr" horzOverflow="overflow"/>
+                </a:tc>
+                <a:tc>
+                  <a:txBody>
+                    <a:bodyPr/>
+                    <a:lstStyle/>
+                    <a:p>
+                      <a:pPr algn="l"/>
+                      <a:r>
+                        <a:rPr lang="ru-RU" sz="1600" dirty="0"/>
+                        <a:t>Да</a:t>
+                      </a:r>
+                    </a:p>
+                  </a:txBody>
+                  <a:tcPr anchor="ctr" horzOverflow="overflow"/>
+                </a:tc>
+                <a:tc>
+                  <a:txBody>
+                    <a:bodyPr/>
+                    <a:lstStyle/>
+                    <a:p>
+                      <a:pPr algn="l"/>
+                      <a:r>
+                        <a:rPr lang="ru-RU" sz="1600" dirty="0"/>
+                        <a:t>Да</a:t>
+                      </a:r>
+                    </a:p>
+                  </a:txBody>
+                  <a:tcPr anchor="ctr" horzOverflow="overflow"/>
+                </a:tc>
+                <a:tc>
+                  <a:txBody>
+                    <a:bodyPr/>
+                    <a:lstStyle/>
+                    <a:p>
+                      <a:pPr algn="l"/>
+                      <a:r>
+                        <a:rPr lang="ru-RU" sz="1600" dirty="0"/>
+                        <a:t>Да</a:t>
+                      </a:r>
+                    </a:p>
+                  </a:txBody>
+                  <a:tcPr anchor="ctr" horzOverflow="overflow"/>
+                </a:tc>
+                <a:extLst>
+                  <a:ext uri="{0D108BD9-81ED-4DB2-BD59-A6C34878D82A}">
+                    <a16:rowId xmlns:a16="http://schemas.microsoft.com/office/drawing/2014/main" val="3137970904"/>
+                  </a:ext>
+                </a:extLst>
+              </a:tr>
+              <a:tr h="216024">
+                <a:tc>
+                  <a:txBody>
+                    <a:bodyPr/>
+                    <a:lstStyle/>
+                    <a:p>
+                      <a:pPr algn="l"/>
+                      <a:r>
+                        <a:rPr lang="ru-RU" sz="1600" dirty="0"/>
+                        <a:t>Обработка исключений</a:t>
+                      </a:r>
+                    </a:p>
+                  </a:txBody>
+                  <a:tcPr anchor="ctr" horzOverflow="overflow"/>
+                </a:tc>
+                <a:tc>
+                  <a:txBody>
+                    <a:bodyPr/>
+                    <a:lstStyle/>
+                    <a:p>
+                      <a:pPr algn="l"/>
+                      <a:r>
+                        <a:rPr lang="ru-RU" sz="1600" dirty="0"/>
+                        <a:t>Да</a:t>
+                      </a:r>
+                    </a:p>
+                  </a:txBody>
+                  <a:tcPr anchor="ctr" horzOverflow="overflow"/>
+                </a:tc>
+                <a:tc>
+                  <a:txBody>
+                    <a:bodyPr/>
+                    <a:lstStyle/>
+                    <a:p>
+                      <a:pPr marL="342900" marR="0" lvl="0" indent="-342900" algn="l" defTabSz="914400" rtl="0" eaLnBrk="1" fontAlgn="base" latinLnBrk="0" hangingPunct="1">
+                        <a:lnSpc>
+                          <a:spcPct val="100000"/>
+                        </a:lnSpc>
+                        <a:spcBef>
+                          <a:spcPct val="0"/>
+                        </a:spcBef>
+                        <a:spcAft>
+                          <a:spcPct val="0"/>
+                        </a:spcAft>
+                        <a:buClrTx/>
+                        <a:buSzTx/>
+                        <a:buFontTx/>
+                        <a:buNone/>
+                        <a:tabLst/>
+                      </a:pPr>
+                      <a:r>
+                        <a:rPr kumimoji="0" lang="ru-RU" sz="1600" b="1" u="none" strike="noStrike" kern="1200" cap="none" normalizeH="0" baseline="0" dirty="0">
+                          <a:ln>
+                            <a:noFill/>
+                          </a:ln>
+                          <a:solidFill>
+                            <a:schemeClr val="bg1"/>
+                          </a:solidFill>
+                          <a:effectLst/>
+                          <a:latin typeface="+mn-lt"/>
+                          <a:ea typeface="+mn-ea"/>
+                          <a:cs typeface="+mn-cs"/>
+                        </a:rPr>
+                        <a:t>Да</a:t>
+                      </a:r>
+                    </a:p>
+                  </a:txBody>
+                  <a:tcPr anchor="ctr" horzOverflow="overflow">
+                    <a:solidFill>
+                      <a:srgbClr val="0070C0"/>
+                    </a:solidFill>
+                  </a:tcPr>
+                </a:tc>
+                <a:tc>
+                  <a:txBody>
+                    <a:bodyPr/>
+                    <a:lstStyle/>
+                    <a:p>
+                      <a:pPr algn="l"/>
+                      <a:r>
+                        <a:rPr lang="ru-RU" sz="1600" dirty="0"/>
+                        <a:t>Да</a:t>
+                      </a:r>
+                    </a:p>
+                  </a:txBody>
+                  <a:tcPr anchor="ctr" horzOverflow="overflow"/>
+                </a:tc>
+                <a:tc>
+                  <a:txBody>
+                    <a:bodyPr/>
+                    <a:lstStyle/>
+                    <a:p>
+                      <a:pPr algn="l"/>
+                      <a:r>
+                        <a:rPr lang="ru-RU" sz="1600" dirty="0"/>
+                        <a:t>Да</a:t>
+                      </a:r>
+                    </a:p>
+                  </a:txBody>
+                  <a:tcPr anchor="ctr" horzOverflow="overflow"/>
+                </a:tc>
+                <a:tc>
+                  <a:txBody>
+                    <a:bodyPr/>
+                    <a:lstStyle/>
+                    <a:p>
+                      <a:pPr algn="l"/>
+                      <a:r>
+                        <a:rPr lang="ru-RU" sz="1600" dirty="0"/>
+                        <a:t>Да</a:t>
+                      </a:r>
+                    </a:p>
+                  </a:txBody>
+                  <a:tcPr anchor="ctr" horzOverflow="overflow"/>
+                </a:tc>
+                <a:tc>
+                  <a:txBody>
+                    <a:bodyPr/>
+                    <a:lstStyle/>
+                    <a:p>
+                      <a:pPr algn="l"/>
+                      <a:r>
+                        <a:rPr lang="ru-RU" sz="1600" dirty="0"/>
+                        <a:t>Да</a:t>
+                      </a:r>
+                    </a:p>
+                  </a:txBody>
+                  <a:tcPr anchor="ctr" horzOverflow="overflow"/>
+                </a:tc>
+                <a:extLst>
+                  <a:ext uri="{0D108BD9-81ED-4DB2-BD59-A6C34878D82A}">
+                    <a16:rowId xmlns:a16="http://schemas.microsoft.com/office/drawing/2014/main" val="10005"/>
+                  </a:ext>
+                </a:extLst>
+              </a:tr>
+            </a:tbl>
+          </a:graphicData>
+        </a:graphic>
+      </p:graphicFrame>
+    </p:spTree>
+    <p:extLst>
+      <p:ext uri="{BB962C8B-B14F-4D97-AF65-F5344CB8AC3E}">
+        <p14:creationId xmlns:p14="http://schemas.microsoft.com/office/powerpoint/2010/main" val="3203264382"/>
+      </p:ext>
+    </p:extLst>
+  </p:cSld>
+  <p:clrMapOvr>
+    <a:masterClrMapping/>
+  </p:clrMapOvr>
+</p:sld>
+</file>
+
+<file path=ppt/slides/slide6.xml><?xml version="1.0" encoding="utf-8"?>
 <p:sld xmlns:a="http://schemas.openxmlformats.org/drawingml/2006/main" xmlns:r="http://schemas.openxmlformats.org/officeDocument/2006/relationships" xmlns:p="http://schemas.openxmlformats.org/presentationml/2006/main">
   <p:cSld>
     <p:spTree>
@@ -17276,7 +22587,1472 @@
 </p:sld>
 </file>
 
-<file path=ppt/slides/slide6.xml><?xml version="1.0" encoding="utf-8"?>
+<file path=ppt/slides/slide7.xml><?xml version="1.0" encoding="utf-8"?>
+<p:sld xmlns:a="http://schemas.openxmlformats.org/drawingml/2006/main" xmlns:r="http://schemas.openxmlformats.org/officeDocument/2006/relationships" xmlns:p="http://schemas.openxmlformats.org/presentationml/2006/main">
+  <p:cSld>
+    <p:spTree>
+      <p:nvGrpSpPr>
+        <p:cNvPr id="1" name=""/>
+        <p:cNvGrpSpPr/>
+        <p:nvPr/>
+      </p:nvGrpSpPr>
+      <p:grpSpPr>
+        <a:xfrm>
+          <a:off x="0" y="0"/>
+          <a:ext cx="0" cy="0"/>
+          <a:chOff x="0" y="0"/>
+          <a:chExt cx="0" cy="0"/>
+        </a:xfrm>
+      </p:grpSpPr>
+      <p:graphicFrame>
+        <p:nvGraphicFramePr>
+          <p:cNvPr id="4" name="Таблица 3">
+            <a:extLst>
+              <a:ext uri="{FF2B5EF4-FFF2-40B4-BE49-F238E27FC236}">
+                <a16:creationId xmlns:a16="http://schemas.microsoft.com/office/drawing/2014/main" id="{1621898B-5D09-6804-EF12-33F7E2AE41D9}"/>
+              </a:ext>
+            </a:extLst>
+          </p:cNvPr>
+          <p:cNvGraphicFramePr>
+            <a:graphicFrameLocks noGrp="1"/>
+          </p:cNvGraphicFramePr>
+          <p:nvPr>
+            <p:extLst>
+              <p:ext uri="{D42A27DB-BD31-4B8C-83A1-F6EECF244321}">
+                <p14:modId xmlns:p14="http://schemas.microsoft.com/office/powerpoint/2010/main" val="604417512"/>
+              </p:ext>
+            </p:extLst>
+          </p:nvPr>
+        </p:nvGraphicFramePr>
+        <p:xfrm>
+          <a:off x="467544" y="766652"/>
+          <a:ext cx="8280917" cy="4846320"/>
+        </p:xfrm>
+        <a:graphic>
+          <a:graphicData uri="http://schemas.openxmlformats.org/drawingml/2006/table">
+            <a:tbl>
+              <a:tblPr firstRow="1" bandRow="1">
+                <a:tableStyleId>{D7AC3CCA-C797-4891-BE02-D94E43425B78}</a:tableStyleId>
+              </a:tblPr>
+              <a:tblGrid>
+                <a:gridCol w="2088232">
+                  <a:extLst>
+                    <a:ext uri="{9D8B030D-6E8A-4147-A177-3AD203B41FA5}">
+                      <a16:colId xmlns:a16="http://schemas.microsoft.com/office/drawing/2014/main" val="20000"/>
+                    </a:ext>
+                  </a:extLst>
+                </a:gridCol>
+                <a:gridCol w="1238537">
+                  <a:extLst>
+                    <a:ext uri="{9D8B030D-6E8A-4147-A177-3AD203B41FA5}">
+                      <a16:colId xmlns:a16="http://schemas.microsoft.com/office/drawing/2014/main" val="20001"/>
+                    </a:ext>
+                  </a:extLst>
+                </a:gridCol>
+                <a:gridCol w="1238537">
+                  <a:extLst>
+                    <a:ext uri="{9D8B030D-6E8A-4147-A177-3AD203B41FA5}">
+                      <a16:colId xmlns:a16="http://schemas.microsoft.com/office/drawing/2014/main" val="20002"/>
+                    </a:ext>
+                  </a:extLst>
+                </a:gridCol>
+                <a:gridCol w="1238537">
+                  <a:extLst>
+                    <a:ext uri="{9D8B030D-6E8A-4147-A177-3AD203B41FA5}">
+                      <a16:colId xmlns:a16="http://schemas.microsoft.com/office/drawing/2014/main" val="20003"/>
+                    </a:ext>
+                  </a:extLst>
+                </a:gridCol>
+                <a:gridCol w="1238537">
+                  <a:extLst>
+                    <a:ext uri="{9D8B030D-6E8A-4147-A177-3AD203B41FA5}">
+                      <a16:colId xmlns:a16="http://schemas.microsoft.com/office/drawing/2014/main" val="1505116884"/>
+                    </a:ext>
+                  </a:extLst>
+                </a:gridCol>
+                <a:gridCol w="1238537">
+                  <a:extLst>
+                    <a:ext uri="{9D8B030D-6E8A-4147-A177-3AD203B41FA5}">
+                      <a16:colId xmlns:a16="http://schemas.microsoft.com/office/drawing/2014/main" val="59124449"/>
+                    </a:ext>
+                  </a:extLst>
+                </a:gridCol>
+              </a:tblGrid>
+              <a:tr h="130843">
+                <a:tc>
+                  <a:txBody>
+                    <a:bodyPr/>
+                    <a:lstStyle/>
+                    <a:p>
+                      <a:pPr marL="342900" marR="0" lvl="0" indent="-342900" algn="l" defTabSz="914400" rtl="0" eaLnBrk="1" fontAlgn="base" latinLnBrk="0" hangingPunct="1">
+                        <a:lnSpc>
+                          <a:spcPct val="100000"/>
+                        </a:lnSpc>
+                        <a:spcBef>
+                          <a:spcPct val="0"/>
+                        </a:spcBef>
+                        <a:spcAft>
+                          <a:spcPct val="0"/>
+                        </a:spcAft>
+                        <a:buClrTx/>
+                        <a:buSzTx/>
+                        <a:buFontTx/>
+                        <a:buNone/>
+                        <a:tabLst/>
+                      </a:pPr>
+                      <a:r>
+                        <a:rPr kumimoji="0" lang="ru-RU" sz="1200" u="none" strike="noStrike" cap="none" normalizeH="0" baseline="0" dirty="0">
+                          <a:ln>
+                            <a:noFill/>
+                          </a:ln>
+                          <a:effectLst/>
+                        </a:rPr>
+                        <a:t>Критерий</a:t>
+                      </a:r>
+                      <a:endParaRPr kumimoji="0" lang="ru-RU" sz="1400" b="0" i="0" u="none" strike="noStrike" cap="none" normalizeH="0" baseline="0" dirty="0">
+                        <a:ln>
+                          <a:noFill/>
+                        </a:ln>
+                        <a:solidFill>
+                          <a:schemeClr val="tx1"/>
+                        </a:solidFill>
+                        <a:effectLst/>
+                        <a:latin typeface="+mn-lt"/>
+                      </a:endParaRPr>
+                    </a:p>
+                  </a:txBody>
+                  <a:tcPr anchor="ctr" horzOverflow="overflow"/>
+                </a:tc>
+                <a:tc>
+                  <a:txBody>
+                    <a:bodyPr/>
+                    <a:lstStyle/>
+                    <a:p>
+                      <a:pPr marL="342900" marR="0" lvl="0" indent="-342900" algn="l" defTabSz="914400" rtl="0" eaLnBrk="1" fontAlgn="base" latinLnBrk="0" hangingPunct="1">
+                        <a:lnSpc>
+                          <a:spcPct val="100000"/>
+                        </a:lnSpc>
+                        <a:spcBef>
+                          <a:spcPct val="0"/>
+                        </a:spcBef>
+                        <a:spcAft>
+                          <a:spcPct val="0"/>
+                        </a:spcAft>
+                        <a:buClrTx/>
+                        <a:buSzTx/>
+                        <a:buFontTx/>
+                        <a:buNone/>
+                        <a:tabLst/>
+                      </a:pPr>
+                      <a:r>
+                        <a:rPr kumimoji="0" lang="en-US" sz="1200" b="1" u="none" strike="noStrike" kern="1200" cap="none" normalizeH="0" baseline="0" dirty="0">
+                          <a:ln>
+                            <a:noFill/>
+                          </a:ln>
+                          <a:solidFill>
+                            <a:schemeClr val="bg1"/>
+                          </a:solidFill>
+                          <a:effectLst/>
+                          <a:latin typeface="+mn-lt"/>
+                          <a:ea typeface="+mn-ea"/>
+                          <a:cs typeface="+mn-cs"/>
+                        </a:rPr>
+                        <a:t>Visual Studio</a:t>
+                      </a:r>
+                      <a:r>
+                        <a:rPr kumimoji="0" lang="en-US" sz="1200" b="1" u="none" strike="noStrike" kern="1200" cap="none" normalizeH="0" baseline="30000" dirty="0">
+                          <a:ln>
+                            <a:noFill/>
+                          </a:ln>
+                          <a:solidFill>
+                            <a:schemeClr val="bg1"/>
+                          </a:solidFill>
+                          <a:effectLst/>
+                          <a:latin typeface="+mn-lt"/>
+                          <a:ea typeface="+mn-ea"/>
+                          <a:cs typeface="+mn-cs"/>
+                        </a:rPr>
+                        <a:t>[1]</a:t>
+                      </a:r>
+                    </a:p>
+                  </a:txBody>
+                  <a:tcPr anchor="ctr" horzOverflow="overflow">
+                    <a:solidFill>
+                      <a:srgbClr val="0070C0"/>
+                    </a:solidFill>
+                  </a:tcPr>
+                </a:tc>
+                <a:tc>
+                  <a:txBody>
+                    <a:bodyPr/>
+                    <a:lstStyle/>
+                    <a:p>
+                      <a:pPr marL="342900" marR="0" lvl="0" indent="-342900" algn="l" defTabSz="914400" rtl="0" eaLnBrk="1" fontAlgn="base" latinLnBrk="0" hangingPunct="1">
+                        <a:lnSpc>
+                          <a:spcPct val="100000"/>
+                        </a:lnSpc>
+                        <a:spcBef>
+                          <a:spcPct val="0"/>
+                        </a:spcBef>
+                        <a:spcAft>
+                          <a:spcPct val="0"/>
+                        </a:spcAft>
+                        <a:buClrTx/>
+                        <a:buSzTx/>
+                        <a:buFontTx/>
+                        <a:buNone/>
+                        <a:tabLst/>
+                      </a:pPr>
+                      <a:r>
+                        <a:rPr kumimoji="0" lang="en-US" sz="1200" b="1" u="none" strike="noStrike" kern="1200" cap="none" normalizeH="0" baseline="0" dirty="0">
+                          <a:ln>
+                            <a:noFill/>
+                          </a:ln>
+                          <a:solidFill>
+                            <a:schemeClr val="dk1"/>
+                          </a:solidFill>
+                          <a:effectLst/>
+                          <a:latin typeface="+mn-lt"/>
+                          <a:ea typeface="+mn-ea"/>
+                          <a:cs typeface="+mn-cs"/>
+                        </a:rPr>
+                        <a:t>Rider</a:t>
+                      </a:r>
+                      <a:r>
+                        <a:rPr kumimoji="0" lang="en-US" sz="1200" b="1" u="none" strike="noStrike" kern="1200" cap="none" normalizeH="0" baseline="30000" dirty="0">
+                          <a:ln>
+                            <a:noFill/>
+                          </a:ln>
+                          <a:solidFill>
+                            <a:schemeClr val="dk1"/>
+                          </a:solidFill>
+                          <a:effectLst/>
+                          <a:latin typeface="+mn-lt"/>
+                          <a:ea typeface="+mn-ea"/>
+                          <a:cs typeface="+mn-cs"/>
+                        </a:rPr>
+                        <a:t>[2]</a:t>
+                      </a:r>
+                    </a:p>
+                  </a:txBody>
+                  <a:tcPr anchor="ctr" horzOverflow="overflow"/>
+                </a:tc>
+                <a:tc>
+                  <a:txBody>
+                    <a:bodyPr/>
+                    <a:lstStyle/>
+                    <a:p>
+                      <a:pPr marL="342900" marR="0" lvl="0" indent="-342900" algn="l" defTabSz="914400" rtl="0" eaLnBrk="1" fontAlgn="base" latinLnBrk="0" hangingPunct="1">
+                        <a:lnSpc>
+                          <a:spcPct val="100000"/>
+                        </a:lnSpc>
+                        <a:spcBef>
+                          <a:spcPct val="0"/>
+                        </a:spcBef>
+                        <a:spcAft>
+                          <a:spcPct val="0"/>
+                        </a:spcAft>
+                        <a:buClrTx/>
+                        <a:buSzTx/>
+                        <a:buFontTx/>
+                        <a:buNone/>
+                        <a:tabLst/>
+                      </a:pPr>
+                      <a:r>
+                        <a:rPr kumimoji="0" lang="en-US" sz="1200" b="1" u="none" strike="noStrike" kern="1200" cap="none" normalizeH="0" baseline="0" dirty="0" err="1">
+                          <a:ln>
+                            <a:noFill/>
+                          </a:ln>
+                          <a:solidFill>
+                            <a:schemeClr val="dk1"/>
+                          </a:solidFill>
+                          <a:effectLst/>
+                          <a:latin typeface="+mn-lt"/>
+                          <a:ea typeface="+mn-ea"/>
+                          <a:cs typeface="+mn-cs"/>
+                        </a:rPr>
+                        <a:t>MonoDevelop</a:t>
+                      </a:r>
+                      <a:r>
+                        <a:rPr kumimoji="0" lang="en-US" sz="1200" b="1" u="none" strike="noStrike" kern="1200" cap="none" normalizeH="0" baseline="30000" dirty="0">
+                          <a:ln>
+                            <a:noFill/>
+                          </a:ln>
+                          <a:solidFill>
+                            <a:schemeClr val="dk1"/>
+                          </a:solidFill>
+                          <a:effectLst/>
+                          <a:latin typeface="+mn-lt"/>
+                          <a:ea typeface="+mn-ea"/>
+                          <a:cs typeface="+mn-cs"/>
+                        </a:rPr>
+                        <a:t>[3]</a:t>
+                      </a:r>
+                    </a:p>
+                  </a:txBody>
+                  <a:tcPr anchor="ctr" horzOverflow="overflow"/>
+                </a:tc>
+                <a:tc>
+                  <a:txBody>
+                    <a:bodyPr/>
+                    <a:lstStyle/>
+                    <a:p>
+                      <a:pPr marL="342900" marR="0" lvl="0" indent="-342900" algn="l" defTabSz="914400" rtl="0" eaLnBrk="1" fontAlgn="base" latinLnBrk="0" hangingPunct="1">
+                        <a:lnSpc>
+                          <a:spcPct val="100000"/>
+                        </a:lnSpc>
+                        <a:spcBef>
+                          <a:spcPct val="0"/>
+                        </a:spcBef>
+                        <a:spcAft>
+                          <a:spcPct val="0"/>
+                        </a:spcAft>
+                        <a:buClrTx/>
+                        <a:buSzTx/>
+                        <a:buFontTx/>
+                        <a:buNone/>
+                        <a:tabLst/>
+                      </a:pPr>
+                      <a:r>
+                        <a:rPr kumimoji="0" lang="en-US" sz="1200" b="1" u="none" strike="noStrike" kern="1200" cap="none" normalizeH="0" baseline="0" dirty="0" err="1">
+                          <a:ln>
+                            <a:noFill/>
+                          </a:ln>
+                          <a:solidFill>
+                            <a:schemeClr val="dk1"/>
+                          </a:solidFill>
+                          <a:effectLst/>
+                          <a:latin typeface="+mn-lt"/>
+                          <a:ea typeface="+mn-ea"/>
+                          <a:cs typeface="+mn-cs"/>
+                        </a:rPr>
+                        <a:t>SharpDevelop</a:t>
+                      </a:r>
+                      <a:r>
+                        <a:rPr kumimoji="0" lang="en-US" sz="1200" b="1" u="none" strike="noStrike" kern="1200" cap="none" normalizeH="0" baseline="30000" dirty="0">
+                          <a:ln>
+                            <a:noFill/>
+                          </a:ln>
+                          <a:solidFill>
+                            <a:schemeClr val="dk1"/>
+                          </a:solidFill>
+                          <a:effectLst/>
+                          <a:latin typeface="+mn-lt"/>
+                          <a:ea typeface="+mn-ea"/>
+                          <a:cs typeface="+mn-cs"/>
+                        </a:rPr>
+                        <a:t>[4]</a:t>
+                      </a:r>
+                    </a:p>
+                  </a:txBody>
+                  <a:tcPr anchor="ctr" horzOverflow="overflow"/>
+                </a:tc>
+                <a:tc>
+                  <a:txBody>
+                    <a:bodyPr/>
+                    <a:lstStyle/>
+                    <a:p>
+                      <a:pPr marL="342900" marR="0" lvl="0" indent="-342900" algn="l" defTabSz="914400" rtl="0" eaLnBrk="1" fontAlgn="base" latinLnBrk="0" hangingPunct="1">
+                        <a:lnSpc>
+                          <a:spcPct val="100000"/>
+                        </a:lnSpc>
+                        <a:spcBef>
+                          <a:spcPct val="0"/>
+                        </a:spcBef>
+                        <a:spcAft>
+                          <a:spcPct val="0"/>
+                        </a:spcAft>
+                        <a:buClrTx/>
+                        <a:buSzTx/>
+                        <a:buFontTx/>
+                        <a:buNone/>
+                        <a:tabLst/>
+                        <a:defRPr/>
+                      </a:pPr>
+                      <a:r>
+                        <a:rPr kumimoji="0" lang="en-US" sz="1200" b="1" u="none" strike="noStrike" kern="1200" cap="none" normalizeH="0" baseline="0" dirty="0">
+                          <a:ln>
+                            <a:noFill/>
+                          </a:ln>
+                          <a:solidFill>
+                            <a:schemeClr val="dk1"/>
+                          </a:solidFill>
+                          <a:effectLst/>
+                          <a:latin typeface="+mn-lt"/>
+                          <a:ea typeface="+mn-ea"/>
+                          <a:cs typeface="+mn-cs"/>
+                        </a:rPr>
+                        <a:t>Eclipse </a:t>
+                      </a:r>
+                      <a:r>
+                        <a:rPr kumimoji="0" lang="en-US" sz="1200" b="1" u="none" strike="noStrike" kern="1200" cap="none" normalizeH="0" baseline="0" dirty="0" err="1">
+                          <a:ln>
+                            <a:noFill/>
+                          </a:ln>
+                          <a:solidFill>
+                            <a:schemeClr val="dk1"/>
+                          </a:solidFill>
+                          <a:effectLst/>
+                          <a:latin typeface="+mn-lt"/>
+                          <a:ea typeface="+mn-ea"/>
+                          <a:cs typeface="+mn-cs"/>
+                        </a:rPr>
+                        <a:t>aCute</a:t>
+                      </a:r>
+                      <a:r>
+                        <a:rPr kumimoji="0" lang="en-US" sz="1200" b="1" u="none" strike="noStrike" kern="1200" cap="none" normalizeH="0" baseline="30000" dirty="0">
+                          <a:ln>
+                            <a:noFill/>
+                          </a:ln>
+                          <a:solidFill>
+                            <a:schemeClr val="dk1"/>
+                          </a:solidFill>
+                          <a:effectLst/>
+                          <a:latin typeface="+mn-lt"/>
+                          <a:ea typeface="+mn-ea"/>
+                          <a:cs typeface="+mn-cs"/>
+                        </a:rPr>
+                        <a:t>[5]</a:t>
+                      </a:r>
+                    </a:p>
+                  </a:txBody>
+                  <a:tcPr anchor="ctr" horzOverflow="overflow"/>
+                </a:tc>
+                <a:extLst>
+                  <a:ext uri="{0D108BD9-81ED-4DB2-BD59-A6C34878D82A}">
+                    <a16:rowId xmlns:a16="http://schemas.microsoft.com/office/drawing/2014/main" val="10000"/>
+                  </a:ext>
+                </a:extLst>
+              </a:tr>
+              <a:tr h="130843">
+                <a:tc>
+                  <a:txBody>
+                    <a:bodyPr/>
+                    <a:lstStyle/>
+                    <a:p>
+                      <a:r>
+                        <a:rPr lang="ru-RU" sz="1600" dirty="0"/>
+                        <a:t>Бесплатное распространение</a:t>
+                      </a:r>
+                    </a:p>
+                  </a:txBody>
+                  <a:tcPr anchor="ctr" horzOverflow="overflow"/>
+                </a:tc>
+                <a:tc>
+                  <a:txBody>
+                    <a:bodyPr/>
+                    <a:lstStyle/>
+                    <a:p>
+                      <a:r>
+                        <a:rPr kumimoji="0" lang="ru-RU" sz="1400" b="1" u="none" strike="noStrike" kern="1200" cap="none" normalizeH="0" baseline="0" dirty="0">
+                          <a:ln>
+                            <a:noFill/>
+                          </a:ln>
+                          <a:solidFill>
+                            <a:schemeClr val="bg1"/>
+                          </a:solidFill>
+                          <a:effectLst/>
+                          <a:latin typeface="+mn-lt"/>
+                          <a:ea typeface="+mn-ea"/>
+                          <a:cs typeface="+mn-cs"/>
+                        </a:rPr>
+                        <a:t>Да</a:t>
+                      </a:r>
+                    </a:p>
+                  </a:txBody>
+                  <a:tcPr anchor="ctr" horzOverflow="overflow">
+                    <a:solidFill>
+                      <a:srgbClr val="0070C0"/>
+                    </a:solidFill>
+                  </a:tcPr>
+                </a:tc>
+                <a:tc>
+                  <a:txBody>
+                    <a:bodyPr/>
+                    <a:lstStyle/>
+                    <a:p>
+                      <a:r>
+                        <a:rPr lang="ru-RU" sz="1400" dirty="0"/>
+                        <a:t>Нет</a:t>
+                      </a:r>
+                    </a:p>
+                  </a:txBody>
+                  <a:tcPr anchor="ctr" horzOverflow="overflow"/>
+                </a:tc>
+                <a:tc>
+                  <a:txBody>
+                    <a:bodyPr/>
+                    <a:lstStyle/>
+                    <a:p>
+                      <a:r>
+                        <a:rPr lang="ru-RU" sz="1400" dirty="0"/>
+                        <a:t>Да</a:t>
+                      </a:r>
+                    </a:p>
+                  </a:txBody>
+                  <a:tcPr anchor="ctr" horzOverflow="overflow"/>
+                </a:tc>
+                <a:tc>
+                  <a:txBody>
+                    <a:bodyPr/>
+                    <a:lstStyle/>
+                    <a:p>
+                      <a:r>
+                        <a:rPr lang="ru-RU" sz="1400" dirty="0"/>
+                        <a:t>Да</a:t>
+                      </a:r>
+                    </a:p>
+                  </a:txBody>
+                  <a:tcPr anchor="ctr" horzOverflow="overflow"/>
+                </a:tc>
+                <a:tc>
+                  <a:txBody>
+                    <a:bodyPr/>
+                    <a:lstStyle/>
+                    <a:p>
+                      <a:r>
+                        <a:rPr lang="ru-RU" sz="1400" dirty="0"/>
+                        <a:t>Да</a:t>
+                      </a:r>
+                    </a:p>
+                  </a:txBody>
+                  <a:tcPr anchor="ctr" horzOverflow="overflow"/>
+                </a:tc>
+                <a:extLst>
+                  <a:ext uri="{0D108BD9-81ED-4DB2-BD59-A6C34878D82A}">
+                    <a16:rowId xmlns:a16="http://schemas.microsoft.com/office/drawing/2014/main" val="10001"/>
+                  </a:ext>
+                </a:extLst>
+              </a:tr>
+              <a:tr h="164311">
+                <a:tc>
+                  <a:txBody>
+                    <a:bodyPr/>
+                    <a:lstStyle/>
+                    <a:p>
+                      <a:r>
+                        <a:rPr lang="ru-RU" sz="1600" dirty="0"/>
+                        <a:t>Профилирование</a:t>
+                      </a:r>
+                    </a:p>
+                  </a:txBody>
+                  <a:tcPr anchor="ctr" horzOverflow="overflow"/>
+                </a:tc>
+                <a:tc>
+                  <a:txBody>
+                    <a:bodyPr/>
+                    <a:lstStyle/>
+                    <a:p>
+                      <a:r>
+                        <a:rPr kumimoji="0" lang="ru-RU" sz="1400" b="1" u="none" strike="noStrike" kern="1200" cap="none" normalizeH="0" baseline="0" dirty="0">
+                          <a:ln>
+                            <a:noFill/>
+                          </a:ln>
+                          <a:solidFill>
+                            <a:schemeClr val="bg1"/>
+                          </a:solidFill>
+                          <a:effectLst/>
+                          <a:latin typeface="+mn-lt"/>
+                          <a:ea typeface="+mn-ea"/>
+                          <a:cs typeface="+mn-cs"/>
+                        </a:rPr>
+                        <a:t>Да</a:t>
+                      </a:r>
+                    </a:p>
+                  </a:txBody>
+                  <a:tcPr anchor="ctr" horzOverflow="overflow">
+                    <a:solidFill>
+                      <a:srgbClr val="0070C0"/>
+                    </a:solidFill>
+                  </a:tcPr>
+                </a:tc>
+                <a:tc>
+                  <a:txBody>
+                    <a:bodyPr/>
+                    <a:lstStyle/>
+                    <a:p>
+                      <a:r>
+                        <a:rPr lang="ru-RU" sz="1400" dirty="0"/>
+                        <a:t>Нет</a:t>
+                      </a:r>
+                    </a:p>
+                  </a:txBody>
+                  <a:tcPr anchor="ctr" horzOverflow="overflow"/>
+                </a:tc>
+                <a:tc>
+                  <a:txBody>
+                    <a:bodyPr/>
+                    <a:lstStyle/>
+                    <a:p>
+                      <a:r>
+                        <a:rPr lang="ru-RU" sz="1400" dirty="0"/>
+                        <a:t>Нет</a:t>
+                      </a:r>
+                    </a:p>
+                  </a:txBody>
+                  <a:tcPr anchor="ctr" horzOverflow="overflow"/>
+                </a:tc>
+                <a:tc>
+                  <a:txBody>
+                    <a:bodyPr/>
+                    <a:lstStyle/>
+                    <a:p>
+                      <a:r>
+                        <a:rPr lang="ru-RU" sz="1400" dirty="0"/>
+                        <a:t>Да</a:t>
+                      </a:r>
+                    </a:p>
+                  </a:txBody>
+                  <a:tcPr anchor="ctr" horzOverflow="overflow"/>
+                </a:tc>
+                <a:tc>
+                  <a:txBody>
+                    <a:bodyPr/>
+                    <a:lstStyle/>
+                    <a:p>
+                      <a:pPr marL="0" marR="0" lvl="0" indent="0" algn="l" defTabSz="914400" rtl="0" eaLnBrk="1" fontAlgn="auto" latinLnBrk="0" hangingPunct="1">
+                        <a:lnSpc>
+                          <a:spcPct val="100000"/>
+                        </a:lnSpc>
+                        <a:spcBef>
+                          <a:spcPts val="0"/>
+                        </a:spcBef>
+                        <a:spcAft>
+                          <a:spcPts val="0"/>
+                        </a:spcAft>
+                        <a:buClrTx/>
+                        <a:buSzTx/>
+                        <a:buFontTx/>
+                        <a:buNone/>
+                        <a:tabLst/>
+                        <a:defRPr/>
+                      </a:pPr>
+                      <a:r>
+                        <a:rPr lang="ru-RU" sz="1400" dirty="0"/>
+                        <a:t>Нет</a:t>
+                      </a:r>
+                    </a:p>
+                  </a:txBody>
+                  <a:tcPr anchor="ctr" horzOverflow="overflow"/>
+                </a:tc>
+                <a:extLst>
+                  <a:ext uri="{0D108BD9-81ED-4DB2-BD59-A6C34878D82A}">
+                    <a16:rowId xmlns:a16="http://schemas.microsoft.com/office/drawing/2014/main" val="4160756058"/>
+                  </a:ext>
+                </a:extLst>
+              </a:tr>
+              <a:tr h="130843">
+                <a:tc>
+                  <a:txBody>
+                    <a:bodyPr/>
+                    <a:lstStyle/>
+                    <a:p>
+                      <a:r>
+                        <a:rPr lang="ru-RU" sz="1600" dirty="0"/>
+                        <a:t>Шаблоны проектов</a:t>
+                      </a:r>
+                    </a:p>
+                  </a:txBody>
+                  <a:tcPr anchor="ctr" horzOverflow="overflow"/>
+                </a:tc>
+                <a:tc>
+                  <a:txBody>
+                    <a:bodyPr/>
+                    <a:lstStyle/>
+                    <a:p>
+                      <a:r>
+                        <a:rPr kumimoji="0" lang="ru-RU" sz="1400" b="1" u="none" strike="noStrike" kern="1200" cap="none" normalizeH="0" baseline="0" dirty="0">
+                          <a:ln>
+                            <a:noFill/>
+                          </a:ln>
+                          <a:solidFill>
+                            <a:schemeClr val="bg1"/>
+                          </a:solidFill>
+                          <a:effectLst/>
+                          <a:latin typeface="+mn-lt"/>
+                          <a:ea typeface="+mn-ea"/>
+                          <a:cs typeface="+mn-cs"/>
+                        </a:rPr>
+                        <a:t>Да</a:t>
+                      </a:r>
+                    </a:p>
+                  </a:txBody>
+                  <a:tcPr anchor="ctr" horzOverflow="overflow">
+                    <a:solidFill>
+                      <a:srgbClr val="0070C0"/>
+                    </a:solidFill>
+                  </a:tcPr>
+                </a:tc>
+                <a:tc>
+                  <a:txBody>
+                    <a:bodyPr/>
+                    <a:lstStyle/>
+                    <a:p>
+                      <a:r>
+                        <a:rPr lang="ru-RU" sz="1400" dirty="0"/>
+                        <a:t>Да</a:t>
+                      </a:r>
+                    </a:p>
+                  </a:txBody>
+                  <a:tcPr anchor="ctr" horzOverflow="overflow"/>
+                </a:tc>
+                <a:tc>
+                  <a:txBody>
+                    <a:bodyPr/>
+                    <a:lstStyle/>
+                    <a:p>
+                      <a:r>
+                        <a:rPr lang="ru-RU" sz="1400" dirty="0"/>
+                        <a:t>Нет</a:t>
+                      </a:r>
+                    </a:p>
+                  </a:txBody>
+                  <a:tcPr anchor="ctr" horzOverflow="overflow"/>
+                </a:tc>
+                <a:tc>
+                  <a:txBody>
+                    <a:bodyPr/>
+                    <a:lstStyle/>
+                    <a:p>
+                      <a:r>
+                        <a:rPr lang="ru-RU" sz="1400" dirty="0"/>
+                        <a:t>Нет</a:t>
+                      </a:r>
+                    </a:p>
+                  </a:txBody>
+                  <a:tcPr anchor="ctr" horzOverflow="overflow"/>
+                </a:tc>
+                <a:tc>
+                  <a:txBody>
+                    <a:bodyPr/>
+                    <a:lstStyle/>
+                    <a:p>
+                      <a:r>
+                        <a:rPr lang="ru-RU" sz="1400" dirty="0"/>
+                        <a:t>Нет</a:t>
+                      </a:r>
+                    </a:p>
+                  </a:txBody>
+                  <a:tcPr anchor="ctr" horzOverflow="overflow"/>
+                </a:tc>
+                <a:extLst>
+                  <a:ext uri="{0D108BD9-81ED-4DB2-BD59-A6C34878D82A}">
+                    <a16:rowId xmlns:a16="http://schemas.microsoft.com/office/drawing/2014/main" val="65374829"/>
+                  </a:ext>
+                </a:extLst>
+              </a:tr>
+              <a:tr h="130843">
+                <a:tc>
+                  <a:txBody>
+                    <a:bodyPr/>
+                    <a:lstStyle/>
+                    <a:p>
+                      <a:r>
+                        <a:rPr lang="ru-RU" sz="1600" dirty="0"/>
+                        <a:t>Кроссплатформенная сборка</a:t>
+                      </a:r>
+                    </a:p>
+                  </a:txBody>
+                  <a:tcPr anchor="ctr" horzOverflow="overflow"/>
+                </a:tc>
+                <a:tc>
+                  <a:txBody>
+                    <a:bodyPr/>
+                    <a:lstStyle/>
+                    <a:p>
+                      <a:r>
+                        <a:rPr kumimoji="0" lang="ru-RU" sz="1400" b="1" u="none" strike="noStrike" kern="1200" cap="none" normalizeH="0" baseline="0" dirty="0">
+                          <a:ln>
+                            <a:noFill/>
+                          </a:ln>
+                          <a:solidFill>
+                            <a:schemeClr val="bg1"/>
+                          </a:solidFill>
+                          <a:effectLst/>
+                          <a:latin typeface="+mn-lt"/>
+                          <a:ea typeface="+mn-ea"/>
+                          <a:cs typeface="+mn-cs"/>
+                        </a:rPr>
+                        <a:t>Да</a:t>
+                      </a:r>
+                    </a:p>
+                  </a:txBody>
+                  <a:tcPr anchor="ctr" horzOverflow="overflow">
+                    <a:solidFill>
+                      <a:srgbClr val="0070C0"/>
+                    </a:solidFill>
+                  </a:tcPr>
+                </a:tc>
+                <a:tc>
+                  <a:txBody>
+                    <a:bodyPr/>
+                    <a:lstStyle/>
+                    <a:p>
+                      <a:r>
+                        <a:rPr lang="ru-RU" sz="1400" dirty="0"/>
+                        <a:t>Да</a:t>
+                      </a:r>
+                    </a:p>
+                  </a:txBody>
+                  <a:tcPr anchor="ctr" horzOverflow="overflow"/>
+                </a:tc>
+                <a:tc>
+                  <a:txBody>
+                    <a:bodyPr/>
+                    <a:lstStyle/>
+                    <a:p>
+                      <a:r>
+                        <a:rPr lang="ru-RU" sz="1400" dirty="0"/>
+                        <a:t>Да</a:t>
+                      </a:r>
+                    </a:p>
+                  </a:txBody>
+                  <a:tcPr anchor="ctr" horzOverflow="overflow"/>
+                </a:tc>
+                <a:tc>
+                  <a:txBody>
+                    <a:bodyPr/>
+                    <a:lstStyle/>
+                    <a:p>
+                      <a:r>
+                        <a:rPr lang="ru-RU" sz="1400" dirty="0"/>
+                        <a:t>Нет</a:t>
+                      </a:r>
+                    </a:p>
+                  </a:txBody>
+                  <a:tcPr anchor="ctr" horzOverflow="overflow"/>
+                </a:tc>
+                <a:tc>
+                  <a:txBody>
+                    <a:bodyPr/>
+                    <a:lstStyle/>
+                    <a:p>
+                      <a:r>
+                        <a:rPr lang="ru-RU" sz="1400" dirty="0"/>
+                        <a:t>Да</a:t>
+                      </a:r>
+                    </a:p>
+                  </a:txBody>
+                  <a:tcPr anchor="ctr" horzOverflow="overflow"/>
+                </a:tc>
+                <a:extLst>
+                  <a:ext uri="{0D108BD9-81ED-4DB2-BD59-A6C34878D82A}">
+                    <a16:rowId xmlns:a16="http://schemas.microsoft.com/office/drawing/2014/main" val="3810001171"/>
+                  </a:ext>
+                </a:extLst>
+              </a:tr>
+              <a:tr h="130843">
+                <a:tc>
+                  <a:txBody>
+                    <a:bodyPr/>
+                    <a:lstStyle/>
+                    <a:p>
+                      <a:r>
+                        <a:rPr lang="ru-RU" sz="1600" dirty="0"/>
+                        <a:t>Менеджер </a:t>
+                      </a:r>
+                      <a:r>
+                        <a:rPr lang="en-US" sz="1600" dirty="0" err="1"/>
+                        <a:t>Nuget</a:t>
+                      </a:r>
+                      <a:r>
+                        <a:rPr lang="en-US" sz="1600" dirty="0"/>
+                        <a:t>-</a:t>
+                      </a:r>
+                      <a:r>
+                        <a:rPr lang="ru-RU" sz="1600" dirty="0"/>
+                        <a:t>пакетов</a:t>
+                      </a:r>
+                    </a:p>
+                  </a:txBody>
+                  <a:tcPr anchor="ctr" horzOverflow="overflow"/>
+                </a:tc>
+                <a:tc>
+                  <a:txBody>
+                    <a:bodyPr/>
+                    <a:lstStyle/>
+                    <a:p>
+                      <a:r>
+                        <a:rPr kumimoji="0" lang="ru-RU" sz="1400" b="1" u="none" strike="noStrike" kern="1200" cap="none" normalizeH="0" baseline="0" dirty="0">
+                          <a:ln>
+                            <a:noFill/>
+                          </a:ln>
+                          <a:solidFill>
+                            <a:schemeClr val="bg1"/>
+                          </a:solidFill>
+                          <a:effectLst/>
+                          <a:latin typeface="+mn-lt"/>
+                          <a:ea typeface="+mn-ea"/>
+                          <a:cs typeface="+mn-cs"/>
+                        </a:rPr>
+                        <a:t>Да</a:t>
+                      </a:r>
+                    </a:p>
+                  </a:txBody>
+                  <a:tcPr anchor="ctr" horzOverflow="overflow">
+                    <a:solidFill>
+                      <a:srgbClr val="0070C0"/>
+                    </a:solidFill>
+                  </a:tcPr>
+                </a:tc>
+                <a:tc>
+                  <a:txBody>
+                    <a:bodyPr/>
+                    <a:lstStyle/>
+                    <a:p>
+                      <a:r>
+                        <a:rPr lang="ru-RU" sz="1400" dirty="0"/>
+                        <a:t>Да</a:t>
+                      </a:r>
+                    </a:p>
+                  </a:txBody>
+                  <a:tcPr anchor="ctr" horzOverflow="overflow"/>
+                </a:tc>
+                <a:tc>
+                  <a:txBody>
+                    <a:bodyPr/>
+                    <a:lstStyle/>
+                    <a:p>
+                      <a:r>
+                        <a:rPr lang="ru-RU" sz="1400" dirty="0"/>
+                        <a:t>Да</a:t>
+                      </a:r>
+                    </a:p>
+                  </a:txBody>
+                  <a:tcPr anchor="ctr" horzOverflow="overflow"/>
+                </a:tc>
+                <a:tc>
+                  <a:txBody>
+                    <a:bodyPr/>
+                    <a:lstStyle/>
+                    <a:p>
+                      <a:r>
+                        <a:rPr lang="ru-RU" sz="1400" dirty="0"/>
+                        <a:t>Нет</a:t>
+                      </a:r>
+                    </a:p>
+                  </a:txBody>
+                  <a:tcPr anchor="ctr" horzOverflow="overflow"/>
+                </a:tc>
+                <a:tc>
+                  <a:txBody>
+                    <a:bodyPr/>
+                    <a:lstStyle/>
+                    <a:p>
+                      <a:r>
+                        <a:rPr lang="ru-RU" sz="1400" dirty="0"/>
+                        <a:t>Нет</a:t>
+                      </a:r>
+                    </a:p>
+                  </a:txBody>
+                  <a:tcPr anchor="ctr" horzOverflow="overflow"/>
+                </a:tc>
+                <a:extLst>
+                  <a:ext uri="{0D108BD9-81ED-4DB2-BD59-A6C34878D82A}">
+                    <a16:rowId xmlns:a16="http://schemas.microsoft.com/office/drawing/2014/main" val="881980263"/>
+                  </a:ext>
+                </a:extLst>
+              </a:tr>
+              <a:tr h="130843">
+                <a:tc>
+                  <a:txBody>
+                    <a:bodyPr/>
+                    <a:lstStyle/>
+                    <a:p>
+                      <a:endParaRPr lang="ru-RU" sz="1600" dirty="0"/>
+                    </a:p>
+                  </a:txBody>
+                  <a:tcPr anchor="ctr" horzOverflow="overflow"/>
+                </a:tc>
+                <a:tc>
+                  <a:txBody>
+                    <a:bodyPr/>
+                    <a:lstStyle/>
+                    <a:p>
+                      <a:endParaRPr kumimoji="0" lang="ru-RU" sz="1400" b="1" u="none" strike="noStrike" kern="1200" cap="none" normalizeH="0" baseline="0" dirty="0">
+                        <a:ln>
+                          <a:noFill/>
+                        </a:ln>
+                        <a:solidFill>
+                          <a:schemeClr val="bg1"/>
+                        </a:solidFill>
+                        <a:effectLst/>
+                        <a:latin typeface="+mn-lt"/>
+                        <a:ea typeface="+mn-ea"/>
+                        <a:cs typeface="+mn-cs"/>
+                      </a:endParaRPr>
+                    </a:p>
+                  </a:txBody>
+                  <a:tcPr anchor="ctr" horzOverflow="overflow">
+                    <a:solidFill>
+                      <a:srgbClr val="0070C0"/>
+                    </a:solidFill>
+                  </a:tcPr>
+                </a:tc>
+                <a:tc>
+                  <a:txBody>
+                    <a:bodyPr/>
+                    <a:lstStyle/>
+                    <a:p>
+                      <a:endParaRPr lang="ru-RU" sz="1400" dirty="0"/>
+                    </a:p>
+                  </a:txBody>
+                  <a:tcPr anchor="ctr" horzOverflow="overflow"/>
+                </a:tc>
+                <a:tc>
+                  <a:txBody>
+                    <a:bodyPr/>
+                    <a:lstStyle/>
+                    <a:p>
+                      <a:endParaRPr lang="ru-RU" sz="1400" dirty="0"/>
+                    </a:p>
+                  </a:txBody>
+                  <a:tcPr anchor="ctr" horzOverflow="overflow"/>
+                </a:tc>
+                <a:tc>
+                  <a:txBody>
+                    <a:bodyPr/>
+                    <a:lstStyle/>
+                    <a:p>
+                      <a:endParaRPr lang="ru-RU" sz="1400" dirty="0"/>
+                    </a:p>
+                  </a:txBody>
+                  <a:tcPr anchor="ctr" horzOverflow="overflow"/>
+                </a:tc>
+                <a:tc>
+                  <a:txBody>
+                    <a:bodyPr/>
+                    <a:lstStyle/>
+                    <a:p>
+                      <a:endParaRPr lang="ru-RU" sz="1400" dirty="0"/>
+                    </a:p>
+                  </a:txBody>
+                  <a:tcPr anchor="ctr" horzOverflow="overflow"/>
+                </a:tc>
+                <a:extLst>
+                  <a:ext uri="{0D108BD9-81ED-4DB2-BD59-A6C34878D82A}">
+                    <a16:rowId xmlns:a16="http://schemas.microsoft.com/office/drawing/2014/main" val="270518080"/>
+                  </a:ext>
+                </a:extLst>
+              </a:tr>
+              <a:tr h="130843">
+                <a:tc>
+                  <a:txBody>
+                    <a:bodyPr/>
+                    <a:lstStyle/>
+                    <a:p>
+                      <a:r>
+                        <a:rPr lang="ru-RU" sz="1600" dirty="0"/>
+                        <a:t>Автоматическое дополнение кода</a:t>
+                      </a:r>
+                    </a:p>
+                  </a:txBody>
+                  <a:tcPr anchor="ctr" horzOverflow="overflow"/>
+                </a:tc>
+                <a:tc>
+                  <a:txBody>
+                    <a:bodyPr/>
+                    <a:lstStyle/>
+                    <a:p>
+                      <a:r>
+                        <a:rPr kumimoji="0" lang="ru-RU" sz="1400" b="1" u="none" strike="noStrike" kern="1200" cap="none" normalizeH="0" baseline="0" dirty="0">
+                          <a:ln>
+                            <a:noFill/>
+                          </a:ln>
+                          <a:solidFill>
+                            <a:schemeClr val="bg1"/>
+                          </a:solidFill>
+                          <a:effectLst/>
+                          <a:latin typeface="+mn-lt"/>
+                          <a:ea typeface="+mn-ea"/>
+                          <a:cs typeface="+mn-cs"/>
+                        </a:rPr>
+                        <a:t>Да</a:t>
+                      </a:r>
+                    </a:p>
+                  </a:txBody>
+                  <a:tcPr anchor="ctr" horzOverflow="overflow">
+                    <a:solidFill>
+                      <a:srgbClr val="0070C0"/>
+                    </a:solidFill>
+                  </a:tcPr>
+                </a:tc>
+                <a:tc>
+                  <a:txBody>
+                    <a:bodyPr/>
+                    <a:lstStyle/>
+                    <a:p>
+                      <a:r>
+                        <a:rPr lang="ru-RU" sz="1400" dirty="0"/>
+                        <a:t>Да</a:t>
+                      </a:r>
+                    </a:p>
+                  </a:txBody>
+                  <a:tcPr anchor="ctr" horzOverflow="overflow"/>
+                </a:tc>
+                <a:tc>
+                  <a:txBody>
+                    <a:bodyPr/>
+                    <a:lstStyle/>
+                    <a:p>
+                      <a:r>
+                        <a:rPr lang="ru-RU" sz="1400" dirty="0"/>
+                        <a:t>Да</a:t>
+                      </a:r>
+                    </a:p>
+                  </a:txBody>
+                  <a:tcPr anchor="ctr" horzOverflow="overflow"/>
+                </a:tc>
+                <a:tc>
+                  <a:txBody>
+                    <a:bodyPr/>
+                    <a:lstStyle/>
+                    <a:p>
+                      <a:r>
+                        <a:rPr lang="ru-RU" sz="1400" dirty="0"/>
+                        <a:t>Да</a:t>
+                      </a:r>
+                    </a:p>
+                  </a:txBody>
+                  <a:tcPr anchor="ctr" horzOverflow="overflow"/>
+                </a:tc>
+                <a:tc>
+                  <a:txBody>
+                    <a:bodyPr/>
+                    <a:lstStyle/>
+                    <a:p>
+                      <a:r>
+                        <a:rPr lang="ru-RU" sz="1400" dirty="0"/>
+                        <a:t>Да</a:t>
+                      </a:r>
+                    </a:p>
+                  </a:txBody>
+                  <a:tcPr anchor="ctr" horzOverflow="overflow"/>
+                </a:tc>
+                <a:extLst>
+                  <a:ext uri="{0D108BD9-81ED-4DB2-BD59-A6C34878D82A}">
+                    <a16:rowId xmlns:a16="http://schemas.microsoft.com/office/drawing/2014/main" val="10002"/>
+                  </a:ext>
+                </a:extLst>
+              </a:tr>
+              <a:tr h="130843">
+                <a:tc>
+                  <a:txBody>
+                    <a:bodyPr/>
+                    <a:lstStyle/>
+                    <a:p>
+                      <a:r>
+                        <a:rPr lang="ru-RU" sz="1600" dirty="0"/>
+                        <a:t>Статический анализатор кода</a:t>
+                      </a:r>
+                    </a:p>
+                  </a:txBody>
+                  <a:tcPr anchor="ctr" horzOverflow="overflow"/>
+                </a:tc>
+                <a:tc>
+                  <a:txBody>
+                    <a:bodyPr/>
+                    <a:lstStyle/>
+                    <a:p>
+                      <a:r>
+                        <a:rPr kumimoji="0" lang="ru-RU" sz="1400" b="1" u="none" strike="noStrike" kern="1200" cap="none" normalizeH="0" baseline="0" dirty="0">
+                          <a:ln>
+                            <a:noFill/>
+                          </a:ln>
+                          <a:solidFill>
+                            <a:schemeClr val="bg1"/>
+                          </a:solidFill>
+                          <a:effectLst/>
+                          <a:latin typeface="+mn-lt"/>
+                          <a:ea typeface="+mn-ea"/>
+                          <a:cs typeface="+mn-cs"/>
+                        </a:rPr>
+                        <a:t>Да</a:t>
+                      </a:r>
+                    </a:p>
+                  </a:txBody>
+                  <a:tcPr anchor="ctr" horzOverflow="overflow">
+                    <a:solidFill>
+                      <a:srgbClr val="0070C0"/>
+                    </a:solidFill>
+                  </a:tcPr>
+                </a:tc>
+                <a:tc>
+                  <a:txBody>
+                    <a:bodyPr/>
+                    <a:lstStyle/>
+                    <a:p>
+                      <a:r>
+                        <a:rPr lang="ru-RU" sz="1400" dirty="0"/>
+                        <a:t>Да</a:t>
+                      </a:r>
+                    </a:p>
+                  </a:txBody>
+                  <a:tcPr anchor="ctr" horzOverflow="overflow"/>
+                </a:tc>
+                <a:tc>
+                  <a:txBody>
+                    <a:bodyPr/>
+                    <a:lstStyle/>
+                    <a:p>
+                      <a:r>
+                        <a:rPr lang="ru-RU" sz="1400" dirty="0"/>
+                        <a:t>Да</a:t>
+                      </a:r>
+                    </a:p>
+                  </a:txBody>
+                  <a:tcPr anchor="ctr" horzOverflow="overflow"/>
+                </a:tc>
+                <a:tc>
+                  <a:txBody>
+                    <a:bodyPr/>
+                    <a:lstStyle/>
+                    <a:p>
+                      <a:r>
+                        <a:rPr lang="ru-RU" sz="1400" dirty="0"/>
+                        <a:t>Да</a:t>
+                      </a:r>
+                    </a:p>
+                  </a:txBody>
+                  <a:tcPr anchor="ctr" horzOverflow="overflow"/>
+                </a:tc>
+                <a:tc>
+                  <a:txBody>
+                    <a:bodyPr/>
+                    <a:lstStyle/>
+                    <a:p>
+                      <a:r>
+                        <a:rPr lang="ru-RU" sz="1400" dirty="0"/>
+                        <a:t>Да</a:t>
+                      </a:r>
+                    </a:p>
+                  </a:txBody>
+                  <a:tcPr anchor="ctr" horzOverflow="overflow"/>
+                </a:tc>
+                <a:extLst>
+                  <a:ext uri="{0D108BD9-81ED-4DB2-BD59-A6C34878D82A}">
+                    <a16:rowId xmlns:a16="http://schemas.microsoft.com/office/drawing/2014/main" val="10003"/>
+                  </a:ext>
+                </a:extLst>
+              </a:tr>
+              <a:tr h="130843">
+                <a:tc>
+                  <a:txBody>
+                    <a:bodyPr/>
+                    <a:lstStyle/>
+                    <a:p>
+                      <a:r>
+                        <a:rPr lang="ru-RU" sz="1600" dirty="0"/>
+                        <a:t>Отладчик</a:t>
+                      </a:r>
+                    </a:p>
+                  </a:txBody>
+                  <a:tcPr anchor="ctr" horzOverflow="overflow"/>
+                </a:tc>
+                <a:tc>
+                  <a:txBody>
+                    <a:bodyPr/>
+                    <a:lstStyle/>
+                    <a:p>
+                      <a:r>
+                        <a:rPr kumimoji="0" lang="ru-RU" sz="1400" b="1" u="none" strike="noStrike" kern="1200" cap="none" normalizeH="0" baseline="0" dirty="0">
+                          <a:ln>
+                            <a:noFill/>
+                          </a:ln>
+                          <a:solidFill>
+                            <a:schemeClr val="bg1"/>
+                          </a:solidFill>
+                          <a:effectLst/>
+                          <a:latin typeface="+mn-lt"/>
+                          <a:ea typeface="+mn-ea"/>
+                          <a:cs typeface="+mn-cs"/>
+                        </a:rPr>
+                        <a:t>Да</a:t>
+                      </a:r>
+                    </a:p>
+                  </a:txBody>
+                  <a:tcPr anchor="ctr" horzOverflow="overflow">
+                    <a:solidFill>
+                      <a:srgbClr val="0070C0"/>
+                    </a:solidFill>
+                  </a:tcPr>
+                </a:tc>
+                <a:tc>
+                  <a:txBody>
+                    <a:bodyPr/>
+                    <a:lstStyle/>
+                    <a:p>
+                      <a:r>
+                        <a:rPr lang="ru-RU" sz="1400" dirty="0"/>
+                        <a:t>Да</a:t>
+                      </a:r>
+                    </a:p>
+                  </a:txBody>
+                  <a:tcPr anchor="ctr" horzOverflow="overflow"/>
+                </a:tc>
+                <a:tc>
+                  <a:txBody>
+                    <a:bodyPr/>
+                    <a:lstStyle/>
+                    <a:p>
+                      <a:r>
+                        <a:rPr lang="ru-RU" sz="1400" dirty="0"/>
+                        <a:t>Да</a:t>
+                      </a:r>
+                    </a:p>
+                  </a:txBody>
+                  <a:tcPr anchor="ctr" horzOverflow="overflow"/>
+                </a:tc>
+                <a:tc>
+                  <a:txBody>
+                    <a:bodyPr/>
+                    <a:lstStyle/>
+                    <a:p>
+                      <a:r>
+                        <a:rPr lang="ru-RU" sz="1400" dirty="0"/>
+                        <a:t>Да</a:t>
+                      </a:r>
+                    </a:p>
+                  </a:txBody>
+                  <a:tcPr anchor="ctr" horzOverflow="overflow"/>
+                </a:tc>
+                <a:tc>
+                  <a:txBody>
+                    <a:bodyPr/>
+                    <a:lstStyle/>
+                    <a:p>
+                      <a:r>
+                        <a:rPr lang="ru-RU" sz="1400" dirty="0"/>
+                        <a:t>Да</a:t>
+                      </a:r>
+                    </a:p>
+                  </a:txBody>
+                  <a:tcPr anchor="ctr" horzOverflow="overflow"/>
+                </a:tc>
+                <a:extLst>
+                  <a:ext uri="{0D108BD9-81ED-4DB2-BD59-A6C34878D82A}">
+                    <a16:rowId xmlns:a16="http://schemas.microsoft.com/office/drawing/2014/main" val="10004"/>
+                  </a:ext>
+                </a:extLst>
+              </a:tr>
+              <a:tr h="130843">
+                <a:tc>
+                  <a:txBody>
+                    <a:bodyPr/>
+                    <a:lstStyle/>
+                    <a:p>
+                      <a:r>
+                        <a:rPr lang="ru-RU" sz="1600" dirty="0"/>
+                        <a:t>Тестирование</a:t>
+                      </a:r>
+                    </a:p>
+                  </a:txBody>
+                  <a:tcPr anchor="ctr" horzOverflow="overflow"/>
+                </a:tc>
+                <a:tc>
+                  <a:txBody>
+                    <a:bodyPr/>
+                    <a:lstStyle/>
+                    <a:p>
+                      <a:r>
+                        <a:rPr kumimoji="0" lang="ru-RU" sz="1400" b="1" u="none" strike="noStrike" kern="1200" cap="none" normalizeH="0" baseline="0" dirty="0">
+                          <a:ln>
+                            <a:noFill/>
+                          </a:ln>
+                          <a:solidFill>
+                            <a:schemeClr val="bg1"/>
+                          </a:solidFill>
+                          <a:effectLst/>
+                          <a:latin typeface="+mn-lt"/>
+                          <a:ea typeface="+mn-ea"/>
+                          <a:cs typeface="+mn-cs"/>
+                        </a:rPr>
+                        <a:t>Да</a:t>
+                      </a:r>
+                    </a:p>
+                  </a:txBody>
+                  <a:tcPr anchor="ctr" horzOverflow="overflow">
+                    <a:solidFill>
+                      <a:srgbClr val="0070C0"/>
+                    </a:solidFill>
+                  </a:tcPr>
+                </a:tc>
+                <a:tc>
+                  <a:txBody>
+                    <a:bodyPr/>
+                    <a:lstStyle/>
+                    <a:p>
+                      <a:r>
+                        <a:rPr lang="ru-RU" sz="1400" dirty="0"/>
+                        <a:t>Да</a:t>
+                      </a:r>
+                    </a:p>
+                  </a:txBody>
+                  <a:tcPr anchor="ctr" horzOverflow="overflow"/>
+                </a:tc>
+                <a:tc>
+                  <a:txBody>
+                    <a:bodyPr/>
+                    <a:lstStyle/>
+                    <a:p>
+                      <a:r>
+                        <a:rPr lang="ru-RU" sz="1400" dirty="0"/>
+                        <a:t>Да</a:t>
+                      </a:r>
+                    </a:p>
+                  </a:txBody>
+                  <a:tcPr anchor="ctr" horzOverflow="overflow"/>
+                </a:tc>
+                <a:tc>
+                  <a:txBody>
+                    <a:bodyPr/>
+                    <a:lstStyle/>
+                    <a:p>
+                      <a:r>
+                        <a:rPr lang="ru-RU" sz="1400" dirty="0"/>
+                        <a:t>Да</a:t>
+                      </a:r>
+                    </a:p>
+                  </a:txBody>
+                  <a:tcPr anchor="ctr" horzOverflow="overflow"/>
+                </a:tc>
+                <a:tc>
+                  <a:txBody>
+                    <a:bodyPr/>
+                    <a:lstStyle/>
+                    <a:p>
+                      <a:r>
+                        <a:rPr lang="ru-RU" sz="1400" dirty="0"/>
+                        <a:t>Да</a:t>
+                      </a:r>
+                    </a:p>
+                  </a:txBody>
+                  <a:tcPr anchor="ctr" horzOverflow="overflow"/>
+                </a:tc>
+                <a:extLst>
+                  <a:ext uri="{0D108BD9-81ED-4DB2-BD59-A6C34878D82A}">
+                    <a16:rowId xmlns:a16="http://schemas.microsoft.com/office/drawing/2014/main" val="1171437795"/>
+                  </a:ext>
+                </a:extLst>
+              </a:tr>
+            </a:tbl>
+          </a:graphicData>
+        </a:graphic>
+      </p:graphicFrame>
+    </p:spTree>
+    <p:extLst>
+      <p:ext uri="{BB962C8B-B14F-4D97-AF65-F5344CB8AC3E}">
+        <p14:creationId xmlns:p14="http://schemas.microsoft.com/office/powerpoint/2010/main" val="1067339061"/>
+      </p:ext>
+    </p:extLst>
+  </p:cSld>
+  <p:clrMapOvr>
+    <a:masterClrMapping/>
+  </p:clrMapOvr>
+</p:sld>
+</file>
+
+<file path=ppt/slides/slide8.xml><?xml version="1.0" encoding="utf-8"?>
 <p:sld xmlns:a="http://schemas.openxmlformats.org/drawingml/2006/main" xmlns:r="http://schemas.openxmlformats.org/officeDocument/2006/relationships" xmlns:p="http://schemas.openxmlformats.org/presentationml/2006/main">
   <p:cSld>
     <p:spTree>
@@ -18246,7 +25022,7 @@
 </p:sld>
 </file>
 
-<file path=ppt/slides/slide7.xml><?xml version="1.0" encoding="utf-8"?>
+<file path=ppt/slides/slide9.xml><?xml version="1.0" encoding="utf-8"?>
 <p:sld xmlns:a="http://schemas.openxmlformats.org/drawingml/2006/main" xmlns:r="http://schemas.openxmlformats.org/officeDocument/2006/relationships" xmlns:p="http://schemas.openxmlformats.org/presentationml/2006/main">
   <p:cSld>
     <p:spTree>
@@ -21546,2452 +28322,6 @@
 </p:sld>
 </file>
 
-<file path=ppt/slides/slide8.xml><?xml version="1.0" encoding="utf-8"?>
-<p:sld xmlns:a="http://schemas.openxmlformats.org/drawingml/2006/main" xmlns:r="http://schemas.openxmlformats.org/officeDocument/2006/relationships" xmlns:p="http://schemas.openxmlformats.org/presentationml/2006/main">
-  <p:cSld>
-    <p:spTree>
-      <p:nvGrpSpPr>
-        <p:cNvPr id="1" name=""/>
-        <p:cNvGrpSpPr/>
-        <p:nvPr/>
-      </p:nvGrpSpPr>
-      <p:grpSpPr>
-        <a:xfrm>
-          <a:off x="0" y="0"/>
-          <a:ext cx="0" cy="0"/>
-          <a:chOff x="0" y="0"/>
-          <a:chExt cx="0" cy="0"/>
-        </a:xfrm>
-      </p:grpSpPr>
-      <p:sp>
-        <p:nvSpPr>
-          <p:cNvPr id="4" name="Rectangle 23"/>
-          <p:cNvSpPr>
-            <a:spLocks noChangeArrowheads="1"/>
-          </p:cNvSpPr>
-          <p:nvPr/>
-        </p:nvSpPr>
-        <p:spPr bwMode="auto">
-          <a:xfrm>
-            <a:off x="251520" y="260648"/>
-            <a:ext cx="8642350" cy="427038"/>
-          </a:xfrm>
-          <a:prstGeom prst="rect">
-            <a:avLst/>
-          </a:prstGeom>
-          <a:noFill/>
-          <a:ln w="9525">
-            <a:noFill/>
-            <a:miter lim="800000"/>
-            <a:headEnd/>
-            <a:tailEnd/>
-          </a:ln>
-        </p:spPr>
-        <p:txBody>
-          <a:bodyPr>
-            <a:spAutoFit/>
-          </a:bodyPr>
-          <a:lstStyle/>
-          <a:p>
-            <a:pPr algn="ctr"/>
-            <a:r>
-              <a:rPr lang="ru-RU" sz="2200" b="1" dirty="0"/>
-              <a:t>Пользовательский интерфейс. Экранные формы</a:t>
-            </a:r>
-          </a:p>
-        </p:txBody>
-      </p:sp>
-      <p:sp>
-        <p:nvSpPr>
-          <p:cNvPr id="5" name="Line 137"/>
-          <p:cNvSpPr>
-            <a:spLocks noChangeShapeType="1"/>
-          </p:cNvSpPr>
-          <p:nvPr/>
-        </p:nvSpPr>
-        <p:spPr bwMode="auto">
-          <a:xfrm>
-            <a:off x="193675" y="188913"/>
-            <a:ext cx="0" cy="6480175"/>
-          </a:xfrm>
-          <a:prstGeom prst="line">
-            <a:avLst/>
-          </a:prstGeom>
-          <a:noFill/>
-          <a:ln w="12700" cap="sq">
-            <a:solidFill>
-              <a:schemeClr val="tx1"/>
-            </a:solidFill>
-            <a:round/>
-            <a:headEnd/>
-            <a:tailEnd/>
-          </a:ln>
-        </p:spPr>
-        <p:txBody>
-          <a:bodyPr/>
-          <a:lstStyle/>
-          <a:p>
-            <a:endParaRPr lang="ru-RU"/>
-          </a:p>
-        </p:txBody>
-      </p:sp>
-      <p:sp>
-        <p:nvSpPr>
-          <p:cNvPr id="6" name="Line 138"/>
-          <p:cNvSpPr>
-            <a:spLocks noChangeShapeType="1"/>
-          </p:cNvSpPr>
-          <p:nvPr/>
-        </p:nvSpPr>
-        <p:spPr bwMode="auto">
-          <a:xfrm>
-            <a:off x="8978900" y="188913"/>
-            <a:ext cx="0" cy="6480175"/>
-          </a:xfrm>
-          <a:prstGeom prst="line">
-            <a:avLst/>
-          </a:prstGeom>
-          <a:noFill/>
-          <a:ln w="12700" cap="sq">
-            <a:solidFill>
-              <a:schemeClr val="tx1"/>
-            </a:solidFill>
-            <a:round/>
-            <a:headEnd/>
-            <a:tailEnd/>
-          </a:ln>
-        </p:spPr>
-        <p:txBody>
-          <a:bodyPr/>
-          <a:lstStyle/>
-          <a:p>
-            <a:endParaRPr lang="ru-RU"/>
-          </a:p>
-        </p:txBody>
-      </p:sp>
-      <p:graphicFrame>
-        <p:nvGraphicFramePr>
-          <p:cNvPr id="7" name="Group 10"/>
-          <p:cNvGraphicFramePr>
-            <a:graphicFrameLocks noGrp="1"/>
-          </p:cNvGraphicFramePr>
-          <p:nvPr>
-            <p:extLst>
-              <p:ext uri="{D42A27DB-BD31-4B8C-83A1-F6EECF244321}">
-                <p14:modId xmlns:p14="http://schemas.microsoft.com/office/powerpoint/2010/main" val="3225531491"/>
-              </p:ext>
-            </p:extLst>
-          </p:nvPr>
-        </p:nvGraphicFramePr>
-        <p:xfrm>
-          <a:off x="6156325" y="6254750"/>
-          <a:ext cx="2822575" cy="412740"/>
-        </p:xfrm>
-        <a:graphic>
-          <a:graphicData uri="http://schemas.openxmlformats.org/drawingml/2006/table">
-            <a:tbl>
-              <a:tblPr/>
-              <a:tblGrid>
-                <a:gridCol w="792163">
-                  <a:extLst>
-                    <a:ext uri="{9D8B030D-6E8A-4147-A177-3AD203B41FA5}">
-                      <a16:colId xmlns:a16="http://schemas.microsoft.com/office/drawing/2014/main" val="20000"/>
-                    </a:ext>
-                  </a:extLst>
-                </a:gridCol>
-                <a:gridCol w="1008062">
-                  <a:extLst>
-                    <a:ext uri="{9D8B030D-6E8A-4147-A177-3AD203B41FA5}">
-                      <a16:colId xmlns:a16="http://schemas.microsoft.com/office/drawing/2014/main" val="20001"/>
-                    </a:ext>
-                  </a:extLst>
-                </a:gridCol>
-                <a:gridCol w="649288">
-                  <a:extLst>
-                    <a:ext uri="{9D8B030D-6E8A-4147-A177-3AD203B41FA5}">
-                      <a16:colId xmlns:a16="http://schemas.microsoft.com/office/drawing/2014/main" val="20002"/>
-                    </a:ext>
-                  </a:extLst>
-                </a:gridCol>
-                <a:gridCol w="373062">
-                  <a:extLst>
-                    <a:ext uri="{9D8B030D-6E8A-4147-A177-3AD203B41FA5}">
-                      <a16:colId xmlns:a16="http://schemas.microsoft.com/office/drawing/2014/main" val="20003"/>
-                    </a:ext>
-                  </a:extLst>
-                </a:gridCol>
-              </a:tblGrid>
-              <a:tr h="0">
-                <a:tc>
-                  <a:txBody>
-                    <a:bodyPr/>
-                    <a:lstStyle/>
-                    <a:p>
-                      <a:pPr marL="0" marR="0" lvl="0" indent="0" algn="l" defTabSz="914400" rtl="0" eaLnBrk="1" fontAlgn="base" latinLnBrk="0" hangingPunct="1">
-                        <a:lnSpc>
-                          <a:spcPct val="100000"/>
-                        </a:lnSpc>
-                        <a:spcBef>
-                          <a:spcPct val="0"/>
-                        </a:spcBef>
-                        <a:spcAft>
-                          <a:spcPct val="0"/>
-                        </a:spcAft>
-                        <a:buClrTx/>
-                        <a:buSzTx/>
-                        <a:buFontTx/>
-                        <a:buNone/>
-                        <a:tabLst/>
-                      </a:pPr>
-                      <a:r>
-                        <a:rPr kumimoji="0" lang="ru-RU" sz="1000" b="0" i="0" u="none" strike="noStrike" cap="none" normalizeH="0" baseline="0" dirty="0">
-                          <a:ln>
-                            <a:noFill/>
-                          </a:ln>
-                          <a:solidFill>
-                            <a:schemeClr val="tx1"/>
-                          </a:solidFill>
-                          <a:effectLst/>
-                          <a:latin typeface="Times New Roman" pitchFamily="18" charset="0"/>
-                          <a:cs typeface="Times New Roman" pitchFamily="18" charset="0"/>
-                        </a:rPr>
-                        <a:t>Разработал</a:t>
-                      </a:r>
-                      <a:endParaRPr kumimoji="0" lang="ru-RU" sz="1000" b="0" i="0" u="none" strike="noStrike" cap="none" normalizeH="0" baseline="0" dirty="0">
-                        <a:ln>
-                          <a:noFill/>
-                        </a:ln>
-                        <a:solidFill>
-                          <a:schemeClr val="tx1"/>
-                        </a:solidFill>
-                        <a:effectLst/>
-                        <a:latin typeface="Arial" charset="0"/>
-                      </a:endParaRPr>
-                    </a:p>
-                  </a:txBody>
-                  <a:tcPr marL="71962" marR="71962" marT="17991" marB="35979" horzOverflow="overflow">
-                    <a:lnL w="12700" cap="flat" cmpd="sng" algn="ctr">
-                      <a:solidFill>
-                        <a:srgbClr val="000000"/>
-                      </a:solidFill>
-                      <a:prstDash val="solid"/>
-                      <a:round/>
-                      <a:headEnd type="none" w="med" len="med"/>
-                      <a:tailEnd type="none" w="med" len="med"/>
-                    </a:lnL>
-                    <a:lnR w="12700" cap="flat" cmpd="sng" algn="ctr">
-                      <a:solidFill>
-                        <a:srgbClr val="000000"/>
-                      </a:solidFill>
-                      <a:prstDash val="solid"/>
-                      <a:round/>
-                      <a:headEnd type="none" w="med" len="med"/>
-                      <a:tailEnd type="none" w="med" len="med"/>
-                    </a:lnR>
-                    <a:lnT w="12700" cap="flat" cmpd="sng" algn="ctr">
-                      <a:solidFill>
-                        <a:srgbClr val="000000"/>
-                      </a:solidFill>
-                      <a:prstDash val="solid"/>
-                      <a:round/>
-                      <a:headEnd type="none" w="med" len="med"/>
-                      <a:tailEnd type="none" w="med" len="med"/>
-                    </a:lnT>
-                    <a:lnB w="12700" cap="flat" cmpd="sng" algn="ctr">
-                      <a:solidFill>
-                        <a:srgbClr val="000000"/>
-                      </a:solidFill>
-                      <a:prstDash val="solid"/>
-                      <a:round/>
-                      <a:headEnd type="none" w="med" len="med"/>
-                      <a:tailEnd type="none" w="med" len="med"/>
-                    </a:lnB>
-                    <a:lnTlToBr>
-                      <a:noFill/>
-                    </a:lnTlToBr>
-                    <a:lnBlToTr>
-                      <a:noFill/>
-                    </a:lnBlToTr>
-                    <a:noFill/>
-                  </a:tcPr>
-                </a:tc>
-                <a:tc>
-                  <a:txBody>
-                    <a:bodyPr/>
-                    <a:lstStyle/>
-                    <a:p>
-                      <a:pPr marL="0" marR="0" lvl="0" indent="0" algn="l" defTabSz="914400" rtl="0" eaLnBrk="1" fontAlgn="base" latinLnBrk="0" hangingPunct="1">
-                        <a:lnSpc>
-                          <a:spcPct val="100000"/>
-                        </a:lnSpc>
-                        <a:spcBef>
-                          <a:spcPct val="0"/>
-                        </a:spcBef>
-                        <a:spcAft>
-                          <a:spcPct val="0"/>
-                        </a:spcAft>
-                        <a:buClrTx/>
-                        <a:buSzTx/>
-                        <a:buFontTx/>
-                        <a:buNone/>
-                        <a:tabLst/>
-                      </a:pPr>
-                      <a:r>
-                        <a:rPr kumimoji="0" lang="ru-RU" sz="1000" b="0" i="0" u="none" strike="noStrike" cap="none" normalizeH="0" baseline="0" dirty="0">
-                          <a:ln>
-                            <a:noFill/>
-                          </a:ln>
-                          <a:solidFill>
-                            <a:schemeClr val="tx1"/>
-                          </a:solidFill>
-                          <a:effectLst/>
-                          <a:latin typeface="Times New Roman" pitchFamily="18" charset="0"/>
-                          <a:cs typeface="Times New Roman" pitchFamily="18" charset="0"/>
-                        </a:rPr>
-                        <a:t>Мясников М.А.</a:t>
-                      </a:r>
-                    </a:p>
-                  </a:txBody>
-                  <a:tcPr marL="71962" marR="71962" marT="17991" marB="35979" horzOverflow="overflow">
-                    <a:lnL w="12700" cap="flat" cmpd="sng" algn="ctr">
-                      <a:solidFill>
-                        <a:srgbClr val="000000"/>
-                      </a:solidFill>
-                      <a:prstDash val="solid"/>
-                      <a:round/>
-                      <a:headEnd type="none" w="med" len="med"/>
-                      <a:tailEnd type="none" w="med" len="med"/>
-                    </a:lnL>
-                    <a:lnR w="12700" cap="flat" cmpd="sng" algn="ctr">
-                      <a:solidFill>
-                        <a:srgbClr val="000000"/>
-                      </a:solidFill>
-                      <a:prstDash val="solid"/>
-                      <a:round/>
-                      <a:headEnd type="none" w="med" len="med"/>
-                      <a:tailEnd type="none" w="med" len="med"/>
-                    </a:lnR>
-                    <a:lnT w="12700" cap="flat" cmpd="sng" algn="ctr">
-                      <a:solidFill>
-                        <a:srgbClr val="000000"/>
-                      </a:solidFill>
-                      <a:prstDash val="solid"/>
-                      <a:round/>
-                      <a:headEnd type="none" w="med" len="med"/>
-                      <a:tailEnd type="none" w="med" len="med"/>
-                    </a:lnT>
-                    <a:lnB w="12700" cap="flat" cmpd="sng" algn="ctr">
-                      <a:solidFill>
-                        <a:srgbClr val="000000"/>
-                      </a:solidFill>
-                      <a:prstDash val="solid"/>
-                      <a:round/>
-                      <a:headEnd type="none" w="med" len="med"/>
-                      <a:tailEnd type="none" w="med" len="med"/>
-                    </a:lnB>
-                    <a:lnTlToBr>
-                      <a:noFill/>
-                    </a:lnTlToBr>
-                    <a:lnBlToTr>
-                      <a:noFill/>
-                    </a:lnBlToTr>
-                    <a:noFill/>
-                  </a:tcPr>
-                </a:tc>
-                <a:tc>
-                  <a:txBody>
-                    <a:bodyPr/>
-                    <a:lstStyle/>
-                    <a:p>
-                      <a:pPr marL="0" marR="0" lvl="0" indent="0" algn="l" defTabSz="914400" rtl="0" eaLnBrk="1" fontAlgn="base" latinLnBrk="0" hangingPunct="1">
-                        <a:lnSpc>
-                          <a:spcPct val="100000"/>
-                        </a:lnSpc>
-                        <a:spcBef>
-                          <a:spcPct val="20000"/>
-                        </a:spcBef>
-                        <a:spcAft>
-                          <a:spcPct val="0"/>
-                        </a:spcAft>
-                        <a:buClrTx/>
-                        <a:buSzTx/>
-                        <a:buFontTx/>
-                        <a:buNone/>
-                        <a:tabLst/>
-                      </a:pPr>
-                      <a:endParaRPr kumimoji="0" lang="ru-RU" sz="1000" b="0" i="0" u="none" strike="noStrike" cap="none" normalizeH="0" baseline="0">
-                        <a:ln>
-                          <a:noFill/>
-                        </a:ln>
-                        <a:solidFill>
-                          <a:schemeClr val="tx1"/>
-                        </a:solidFill>
-                        <a:effectLst/>
-                        <a:latin typeface="Arial" charset="0"/>
-                      </a:endParaRPr>
-                    </a:p>
-                  </a:txBody>
-                  <a:tcPr marL="71962" marR="71962" marT="17991" marB="35979" horzOverflow="overflow">
-                    <a:lnL w="12700" cap="flat" cmpd="sng" algn="ctr">
-                      <a:solidFill>
-                        <a:srgbClr val="000000"/>
-                      </a:solidFill>
-                      <a:prstDash val="solid"/>
-                      <a:round/>
-                      <a:headEnd type="none" w="med" len="med"/>
-                      <a:tailEnd type="none" w="med" len="med"/>
-                    </a:lnL>
-                    <a:lnR w="12700" cap="flat" cmpd="sng" algn="ctr">
-                      <a:solidFill>
-                        <a:srgbClr val="000000"/>
-                      </a:solidFill>
-                      <a:prstDash val="solid"/>
-                      <a:round/>
-                      <a:headEnd type="none" w="med" len="med"/>
-                      <a:tailEnd type="none" w="med" len="med"/>
-                    </a:lnR>
-                    <a:lnT w="12700" cap="flat" cmpd="sng" algn="ctr">
-                      <a:solidFill>
-                        <a:srgbClr val="000000"/>
-                      </a:solidFill>
-                      <a:prstDash val="solid"/>
-                      <a:round/>
-                      <a:headEnd type="none" w="med" len="med"/>
-                      <a:tailEnd type="none" w="med" len="med"/>
-                    </a:lnT>
-                    <a:lnB w="12700" cap="flat" cmpd="sng" algn="ctr">
-                      <a:solidFill>
-                        <a:srgbClr val="000000"/>
-                      </a:solidFill>
-                      <a:prstDash val="solid"/>
-                      <a:round/>
-                      <a:headEnd type="none" w="med" len="med"/>
-                      <a:tailEnd type="none" w="med" len="med"/>
-                    </a:lnB>
-                    <a:lnTlToBr>
-                      <a:noFill/>
-                    </a:lnTlToBr>
-                    <a:lnBlToTr>
-                      <a:noFill/>
-                    </a:lnBlToTr>
-                    <a:noFill/>
-                  </a:tcPr>
-                </a:tc>
-                <a:tc>
-                  <a:txBody>
-                    <a:bodyPr/>
-                    <a:lstStyle/>
-                    <a:p>
-                      <a:pPr marL="0" marR="0" lvl="0" indent="0" algn="l" defTabSz="914400" rtl="0" eaLnBrk="1" fontAlgn="base" latinLnBrk="0" hangingPunct="1">
-                        <a:lnSpc>
-                          <a:spcPct val="100000"/>
-                        </a:lnSpc>
-                        <a:spcBef>
-                          <a:spcPct val="20000"/>
-                        </a:spcBef>
-                        <a:spcAft>
-                          <a:spcPct val="0"/>
-                        </a:spcAft>
-                        <a:buClrTx/>
-                        <a:buSzTx/>
-                        <a:buFontTx/>
-                        <a:buNone/>
-                        <a:tabLst/>
-                      </a:pPr>
-                      <a:r>
-                        <a:rPr kumimoji="0" lang="ru-RU" sz="1000" b="0" i="0" u="none" strike="noStrike" cap="none" normalizeH="0" baseline="0" dirty="0">
-                          <a:ln>
-                            <a:noFill/>
-                          </a:ln>
-                          <a:solidFill>
-                            <a:schemeClr val="tx1"/>
-                          </a:solidFill>
-                          <a:effectLst/>
-                          <a:latin typeface="Times New Roman" pitchFamily="18" charset="0"/>
-                        </a:rPr>
-                        <a:t>8</a:t>
-                      </a:r>
-                    </a:p>
-                  </a:txBody>
-                  <a:tcPr marL="71962" marR="71962" marT="17991" marB="35979" horzOverflow="overflow">
-                    <a:lnL w="12700" cap="flat" cmpd="sng" algn="ctr">
-                      <a:solidFill>
-                        <a:srgbClr val="000000"/>
-                      </a:solidFill>
-                      <a:prstDash val="solid"/>
-                      <a:round/>
-                      <a:headEnd type="none" w="med" len="med"/>
-                      <a:tailEnd type="none" w="med" len="med"/>
-                    </a:lnL>
-                    <a:lnR w="12700" cap="flat" cmpd="sng" algn="ctr">
-                      <a:solidFill>
-                        <a:srgbClr val="000000"/>
-                      </a:solidFill>
-                      <a:prstDash val="solid"/>
-                      <a:round/>
-                      <a:headEnd type="none" w="med" len="med"/>
-                      <a:tailEnd type="none" w="med" len="med"/>
-                    </a:lnR>
-                    <a:lnT w="12700" cap="flat" cmpd="sng" algn="ctr">
-                      <a:solidFill>
-                        <a:srgbClr val="000000"/>
-                      </a:solidFill>
-                      <a:prstDash val="solid"/>
-                      <a:round/>
-                      <a:headEnd type="none" w="med" len="med"/>
-                      <a:tailEnd type="none" w="med" len="med"/>
-                    </a:lnT>
-                    <a:lnB w="12700" cap="flat" cmpd="sng" algn="ctr">
-                      <a:solidFill>
-                        <a:srgbClr val="000000"/>
-                      </a:solidFill>
-                      <a:prstDash val="solid"/>
-                      <a:round/>
-                      <a:headEnd type="none" w="med" len="med"/>
-                      <a:tailEnd type="none" w="med" len="med"/>
-                    </a:lnB>
-                    <a:lnTlToBr>
-                      <a:noFill/>
-                    </a:lnTlToBr>
-                    <a:lnBlToTr>
-                      <a:noFill/>
-                    </a:lnBlToTr>
-                    <a:noFill/>
-                  </a:tcPr>
-                </a:tc>
-                <a:extLst>
-                  <a:ext uri="{0D108BD9-81ED-4DB2-BD59-A6C34878D82A}">
-                    <a16:rowId xmlns:a16="http://schemas.microsoft.com/office/drawing/2014/main" val="10000"/>
-                  </a:ext>
-                </a:extLst>
-              </a:tr>
-              <a:tr h="0">
-                <a:tc>
-                  <a:txBody>
-                    <a:bodyPr/>
-                    <a:lstStyle/>
-                    <a:p>
-                      <a:pPr marL="0" marR="0" lvl="0" indent="0" algn="l" defTabSz="914400" rtl="0" eaLnBrk="1" fontAlgn="base" latinLnBrk="0" hangingPunct="1">
-                        <a:lnSpc>
-                          <a:spcPct val="100000"/>
-                        </a:lnSpc>
-                        <a:spcBef>
-                          <a:spcPct val="0"/>
-                        </a:spcBef>
-                        <a:spcAft>
-                          <a:spcPct val="0"/>
-                        </a:spcAft>
-                        <a:buClrTx/>
-                        <a:buSzTx/>
-                        <a:buFontTx/>
-                        <a:buNone/>
-                        <a:tabLst/>
-                      </a:pPr>
-                      <a:r>
-                        <a:rPr kumimoji="0" lang="ru-RU" sz="1000" b="0" i="0" u="none" strike="noStrike" cap="none" normalizeH="0" baseline="0">
-                          <a:ln>
-                            <a:noFill/>
-                          </a:ln>
-                          <a:solidFill>
-                            <a:schemeClr val="tx1"/>
-                          </a:solidFill>
-                          <a:effectLst/>
-                          <a:latin typeface="Times New Roman" pitchFamily="18" charset="0"/>
-                          <a:cs typeface="Times New Roman" pitchFamily="18" charset="0"/>
-                        </a:rPr>
-                        <a:t>Утвердил</a:t>
-                      </a:r>
-                      <a:endParaRPr kumimoji="0" lang="ru-RU" sz="1000" b="0" i="0" u="none" strike="noStrike" cap="none" normalizeH="0" baseline="0">
-                        <a:ln>
-                          <a:noFill/>
-                        </a:ln>
-                        <a:solidFill>
-                          <a:schemeClr val="tx1"/>
-                        </a:solidFill>
-                        <a:effectLst/>
-                        <a:latin typeface="Arial" charset="0"/>
-                      </a:endParaRPr>
-                    </a:p>
-                  </a:txBody>
-                  <a:tcPr marL="71962" marR="71962" marT="17991" marB="35979" horzOverflow="overflow">
-                    <a:lnL w="12700" cap="flat" cmpd="sng" algn="ctr">
-                      <a:solidFill>
-                        <a:srgbClr val="000000"/>
-                      </a:solidFill>
-                      <a:prstDash val="solid"/>
-                      <a:round/>
-                      <a:headEnd type="none" w="med" len="med"/>
-                      <a:tailEnd type="none" w="med" len="med"/>
-                    </a:lnL>
-                    <a:lnR w="12700" cap="flat" cmpd="sng" algn="ctr">
-                      <a:solidFill>
-                        <a:srgbClr val="000000"/>
-                      </a:solidFill>
-                      <a:prstDash val="solid"/>
-                      <a:round/>
-                      <a:headEnd type="none" w="med" len="med"/>
-                      <a:tailEnd type="none" w="med" len="med"/>
-                    </a:lnR>
-                    <a:lnT w="12700" cap="flat" cmpd="sng" algn="ctr">
-                      <a:solidFill>
-                        <a:srgbClr val="000000"/>
-                      </a:solidFill>
-                      <a:prstDash val="solid"/>
-                      <a:round/>
-                      <a:headEnd type="none" w="med" len="med"/>
-                      <a:tailEnd type="none" w="med" len="med"/>
-                    </a:lnT>
-                    <a:lnB w="12700" cap="flat" cmpd="sng" algn="ctr">
-                      <a:solidFill>
-                        <a:srgbClr val="000000"/>
-                      </a:solidFill>
-                      <a:prstDash val="solid"/>
-                      <a:round/>
-                      <a:headEnd type="none" w="med" len="med"/>
-                      <a:tailEnd type="none" w="med" len="med"/>
-                    </a:lnB>
-                    <a:lnTlToBr>
-                      <a:noFill/>
-                    </a:lnTlToBr>
-                    <a:lnBlToTr>
-                      <a:noFill/>
-                    </a:lnBlToTr>
-                    <a:noFill/>
-                  </a:tcPr>
-                </a:tc>
-                <a:tc>
-                  <a:txBody>
-                    <a:bodyPr/>
-                    <a:lstStyle/>
-                    <a:p>
-                      <a:pPr marL="0" marR="0" lvl="0" indent="0" algn="l" defTabSz="914400" rtl="0" eaLnBrk="1" fontAlgn="base" latinLnBrk="0" hangingPunct="1">
-                        <a:lnSpc>
-                          <a:spcPct val="100000"/>
-                        </a:lnSpc>
-                        <a:spcBef>
-                          <a:spcPct val="0"/>
-                        </a:spcBef>
-                        <a:spcAft>
-                          <a:spcPct val="0"/>
-                        </a:spcAft>
-                        <a:buClrTx/>
-                        <a:buSzTx/>
-                        <a:buFontTx/>
-                        <a:buNone/>
-                        <a:tabLst/>
-                      </a:pPr>
-                      <a:r>
-                        <a:rPr kumimoji="0" lang="ru-RU" sz="1000" b="0" i="0" u="none" strike="noStrike" cap="none" normalizeH="0" baseline="0" dirty="0">
-                          <a:ln>
-                            <a:noFill/>
-                          </a:ln>
-                          <a:solidFill>
-                            <a:schemeClr val="tx1"/>
-                          </a:solidFill>
-                          <a:effectLst/>
-                          <a:latin typeface="Times New Roman" pitchFamily="18" charset="0"/>
-                          <a:cs typeface="Times New Roman" pitchFamily="18" charset="0"/>
-                        </a:rPr>
-                        <a:t>Гагарина Л.Г.</a:t>
-                      </a:r>
-                    </a:p>
-                  </a:txBody>
-                  <a:tcPr marL="71962" marR="71962" marT="17991" marB="35979" horzOverflow="overflow">
-                    <a:lnL w="12700" cap="flat" cmpd="sng" algn="ctr">
-                      <a:solidFill>
-                        <a:srgbClr val="000000"/>
-                      </a:solidFill>
-                      <a:prstDash val="solid"/>
-                      <a:round/>
-                      <a:headEnd type="none" w="med" len="med"/>
-                      <a:tailEnd type="none" w="med" len="med"/>
-                    </a:lnL>
-                    <a:lnR w="12700" cap="flat" cmpd="sng" algn="ctr">
-                      <a:solidFill>
-                        <a:srgbClr val="000000"/>
-                      </a:solidFill>
-                      <a:prstDash val="solid"/>
-                      <a:round/>
-                      <a:headEnd type="none" w="med" len="med"/>
-                      <a:tailEnd type="none" w="med" len="med"/>
-                    </a:lnR>
-                    <a:lnT w="12700" cap="flat" cmpd="sng" algn="ctr">
-                      <a:solidFill>
-                        <a:srgbClr val="000000"/>
-                      </a:solidFill>
-                      <a:prstDash val="solid"/>
-                      <a:round/>
-                      <a:headEnd type="none" w="med" len="med"/>
-                      <a:tailEnd type="none" w="med" len="med"/>
-                    </a:lnT>
-                    <a:lnB w="12700" cap="flat" cmpd="sng" algn="ctr">
-                      <a:solidFill>
-                        <a:srgbClr val="000000"/>
-                      </a:solidFill>
-                      <a:prstDash val="solid"/>
-                      <a:round/>
-                      <a:headEnd type="none" w="med" len="med"/>
-                      <a:tailEnd type="none" w="med" len="med"/>
-                    </a:lnB>
-                    <a:lnTlToBr>
-                      <a:noFill/>
-                    </a:lnTlToBr>
-                    <a:lnBlToTr>
-                      <a:noFill/>
-                    </a:lnBlToTr>
-                    <a:noFill/>
-                  </a:tcPr>
-                </a:tc>
-                <a:tc>
-                  <a:txBody>
-                    <a:bodyPr/>
-                    <a:lstStyle/>
-                    <a:p>
-                      <a:pPr marL="0" marR="0" lvl="0" indent="0" algn="l" defTabSz="914400" rtl="0" eaLnBrk="1" fontAlgn="base" latinLnBrk="0" hangingPunct="1">
-                        <a:lnSpc>
-                          <a:spcPct val="100000"/>
-                        </a:lnSpc>
-                        <a:spcBef>
-                          <a:spcPct val="20000"/>
-                        </a:spcBef>
-                        <a:spcAft>
-                          <a:spcPct val="0"/>
-                        </a:spcAft>
-                        <a:buClrTx/>
-                        <a:buSzTx/>
-                        <a:buFontTx/>
-                        <a:buNone/>
-                        <a:tabLst/>
-                      </a:pPr>
-                      <a:endParaRPr kumimoji="0" lang="ru-RU" sz="1000" b="0" i="0" u="none" strike="noStrike" cap="none" normalizeH="0" baseline="0">
-                        <a:ln>
-                          <a:noFill/>
-                        </a:ln>
-                        <a:solidFill>
-                          <a:schemeClr val="tx1"/>
-                        </a:solidFill>
-                        <a:effectLst/>
-                        <a:latin typeface="Arial" charset="0"/>
-                      </a:endParaRPr>
-                    </a:p>
-                  </a:txBody>
-                  <a:tcPr marL="71962" marR="71962" marT="17991" marB="35979" horzOverflow="overflow">
-                    <a:lnL w="12700" cap="flat" cmpd="sng" algn="ctr">
-                      <a:solidFill>
-                        <a:srgbClr val="000000"/>
-                      </a:solidFill>
-                      <a:prstDash val="solid"/>
-                      <a:round/>
-                      <a:headEnd type="none" w="med" len="med"/>
-                      <a:tailEnd type="none" w="med" len="med"/>
-                    </a:lnL>
-                    <a:lnR w="12700" cap="flat" cmpd="sng" algn="ctr">
-                      <a:solidFill>
-                        <a:srgbClr val="000000"/>
-                      </a:solidFill>
-                      <a:prstDash val="solid"/>
-                      <a:round/>
-                      <a:headEnd type="none" w="med" len="med"/>
-                      <a:tailEnd type="none" w="med" len="med"/>
-                    </a:lnR>
-                    <a:lnT w="12700" cap="flat" cmpd="sng" algn="ctr">
-                      <a:solidFill>
-                        <a:srgbClr val="000000"/>
-                      </a:solidFill>
-                      <a:prstDash val="solid"/>
-                      <a:round/>
-                      <a:headEnd type="none" w="med" len="med"/>
-                      <a:tailEnd type="none" w="med" len="med"/>
-                    </a:lnT>
-                    <a:lnB w="12700" cap="flat" cmpd="sng" algn="ctr">
-                      <a:solidFill>
-                        <a:srgbClr val="000000"/>
-                      </a:solidFill>
-                      <a:prstDash val="solid"/>
-                      <a:round/>
-                      <a:headEnd type="none" w="med" len="med"/>
-                      <a:tailEnd type="none" w="med" len="med"/>
-                    </a:lnB>
-                    <a:lnTlToBr>
-                      <a:noFill/>
-                    </a:lnTlToBr>
-                    <a:lnBlToTr>
-                      <a:noFill/>
-                    </a:lnBlToTr>
-                    <a:noFill/>
-                  </a:tcPr>
-                </a:tc>
-                <a:tc>
-                  <a:txBody>
-                    <a:bodyPr/>
-                    <a:lstStyle/>
-                    <a:p>
-                      <a:pPr marL="0" marR="0" lvl="0" indent="0" algn="l" defTabSz="914400" rtl="0" eaLnBrk="1" fontAlgn="base" latinLnBrk="0" hangingPunct="1">
-                        <a:lnSpc>
-                          <a:spcPct val="100000"/>
-                        </a:lnSpc>
-                        <a:spcBef>
-                          <a:spcPct val="20000"/>
-                        </a:spcBef>
-                        <a:spcAft>
-                          <a:spcPct val="0"/>
-                        </a:spcAft>
-                        <a:buClrTx/>
-                        <a:buSzTx/>
-                        <a:buFontTx/>
-                        <a:buNone/>
-                        <a:tabLst/>
-                      </a:pPr>
-                      <a:endParaRPr kumimoji="0" lang="ru-RU" sz="1000" b="0" i="0" u="none" strike="noStrike" cap="none" normalizeH="0" baseline="0" dirty="0">
-                        <a:ln>
-                          <a:noFill/>
-                        </a:ln>
-                        <a:solidFill>
-                          <a:schemeClr val="tx1"/>
-                        </a:solidFill>
-                        <a:effectLst/>
-                        <a:latin typeface="Arial" charset="0"/>
-                      </a:endParaRPr>
-                    </a:p>
-                  </a:txBody>
-                  <a:tcPr marL="71962" marR="71962" marT="17991" marB="35979" horzOverflow="overflow">
-                    <a:lnL w="12700" cap="flat" cmpd="sng" algn="ctr">
-                      <a:solidFill>
-                        <a:srgbClr val="000000"/>
-                      </a:solidFill>
-                      <a:prstDash val="solid"/>
-                      <a:round/>
-                      <a:headEnd type="none" w="med" len="med"/>
-                      <a:tailEnd type="none" w="med" len="med"/>
-                    </a:lnL>
-                    <a:lnR w="12700" cap="flat" cmpd="sng" algn="ctr">
-                      <a:solidFill>
-                        <a:srgbClr val="000000"/>
-                      </a:solidFill>
-                      <a:prstDash val="solid"/>
-                      <a:round/>
-                      <a:headEnd type="none" w="med" len="med"/>
-                      <a:tailEnd type="none" w="med" len="med"/>
-                    </a:lnR>
-                    <a:lnT w="12700" cap="flat" cmpd="sng" algn="ctr">
-                      <a:solidFill>
-                        <a:srgbClr val="000000"/>
-                      </a:solidFill>
-                      <a:prstDash val="solid"/>
-                      <a:round/>
-                      <a:headEnd type="none" w="med" len="med"/>
-                      <a:tailEnd type="none" w="med" len="med"/>
-                    </a:lnT>
-                    <a:lnB w="12700" cap="flat" cmpd="sng" algn="ctr">
-                      <a:solidFill>
-                        <a:srgbClr val="000000"/>
-                      </a:solidFill>
-                      <a:prstDash val="solid"/>
-                      <a:round/>
-                      <a:headEnd type="none" w="med" len="med"/>
-                      <a:tailEnd type="none" w="med" len="med"/>
-                    </a:lnB>
-                    <a:lnTlToBr>
-                      <a:noFill/>
-                    </a:lnTlToBr>
-                    <a:lnBlToTr>
-                      <a:noFill/>
-                    </a:lnBlToTr>
-                    <a:noFill/>
-                  </a:tcPr>
-                </a:tc>
-                <a:extLst>
-                  <a:ext uri="{0D108BD9-81ED-4DB2-BD59-A6C34878D82A}">
-                    <a16:rowId xmlns:a16="http://schemas.microsoft.com/office/drawing/2014/main" val="10001"/>
-                  </a:ext>
-                </a:extLst>
-              </a:tr>
-            </a:tbl>
-          </a:graphicData>
-        </a:graphic>
-      </p:graphicFrame>
-      <p:sp>
-        <p:nvSpPr>
-          <p:cNvPr id="8" name="Line 158"/>
-          <p:cNvSpPr>
-            <a:spLocks noChangeShapeType="1"/>
-          </p:cNvSpPr>
-          <p:nvPr/>
-        </p:nvSpPr>
-        <p:spPr bwMode="auto">
-          <a:xfrm>
-            <a:off x="193675" y="188913"/>
-            <a:ext cx="8785225" cy="0"/>
-          </a:xfrm>
-          <a:prstGeom prst="line">
-            <a:avLst/>
-          </a:prstGeom>
-          <a:noFill/>
-          <a:ln w="12700" cap="sq">
-            <a:solidFill>
-              <a:schemeClr val="tx1"/>
-            </a:solidFill>
-            <a:round/>
-            <a:headEnd/>
-            <a:tailEnd/>
-          </a:ln>
-        </p:spPr>
-        <p:txBody>
-          <a:bodyPr/>
-          <a:lstStyle/>
-          <a:p>
-            <a:endParaRPr lang="ru-RU"/>
-          </a:p>
-        </p:txBody>
-      </p:sp>
-      <p:sp>
-        <p:nvSpPr>
-          <p:cNvPr id="9" name="Line 159"/>
-          <p:cNvSpPr>
-            <a:spLocks noChangeShapeType="1"/>
-          </p:cNvSpPr>
-          <p:nvPr/>
-        </p:nvSpPr>
-        <p:spPr bwMode="auto">
-          <a:xfrm>
-            <a:off x="193675" y="6669088"/>
-            <a:ext cx="8785225" cy="0"/>
-          </a:xfrm>
-          <a:prstGeom prst="line">
-            <a:avLst/>
-          </a:prstGeom>
-          <a:noFill/>
-          <a:ln w="12700" cap="sq">
-            <a:solidFill>
-              <a:schemeClr val="tx1"/>
-            </a:solidFill>
-            <a:round/>
-            <a:headEnd/>
-            <a:tailEnd/>
-          </a:ln>
-        </p:spPr>
-        <p:txBody>
-          <a:bodyPr/>
-          <a:lstStyle/>
-          <a:p>
-            <a:endParaRPr lang="ru-RU"/>
-          </a:p>
-        </p:txBody>
-      </p:sp>
-      <p:pic>
-        <p:nvPicPr>
-          <p:cNvPr id="10" name="Рисунок 9">
-            <a:extLst>
-              <a:ext uri="{FF2B5EF4-FFF2-40B4-BE49-F238E27FC236}">
-                <a16:creationId xmlns:a16="http://schemas.microsoft.com/office/drawing/2014/main" id="{E254B16D-4C41-4853-B27E-7B734632D166}"/>
-              </a:ext>
-            </a:extLst>
-          </p:cNvPr>
-          <p:cNvPicPr>
-            <a:picLocks noChangeAspect="1"/>
-          </p:cNvPicPr>
-          <p:nvPr/>
-        </p:nvPicPr>
-        <p:blipFill>
-          <a:blip r:embed="rId2"/>
-          <a:stretch>
-            <a:fillRect/>
-          </a:stretch>
-        </p:blipFill>
-        <p:spPr>
-          <a:xfrm>
-            <a:off x="6004916" y="3914579"/>
-            <a:ext cx="2153461" cy="1242613"/>
-          </a:xfrm>
-          <a:prstGeom prst="rect">
-            <a:avLst/>
-          </a:prstGeom>
-        </p:spPr>
-      </p:pic>
-      <p:pic>
-        <p:nvPicPr>
-          <p:cNvPr id="11" name="Рисунок 10">
-            <a:extLst>
-              <a:ext uri="{FF2B5EF4-FFF2-40B4-BE49-F238E27FC236}">
-                <a16:creationId xmlns:a16="http://schemas.microsoft.com/office/drawing/2014/main" id="{A601425D-1D49-4B53-8321-EAF7589AA402}"/>
-              </a:ext>
-            </a:extLst>
-          </p:cNvPr>
-          <p:cNvPicPr>
-            <a:picLocks noChangeAspect="1"/>
-          </p:cNvPicPr>
-          <p:nvPr/>
-        </p:nvPicPr>
-        <p:blipFill>
-          <a:blip r:embed="rId3"/>
-          <a:stretch>
-            <a:fillRect/>
-          </a:stretch>
-        </p:blipFill>
-        <p:spPr>
-          <a:xfrm>
-            <a:off x="867423" y="3920498"/>
-            <a:ext cx="4558552" cy="1162896"/>
-          </a:xfrm>
-          <a:prstGeom prst="rect">
-            <a:avLst/>
-          </a:prstGeom>
-        </p:spPr>
-      </p:pic>
-      <p:pic>
-        <p:nvPicPr>
-          <p:cNvPr id="12" name="Рисунок 11">
-            <a:extLst>
-              <a:ext uri="{FF2B5EF4-FFF2-40B4-BE49-F238E27FC236}">
-                <a16:creationId xmlns:a16="http://schemas.microsoft.com/office/drawing/2014/main" id="{28C6AE44-A56A-4CAA-85E3-8AB8CFE56534}"/>
-              </a:ext>
-            </a:extLst>
-          </p:cNvPr>
-          <p:cNvPicPr>
-            <a:picLocks noChangeAspect="1"/>
-          </p:cNvPicPr>
-          <p:nvPr/>
-        </p:nvPicPr>
-        <p:blipFill>
-          <a:blip r:embed="rId4"/>
-          <a:stretch>
-            <a:fillRect/>
-          </a:stretch>
-        </p:blipFill>
-        <p:spPr>
-          <a:xfrm>
-            <a:off x="6012806" y="1078019"/>
-            <a:ext cx="2145571" cy="1482613"/>
-          </a:xfrm>
-          <a:prstGeom prst="rect">
-            <a:avLst/>
-          </a:prstGeom>
-        </p:spPr>
-      </p:pic>
-      <p:sp>
-        <p:nvSpPr>
-          <p:cNvPr id="13" name="TextBox 12">
-            <a:extLst>
-              <a:ext uri="{FF2B5EF4-FFF2-40B4-BE49-F238E27FC236}">
-                <a16:creationId xmlns:a16="http://schemas.microsoft.com/office/drawing/2014/main" id="{2834E5C4-C2A0-4577-A39A-B853DAD98B66}"/>
-              </a:ext>
-            </a:extLst>
-          </p:cNvPr>
-          <p:cNvSpPr txBox="1"/>
-          <p:nvPr/>
-        </p:nvSpPr>
-        <p:spPr>
-          <a:xfrm>
-            <a:off x="5964838" y="5237192"/>
-            <a:ext cx="2592288" cy="338554"/>
-          </a:xfrm>
-          <a:prstGeom prst="rect">
-            <a:avLst/>
-          </a:prstGeom>
-          <a:noFill/>
-        </p:spPr>
-        <p:txBody>
-          <a:bodyPr wrap="square">
-            <a:spAutoFit/>
-          </a:bodyPr>
-          <a:lstStyle/>
-          <a:p>
-            <a:r>
-              <a:rPr lang="ru-RU" sz="1600" dirty="0"/>
-              <a:t>4. </a:t>
-            </a:r>
-            <a:r>
-              <a:rPr lang="ru-RU" sz="1600" dirty="0">
-                <a:solidFill>
-                  <a:srgbClr val="000000"/>
-                </a:solidFill>
-                <a:effectLst/>
-                <a:ea typeface="Times New Roman" panose="02020603050405020304" pitchFamily="18" charset="0"/>
-              </a:rPr>
-              <a:t>Форма авторизации</a:t>
-            </a:r>
-            <a:endParaRPr lang="ru-RU" sz="1600" dirty="0"/>
-          </a:p>
-        </p:txBody>
-      </p:sp>
-      <p:sp>
-        <p:nvSpPr>
-          <p:cNvPr id="14" name="TextBox 13">
-            <a:extLst>
-              <a:ext uri="{FF2B5EF4-FFF2-40B4-BE49-F238E27FC236}">
-                <a16:creationId xmlns:a16="http://schemas.microsoft.com/office/drawing/2014/main" id="{FB5108F1-31FD-4030-AAC9-0BA7DAA6741C}"/>
-              </a:ext>
-            </a:extLst>
-          </p:cNvPr>
-          <p:cNvSpPr txBox="1"/>
-          <p:nvPr/>
-        </p:nvSpPr>
-        <p:spPr>
-          <a:xfrm>
-            <a:off x="5868144" y="2623216"/>
-            <a:ext cx="2476540" cy="584775"/>
-          </a:xfrm>
-          <a:prstGeom prst="rect">
-            <a:avLst/>
-          </a:prstGeom>
-          <a:noFill/>
-        </p:spPr>
-        <p:txBody>
-          <a:bodyPr wrap="square">
-            <a:spAutoFit/>
-          </a:bodyPr>
-          <a:lstStyle/>
-          <a:p>
-            <a:r>
-              <a:rPr lang="ru-RU" sz="1600" dirty="0"/>
-              <a:t>2. </a:t>
-            </a:r>
-            <a:r>
-              <a:rPr lang="ru-RU" sz="1600" dirty="0">
-                <a:solidFill>
-                  <a:srgbClr val="000000"/>
-                </a:solidFill>
-                <a:effectLst/>
-                <a:ea typeface="Times New Roman" panose="02020603050405020304" pitchFamily="18" charset="0"/>
-              </a:rPr>
-              <a:t>Форма редактирования почтового сервера</a:t>
-            </a:r>
-            <a:endParaRPr lang="ru-RU" sz="1600" dirty="0"/>
-          </a:p>
-        </p:txBody>
-      </p:sp>
-      <p:sp>
-        <p:nvSpPr>
-          <p:cNvPr id="15" name="TextBox 14">
-            <a:extLst>
-              <a:ext uri="{FF2B5EF4-FFF2-40B4-BE49-F238E27FC236}">
-                <a16:creationId xmlns:a16="http://schemas.microsoft.com/office/drawing/2014/main" id="{9D4774EC-4F94-489B-B13A-BEC8CBBB5FCD}"/>
-              </a:ext>
-            </a:extLst>
-          </p:cNvPr>
-          <p:cNvSpPr txBox="1"/>
-          <p:nvPr/>
-        </p:nvSpPr>
-        <p:spPr>
-          <a:xfrm>
-            <a:off x="1459003" y="5237192"/>
-            <a:ext cx="3240508" cy="338554"/>
-          </a:xfrm>
-          <a:prstGeom prst="rect">
-            <a:avLst/>
-          </a:prstGeom>
-          <a:noFill/>
-        </p:spPr>
-        <p:txBody>
-          <a:bodyPr wrap="square">
-            <a:spAutoFit/>
-          </a:bodyPr>
-          <a:lstStyle/>
-          <a:p>
-            <a:r>
-              <a:rPr lang="ru-RU" sz="1600" dirty="0"/>
-              <a:t>3. </a:t>
-            </a:r>
-            <a:r>
-              <a:rPr lang="ru-RU" sz="1600" dirty="0">
-                <a:solidFill>
-                  <a:srgbClr val="000000"/>
-                </a:solidFill>
-                <a:effectLst/>
-                <a:latin typeface="Times New Roman" panose="02020603050405020304" pitchFamily="18" charset="0"/>
-                <a:ea typeface="Times New Roman" panose="02020603050405020304" pitchFamily="18" charset="0"/>
-              </a:rPr>
-              <a:t>Таблица просмотра писем</a:t>
-            </a:r>
-            <a:endParaRPr lang="ru-RU" sz="1600" dirty="0"/>
-          </a:p>
-        </p:txBody>
-      </p:sp>
-      <p:pic>
-        <p:nvPicPr>
-          <p:cNvPr id="16" name="Рисунок 15">
-            <a:extLst>
-              <a:ext uri="{FF2B5EF4-FFF2-40B4-BE49-F238E27FC236}">
-                <a16:creationId xmlns:a16="http://schemas.microsoft.com/office/drawing/2014/main" id="{0BC8799D-67EA-4FFF-AFC3-E8BA17BA7794}"/>
-              </a:ext>
-            </a:extLst>
-          </p:cNvPr>
-          <p:cNvPicPr>
-            <a:picLocks noChangeAspect="1"/>
-          </p:cNvPicPr>
-          <p:nvPr/>
-        </p:nvPicPr>
-        <p:blipFill>
-          <a:blip r:embed="rId5"/>
-          <a:stretch>
-            <a:fillRect/>
-          </a:stretch>
-        </p:blipFill>
-        <p:spPr>
-          <a:xfrm>
-            <a:off x="799981" y="1078019"/>
-            <a:ext cx="4558552" cy="1545197"/>
-          </a:xfrm>
-          <a:prstGeom prst="rect">
-            <a:avLst/>
-          </a:prstGeom>
-        </p:spPr>
-      </p:pic>
-      <p:sp>
-        <p:nvSpPr>
-          <p:cNvPr id="17" name="TextBox 16">
-            <a:extLst>
-              <a:ext uri="{FF2B5EF4-FFF2-40B4-BE49-F238E27FC236}">
-                <a16:creationId xmlns:a16="http://schemas.microsoft.com/office/drawing/2014/main" id="{89A2DA44-9C2D-4B71-971E-E5AB6747A6FB}"/>
-              </a:ext>
-            </a:extLst>
-          </p:cNvPr>
-          <p:cNvSpPr txBox="1"/>
-          <p:nvPr/>
-        </p:nvSpPr>
-        <p:spPr>
-          <a:xfrm>
-            <a:off x="1395997" y="2640392"/>
-            <a:ext cx="3501404" cy="584775"/>
-          </a:xfrm>
-          <a:prstGeom prst="rect">
-            <a:avLst/>
-          </a:prstGeom>
-          <a:noFill/>
-        </p:spPr>
-        <p:txBody>
-          <a:bodyPr wrap="square">
-            <a:spAutoFit/>
-          </a:bodyPr>
-          <a:lstStyle/>
-          <a:p>
-            <a:r>
-              <a:rPr lang="ru-RU" sz="1600" dirty="0"/>
-              <a:t>1. </a:t>
-            </a:r>
-            <a:r>
-              <a:rPr lang="ru-RU" sz="1600" dirty="0">
-                <a:solidFill>
-                  <a:srgbClr val="000000"/>
-                </a:solidFill>
-                <a:effectLst/>
-                <a:ea typeface="Times New Roman" panose="02020603050405020304" pitchFamily="18" charset="0"/>
-              </a:rPr>
-              <a:t>Форма добавления учетной записи, выбор хоста</a:t>
-            </a:r>
-            <a:endParaRPr lang="ru-RU" sz="1600" dirty="0"/>
-          </a:p>
-        </p:txBody>
-      </p:sp>
-    </p:spTree>
-    <p:extLst>
-      <p:ext uri="{BB962C8B-B14F-4D97-AF65-F5344CB8AC3E}">
-        <p14:creationId xmlns:p14="http://schemas.microsoft.com/office/powerpoint/2010/main" val="3575411339"/>
-      </p:ext>
-    </p:extLst>
-  </p:cSld>
-  <p:clrMapOvr>
-    <a:masterClrMapping/>
-  </p:clrMapOvr>
-</p:sld>
-</file>
-
-<file path=ppt/slides/slide9.xml><?xml version="1.0" encoding="utf-8"?>
-<p:sld xmlns:a="http://schemas.openxmlformats.org/drawingml/2006/main" xmlns:r="http://schemas.openxmlformats.org/officeDocument/2006/relationships" xmlns:p="http://schemas.openxmlformats.org/presentationml/2006/main">
-  <p:cSld>
-    <p:spTree>
-      <p:nvGrpSpPr>
-        <p:cNvPr id="1" name=""/>
-        <p:cNvGrpSpPr/>
-        <p:nvPr/>
-      </p:nvGrpSpPr>
-      <p:grpSpPr>
-        <a:xfrm>
-          <a:off x="0" y="0"/>
-          <a:ext cx="0" cy="0"/>
-          <a:chOff x="0" y="0"/>
-          <a:chExt cx="0" cy="0"/>
-        </a:xfrm>
-      </p:grpSpPr>
-      <p:sp>
-        <p:nvSpPr>
-          <p:cNvPr id="5" name="Line 137"/>
-          <p:cNvSpPr>
-            <a:spLocks noChangeShapeType="1"/>
-          </p:cNvSpPr>
-          <p:nvPr/>
-        </p:nvSpPr>
-        <p:spPr bwMode="auto">
-          <a:xfrm>
-            <a:off x="193675" y="188913"/>
-            <a:ext cx="0" cy="6480175"/>
-          </a:xfrm>
-          <a:prstGeom prst="line">
-            <a:avLst/>
-          </a:prstGeom>
-          <a:noFill/>
-          <a:ln w="12700" cap="sq">
-            <a:solidFill>
-              <a:schemeClr val="tx1"/>
-            </a:solidFill>
-            <a:round/>
-            <a:headEnd/>
-            <a:tailEnd/>
-          </a:ln>
-        </p:spPr>
-        <p:txBody>
-          <a:bodyPr/>
-          <a:lstStyle/>
-          <a:p>
-            <a:endParaRPr lang="ru-RU"/>
-          </a:p>
-        </p:txBody>
-      </p:sp>
-      <p:sp>
-        <p:nvSpPr>
-          <p:cNvPr id="6" name="Line 138"/>
-          <p:cNvSpPr>
-            <a:spLocks noChangeShapeType="1"/>
-          </p:cNvSpPr>
-          <p:nvPr/>
-        </p:nvSpPr>
-        <p:spPr bwMode="auto">
-          <a:xfrm>
-            <a:off x="8978900" y="188913"/>
-            <a:ext cx="0" cy="6480175"/>
-          </a:xfrm>
-          <a:prstGeom prst="line">
-            <a:avLst/>
-          </a:prstGeom>
-          <a:noFill/>
-          <a:ln w="12700" cap="sq">
-            <a:solidFill>
-              <a:schemeClr val="tx1"/>
-            </a:solidFill>
-            <a:round/>
-            <a:headEnd/>
-            <a:tailEnd/>
-          </a:ln>
-        </p:spPr>
-        <p:txBody>
-          <a:bodyPr/>
-          <a:lstStyle/>
-          <a:p>
-            <a:endParaRPr lang="ru-RU"/>
-          </a:p>
-        </p:txBody>
-      </p:sp>
-      <p:sp>
-        <p:nvSpPr>
-          <p:cNvPr id="8" name="Line 158"/>
-          <p:cNvSpPr>
-            <a:spLocks noChangeShapeType="1"/>
-          </p:cNvSpPr>
-          <p:nvPr/>
-        </p:nvSpPr>
-        <p:spPr bwMode="auto">
-          <a:xfrm>
-            <a:off x="193675" y="188913"/>
-            <a:ext cx="8785225" cy="0"/>
-          </a:xfrm>
-          <a:prstGeom prst="line">
-            <a:avLst/>
-          </a:prstGeom>
-          <a:noFill/>
-          <a:ln w="12700" cap="sq">
-            <a:solidFill>
-              <a:schemeClr val="tx1"/>
-            </a:solidFill>
-            <a:round/>
-            <a:headEnd/>
-            <a:tailEnd/>
-          </a:ln>
-        </p:spPr>
-        <p:txBody>
-          <a:bodyPr/>
-          <a:lstStyle/>
-          <a:p>
-            <a:endParaRPr lang="ru-RU"/>
-          </a:p>
-        </p:txBody>
-      </p:sp>
-      <p:sp>
-        <p:nvSpPr>
-          <p:cNvPr id="9" name="Line 159"/>
-          <p:cNvSpPr>
-            <a:spLocks noChangeShapeType="1"/>
-          </p:cNvSpPr>
-          <p:nvPr/>
-        </p:nvSpPr>
-        <p:spPr bwMode="auto">
-          <a:xfrm>
-            <a:off x="193675" y="6669088"/>
-            <a:ext cx="8785225" cy="0"/>
-          </a:xfrm>
-          <a:prstGeom prst="line">
-            <a:avLst/>
-          </a:prstGeom>
-          <a:noFill/>
-          <a:ln w="12700" cap="sq">
-            <a:solidFill>
-              <a:schemeClr val="tx1"/>
-            </a:solidFill>
-            <a:round/>
-            <a:headEnd/>
-            <a:tailEnd/>
-          </a:ln>
-        </p:spPr>
-        <p:txBody>
-          <a:bodyPr/>
-          <a:lstStyle/>
-          <a:p>
-            <a:endParaRPr lang="ru-RU"/>
-          </a:p>
-        </p:txBody>
-      </p:sp>
-      <p:sp>
-        <p:nvSpPr>
-          <p:cNvPr id="11" name="Rectangle 23"/>
-          <p:cNvSpPr>
-            <a:spLocks noChangeArrowheads="1"/>
-          </p:cNvSpPr>
-          <p:nvPr/>
-        </p:nvSpPr>
-        <p:spPr bwMode="auto">
-          <a:xfrm>
-            <a:off x="250825" y="260350"/>
-            <a:ext cx="8642350" cy="430887"/>
-          </a:xfrm>
-          <a:prstGeom prst="rect">
-            <a:avLst/>
-          </a:prstGeom>
-          <a:noFill/>
-          <a:ln w="9525">
-            <a:noFill/>
-            <a:miter lim="800000"/>
-            <a:headEnd/>
-            <a:tailEnd/>
-          </a:ln>
-        </p:spPr>
-        <p:txBody>
-          <a:bodyPr>
-            <a:spAutoFit/>
-          </a:bodyPr>
-          <a:lstStyle/>
-          <a:p>
-            <a:pPr algn="ctr"/>
-            <a:r>
-              <a:rPr lang="ru-RU" sz="2200" b="1" dirty="0"/>
-              <a:t>Отладка и тестирование ВС ДЭП</a:t>
-            </a:r>
-          </a:p>
-        </p:txBody>
-      </p:sp>
-      <p:graphicFrame>
-        <p:nvGraphicFramePr>
-          <p:cNvPr id="12" name="Group 10">
-            <a:extLst>
-              <a:ext uri="{FF2B5EF4-FFF2-40B4-BE49-F238E27FC236}">
-                <a16:creationId xmlns:a16="http://schemas.microsoft.com/office/drawing/2014/main" id="{FA4FB2C4-33E3-4555-818C-C1D3CD59D33C}"/>
-              </a:ext>
-            </a:extLst>
-          </p:cNvPr>
-          <p:cNvGraphicFramePr>
-            <a:graphicFrameLocks noGrp="1"/>
-          </p:cNvGraphicFramePr>
-          <p:nvPr>
-            <p:extLst>
-              <p:ext uri="{D42A27DB-BD31-4B8C-83A1-F6EECF244321}">
-                <p14:modId xmlns:p14="http://schemas.microsoft.com/office/powerpoint/2010/main" val="4220832055"/>
-              </p:ext>
-            </p:extLst>
-          </p:nvPr>
-        </p:nvGraphicFramePr>
-        <p:xfrm>
-          <a:off x="6156325" y="6254750"/>
-          <a:ext cx="2822575" cy="412740"/>
-        </p:xfrm>
-        <a:graphic>
-          <a:graphicData uri="http://schemas.openxmlformats.org/drawingml/2006/table">
-            <a:tbl>
-              <a:tblPr/>
-              <a:tblGrid>
-                <a:gridCol w="792163">
-                  <a:extLst>
-                    <a:ext uri="{9D8B030D-6E8A-4147-A177-3AD203B41FA5}">
-                      <a16:colId xmlns:a16="http://schemas.microsoft.com/office/drawing/2014/main" val="20000"/>
-                    </a:ext>
-                  </a:extLst>
-                </a:gridCol>
-                <a:gridCol w="1008062">
-                  <a:extLst>
-                    <a:ext uri="{9D8B030D-6E8A-4147-A177-3AD203B41FA5}">
-                      <a16:colId xmlns:a16="http://schemas.microsoft.com/office/drawing/2014/main" val="20001"/>
-                    </a:ext>
-                  </a:extLst>
-                </a:gridCol>
-                <a:gridCol w="649288">
-                  <a:extLst>
-                    <a:ext uri="{9D8B030D-6E8A-4147-A177-3AD203B41FA5}">
-                      <a16:colId xmlns:a16="http://schemas.microsoft.com/office/drawing/2014/main" val="20002"/>
-                    </a:ext>
-                  </a:extLst>
-                </a:gridCol>
-                <a:gridCol w="373062">
-                  <a:extLst>
-                    <a:ext uri="{9D8B030D-6E8A-4147-A177-3AD203B41FA5}">
-                      <a16:colId xmlns:a16="http://schemas.microsoft.com/office/drawing/2014/main" val="20003"/>
-                    </a:ext>
-                  </a:extLst>
-                </a:gridCol>
-              </a:tblGrid>
-              <a:tr h="0">
-                <a:tc>
-                  <a:txBody>
-                    <a:bodyPr/>
-                    <a:lstStyle/>
-                    <a:p>
-                      <a:pPr marL="0" marR="0" lvl="0" indent="0" algn="l" defTabSz="914400" rtl="0" eaLnBrk="1" fontAlgn="base" latinLnBrk="0" hangingPunct="1">
-                        <a:lnSpc>
-                          <a:spcPct val="100000"/>
-                        </a:lnSpc>
-                        <a:spcBef>
-                          <a:spcPct val="0"/>
-                        </a:spcBef>
-                        <a:spcAft>
-                          <a:spcPct val="0"/>
-                        </a:spcAft>
-                        <a:buClrTx/>
-                        <a:buSzTx/>
-                        <a:buFontTx/>
-                        <a:buNone/>
-                        <a:tabLst/>
-                      </a:pPr>
-                      <a:r>
-                        <a:rPr kumimoji="0" lang="ru-RU" sz="1000" b="0" i="0" u="none" strike="noStrike" cap="none" normalizeH="0" baseline="0" dirty="0">
-                          <a:ln>
-                            <a:noFill/>
-                          </a:ln>
-                          <a:solidFill>
-                            <a:schemeClr val="tx1"/>
-                          </a:solidFill>
-                          <a:effectLst/>
-                          <a:latin typeface="Times New Roman" pitchFamily="18" charset="0"/>
-                          <a:cs typeface="Times New Roman" pitchFamily="18" charset="0"/>
-                        </a:rPr>
-                        <a:t>Разработал</a:t>
-                      </a:r>
-                      <a:endParaRPr kumimoji="0" lang="ru-RU" sz="1000" b="0" i="0" u="none" strike="noStrike" cap="none" normalizeH="0" baseline="0" dirty="0">
-                        <a:ln>
-                          <a:noFill/>
-                        </a:ln>
-                        <a:solidFill>
-                          <a:schemeClr val="tx1"/>
-                        </a:solidFill>
-                        <a:effectLst/>
-                        <a:latin typeface="Arial" charset="0"/>
-                      </a:endParaRPr>
-                    </a:p>
-                  </a:txBody>
-                  <a:tcPr marL="71962" marR="71962" marT="17991" marB="35979" horzOverflow="overflow">
-                    <a:lnL w="12700" cap="flat" cmpd="sng" algn="ctr">
-                      <a:solidFill>
-                        <a:srgbClr val="000000"/>
-                      </a:solidFill>
-                      <a:prstDash val="solid"/>
-                      <a:round/>
-                      <a:headEnd type="none" w="med" len="med"/>
-                      <a:tailEnd type="none" w="med" len="med"/>
-                    </a:lnL>
-                    <a:lnR w="12700" cap="flat" cmpd="sng" algn="ctr">
-                      <a:solidFill>
-                        <a:srgbClr val="000000"/>
-                      </a:solidFill>
-                      <a:prstDash val="solid"/>
-                      <a:round/>
-                      <a:headEnd type="none" w="med" len="med"/>
-                      <a:tailEnd type="none" w="med" len="med"/>
-                    </a:lnR>
-                    <a:lnT w="12700" cap="flat" cmpd="sng" algn="ctr">
-                      <a:solidFill>
-                        <a:srgbClr val="000000"/>
-                      </a:solidFill>
-                      <a:prstDash val="solid"/>
-                      <a:round/>
-                      <a:headEnd type="none" w="med" len="med"/>
-                      <a:tailEnd type="none" w="med" len="med"/>
-                    </a:lnT>
-                    <a:lnB w="12700" cap="flat" cmpd="sng" algn="ctr">
-                      <a:solidFill>
-                        <a:srgbClr val="000000"/>
-                      </a:solidFill>
-                      <a:prstDash val="solid"/>
-                      <a:round/>
-                      <a:headEnd type="none" w="med" len="med"/>
-                      <a:tailEnd type="none" w="med" len="med"/>
-                    </a:lnB>
-                    <a:lnTlToBr>
-                      <a:noFill/>
-                    </a:lnTlToBr>
-                    <a:lnBlToTr>
-                      <a:noFill/>
-                    </a:lnBlToTr>
-                    <a:noFill/>
-                  </a:tcPr>
-                </a:tc>
-                <a:tc>
-                  <a:txBody>
-                    <a:bodyPr/>
-                    <a:lstStyle/>
-                    <a:p>
-                      <a:pPr marL="0" marR="0" lvl="0" indent="0" algn="l" defTabSz="914400" rtl="0" eaLnBrk="1" fontAlgn="base" latinLnBrk="0" hangingPunct="1">
-                        <a:lnSpc>
-                          <a:spcPct val="100000"/>
-                        </a:lnSpc>
-                        <a:spcBef>
-                          <a:spcPct val="0"/>
-                        </a:spcBef>
-                        <a:spcAft>
-                          <a:spcPct val="0"/>
-                        </a:spcAft>
-                        <a:buClrTx/>
-                        <a:buSzTx/>
-                        <a:buFontTx/>
-                        <a:buNone/>
-                        <a:tabLst/>
-                      </a:pPr>
-                      <a:r>
-                        <a:rPr kumimoji="0" lang="ru-RU" sz="1000" b="0" i="0" u="none" strike="noStrike" cap="none" normalizeH="0" baseline="0" dirty="0">
-                          <a:ln>
-                            <a:noFill/>
-                          </a:ln>
-                          <a:solidFill>
-                            <a:schemeClr val="tx1"/>
-                          </a:solidFill>
-                          <a:effectLst/>
-                          <a:latin typeface="Times New Roman" pitchFamily="18" charset="0"/>
-                          <a:cs typeface="Times New Roman" pitchFamily="18" charset="0"/>
-                        </a:rPr>
-                        <a:t>Мясников М.А.</a:t>
-                      </a:r>
-                    </a:p>
-                  </a:txBody>
-                  <a:tcPr marL="71962" marR="71962" marT="17991" marB="35979" horzOverflow="overflow">
-                    <a:lnL w="12700" cap="flat" cmpd="sng" algn="ctr">
-                      <a:solidFill>
-                        <a:srgbClr val="000000"/>
-                      </a:solidFill>
-                      <a:prstDash val="solid"/>
-                      <a:round/>
-                      <a:headEnd type="none" w="med" len="med"/>
-                      <a:tailEnd type="none" w="med" len="med"/>
-                    </a:lnL>
-                    <a:lnR w="12700" cap="flat" cmpd="sng" algn="ctr">
-                      <a:solidFill>
-                        <a:srgbClr val="000000"/>
-                      </a:solidFill>
-                      <a:prstDash val="solid"/>
-                      <a:round/>
-                      <a:headEnd type="none" w="med" len="med"/>
-                      <a:tailEnd type="none" w="med" len="med"/>
-                    </a:lnR>
-                    <a:lnT w="12700" cap="flat" cmpd="sng" algn="ctr">
-                      <a:solidFill>
-                        <a:srgbClr val="000000"/>
-                      </a:solidFill>
-                      <a:prstDash val="solid"/>
-                      <a:round/>
-                      <a:headEnd type="none" w="med" len="med"/>
-                      <a:tailEnd type="none" w="med" len="med"/>
-                    </a:lnT>
-                    <a:lnB w="12700" cap="flat" cmpd="sng" algn="ctr">
-                      <a:solidFill>
-                        <a:srgbClr val="000000"/>
-                      </a:solidFill>
-                      <a:prstDash val="solid"/>
-                      <a:round/>
-                      <a:headEnd type="none" w="med" len="med"/>
-                      <a:tailEnd type="none" w="med" len="med"/>
-                    </a:lnB>
-                    <a:lnTlToBr>
-                      <a:noFill/>
-                    </a:lnTlToBr>
-                    <a:lnBlToTr>
-                      <a:noFill/>
-                    </a:lnBlToTr>
-                    <a:noFill/>
-                  </a:tcPr>
-                </a:tc>
-                <a:tc>
-                  <a:txBody>
-                    <a:bodyPr/>
-                    <a:lstStyle/>
-                    <a:p>
-                      <a:pPr marL="0" marR="0" lvl="0" indent="0" algn="l" defTabSz="914400" rtl="0" eaLnBrk="1" fontAlgn="base" latinLnBrk="0" hangingPunct="1">
-                        <a:lnSpc>
-                          <a:spcPct val="100000"/>
-                        </a:lnSpc>
-                        <a:spcBef>
-                          <a:spcPct val="20000"/>
-                        </a:spcBef>
-                        <a:spcAft>
-                          <a:spcPct val="0"/>
-                        </a:spcAft>
-                        <a:buClrTx/>
-                        <a:buSzTx/>
-                        <a:buFontTx/>
-                        <a:buNone/>
-                        <a:tabLst/>
-                      </a:pPr>
-                      <a:endParaRPr kumimoji="0" lang="ru-RU" sz="1000" b="0" i="0" u="none" strike="noStrike" cap="none" normalizeH="0" baseline="0">
-                        <a:ln>
-                          <a:noFill/>
-                        </a:ln>
-                        <a:solidFill>
-                          <a:schemeClr val="tx1"/>
-                        </a:solidFill>
-                        <a:effectLst/>
-                        <a:latin typeface="Arial" charset="0"/>
-                      </a:endParaRPr>
-                    </a:p>
-                  </a:txBody>
-                  <a:tcPr marL="71962" marR="71962" marT="17991" marB="35979" horzOverflow="overflow">
-                    <a:lnL w="12700" cap="flat" cmpd="sng" algn="ctr">
-                      <a:solidFill>
-                        <a:srgbClr val="000000"/>
-                      </a:solidFill>
-                      <a:prstDash val="solid"/>
-                      <a:round/>
-                      <a:headEnd type="none" w="med" len="med"/>
-                      <a:tailEnd type="none" w="med" len="med"/>
-                    </a:lnL>
-                    <a:lnR w="12700" cap="flat" cmpd="sng" algn="ctr">
-                      <a:solidFill>
-                        <a:srgbClr val="000000"/>
-                      </a:solidFill>
-                      <a:prstDash val="solid"/>
-                      <a:round/>
-                      <a:headEnd type="none" w="med" len="med"/>
-                      <a:tailEnd type="none" w="med" len="med"/>
-                    </a:lnR>
-                    <a:lnT w="12700" cap="flat" cmpd="sng" algn="ctr">
-                      <a:solidFill>
-                        <a:srgbClr val="000000"/>
-                      </a:solidFill>
-                      <a:prstDash val="solid"/>
-                      <a:round/>
-                      <a:headEnd type="none" w="med" len="med"/>
-                      <a:tailEnd type="none" w="med" len="med"/>
-                    </a:lnT>
-                    <a:lnB w="12700" cap="flat" cmpd="sng" algn="ctr">
-                      <a:solidFill>
-                        <a:srgbClr val="000000"/>
-                      </a:solidFill>
-                      <a:prstDash val="solid"/>
-                      <a:round/>
-                      <a:headEnd type="none" w="med" len="med"/>
-                      <a:tailEnd type="none" w="med" len="med"/>
-                    </a:lnB>
-                    <a:lnTlToBr>
-                      <a:noFill/>
-                    </a:lnTlToBr>
-                    <a:lnBlToTr>
-                      <a:noFill/>
-                    </a:lnBlToTr>
-                    <a:noFill/>
-                  </a:tcPr>
-                </a:tc>
-                <a:tc>
-                  <a:txBody>
-                    <a:bodyPr/>
-                    <a:lstStyle/>
-                    <a:p>
-                      <a:pPr marL="0" marR="0" lvl="0" indent="0" algn="l" defTabSz="914400" rtl="0" eaLnBrk="1" fontAlgn="base" latinLnBrk="0" hangingPunct="1">
-                        <a:lnSpc>
-                          <a:spcPct val="100000"/>
-                        </a:lnSpc>
-                        <a:spcBef>
-                          <a:spcPct val="20000"/>
-                        </a:spcBef>
-                        <a:spcAft>
-                          <a:spcPct val="0"/>
-                        </a:spcAft>
-                        <a:buClrTx/>
-                        <a:buSzTx/>
-                        <a:buFontTx/>
-                        <a:buNone/>
-                        <a:tabLst/>
-                      </a:pPr>
-                      <a:r>
-                        <a:rPr kumimoji="0" lang="ru-RU" sz="1000" b="0" i="0" u="none" strike="noStrike" cap="none" normalizeH="0" baseline="0" dirty="0">
-                          <a:ln>
-                            <a:noFill/>
-                          </a:ln>
-                          <a:solidFill>
-                            <a:schemeClr val="tx1"/>
-                          </a:solidFill>
-                          <a:effectLst/>
-                          <a:latin typeface="Times New Roman" pitchFamily="18" charset="0"/>
-                        </a:rPr>
-                        <a:t>9</a:t>
-                      </a:r>
-                    </a:p>
-                  </a:txBody>
-                  <a:tcPr marL="71962" marR="71962" marT="17991" marB="35979" horzOverflow="overflow">
-                    <a:lnL w="12700" cap="flat" cmpd="sng" algn="ctr">
-                      <a:solidFill>
-                        <a:srgbClr val="000000"/>
-                      </a:solidFill>
-                      <a:prstDash val="solid"/>
-                      <a:round/>
-                      <a:headEnd type="none" w="med" len="med"/>
-                      <a:tailEnd type="none" w="med" len="med"/>
-                    </a:lnL>
-                    <a:lnR w="12700" cap="flat" cmpd="sng" algn="ctr">
-                      <a:solidFill>
-                        <a:srgbClr val="000000"/>
-                      </a:solidFill>
-                      <a:prstDash val="solid"/>
-                      <a:round/>
-                      <a:headEnd type="none" w="med" len="med"/>
-                      <a:tailEnd type="none" w="med" len="med"/>
-                    </a:lnR>
-                    <a:lnT w="12700" cap="flat" cmpd="sng" algn="ctr">
-                      <a:solidFill>
-                        <a:srgbClr val="000000"/>
-                      </a:solidFill>
-                      <a:prstDash val="solid"/>
-                      <a:round/>
-                      <a:headEnd type="none" w="med" len="med"/>
-                      <a:tailEnd type="none" w="med" len="med"/>
-                    </a:lnT>
-                    <a:lnB w="12700" cap="flat" cmpd="sng" algn="ctr">
-                      <a:solidFill>
-                        <a:srgbClr val="000000"/>
-                      </a:solidFill>
-                      <a:prstDash val="solid"/>
-                      <a:round/>
-                      <a:headEnd type="none" w="med" len="med"/>
-                      <a:tailEnd type="none" w="med" len="med"/>
-                    </a:lnB>
-                    <a:lnTlToBr>
-                      <a:noFill/>
-                    </a:lnTlToBr>
-                    <a:lnBlToTr>
-                      <a:noFill/>
-                    </a:lnBlToTr>
-                    <a:noFill/>
-                  </a:tcPr>
-                </a:tc>
-                <a:extLst>
-                  <a:ext uri="{0D108BD9-81ED-4DB2-BD59-A6C34878D82A}">
-                    <a16:rowId xmlns:a16="http://schemas.microsoft.com/office/drawing/2014/main" val="10000"/>
-                  </a:ext>
-                </a:extLst>
-              </a:tr>
-              <a:tr h="0">
-                <a:tc>
-                  <a:txBody>
-                    <a:bodyPr/>
-                    <a:lstStyle/>
-                    <a:p>
-                      <a:pPr marL="0" marR="0" lvl="0" indent="0" algn="l" defTabSz="914400" rtl="0" eaLnBrk="1" fontAlgn="base" latinLnBrk="0" hangingPunct="1">
-                        <a:lnSpc>
-                          <a:spcPct val="100000"/>
-                        </a:lnSpc>
-                        <a:spcBef>
-                          <a:spcPct val="0"/>
-                        </a:spcBef>
-                        <a:spcAft>
-                          <a:spcPct val="0"/>
-                        </a:spcAft>
-                        <a:buClrTx/>
-                        <a:buSzTx/>
-                        <a:buFontTx/>
-                        <a:buNone/>
-                        <a:tabLst/>
-                      </a:pPr>
-                      <a:r>
-                        <a:rPr kumimoji="0" lang="ru-RU" sz="1000" b="0" i="0" u="none" strike="noStrike" cap="none" normalizeH="0" baseline="0">
-                          <a:ln>
-                            <a:noFill/>
-                          </a:ln>
-                          <a:solidFill>
-                            <a:schemeClr val="tx1"/>
-                          </a:solidFill>
-                          <a:effectLst/>
-                          <a:latin typeface="Times New Roman" pitchFamily="18" charset="0"/>
-                          <a:cs typeface="Times New Roman" pitchFamily="18" charset="0"/>
-                        </a:rPr>
-                        <a:t>Утвердил</a:t>
-                      </a:r>
-                      <a:endParaRPr kumimoji="0" lang="ru-RU" sz="1000" b="0" i="0" u="none" strike="noStrike" cap="none" normalizeH="0" baseline="0">
-                        <a:ln>
-                          <a:noFill/>
-                        </a:ln>
-                        <a:solidFill>
-                          <a:schemeClr val="tx1"/>
-                        </a:solidFill>
-                        <a:effectLst/>
-                        <a:latin typeface="Arial" charset="0"/>
-                      </a:endParaRPr>
-                    </a:p>
-                  </a:txBody>
-                  <a:tcPr marL="71962" marR="71962" marT="17991" marB="35979" horzOverflow="overflow">
-                    <a:lnL w="12700" cap="flat" cmpd="sng" algn="ctr">
-                      <a:solidFill>
-                        <a:srgbClr val="000000"/>
-                      </a:solidFill>
-                      <a:prstDash val="solid"/>
-                      <a:round/>
-                      <a:headEnd type="none" w="med" len="med"/>
-                      <a:tailEnd type="none" w="med" len="med"/>
-                    </a:lnL>
-                    <a:lnR w="12700" cap="flat" cmpd="sng" algn="ctr">
-                      <a:solidFill>
-                        <a:srgbClr val="000000"/>
-                      </a:solidFill>
-                      <a:prstDash val="solid"/>
-                      <a:round/>
-                      <a:headEnd type="none" w="med" len="med"/>
-                      <a:tailEnd type="none" w="med" len="med"/>
-                    </a:lnR>
-                    <a:lnT w="12700" cap="flat" cmpd="sng" algn="ctr">
-                      <a:solidFill>
-                        <a:srgbClr val="000000"/>
-                      </a:solidFill>
-                      <a:prstDash val="solid"/>
-                      <a:round/>
-                      <a:headEnd type="none" w="med" len="med"/>
-                      <a:tailEnd type="none" w="med" len="med"/>
-                    </a:lnT>
-                    <a:lnB w="12700" cap="flat" cmpd="sng" algn="ctr">
-                      <a:solidFill>
-                        <a:srgbClr val="000000"/>
-                      </a:solidFill>
-                      <a:prstDash val="solid"/>
-                      <a:round/>
-                      <a:headEnd type="none" w="med" len="med"/>
-                      <a:tailEnd type="none" w="med" len="med"/>
-                    </a:lnB>
-                    <a:lnTlToBr>
-                      <a:noFill/>
-                    </a:lnTlToBr>
-                    <a:lnBlToTr>
-                      <a:noFill/>
-                    </a:lnBlToTr>
-                    <a:noFill/>
-                  </a:tcPr>
-                </a:tc>
-                <a:tc>
-                  <a:txBody>
-                    <a:bodyPr/>
-                    <a:lstStyle/>
-                    <a:p>
-                      <a:pPr marL="0" marR="0" lvl="0" indent="0" algn="l" defTabSz="914400" rtl="0" eaLnBrk="1" fontAlgn="base" latinLnBrk="0" hangingPunct="1">
-                        <a:lnSpc>
-                          <a:spcPct val="100000"/>
-                        </a:lnSpc>
-                        <a:spcBef>
-                          <a:spcPct val="0"/>
-                        </a:spcBef>
-                        <a:spcAft>
-                          <a:spcPct val="0"/>
-                        </a:spcAft>
-                        <a:buClrTx/>
-                        <a:buSzTx/>
-                        <a:buFontTx/>
-                        <a:buNone/>
-                        <a:tabLst/>
-                      </a:pPr>
-                      <a:r>
-                        <a:rPr kumimoji="0" lang="ru-RU" sz="1000" b="0" i="0" u="none" strike="noStrike" cap="none" normalizeH="0" baseline="0" dirty="0">
-                          <a:ln>
-                            <a:noFill/>
-                          </a:ln>
-                          <a:solidFill>
-                            <a:schemeClr val="tx1"/>
-                          </a:solidFill>
-                          <a:effectLst/>
-                          <a:latin typeface="Times New Roman" pitchFamily="18" charset="0"/>
-                          <a:cs typeface="Times New Roman" pitchFamily="18" charset="0"/>
-                        </a:rPr>
-                        <a:t>Гагарина Л.Г.</a:t>
-                      </a:r>
-                    </a:p>
-                  </a:txBody>
-                  <a:tcPr marL="71962" marR="71962" marT="17991" marB="35979" horzOverflow="overflow">
-                    <a:lnL w="12700" cap="flat" cmpd="sng" algn="ctr">
-                      <a:solidFill>
-                        <a:srgbClr val="000000"/>
-                      </a:solidFill>
-                      <a:prstDash val="solid"/>
-                      <a:round/>
-                      <a:headEnd type="none" w="med" len="med"/>
-                      <a:tailEnd type="none" w="med" len="med"/>
-                    </a:lnL>
-                    <a:lnR w="12700" cap="flat" cmpd="sng" algn="ctr">
-                      <a:solidFill>
-                        <a:srgbClr val="000000"/>
-                      </a:solidFill>
-                      <a:prstDash val="solid"/>
-                      <a:round/>
-                      <a:headEnd type="none" w="med" len="med"/>
-                      <a:tailEnd type="none" w="med" len="med"/>
-                    </a:lnR>
-                    <a:lnT w="12700" cap="flat" cmpd="sng" algn="ctr">
-                      <a:solidFill>
-                        <a:srgbClr val="000000"/>
-                      </a:solidFill>
-                      <a:prstDash val="solid"/>
-                      <a:round/>
-                      <a:headEnd type="none" w="med" len="med"/>
-                      <a:tailEnd type="none" w="med" len="med"/>
-                    </a:lnT>
-                    <a:lnB w="12700" cap="flat" cmpd="sng" algn="ctr">
-                      <a:solidFill>
-                        <a:srgbClr val="000000"/>
-                      </a:solidFill>
-                      <a:prstDash val="solid"/>
-                      <a:round/>
-                      <a:headEnd type="none" w="med" len="med"/>
-                      <a:tailEnd type="none" w="med" len="med"/>
-                    </a:lnB>
-                    <a:lnTlToBr>
-                      <a:noFill/>
-                    </a:lnTlToBr>
-                    <a:lnBlToTr>
-                      <a:noFill/>
-                    </a:lnBlToTr>
-                    <a:noFill/>
-                  </a:tcPr>
-                </a:tc>
-                <a:tc>
-                  <a:txBody>
-                    <a:bodyPr/>
-                    <a:lstStyle/>
-                    <a:p>
-                      <a:pPr marL="0" marR="0" lvl="0" indent="0" algn="l" defTabSz="914400" rtl="0" eaLnBrk="1" fontAlgn="base" latinLnBrk="0" hangingPunct="1">
-                        <a:lnSpc>
-                          <a:spcPct val="100000"/>
-                        </a:lnSpc>
-                        <a:spcBef>
-                          <a:spcPct val="20000"/>
-                        </a:spcBef>
-                        <a:spcAft>
-                          <a:spcPct val="0"/>
-                        </a:spcAft>
-                        <a:buClrTx/>
-                        <a:buSzTx/>
-                        <a:buFontTx/>
-                        <a:buNone/>
-                        <a:tabLst/>
-                      </a:pPr>
-                      <a:endParaRPr kumimoji="0" lang="ru-RU" sz="1000" b="0" i="0" u="none" strike="noStrike" cap="none" normalizeH="0" baseline="0">
-                        <a:ln>
-                          <a:noFill/>
-                        </a:ln>
-                        <a:solidFill>
-                          <a:schemeClr val="tx1"/>
-                        </a:solidFill>
-                        <a:effectLst/>
-                        <a:latin typeface="Arial" charset="0"/>
-                      </a:endParaRPr>
-                    </a:p>
-                  </a:txBody>
-                  <a:tcPr marL="71962" marR="71962" marT="17991" marB="35979" horzOverflow="overflow">
-                    <a:lnL w="12700" cap="flat" cmpd="sng" algn="ctr">
-                      <a:solidFill>
-                        <a:srgbClr val="000000"/>
-                      </a:solidFill>
-                      <a:prstDash val="solid"/>
-                      <a:round/>
-                      <a:headEnd type="none" w="med" len="med"/>
-                      <a:tailEnd type="none" w="med" len="med"/>
-                    </a:lnL>
-                    <a:lnR w="12700" cap="flat" cmpd="sng" algn="ctr">
-                      <a:solidFill>
-                        <a:srgbClr val="000000"/>
-                      </a:solidFill>
-                      <a:prstDash val="solid"/>
-                      <a:round/>
-                      <a:headEnd type="none" w="med" len="med"/>
-                      <a:tailEnd type="none" w="med" len="med"/>
-                    </a:lnR>
-                    <a:lnT w="12700" cap="flat" cmpd="sng" algn="ctr">
-                      <a:solidFill>
-                        <a:srgbClr val="000000"/>
-                      </a:solidFill>
-                      <a:prstDash val="solid"/>
-                      <a:round/>
-                      <a:headEnd type="none" w="med" len="med"/>
-                      <a:tailEnd type="none" w="med" len="med"/>
-                    </a:lnT>
-                    <a:lnB w="12700" cap="flat" cmpd="sng" algn="ctr">
-                      <a:solidFill>
-                        <a:srgbClr val="000000"/>
-                      </a:solidFill>
-                      <a:prstDash val="solid"/>
-                      <a:round/>
-                      <a:headEnd type="none" w="med" len="med"/>
-                      <a:tailEnd type="none" w="med" len="med"/>
-                    </a:lnB>
-                    <a:lnTlToBr>
-                      <a:noFill/>
-                    </a:lnTlToBr>
-                    <a:lnBlToTr>
-                      <a:noFill/>
-                    </a:lnBlToTr>
-                    <a:noFill/>
-                  </a:tcPr>
-                </a:tc>
-                <a:tc>
-                  <a:txBody>
-                    <a:bodyPr/>
-                    <a:lstStyle/>
-                    <a:p>
-                      <a:pPr marL="0" marR="0" lvl="0" indent="0" algn="l" defTabSz="914400" rtl="0" eaLnBrk="1" fontAlgn="base" latinLnBrk="0" hangingPunct="1">
-                        <a:lnSpc>
-                          <a:spcPct val="100000"/>
-                        </a:lnSpc>
-                        <a:spcBef>
-                          <a:spcPct val="20000"/>
-                        </a:spcBef>
-                        <a:spcAft>
-                          <a:spcPct val="0"/>
-                        </a:spcAft>
-                        <a:buClrTx/>
-                        <a:buSzTx/>
-                        <a:buFontTx/>
-                        <a:buNone/>
-                        <a:tabLst/>
-                      </a:pPr>
-                      <a:endParaRPr kumimoji="0" lang="ru-RU" sz="1000" b="0" i="0" u="none" strike="noStrike" cap="none" normalizeH="0" baseline="0" dirty="0">
-                        <a:ln>
-                          <a:noFill/>
-                        </a:ln>
-                        <a:solidFill>
-                          <a:schemeClr val="tx1"/>
-                        </a:solidFill>
-                        <a:effectLst/>
-                        <a:latin typeface="Arial" charset="0"/>
-                      </a:endParaRPr>
-                    </a:p>
-                  </a:txBody>
-                  <a:tcPr marL="71962" marR="71962" marT="17991" marB="35979" horzOverflow="overflow">
-                    <a:lnL w="12700" cap="flat" cmpd="sng" algn="ctr">
-                      <a:solidFill>
-                        <a:srgbClr val="000000"/>
-                      </a:solidFill>
-                      <a:prstDash val="solid"/>
-                      <a:round/>
-                      <a:headEnd type="none" w="med" len="med"/>
-                      <a:tailEnd type="none" w="med" len="med"/>
-                    </a:lnL>
-                    <a:lnR w="12700" cap="flat" cmpd="sng" algn="ctr">
-                      <a:solidFill>
-                        <a:srgbClr val="000000"/>
-                      </a:solidFill>
-                      <a:prstDash val="solid"/>
-                      <a:round/>
-                      <a:headEnd type="none" w="med" len="med"/>
-                      <a:tailEnd type="none" w="med" len="med"/>
-                    </a:lnR>
-                    <a:lnT w="12700" cap="flat" cmpd="sng" algn="ctr">
-                      <a:solidFill>
-                        <a:srgbClr val="000000"/>
-                      </a:solidFill>
-                      <a:prstDash val="solid"/>
-                      <a:round/>
-                      <a:headEnd type="none" w="med" len="med"/>
-                      <a:tailEnd type="none" w="med" len="med"/>
-                    </a:lnT>
-                    <a:lnB w="12700" cap="flat" cmpd="sng" algn="ctr">
-                      <a:solidFill>
-                        <a:srgbClr val="000000"/>
-                      </a:solidFill>
-                      <a:prstDash val="solid"/>
-                      <a:round/>
-                      <a:headEnd type="none" w="med" len="med"/>
-                      <a:tailEnd type="none" w="med" len="med"/>
-                    </a:lnB>
-                    <a:lnTlToBr>
-                      <a:noFill/>
-                    </a:lnTlToBr>
-                    <a:lnBlToTr>
-                      <a:noFill/>
-                    </a:lnBlToTr>
-                    <a:noFill/>
-                  </a:tcPr>
-                </a:tc>
-                <a:extLst>
-                  <a:ext uri="{0D108BD9-81ED-4DB2-BD59-A6C34878D82A}">
-                    <a16:rowId xmlns:a16="http://schemas.microsoft.com/office/drawing/2014/main" val="10001"/>
-                  </a:ext>
-                </a:extLst>
-              </a:tr>
-            </a:tbl>
-          </a:graphicData>
-        </a:graphic>
-      </p:graphicFrame>
-      <p:sp>
-        <p:nvSpPr>
-          <p:cNvPr id="15" name="Rectangle 25">
-            <a:extLst>
-              <a:ext uri="{FF2B5EF4-FFF2-40B4-BE49-F238E27FC236}">
-                <a16:creationId xmlns:a16="http://schemas.microsoft.com/office/drawing/2014/main" id="{0C1E0212-5564-DCF5-DA13-04B43B87A5CD}"/>
-              </a:ext>
-            </a:extLst>
-          </p:cNvPr>
-          <p:cNvSpPr>
-            <a:spLocks noChangeArrowheads="1"/>
-          </p:cNvSpPr>
-          <p:nvPr/>
-        </p:nvSpPr>
-        <p:spPr bwMode="auto">
-          <a:xfrm>
-            <a:off x="416563" y="762673"/>
-            <a:ext cx="3978308" cy="2031325"/>
-          </a:xfrm>
-          <a:prstGeom prst="rect">
-            <a:avLst/>
-          </a:prstGeom>
-          <a:noFill/>
-          <a:ln w="9525">
-            <a:noFill/>
-            <a:miter lim="800000"/>
-            <a:headEnd/>
-            <a:tailEnd/>
-          </a:ln>
-        </p:spPr>
-        <p:txBody>
-          <a:bodyPr wrap="square" anchor="ctr">
-            <a:spAutoFit/>
-          </a:bodyPr>
-          <a:lstStyle/>
-          <a:p>
-            <a:pPr algn="ctr">
-              <a:tabLst>
-                <a:tab pos="457200" algn="l"/>
-              </a:tabLst>
-            </a:pPr>
-            <a:r>
-              <a:rPr lang="ru-RU" dirty="0"/>
-              <a:t>Отладка</a:t>
-            </a:r>
-          </a:p>
-          <a:p>
-            <a:pPr marL="266700" indent="-266700">
-              <a:buFontTx/>
-              <a:buChar char="•"/>
-              <a:tabLst>
-                <a:tab pos="457200" algn="l"/>
-              </a:tabLst>
-            </a:pPr>
-            <a:r>
-              <a:rPr lang="ru-RU" dirty="0"/>
-              <a:t>с использованием статического анализатора кода проведён обзор существующих аналогов;</a:t>
-            </a:r>
-          </a:p>
-          <a:p>
-            <a:pPr marL="266700" indent="-266700">
-              <a:buFontTx/>
-              <a:buChar char="•"/>
-              <a:tabLst>
-                <a:tab pos="457200" algn="l"/>
-              </a:tabLst>
-            </a:pPr>
-            <a:r>
-              <a:rPr lang="ru-RU" dirty="0"/>
-              <a:t>с использованием логгера;</a:t>
-            </a:r>
-          </a:p>
-          <a:p>
-            <a:pPr marL="266700" indent="-266700">
-              <a:buFontTx/>
-              <a:buChar char="•"/>
-              <a:tabLst>
-                <a:tab pos="457200" algn="l"/>
-              </a:tabLst>
-            </a:pPr>
-            <a:r>
-              <a:rPr lang="ru-RU" dirty="0"/>
-              <a:t>с использованием встроенного отладчика.</a:t>
-            </a:r>
-          </a:p>
-        </p:txBody>
-      </p:sp>
-      <p:sp>
-        <p:nvSpPr>
-          <p:cNvPr id="16" name="Rectangle 25">
-            <a:extLst>
-              <a:ext uri="{FF2B5EF4-FFF2-40B4-BE49-F238E27FC236}">
-                <a16:creationId xmlns:a16="http://schemas.microsoft.com/office/drawing/2014/main" id="{B590B37D-127F-E0B9-F08D-CB0315026003}"/>
-              </a:ext>
-            </a:extLst>
-          </p:cNvPr>
-          <p:cNvSpPr>
-            <a:spLocks noChangeArrowheads="1"/>
-          </p:cNvSpPr>
-          <p:nvPr/>
-        </p:nvSpPr>
-        <p:spPr bwMode="auto">
-          <a:xfrm>
-            <a:off x="4697731" y="762673"/>
-            <a:ext cx="3902819" cy="1477328"/>
-          </a:xfrm>
-          <a:prstGeom prst="rect">
-            <a:avLst/>
-          </a:prstGeom>
-          <a:noFill/>
-          <a:ln w="9525">
-            <a:noFill/>
-            <a:miter lim="800000"/>
-            <a:headEnd/>
-            <a:tailEnd/>
-          </a:ln>
-        </p:spPr>
-        <p:txBody>
-          <a:bodyPr wrap="square" anchor="ctr">
-            <a:spAutoFit/>
-          </a:bodyPr>
-          <a:lstStyle/>
-          <a:p>
-            <a:pPr algn="ctr">
-              <a:tabLst>
-                <a:tab pos="457200" algn="l"/>
-              </a:tabLst>
-            </a:pPr>
-            <a:r>
-              <a:rPr lang="ru-RU" dirty="0"/>
-              <a:t>Тестирование</a:t>
-            </a:r>
-          </a:p>
-          <a:p>
-            <a:pPr marL="266700" indent="-266700">
-              <a:buFontTx/>
-              <a:buChar char="•"/>
-              <a:tabLst>
-                <a:tab pos="457200" algn="l"/>
-              </a:tabLst>
-            </a:pPr>
-            <a:r>
-              <a:rPr lang="ru-RU" dirty="0"/>
-              <a:t>модульное тестирование методом «белого ящика»;</a:t>
-            </a:r>
-          </a:p>
-          <a:p>
-            <a:pPr marL="266700" indent="-266700">
-              <a:buFontTx/>
-              <a:buChar char="•"/>
-              <a:tabLst>
-                <a:tab pos="457200" algn="l"/>
-              </a:tabLst>
-            </a:pPr>
-            <a:r>
-              <a:rPr lang="ru-RU" dirty="0"/>
-              <a:t>интеграционное тестирование методом «черного ящика».</a:t>
-            </a:r>
-          </a:p>
-        </p:txBody>
-      </p:sp>
-      <p:pic>
-        <p:nvPicPr>
-          <p:cNvPr id="4" name="Рисунок 3">
-            <a:extLst>
-              <a:ext uri="{FF2B5EF4-FFF2-40B4-BE49-F238E27FC236}">
-                <a16:creationId xmlns:a16="http://schemas.microsoft.com/office/drawing/2014/main" id="{8D1B9CF8-FDA2-7D2F-5D8F-92F180DBB3C1}"/>
-              </a:ext>
-            </a:extLst>
-          </p:cNvPr>
-          <p:cNvPicPr>
-            <a:picLocks noChangeAspect="1"/>
-          </p:cNvPicPr>
-          <p:nvPr/>
-        </p:nvPicPr>
-        <p:blipFill>
-          <a:blip r:embed="rId2"/>
-          <a:stretch>
-            <a:fillRect/>
-          </a:stretch>
-        </p:blipFill>
-        <p:spPr>
-          <a:xfrm>
-            <a:off x="4697730" y="2898619"/>
-            <a:ext cx="3686114" cy="2474595"/>
-          </a:xfrm>
-          <a:prstGeom prst="rect">
-            <a:avLst/>
-          </a:prstGeom>
-        </p:spPr>
-      </p:pic>
-      <p:pic>
-        <p:nvPicPr>
-          <p:cNvPr id="19" name="Рисунок 18">
-            <a:extLst>
-              <a:ext uri="{FF2B5EF4-FFF2-40B4-BE49-F238E27FC236}">
-                <a16:creationId xmlns:a16="http://schemas.microsoft.com/office/drawing/2014/main" id="{7D7A6721-C286-37A2-ED80-76D860F4E1CC}"/>
-              </a:ext>
-            </a:extLst>
-          </p:cNvPr>
-          <p:cNvPicPr>
-            <a:picLocks noChangeAspect="1"/>
-          </p:cNvPicPr>
-          <p:nvPr/>
-        </p:nvPicPr>
-        <p:blipFill>
-          <a:blip r:embed="rId3"/>
-          <a:stretch>
-            <a:fillRect/>
-          </a:stretch>
-        </p:blipFill>
-        <p:spPr>
-          <a:xfrm>
-            <a:off x="496531" y="2901111"/>
-            <a:ext cx="3898345" cy="564739"/>
-          </a:xfrm>
-          <a:prstGeom prst="rect">
-            <a:avLst/>
-          </a:prstGeom>
-        </p:spPr>
-      </p:pic>
-      <p:pic>
-        <p:nvPicPr>
-          <p:cNvPr id="21" name="Рисунок 20">
-            <a:extLst>
-              <a:ext uri="{FF2B5EF4-FFF2-40B4-BE49-F238E27FC236}">
-                <a16:creationId xmlns:a16="http://schemas.microsoft.com/office/drawing/2014/main" id="{FCC5121E-C2CC-7475-05A1-A2D8E83A7178}"/>
-              </a:ext>
-            </a:extLst>
-          </p:cNvPr>
-          <p:cNvPicPr>
-            <a:picLocks noChangeAspect="1"/>
-          </p:cNvPicPr>
-          <p:nvPr/>
-        </p:nvPicPr>
-        <p:blipFill rotWithShape="1">
-          <a:blip r:embed="rId4"/>
-          <a:srcRect b="9138"/>
-          <a:stretch/>
-        </p:blipFill>
-        <p:spPr>
-          <a:xfrm>
-            <a:off x="496531" y="3658195"/>
-            <a:ext cx="3898344" cy="1715019"/>
-          </a:xfrm>
-          <a:prstGeom prst="rect">
-            <a:avLst/>
-          </a:prstGeom>
-        </p:spPr>
-      </p:pic>
-    </p:spTree>
-  </p:cSld>
-  <p:clrMapOvr>
-    <a:masterClrMapping/>
-  </p:clrMapOvr>
-</p:sld>
-</file>
-
 <file path=ppt/theme/theme1.xml><?xml version="1.0" encoding="utf-8"?>
 <a:theme xmlns:a="http://schemas.openxmlformats.org/drawingml/2006/main" name="Тема Office">
   <a:themeElements>
